--- a/midterm/SoMSummery.pptx
+++ b/midterm/SoMSummery.pptx
@@ -286,7 +286,7 @@
           <a:p>
             <a:fld id="{59135FA5-E9D9-1D4D-BA72-48379DD0F526}" type="datetimeFigureOut">
               <a:rPr lang="en-US" smtClean="0"/>
-              <a:t>10/20/22</a:t>
+              <a:t>10/20/2022</a:t>
             </a:fld>
             <a:endParaRPr lang="en-US"/>
           </a:p>
@@ -484,7 +484,7 @@
           <a:p>
             <a:fld id="{59135FA5-E9D9-1D4D-BA72-48379DD0F526}" type="datetimeFigureOut">
               <a:rPr lang="en-US" smtClean="0"/>
-              <a:t>10/20/22</a:t>
+              <a:t>10/20/2022</a:t>
             </a:fld>
             <a:endParaRPr lang="en-US"/>
           </a:p>
@@ -692,7 +692,7 @@
           <a:p>
             <a:fld id="{59135FA5-E9D9-1D4D-BA72-48379DD0F526}" type="datetimeFigureOut">
               <a:rPr lang="en-US" smtClean="0"/>
-              <a:t>10/20/22</a:t>
+              <a:t>10/20/2022</a:t>
             </a:fld>
             <a:endParaRPr lang="en-US"/>
           </a:p>
@@ -890,7 +890,7 @@
           <a:p>
             <a:fld id="{59135FA5-E9D9-1D4D-BA72-48379DD0F526}" type="datetimeFigureOut">
               <a:rPr lang="en-US" smtClean="0"/>
-              <a:t>10/20/22</a:t>
+              <a:t>10/20/2022</a:t>
             </a:fld>
             <a:endParaRPr lang="en-US"/>
           </a:p>
@@ -1165,7 +1165,7 @@
           <a:p>
             <a:fld id="{59135FA5-E9D9-1D4D-BA72-48379DD0F526}" type="datetimeFigureOut">
               <a:rPr lang="en-US" smtClean="0"/>
-              <a:t>10/20/22</a:t>
+              <a:t>10/20/2022</a:t>
             </a:fld>
             <a:endParaRPr lang="en-US"/>
           </a:p>
@@ -1430,7 +1430,7 @@
           <a:p>
             <a:fld id="{59135FA5-E9D9-1D4D-BA72-48379DD0F526}" type="datetimeFigureOut">
               <a:rPr lang="en-US" smtClean="0"/>
-              <a:t>10/20/22</a:t>
+              <a:t>10/20/2022</a:t>
             </a:fld>
             <a:endParaRPr lang="en-US"/>
           </a:p>
@@ -1842,7 +1842,7 @@
           <a:p>
             <a:fld id="{59135FA5-E9D9-1D4D-BA72-48379DD0F526}" type="datetimeFigureOut">
               <a:rPr lang="en-US" smtClean="0"/>
-              <a:t>10/20/22</a:t>
+              <a:t>10/20/2022</a:t>
             </a:fld>
             <a:endParaRPr lang="en-US"/>
           </a:p>
@@ -1983,7 +1983,7 @@
           <a:p>
             <a:fld id="{59135FA5-E9D9-1D4D-BA72-48379DD0F526}" type="datetimeFigureOut">
               <a:rPr lang="en-US" smtClean="0"/>
-              <a:t>10/20/22</a:t>
+              <a:t>10/20/2022</a:t>
             </a:fld>
             <a:endParaRPr lang="en-US"/>
           </a:p>
@@ -2096,7 +2096,7 @@
           <a:p>
             <a:fld id="{59135FA5-E9D9-1D4D-BA72-48379DD0F526}" type="datetimeFigureOut">
               <a:rPr lang="en-US" smtClean="0"/>
-              <a:t>10/20/22</a:t>
+              <a:t>10/20/2022</a:t>
             </a:fld>
             <a:endParaRPr lang="en-US"/>
           </a:p>
@@ -2407,7 +2407,7 @@
           <a:p>
             <a:fld id="{59135FA5-E9D9-1D4D-BA72-48379DD0F526}" type="datetimeFigureOut">
               <a:rPr lang="en-US" smtClean="0"/>
-              <a:t>10/20/22</a:t>
+              <a:t>10/20/2022</a:t>
             </a:fld>
             <a:endParaRPr lang="en-US"/>
           </a:p>
@@ -2695,7 +2695,7 @@
           <a:p>
             <a:fld id="{59135FA5-E9D9-1D4D-BA72-48379DD0F526}" type="datetimeFigureOut">
               <a:rPr lang="en-US" smtClean="0"/>
-              <a:t>10/20/22</a:t>
+              <a:t>10/20/2022</a:t>
             </a:fld>
             <a:endParaRPr lang="en-US"/>
           </a:p>
@@ -2936,7 +2936,7 @@
           <a:p>
             <a:fld id="{59135FA5-E9D9-1D4D-BA72-48379DD0F526}" type="datetimeFigureOut">
               <a:rPr lang="en-US" smtClean="0"/>
-              <a:t>10/20/22</a:t>
+              <a:t>10/20/2022</a:t>
             </a:fld>
             <a:endParaRPr lang="en-US"/>
           </a:p>
@@ -5795,7 +5795,7 @@
         </p:blipFill>
         <p:spPr>
           <a:xfrm>
-            <a:off x="308260" y="4197927"/>
+            <a:off x="233058" y="4197927"/>
             <a:ext cx="5982704" cy="2089689"/>
           </a:xfrm>
           <a:prstGeom prst="rect">
@@ -5817,7 +5817,7 @@
         </p:nvSpPr>
         <p:spPr>
           <a:xfrm>
-            <a:off x="6478002" y="4073237"/>
+            <a:off x="6319661" y="4073237"/>
             <a:ext cx="5713998" cy="3170099"/>
           </a:xfrm>
           <a:prstGeom prst="rect">

--- a/midterm/SoMSummery.pptx
+++ b/midterm/SoMSummery.pptx
@@ -4,6 +4,9 @@
   <p:sldMasterIdLst>
     <p:sldMasterId id="2147483648" r:id="rId1"/>
   </p:sldMasterIdLst>
+  <p:notesMasterIdLst>
+    <p:notesMasterId r:id="rId30"/>
+  </p:notesMasterIdLst>
   <p:sldIdLst>
     <p:sldId id="256" r:id="rId2"/>
     <p:sldId id="257" r:id="rId3"/>
@@ -139,6 +142,439 @@
 </p:presentation>
 </file>
 
+<file path=ppt/notesMasters/notesMaster1.xml><?xml version="1.0" encoding="utf-8"?>
+<p:notesMaster xmlns:a="http://schemas.openxmlformats.org/drawingml/2006/main" xmlns:r="http://schemas.openxmlformats.org/officeDocument/2006/relationships" xmlns:p="http://schemas.openxmlformats.org/presentationml/2006/main">
+  <p:cSld>
+    <p:bg>
+      <p:bgRef idx="1001">
+        <a:schemeClr val="bg1"/>
+      </p:bgRef>
+    </p:bg>
+    <p:spTree>
+      <p:nvGrpSpPr>
+        <p:cNvPr id="1" name=""/>
+        <p:cNvGrpSpPr/>
+        <p:nvPr/>
+      </p:nvGrpSpPr>
+      <p:grpSpPr>
+        <a:xfrm>
+          <a:off x="0" y="0"/>
+          <a:ext cx="0" cy="0"/>
+          <a:chOff x="0" y="0"/>
+          <a:chExt cx="0" cy="0"/>
+        </a:xfrm>
+      </p:grpSpPr>
+      <p:sp>
+        <p:nvSpPr>
+          <p:cNvPr id="2" name="Header Placeholder 1"/>
+          <p:cNvSpPr>
+            <a:spLocks noGrp="1"/>
+          </p:cNvSpPr>
+          <p:nvPr>
+            <p:ph type="hdr" sz="quarter"/>
+          </p:nvPr>
+        </p:nvSpPr>
+        <p:spPr>
+          <a:xfrm>
+            <a:off x="0" y="0"/>
+            <a:ext cx="2971800" cy="458788"/>
+          </a:xfrm>
+          <a:prstGeom prst="rect">
+            <a:avLst/>
+          </a:prstGeom>
+        </p:spPr>
+        <p:txBody>
+          <a:bodyPr vert="horz" lIns="91440" tIns="45720" rIns="91440" bIns="45720" rtlCol="0"/>
+          <a:lstStyle>
+            <a:lvl1pPr algn="l">
+              <a:defRPr sz="1200"/>
+            </a:lvl1pPr>
+          </a:lstStyle>
+          <a:p>
+            <a:endParaRPr lang="en-US"/>
+          </a:p>
+        </p:txBody>
+      </p:sp>
+      <p:sp>
+        <p:nvSpPr>
+          <p:cNvPr id="3" name="Date Placeholder 2"/>
+          <p:cNvSpPr>
+            <a:spLocks noGrp="1"/>
+          </p:cNvSpPr>
+          <p:nvPr>
+            <p:ph type="dt" idx="1"/>
+          </p:nvPr>
+        </p:nvSpPr>
+        <p:spPr>
+          <a:xfrm>
+            <a:off x="3884613" y="0"/>
+            <a:ext cx="2971800" cy="458788"/>
+          </a:xfrm>
+          <a:prstGeom prst="rect">
+            <a:avLst/>
+          </a:prstGeom>
+        </p:spPr>
+        <p:txBody>
+          <a:bodyPr vert="horz" lIns="91440" tIns="45720" rIns="91440" bIns="45720" rtlCol="0"/>
+          <a:lstStyle>
+            <a:lvl1pPr algn="r">
+              <a:defRPr sz="1200"/>
+            </a:lvl1pPr>
+          </a:lstStyle>
+          <a:p>
+            <a:fld id="{13167391-6225-AE43-A973-4D10B160CEAA}" type="datetimeFigureOut">
+              <a:rPr lang="en-US" smtClean="0"/>
+              <a:t>10/21/22</a:t>
+            </a:fld>
+            <a:endParaRPr lang="en-US"/>
+          </a:p>
+        </p:txBody>
+      </p:sp>
+      <p:sp>
+        <p:nvSpPr>
+          <p:cNvPr id="4" name="Slide Image Placeholder 3"/>
+          <p:cNvSpPr>
+            <a:spLocks noGrp="1" noRot="1" noChangeAspect="1"/>
+          </p:cNvSpPr>
+          <p:nvPr>
+            <p:ph type="sldImg" idx="2"/>
+          </p:nvPr>
+        </p:nvSpPr>
+        <p:spPr>
+          <a:xfrm>
+            <a:off x="685800" y="1143000"/>
+            <a:ext cx="5486400" cy="3086100"/>
+          </a:xfrm>
+          <a:prstGeom prst="rect">
+            <a:avLst/>
+          </a:prstGeom>
+          <a:noFill/>
+          <a:ln w="12700">
+            <a:solidFill>
+              <a:prstClr val="black"/>
+            </a:solidFill>
+          </a:ln>
+        </p:spPr>
+        <p:txBody>
+          <a:bodyPr vert="horz" lIns="91440" tIns="45720" rIns="91440" bIns="45720" rtlCol="0" anchor="ctr"/>
+          <a:lstStyle/>
+          <a:p>
+            <a:endParaRPr lang="en-US"/>
+          </a:p>
+        </p:txBody>
+      </p:sp>
+      <p:sp>
+        <p:nvSpPr>
+          <p:cNvPr id="5" name="Notes Placeholder 4"/>
+          <p:cNvSpPr>
+            <a:spLocks noGrp="1"/>
+          </p:cNvSpPr>
+          <p:nvPr>
+            <p:ph type="body" sz="quarter" idx="3"/>
+          </p:nvPr>
+        </p:nvSpPr>
+        <p:spPr>
+          <a:xfrm>
+            <a:off x="685800" y="4400550"/>
+            <a:ext cx="5486400" cy="3600450"/>
+          </a:xfrm>
+          <a:prstGeom prst="rect">
+            <a:avLst/>
+          </a:prstGeom>
+        </p:spPr>
+        <p:txBody>
+          <a:bodyPr vert="horz" lIns="91440" tIns="45720" rIns="91440" bIns="45720" rtlCol="0"/>
+          <a:lstStyle/>
+          <a:p>
+            <a:pPr lvl="0"/>
+            <a:r>
+              <a:rPr lang="en-US"/>
+              <a:t>Click to edit Master text styles</a:t>
+            </a:r>
+          </a:p>
+          <a:p>
+            <a:pPr lvl="1"/>
+            <a:r>
+              <a:rPr lang="en-US"/>
+              <a:t>Second level</a:t>
+            </a:r>
+          </a:p>
+          <a:p>
+            <a:pPr lvl="2"/>
+            <a:r>
+              <a:rPr lang="en-US"/>
+              <a:t>Third level</a:t>
+            </a:r>
+          </a:p>
+          <a:p>
+            <a:pPr lvl="3"/>
+            <a:r>
+              <a:rPr lang="en-US"/>
+              <a:t>Fourth level</a:t>
+            </a:r>
+          </a:p>
+          <a:p>
+            <a:pPr lvl="4"/>
+            <a:r>
+              <a:rPr lang="en-US"/>
+              <a:t>Fifth level</a:t>
+            </a:r>
+          </a:p>
+        </p:txBody>
+      </p:sp>
+      <p:sp>
+        <p:nvSpPr>
+          <p:cNvPr id="6" name="Footer Placeholder 5"/>
+          <p:cNvSpPr>
+            <a:spLocks noGrp="1"/>
+          </p:cNvSpPr>
+          <p:nvPr>
+            <p:ph type="ftr" sz="quarter" idx="4"/>
+          </p:nvPr>
+        </p:nvSpPr>
+        <p:spPr>
+          <a:xfrm>
+            <a:off x="0" y="8685213"/>
+            <a:ext cx="2971800" cy="458787"/>
+          </a:xfrm>
+          <a:prstGeom prst="rect">
+            <a:avLst/>
+          </a:prstGeom>
+        </p:spPr>
+        <p:txBody>
+          <a:bodyPr vert="horz" lIns="91440" tIns="45720" rIns="91440" bIns="45720" rtlCol="0" anchor="b"/>
+          <a:lstStyle>
+            <a:lvl1pPr algn="l">
+              <a:defRPr sz="1200"/>
+            </a:lvl1pPr>
+          </a:lstStyle>
+          <a:p>
+            <a:endParaRPr lang="en-US"/>
+          </a:p>
+        </p:txBody>
+      </p:sp>
+      <p:sp>
+        <p:nvSpPr>
+          <p:cNvPr id="7" name="Slide Number Placeholder 6"/>
+          <p:cNvSpPr>
+            <a:spLocks noGrp="1"/>
+          </p:cNvSpPr>
+          <p:nvPr>
+            <p:ph type="sldNum" sz="quarter" idx="5"/>
+          </p:nvPr>
+        </p:nvSpPr>
+        <p:spPr>
+          <a:xfrm>
+            <a:off x="3884613" y="8685213"/>
+            <a:ext cx="2971800" cy="458787"/>
+          </a:xfrm>
+          <a:prstGeom prst="rect">
+            <a:avLst/>
+          </a:prstGeom>
+        </p:spPr>
+        <p:txBody>
+          <a:bodyPr vert="horz" lIns="91440" tIns="45720" rIns="91440" bIns="45720" rtlCol="0" anchor="b"/>
+          <a:lstStyle>
+            <a:lvl1pPr algn="r">
+              <a:defRPr sz="1200"/>
+            </a:lvl1pPr>
+          </a:lstStyle>
+          <a:p>
+            <a:fld id="{F8B1E648-C780-274E-AE47-5B119BD85B59}" type="slidenum">
+              <a:rPr lang="en-US" smtClean="0"/>
+              <a:t>‹#›</a:t>
+            </a:fld>
+            <a:endParaRPr lang="en-US"/>
+          </a:p>
+        </p:txBody>
+      </p:sp>
+    </p:spTree>
+    <p:extLst>
+      <p:ext uri="{BB962C8B-B14F-4D97-AF65-F5344CB8AC3E}">
+        <p14:creationId xmlns:p14="http://schemas.microsoft.com/office/powerpoint/2010/main" val="4267783459"/>
+      </p:ext>
+    </p:extLst>
+  </p:cSld>
+  <p:clrMap bg1="lt1" tx1="dk1" bg2="lt2" tx2="dk2" accent1="accent1" accent2="accent2" accent3="accent3" accent4="accent4" accent5="accent5" accent6="accent6" hlink="hlink" folHlink="folHlink"/>
+  <p:notesStyle>
+    <a:lvl1pPr marL="0" algn="l" defTabSz="914400" rtl="0" eaLnBrk="1" latinLnBrk="0" hangingPunct="1">
+      <a:defRPr sz="1200" kern="1200">
+        <a:solidFill>
+          <a:schemeClr val="tx1"/>
+        </a:solidFill>
+        <a:latin typeface="+mn-lt"/>
+        <a:ea typeface="+mn-ea"/>
+        <a:cs typeface="+mn-cs"/>
+      </a:defRPr>
+    </a:lvl1pPr>
+    <a:lvl2pPr marL="457200" algn="l" defTabSz="914400" rtl="0" eaLnBrk="1" latinLnBrk="0" hangingPunct="1">
+      <a:defRPr sz="1200" kern="1200">
+        <a:solidFill>
+          <a:schemeClr val="tx1"/>
+        </a:solidFill>
+        <a:latin typeface="+mn-lt"/>
+        <a:ea typeface="+mn-ea"/>
+        <a:cs typeface="+mn-cs"/>
+      </a:defRPr>
+    </a:lvl2pPr>
+    <a:lvl3pPr marL="914400" algn="l" defTabSz="914400" rtl="0" eaLnBrk="1" latinLnBrk="0" hangingPunct="1">
+      <a:defRPr sz="1200" kern="1200">
+        <a:solidFill>
+          <a:schemeClr val="tx1"/>
+        </a:solidFill>
+        <a:latin typeface="+mn-lt"/>
+        <a:ea typeface="+mn-ea"/>
+        <a:cs typeface="+mn-cs"/>
+      </a:defRPr>
+    </a:lvl3pPr>
+    <a:lvl4pPr marL="1371600" algn="l" defTabSz="914400" rtl="0" eaLnBrk="1" latinLnBrk="0" hangingPunct="1">
+      <a:defRPr sz="1200" kern="1200">
+        <a:solidFill>
+          <a:schemeClr val="tx1"/>
+        </a:solidFill>
+        <a:latin typeface="+mn-lt"/>
+        <a:ea typeface="+mn-ea"/>
+        <a:cs typeface="+mn-cs"/>
+      </a:defRPr>
+    </a:lvl4pPr>
+    <a:lvl5pPr marL="1828800" algn="l" defTabSz="914400" rtl="0" eaLnBrk="1" latinLnBrk="0" hangingPunct="1">
+      <a:defRPr sz="1200" kern="1200">
+        <a:solidFill>
+          <a:schemeClr val="tx1"/>
+        </a:solidFill>
+        <a:latin typeface="+mn-lt"/>
+        <a:ea typeface="+mn-ea"/>
+        <a:cs typeface="+mn-cs"/>
+      </a:defRPr>
+    </a:lvl5pPr>
+    <a:lvl6pPr marL="2286000" algn="l" defTabSz="914400" rtl="0" eaLnBrk="1" latinLnBrk="0" hangingPunct="1">
+      <a:defRPr sz="1200" kern="1200">
+        <a:solidFill>
+          <a:schemeClr val="tx1"/>
+        </a:solidFill>
+        <a:latin typeface="+mn-lt"/>
+        <a:ea typeface="+mn-ea"/>
+        <a:cs typeface="+mn-cs"/>
+      </a:defRPr>
+    </a:lvl6pPr>
+    <a:lvl7pPr marL="2743200" algn="l" defTabSz="914400" rtl="0" eaLnBrk="1" latinLnBrk="0" hangingPunct="1">
+      <a:defRPr sz="1200" kern="1200">
+        <a:solidFill>
+          <a:schemeClr val="tx1"/>
+        </a:solidFill>
+        <a:latin typeface="+mn-lt"/>
+        <a:ea typeface="+mn-ea"/>
+        <a:cs typeface="+mn-cs"/>
+      </a:defRPr>
+    </a:lvl7pPr>
+    <a:lvl8pPr marL="3200400" algn="l" defTabSz="914400" rtl="0" eaLnBrk="1" latinLnBrk="0" hangingPunct="1">
+      <a:defRPr sz="1200" kern="1200">
+        <a:solidFill>
+          <a:schemeClr val="tx1"/>
+        </a:solidFill>
+        <a:latin typeface="+mn-lt"/>
+        <a:ea typeface="+mn-ea"/>
+        <a:cs typeface="+mn-cs"/>
+      </a:defRPr>
+    </a:lvl8pPr>
+    <a:lvl9pPr marL="3657600" algn="l" defTabSz="914400" rtl="0" eaLnBrk="1" latinLnBrk="0" hangingPunct="1">
+      <a:defRPr sz="1200" kern="1200">
+        <a:solidFill>
+          <a:schemeClr val="tx1"/>
+        </a:solidFill>
+        <a:latin typeface="+mn-lt"/>
+        <a:ea typeface="+mn-ea"/>
+        <a:cs typeface="+mn-cs"/>
+      </a:defRPr>
+    </a:lvl9pPr>
+  </p:notesStyle>
+</p:notesMaster>
+</file>
+
+<file path=ppt/notesSlides/notesSlide1.xml><?xml version="1.0" encoding="utf-8"?>
+<p:notes xmlns:a="http://schemas.openxmlformats.org/drawingml/2006/main" xmlns:r="http://schemas.openxmlformats.org/officeDocument/2006/relationships" xmlns:p="http://schemas.openxmlformats.org/presentationml/2006/main">
+  <p:cSld>
+    <p:spTree>
+      <p:nvGrpSpPr>
+        <p:cNvPr id="1" name=""/>
+        <p:cNvGrpSpPr/>
+        <p:nvPr/>
+      </p:nvGrpSpPr>
+      <p:grpSpPr>
+        <a:xfrm>
+          <a:off x="0" y="0"/>
+          <a:ext cx="0" cy="0"/>
+          <a:chOff x="0" y="0"/>
+          <a:chExt cx="0" cy="0"/>
+        </a:xfrm>
+      </p:grpSpPr>
+      <p:sp>
+        <p:nvSpPr>
+          <p:cNvPr id="2" name="Slide Image Placeholder 1"/>
+          <p:cNvSpPr>
+            <a:spLocks noGrp="1" noRot="1" noChangeAspect="1"/>
+          </p:cNvSpPr>
+          <p:nvPr>
+            <p:ph type="sldImg"/>
+          </p:nvPr>
+        </p:nvSpPr>
+        <p:spPr/>
+      </p:sp>
+      <p:sp>
+        <p:nvSpPr>
+          <p:cNvPr id="3" name="Notes Placeholder 2"/>
+          <p:cNvSpPr>
+            <a:spLocks noGrp="1"/>
+          </p:cNvSpPr>
+          <p:nvPr>
+            <p:ph type="body" idx="1"/>
+          </p:nvPr>
+        </p:nvSpPr>
+        <p:spPr/>
+        <p:txBody>
+          <a:bodyPr/>
+          <a:lstStyle/>
+          <a:p>
+            <a:endParaRPr lang="en-US" dirty="0"/>
+          </a:p>
+        </p:txBody>
+      </p:sp>
+      <p:sp>
+        <p:nvSpPr>
+          <p:cNvPr id="4" name="Slide Number Placeholder 3"/>
+          <p:cNvSpPr>
+            <a:spLocks noGrp="1"/>
+          </p:cNvSpPr>
+          <p:nvPr>
+            <p:ph type="sldNum" sz="quarter" idx="5"/>
+          </p:nvPr>
+        </p:nvSpPr>
+        <p:spPr/>
+        <p:txBody>
+          <a:bodyPr/>
+          <a:lstStyle/>
+          <a:p>
+            <a:fld id="{F8B1E648-C780-274E-AE47-5B119BD85B59}" type="slidenum">
+              <a:rPr lang="en-US" smtClean="0"/>
+              <a:t>19</a:t>
+            </a:fld>
+            <a:endParaRPr lang="en-US"/>
+          </a:p>
+        </p:txBody>
+      </p:sp>
+    </p:spTree>
+    <p:extLst>
+      <p:ext uri="{BB962C8B-B14F-4D97-AF65-F5344CB8AC3E}">
+        <p14:creationId xmlns:p14="http://schemas.microsoft.com/office/powerpoint/2010/main" val="3314166564"/>
+      </p:ext>
+    </p:extLst>
+  </p:cSld>
+  <p:clrMapOvr>
+    <a:masterClrMapping/>
+  </p:clrMapOvr>
+</p:notes>
+</file>
+
 <file path=ppt/slideLayouts/slideLayout1.xml><?xml version="1.0" encoding="utf-8"?>
 <p:sldLayout xmlns:a="http://schemas.openxmlformats.org/drawingml/2006/main" xmlns:r="http://schemas.openxmlformats.org/officeDocument/2006/relationships" xmlns:p="http://schemas.openxmlformats.org/presentationml/2006/main" type="title" preserve="1">
   <p:cSld name="Title Slide">
@@ -286,7 +722,7 @@
           <a:p>
             <a:fld id="{59135FA5-E9D9-1D4D-BA72-48379DD0F526}" type="datetimeFigureOut">
               <a:rPr lang="en-US" smtClean="0"/>
-              <a:t>10/20/2022</a:t>
+              <a:t>10/21/22</a:t>
             </a:fld>
             <a:endParaRPr lang="en-US"/>
           </a:p>
@@ -484,7 +920,7 @@
           <a:p>
             <a:fld id="{59135FA5-E9D9-1D4D-BA72-48379DD0F526}" type="datetimeFigureOut">
               <a:rPr lang="en-US" smtClean="0"/>
-              <a:t>10/20/2022</a:t>
+              <a:t>10/21/22</a:t>
             </a:fld>
             <a:endParaRPr lang="en-US"/>
           </a:p>
@@ -692,7 +1128,7 @@
           <a:p>
             <a:fld id="{59135FA5-E9D9-1D4D-BA72-48379DD0F526}" type="datetimeFigureOut">
               <a:rPr lang="en-US" smtClean="0"/>
-              <a:t>10/20/2022</a:t>
+              <a:t>10/21/22</a:t>
             </a:fld>
             <a:endParaRPr lang="en-US"/>
           </a:p>
@@ -890,7 +1326,7 @@
           <a:p>
             <a:fld id="{59135FA5-E9D9-1D4D-BA72-48379DD0F526}" type="datetimeFigureOut">
               <a:rPr lang="en-US" smtClean="0"/>
-              <a:t>10/20/2022</a:t>
+              <a:t>10/21/22</a:t>
             </a:fld>
             <a:endParaRPr lang="en-US"/>
           </a:p>
@@ -1165,7 +1601,7 @@
           <a:p>
             <a:fld id="{59135FA5-E9D9-1D4D-BA72-48379DD0F526}" type="datetimeFigureOut">
               <a:rPr lang="en-US" smtClean="0"/>
-              <a:t>10/20/2022</a:t>
+              <a:t>10/21/22</a:t>
             </a:fld>
             <a:endParaRPr lang="en-US"/>
           </a:p>
@@ -1430,7 +1866,7 @@
           <a:p>
             <a:fld id="{59135FA5-E9D9-1D4D-BA72-48379DD0F526}" type="datetimeFigureOut">
               <a:rPr lang="en-US" smtClean="0"/>
-              <a:t>10/20/2022</a:t>
+              <a:t>10/21/22</a:t>
             </a:fld>
             <a:endParaRPr lang="en-US"/>
           </a:p>
@@ -1842,7 +2278,7 @@
           <a:p>
             <a:fld id="{59135FA5-E9D9-1D4D-BA72-48379DD0F526}" type="datetimeFigureOut">
               <a:rPr lang="en-US" smtClean="0"/>
-              <a:t>10/20/2022</a:t>
+              <a:t>10/21/22</a:t>
             </a:fld>
             <a:endParaRPr lang="en-US"/>
           </a:p>
@@ -1983,7 +2419,7 @@
           <a:p>
             <a:fld id="{59135FA5-E9D9-1D4D-BA72-48379DD0F526}" type="datetimeFigureOut">
               <a:rPr lang="en-US" smtClean="0"/>
-              <a:t>10/20/2022</a:t>
+              <a:t>10/21/22</a:t>
             </a:fld>
             <a:endParaRPr lang="en-US"/>
           </a:p>
@@ -2096,7 +2532,7 @@
           <a:p>
             <a:fld id="{59135FA5-E9D9-1D4D-BA72-48379DD0F526}" type="datetimeFigureOut">
               <a:rPr lang="en-US" smtClean="0"/>
-              <a:t>10/20/2022</a:t>
+              <a:t>10/21/22</a:t>
             </a:fld>
             <a:endParaRPr lang="en-US"/>
           </a:p>
@@ -2407,7 +2843,7 @@
           <a:p>
             <a:fld id="{59135FA5-E9D9-1D4D-BA72-48379DD0F526}" type="datetimeFigureOut">
               <a:rPr lang="en-US" smtClean="0"/>
-              <a:t>10/20/2022</a:t>
+              <a:t>10/21/22</a:t>
             </a:fld>
             <a:endParaRPr lang="en-US"/>
           </a:p>
@@ -2695,7 +3131,7 @@
           <a:p>
             <a:fld id="{59135FA5-E9D9-1D4D-BA72-48379DD0F526}" type="datetimeFigureOut">
               <a:rPr lang="en-US" smtClean="0"/>
-              <a:t>10/20/2022</a:t>
+              <a:t>10/21/22</a:t>
             </a:fld>
             <a:endParaRPr lang="en-US"/>
           </a:p>
@@ -2936,7 +3372,7 @@
           <a:p>
             <a:fld id="{59135FA5-E9D9-1D4D-BA72-48379DD0F526}" type="datetimeFigureOut">
               <a:rPr lang="en-US" smtClean="0"/>
-              <a:t>10/20/2022</a:t>
+              <a:t>10/21/22</a:t>
             </a:fld>
             <a:endParaRPr lang="en-US"/>
           </a:p>
@@ -4210,7 +4646,272 @@
           <a:bodyPr/>
           <a:lstStyle/>
           <a:p>
-            <a:endParaRPr lang="en-US"/>
+            <a:r>
+              <a:rPr lang="en-US" sz="2400" dirty="0">
+                <a:effectLst/>
+                <a:latin typeface="+mj-lt"/>
+              </a:rPr>
+              <a:t>A rigorous definition of the components of the information,</a:t>
+            </a:r>
+            <a:r>
+              <a:rPr lang="zh-CN" altLang="en-US" sz="2400" dirty="0">
+                <a:effectLst/>
+                <a:latin typeface="+mj-lt"/>
+              </a:rPr>
+              <a:t> </a:t>
+            </a:r>
+            <a:r>
+              <a:rPr lang="en-US" sz="2400" dirty="0">
+                <a:effectLst/>
+                <a:latin typeface="+mj-lt"/>
+              </a:rPr>
+              <a:t>specifying</a:t>
+            </a:r>
+            <a:r>
+              <a:rPr lang="zh-CN" altLang="en-US" sz="2400" dirty="0">
+                <a:effectLst/>
+                <a:latin typeface="+mj-lt"/>
+              </a:rPr>
+              <a:t> </a:t>
+            </a:r>
+            <a:r>
+              <a:rPr lang="en-US" sz="2400" dirty="0">
+                <a:effectLst/>
+                <a:latin typeface="+mj-lt"/>
+              </a:rPr>
+              <a:t>their</a:t>
+            </a:r>
+            <a:r>
+              <a:rPr lang="zh-CN" altLang="en-US" sz="2400" dirty="0">
+                <a:effectLst/>
+                <a:latin typeface="+mj-lt"/>
+              </a:rPr>
+              <a:t> </a:t>
+            </a:r>
+            <a:r>
+              <a:rPr lang="en-US" sz="2400" b="1" dirty="0">
+                <a:effectLst/>
+                <a:latin typeface="+mj-lt"/>
+              </a:rPr>
+              <a:t>number,</a:t>
+            </a:r>
+            <a:r>
+              <a:rPr lang="zh-CN" altLang="en-US" sz="2400" b="1" dirty="0">
+                <a:effectLst/>
+                <a:latin typeface="+mj-lt"/>
+              </a:rPr>
+              <a:t> </a:t>
+            </a:r>
+            <a:r>
+              <a:rPr lang="en-US" sz="2400" b="1" dirty="0">
+                <a:effectLst/>
+                <a:latin typeface="+mj-lt"/>
+              </a:rPr>
+              <a:t>level,</a:t>
+            </a:r>
+            <a:r>
+              <a:rPr lang="zh-CN" altLang="en-US" sz="2400" b="1" dirty="0">
+                <a:effectLst/>
+                <a:latin typeface="+mj-lt"/>
+              </a:rPr>
+              <a:t> </a:t>
+            </a:r>
+            <a:r>
+              <a:rPr lang="en-US" sz="2400" b="1" dirty="0">
+                <a:effectLst/>
+                <a:latin typeface="+mj-lt"/>
+              </a:rPr>
+              <a:t>and</a:t>
+            </a:r>
+            <a:r>
+              <a:rPr lang="zh-CN" altLang="en-US" sz="2400" b="1" dirty="0">
+                <a:effectLst/>
+                <a:latin typeface="+mj-lt"/>
+              </a:rPr>
+              <a:t> </a:t>
+            </a:r>
+            <a:r>
+              <a:rPr lang="en-US" sz="2400" b="1" dirty="0">
+                <a:effectLst/>
+                <a:latin typeface="+mj-lt"/>
+              </a:rPr>
+              <a:t>length</a:t>
+            </a:r>
+            <a:r>
+              <a:rPr lang="en-US" sz="2400" dirty="0">
+                <a:effectLst/>
+                <a:latin typeface="+mj-lt"/>
+              </a:rPr>
+              <a:t>,</a:t>
+            </a:r>
+            <a:r>
+              <a:rPr lang="zh-CN" altLang="en-US" sz="2400" dirty="0">
+                <a:effectLst/>
+                <a:latin typeface="+mj-lt"/>
+              </a:rPr>
+              <a:t> </a:t>
+            </a:r>
+            <a:r>
+              <a:rPr lang="en-US" sz="2400" dirty="0">
+                <a:effectLst/>
+                <a:latin typeface="+mj-lt"/>
+              </a:rPr>
+              <a:t>must</a:t>
+            </a:r>
+            <a:r>
+              <a:rPr lang="zh-CN" altLang="en-US" sz="2400" dirty="0">
+                <a:effectLst/>
+                <a:latin typeface="+mj-lt"/>
+              </a:rPr>
+              <a:t> </a:t>
+            </a:r>
+            <a:r>
+              <a:rPr lang="en-US" sz="2400" dirty="0">
+                <a:effectLst/>
+                <a:latin typeface="+mj-lt"/>
+              </a:rPr>
+              <a:t>precede</a:t>
+            </a:r>
+            <a:r>
+              <a:rPr lang="zh-CN" altLang="en-US" sz="2400" dirty="0">
+                <a:effectLst/>
+                <a:latin typeface="+mj-lt"/>
+              </a:rPr>
+              <a:t> </a:t>
+            </a:r>
+            <a:r>
+              <a:rPr lang="en-US" sz="2400" dirty="0">
+                <a:effectLst/>
+                <a:latin typeface="+mj-lt"/>
+              </a:rPr>
+              <a:t>any</a:t>
+            </a:r>
+            <a:r>
+              <a:rPr lang="zh-CN" altLang="en-US" sz="2400" dirty="0">
+                <a:effectLst/>
+                <a:latin typeface="+mj-lt"/>
+              </a:rPr>
+              <a:t> </a:t>
+            </a:r>
+            <a:r>
+              <a:rPr lang="en-US" sz="2400" u="sng" dirty="0">
+                <a:effectLst/>
+                <a:latin typeface="+mj-lt"/>
+              </a:rPr>
+              <a:t>graphic</a:t>
+            </a:r>
+            <a:r>
+              <a:rPr lang="zh-CN" altLang="en-US" sz="2400" u="sng" dirty="0">
+                <a:effectLst/>
+                <a:latin typeface="+mj-lt"/>
+              </a:rPr>
+              <a:t> </a:t>
+            </a:r>
+            <a:r>
+              <a:rPr lang="en-US" sz="2400" u="sng" dirty="0">
+                <a:effectLst/>
+                <a:latin typeface="+mj-lt"/>
+              </a:rPr>
+              <a:t>construction</a:t>
+            </a:r>
+            <a:r>
+              <a:rPr lang="en-US" sz="2400" dirty="0">
+                <a:effectLst/>
+                <a:latin typeface="+mj-lt"/>
+              </a:rPr>
+              <a:t>. </a:t>
+            </a:r>
+          </a:p>
+          <a:p>
+            <a:endParaRPr lang="en-US" sz="200" dirty="0">
+              <a:effectLst/>
+              <a:latin typeface="+mj-lt"/>
+            </a:endParaRPr>
+          </a:p>
+          <a:p>
+            <a:r>
+              <a:rPr lang="en-US" dirty="0"/>
+              <a:t>T</a:t>
+            </a:r>
+            <a:r>
+              <a:rPr lang="en-US" dirty="0">
+                <a:effectLst/>
+              </a:rPr>
+              <a:t>he general </a:t>
+            </a:r>
+            <a:r>
+              <a:rPr lang="en-US" u="sng" dirty="0">
+                <a:effectLst/>
+              </a:rPr>
+              <a:t>rules</a:t>
+            </a:r>
+            <a:r>
+              <a:rPr lang="en-US" dirty="0">
+                <a:effectLst/>
+              </a:rPr>
+              <a:t> of graphic construction: </a:t>
+            </a:r>
+            <a:endParaRPr lang="en-US" dirty="0"/>
+          </a:p>
+          <a:p>
+            <a:pPr marL="0" indent="0">
+              <a:buNone/>
+            </a:pPr>
+            <a:r>
+              <a:rPr lang="en-US" sz="2400" dirty="0">
+                <a:latin typeface="+mj-lt"/>
+              </a:rPr>
+              <a:t>    1. </a:t>
+            </a:r>
+            <a:r>
+              <a:rPr lang="en-US" sz="2400" dirty="0">
+                <a:effectLst/>
+                <a:latin typeface="+mj-lt"/>
+              </a:rPr>
+              <a:t>To represent the information in a single image, </a:t>
+            </a:r>
+            <a:endParaRPr lang="en-US" sz="2400" dirty="0">
+              <a:latin typeface="+mj-lt"/>
+            </a:endParaRPr>
+          </a:p>
+          <a:p>
+            <a:pPr marL="0" indent="0">
+              <a:buNone/>
+            </a:pPr>
+            <a:r>
+              <a:rPr lang="en-US" sz="2400" dirty="0">
+                <a:latin typeface="+mj-lt"/>
+              </a:rPr>
+              <a:t>    2. To simplify the image without reducing the umber of correspondences.</a:t>
+            </a:r>
+          </a:p>
+          <a:p>
+            <a:pPr marL="0" indent="0">
+              <a:buNone/>
+            </a:pPr>
+            <a:r>
+              <a:rPr lang="en-US" sz="2400" dirty="0">
+                <a:latin typeface="+mj-lt"/>
+              </a:rPr>
+              <a:t>    3. To simplify the image by reduction.</a:t>
+            </a:r>
+          </a:p>
+          <a:p>
+            <a:pPr marL="0" indent="0">
+              <a:buNone/>
+            </a:pPr>
+            <a:endParaRPr lang="en-US" sz="200" dirty="0">
+              <a:latin typeface="+mj-lt"/>
+            </a:endParaRPr>
+          </a:p>
+          <a:p>
+            <a:r>
+              <a:rPr lang="en-US" sz="2400" dirty="0"/>
+              <a:t>These rules are represented by the standard schemas which follow in next page.</a:t>
+            </a:r>
+          </a:p>
+          <a:p>
+            <a:endParaRPr lang="en-US" dirty="0"/>
           </a:p>
         </p:txBody>
       </p:sp>
@@ -4260,21 +4961,43 @@
             <p:ph type="title"/>
           </p:nvPr>
         </p:nvSpPr>
-        <p:spPr/>
-        <p:txBody>
-          <a:bodyPr/>
-          <a:lstStyle/>
-          <a:p>
-            <a:endParaRPr lang="en-US"/>
-          </a:p>
-        </p:txBody>
-      </p:sp>
-      <p:sp>
-        <p:nvSpPr>
-          <p:cNvPr id="3" name="Content Placeholder 2">
-            <a:extLst>
-              <a:ext uri="{FF2B5EF4-FFF2-40B4-BE49-F238E27FC236}">
-                <a16:creationId xmlns:a16="http://schemas.microsoft.com/office/drawing/2014/main" id="{7EA7C2B4-AA16-3485-2463-7CEF30680C57}"/>
+        <p:spPr>
+          <a:xfrm>
+            <a:off x="737755" y="456566"/>
+            <a:ext cx="10616045" cy="923348"/>
+          </a:xfrm>
+        </p:spPr>
+        <p:txBody>
+          <a:bodyPr>
+            <a:normAutofit/>
+          </a:bodyPr>
+          <a:lstStyle/>
+          <a:p>
+            <a:r>
+              <a:rPr lang="en-US" sz="4000" b="1" dirty="0"/>
+              <a:t>Standard</a:t>
+            </a:r>
+            <a:r>
+              <a:rPr lang="zh-CN" altLang="en-US" sz="4000" b="1" dirty="0"/>
+              <a:t> </a:t>
+            </a:r>
+            <a:r>
+              <a:rPr lang="en-US" altLang="zh-CN" sz="4000" b="1" dirty="0"/>
+              <a:t>s</a:t>
+            </a:r>
+            <a:r>
+              <a:rPr lang="en-US" sz="4000" b="1" dirty="0"/>
+              <a:t>chemas</a:t>
+            </a:r>
+          </a:p>
+        </p:txBody>
+      </p:sp>
+      <p:sp>
+        <p:nvSpPr>
+          <p:cNvPr id="7" name="Content Placeholder 6">
+            <a:extLst>
+              <a:ext uri="{FF2B5EF4-FFF2-40B4-BE49-F238E27FC236}">
+                <a16:creationId xmlns:a16="http://schemas.microsoft.com/office/drawing/2014/main" id="{6FF8F7C3-8617-E9E6-9E4C-07514F066A27}"/>
               </a:ext>
             </a:extLst>
           </p:cNvPr>
@@ -4285,12 +5008,130 @@
             <p:ph idx="1"/>
           </p:nvPr>
         </p:nvSpPr>
-        <p:spPr/>
-        <p:txBody>
-          <a:bodyPr/>
-          <a:lstStyle/>
-          <a:p>
-            <a:endParaRPr lang="en-US"/>
+        <p:spPr>
+          <a:xfrm>
+            <a:off x="904008" y="1478626"/>
+            <a:ext cx="10811742" cy="4624994"/>
+          </a:xfrm>
+        </p:spPr>
+        <p:txBody>
+          <a:bodyPr>
+            <a:normAutofit fontScale="92500" lnSpcReduction="10000"/>
+          </a:bodyPr>
+          <a:lstStyle/>
+          <a:p>
+            <a:pPr marL="0" indent="0">
+              <a:buNone/>
+            </a:pPr>
+            <a:r>
+              <a:rPr lang="en-US" dirty="0"/>
+              <a:t>1.   Diagrams</a:t>
+            </a:r>
+          </a:p>
+          <a:p>
+            <a:pPr marL="0" indent="0">
+              <a:buNone/>
+            </a:pPr>
+            <a:r>
+              <a:rPr lang="en-US" dirty="0"/>
+              <a:t>2.   An inventory drawing (figure5,comprehensive)</a:t>
+            </a:r>
+          </a:p>
+          <a:p>
+            <a:pPr marL="0" indent="0">
+              <a:buNone/>
+            </a:pPr>
+            <a:r>
+              <a:rPr lang="en-US" sz="2400" dirty="0">
+                <a:latin typeface="+mj-lt"/>
+              </a:rPr>
+              <a:t>This is easy to draft but must be reread, point by point, for comparisons.</a:t>
+            </a:r>
+          </a:p>
+          <a:p>
+            <a:pPr marL="0" indent="0">
+              <a:buNone/>
+            </a:pPr>
+            <a:r>
+              <a:rPr lang="en-US" dirty="0"/>
+              <a:t>3.   Processing graphics </a:t>
+            </a:r>
+          </a:p>
+          <a:p>
+            <a:pPr marL="0" indent="0">
+              <a:buNone/>
+            </a:pPr>
+            <a:r>
+              <a:rPr lang="en-US" dirty="0"/>
+              <a:t>4.   The drawing of</a:t>
+            </a:r>
+            <a:r>
+              <a:rPr lang="zh-CN" altLang="en-US" dirty="0"/>
+              <a:t> </a:t>
+            </a:r>
+            <a:r>
+              <a:rPr lang="en-US" dirty="0"/>
+              <a:t>a “message” (figure 5,simplified) </a:t>
+            </a:r>
+          </a:p>
+          <a:p>
+            <a:pPr marL="0" indent="0">
+              <a:buNone/>
+            </a:pPr>
+            <a:r>
+              <a:rPr lang="en-US" sz="2400" dirty="0">
+                <a:latin typeface="+mj-lt"/>
+              </a:rPr>
+              <a:t>This generally involves an image-figuration superimposition. </a:t>
+            </a:r>
+          </a:p>
+          <a:p>
+            <a:pPr marL="0" indent="0">
+              <a:buNone/>
+            </a:pPr>
+            <a:r>
+              <a:rPr lang="en-US" dirty="0"/>
+              <a:t>5.   Networks</a:t>
+            </a:r>
+          </a:p>
+          <a:p>
+            <a:pPr marL="0" indent="0">
+              <a:buNone/>
+            </a:pPr>
+            <a:r>
+              <a:rPr lang="en-US" sz="2400" dirty="0">
+                <a:effectLst/>
+                <a:latin typeface="+mj-lt"/>
+              </a:rPr>
+              <a:t>This construction immediately displays the principal characteristics of the information</a:t>
+            </a:r>
+            <a:r>
+              <a:rPr lang="en-US" altLang="zh-CN" sz="2400" dirty="0">
+                <a:latin typeface="+mj-lt"/>
+              </a:rPr>
+              <a:t>.</a:t>
+            </a:r>
+            <a:endParaRPr lang="en-US" altLang="zh-CN" dirty="0"/>
+          </a:p>
+          <a:p>
+            <a:pPr marL="0" indent="0">
+              <a:buNone/>
+            </a:pPr>
+            <a:r>
+              <a:rPr lang="en-US" dirty="0"/>
+              <a:t>6.   Maps</a:t>
+            </a:r>
+          </a:p>
+          <a:p>
+            <a:pPr marL="0" indent="0">
+              <a:buNone/>
+            </a:pPr>
+            <a:r>
+              <a:rPr lang="en-US" sz="2400" dirty="0">
+                <a:latin typeface="+mj-lt"/>
+              </a:rPr>
+              <a:t>Information which includes a geographic component can be constructed according to any of the three impositions - DIAGRAM, NETWORK, OR MAP.</a:t>
+            </a:r>
           </a:p>
         </p:txBody>
       </p:sp>
@@ -4540,6 +5381,14 @@
 <file path=ppt/slides/slide20.xml><?xml version="1.0" encoding="utf-8"?>
 <p:sld xmlns:a="http://schemas.openxmlformats.org/drawingml/2006/main" xmlns:r="http://schemas.openxmlformats.org/officeDocument/2006/relationships" xmlns:p="http://schemas.openxmlformats.org/presentationml/2006/main">
   <p:cSld>
+    <p:bg>
+      <p:bgPr>
+        <a:solidFill>
+          <a:schemeClr val="bg1"/>
+        </a:solidFill>
+        <a:effectLst/>
+      </p:bgPr>
+    </p:bg>
     <p:spTree>
       <p:nvGrpSpPr>
         <p:cNvPr id="1" name=""/>
@@ -4556,50 +5405,584 @@
       </p:grpSpPr>
       <p:sp>
         <p:nvSpPr>
-          <p:cNvPr id="2" name="Title 1">
-            <a:extLst>
-              <a:ext uri="{FF2B5EF4-FFF2-40B4-BE49-F238E27FC236}">
-                <a16:creationId xmlns:a16="http://schemas.microsoft.com/office/drawing/2014/main" id="{2F30E3AA-0C2A-F940-C992-500EB1953F81}"/>
-              </a:ext>
-            </a:extLst>
-          </p:cNvPr>
-          <p:cNvSpPr>
-            <a:spLocks noGrp="1"/>
-          </p:cNvSpPr>
-          <p:nvPr>
-            <p:ph type="title"/>
-          </p:nvPr>
-        </p:nvSpPr>
-        <p:spPr/>
-        <p:txBody>
-          <a:bodyPr/>
-          <a:lstStyle/>
-          <a:p>
+          <p:cNvPr id="9" name="Rectangle 8">
+            <a:extLst>
+              <a:ext uri="{FF2B5EF4-FFF2-40B4-BE49-F238E27FC236}">
+                <a16:creationId xmlns:a16="http://schemas.microsoft.com/office/drawing/2014/main" id="{F3060C83-F051-4F0E-ABAD-AA0DFC48B218}"/>
+              </a:ext>
+              <a:ext uri="{C183D7F6-B498-43B3-948B-1728B52AA6E4}">
+                <adec:decorative xmlns:adec="http://schemas.microsoft.com/office/drawing/2017/decorative" val="1"/>
+              </a:ext>
+            </a:extLst>
+          </p:cNvPr>
+          <p:cNvSpPr>
+            <a:spLocks noGrp="1" noRot="1" noChangeAspect="1" noMove="1" noResize="1" noEditPoints="1" noAdjustHandles="1" noChangeArrowheads="1" noChangeShapeType="1" noTextEdit="1"/>
+          </p:cNvSpPr>
+          <p:nvPr>
+            <p:extLst>
+              <p:ext uri="{386F3935-93C4-4BCD-93E2-E3B085C9AB24}">
+                <p16:designElem xmlns:p16="http://schemas.microsoft.com/office/powerpoint/2015/main" val="1"/>
+              </p:ext>
+            </p:extLst>
+          </p:nvPr>
+        </p:nvSpPr>
+        <p:spPr>
+          <a:xfrm>
+            <a:off x="0" y="0"/>
+            <a:ext cx="12192000" cy="6858000"/>
+          </a:xfrm>
+          <a:prstGeom prst="rect">
+            <a:avLst/>
+          </a:prstGeom>
+          <a:solidFill>
+            <a:schemeClr val="bg1"/>
+          </a:solidFill>
+          <a:ln>
+            <a:noFill/>
+          </a:ln>
+        </p:spPr>
+        <p:style>
+          <a:lnRef idx="2">
+            <a:schemeClr val="accent1">
+              <a:shade val="50000"/>
+            </a:schemeClr>
+          </a:lnRef>
+          <a:fillRef idx="1">
+            <a:schemeClr val="accent1"/>
+          </a:fillRef>
+          <a:effectRef idx="0">
+            <a:schemeClr val="accent1"/>
+          </a:effectRef>
+          <a:fontRef idx="minor">
+            <a:schemeClr val="lt1"/>
+          </a:fontRef>
+        </p:style>
+        <p:txBody>
+          <a:bodyPr rtlCol="0" anchor="ctr"/>
+          <a:lstStyle/>
+          <a:p>
+            <a:pPr algn="ctr"/>
+            <a:endParaRPr lang="en-US" dirty="0"/>
+          </a:p>
+        </p:txBody>
+      </p:sp>
+      <p:sp>
+        <p:nvSpPr>
+          <p:cNvPr id="11" name="Freeform: Shape 10">
+            <a:extLst>
+              <a:ext uri="{FF2B5EF4-FFF2-40B4-BE49-F238E27FC236}">
+                <a16:creationId xmlns:a16="http://schemas.microsoft.com/office/drawing/2014/main" id="{83C98ABE-055B-441F-B07E-44F97F083C39}"/>
+              </a:ext>
+              <a:ext uri="{C183D7F6-B498-43B3-948B-1728B52AA6E4}">
+                <adec:decorative xmlns:adec="http://schemas.microsoft.com/office/drawing/2017/decorative" val="1"/>
+              </a:ext>
+            </a:extLst>
+          </p:cNvPr>
+          <p:cNvSpPr>
+            <a:spLocks noGrp="1" noRot="1" noChangeAspect="1" noMove="1" noResize="1" noEditPoints="1" noAdjustHandles="1" noChangeArrowheads="1" noChangeShapeType="1" noTextEdit="1"/>
+          </p:cNvSpPr>
+          <p:nvPr>
+            <p:extLst>
+              <p:ext uri="{386F3935-93C4-4BCD-93E2-E3B085C9AB24}">
+                <p16:designElem xmlns:p16="http://schemas.microsoft.com/office/powerpoint/2015/main" val="1"/>
+              </p:ext>
+            </p:extLst>
+          </p:nvPr>
+        </p:nvSpPr>
+        <p:spPr>
+          <a:xfrm rot="18900000" flipH="1">
+            <a:off x="-376156" y="-253670"/>
+            <a:ext cx="1827638" cy="1376989"/>
+          </a:xfrm>
+          <a:custGeom>
+            <a:avLst/>
+            <a:gdLst>
+              <a:gd name="connsiteX0" fmla="*/ 0 w 1827638"/>
+              <a:gd name="connsiteY0" fmla="*/ 987379 h 1376989"/>
+              <a:gd name="connsiteX1" fmla="*/ 987379 w 1827638"/>
+              <a:gd name="connsiteY1" fmla="*/ 0 h 1376989"/>
+              <a:gd name="connsiteX2" fmla="*/ 1827638 w 1827638"/>
+              <a:gd name="connsiteY2" fmla="*/ 840260 h 1376989"/>
+              <a:gd name="connsiteX3" fmla="*/ 1827638 w 1827638"/>
+              <a:gd name="connsiteY3" fmla="*/ 1376989 h 1376989"/>
+              <a:gd name="connsiteX4" fmla="*/ 0 w 1827638"/>
+              <a:gd name="connsiteY4" fmla="*/ 1376989 h 1376989"/>
+            </a:gdLst>
+            <a:ahLst/>
+            <a:cxnLst>
+              <a:cxn ang="0">
+                <a:pos x="connsiteX0" y="connsiteY0"/>
+              </a:cxn>
+              <a:cxn ang="0">
+                <a:pos x="connsiteX1" y="connsiteY1"/>
+              </a:cxn>
+              <a:cxn ang="0">
+                <a:pos x="connsiteX2" y="connsiteY2"/>
+              </a:cxn>
+              <a:cxn ang="0">
+                <a:pos x="connsiteX3" y="connsiteY3"/>
+              </a:cxn>
+              <a:cxn ang="0">
+                <a:pos x="connsiteX4" y="connsiteY4"/>
+              </a:cxn>
+            </a:cxnLst>
+            <a:rect l="l" t="t" r="r" b="b"/>
+            <a:pathLst>
+              <a:path w="1827638" h="1376989">
+                <a:moveTo>
+                  <a:pt x="0" y="987379"/>
+                </a:moveTo>
+                <a:lnTo>
+                  <a:pt x="987379" y="0"/>
+                </a:lnTo>
+                <a:lnTo>
+                  <a:pt x="1827638" y="840260"/>
+                </a:lnTo>
+                <a:lnTo>
+                  <a:pt x="1827638" y="1376989"/>
+                </a:lnTo>
+                <a:lnTo>
+                  <a:pt x="0" y="1376989"/>
+                </a:lnTo>
+                <a:close/>
+              </a:path>
+            </a:pathLst>
+          </a:custGeom>
+          <a:solidFill>
+            <a:schemeClr val="accent1">
+              <a:alpha val="30000"/>
+            </a:schemeClr>
+          </a:solidFill>
+          <a:ln>
+            <a:noFill/>
+          </a:ln>
+        </p:spPr>
+        <p:style>
+          <a:lnRef idx="2">
+            <a:schemeClr val="accent1">
+              <a:shade val="50000"/>
+            </a:schemeClr>
+          </a:lnRef>
+          <a:fillRef idx="1">
+            <a:schemeClr val="accent1"/>
+          </a:fillRef>
+          <a:effectRef idx="0">
+            <a:schemeClr val="accent1"/>
+          </a:effectRef>
+          <a:fontRef idx="minor">
+            <a:schemeClr val="lt1"/>
+          </a:fontRef>
+        </p:style>
+        <p:txBody>
+          <a:bodyPr rtlCol="0" anchor="ctr"/>
+          <a:lstStyle/>
+          <a:p>
+            <a:pPr algn="ctr"/>
+            <a:endParaRPr lang="en-US" dirty="0"/>
+          </a:p>
+        </p:txBody>
+      </p:sp>
+      <p:sp>
+        <p:nvSpPr>
+          <p:cNvPr id="13" name="Rectangle 12">
+            <a:extLst>
+              <a:ext uri="{FF2B5EF4-FFF2-40B4-BE49-F238E27FC236}">
+                <a16:creationId xmlns:a16="http://schemas.microsoft.com/office/drawing/2014/main" id="{29FDB030-9B49-4CED-8CCD-4D99382388AC}"/>
+              </a:ext>
+              <a:ext uri="{C183D7F6-B498-43B3-948B-1728B52AA6E4}">
+                <adec:decorative xmlns:adec="http://schemas.microsoft.com/office/drawing/2017/decorative" val="1"/>
+              </a:ext>
+            </a:extLst>
+          </p:cNvPr>
+          <p:cNvSpPr>
+            <a:spLocks noGrp="1" noRot="1" noChangeAspect="1" noMove="1" noResize="1" noEditPoints="1" noAdjustHandles="1" noChangeArrowheads="1" noChangeShapeType="1" noTextEdit="1"/>
+          </p:cNvSpPr>
+          <p:nvPr>
+            <p:extLst>
+              <p:ext uri="{386F3935-93C4-4BCD-93E2-E3B085C9AB24}">
+                <p16:designElem xmlns:p16="http://schemas.microsoft.com/office/powerpoint/2015/main" val="1"/>
+              </p:ext>
+            </p:extLst>
+          </p:nvPr>
+        </p:nvSpPr>
+        <p:spPr>
+          <a:xfrm rot="18900000" flipH="1">
+            <a:off x="891641" y="422146"/>
+            <a:ext cx="645368" cy="645368"/>
+          </a:xfrm>
+          <a:prstGeom prst="rect">
+            <a:avLst/>
+          </a:prstGeom>
+          <a:solidFill>
+            <a:schemeClr val="accent1">
+              <a:alpha val="30000"/>
+            </a:schemeClr>
+          </a:solidFill>
+          <a:ln>
+            <a:noFill/>
+          </a:ln>
+        </p:spPr>
+        <p:style>
+          <a:lnRef idx="2">
+            <a:schemeClr val="accent1">
+              <a:shade val="50000"/>
+            </a:schemeClr>
+          </a:lnRef>
+          <a:fillRef idx="1">
+            <a:schemeClr val="accent1"/>
+          </a:fillRef>
+          <a:effectRef idx="0">
+            <a:schemeClr val="accent1"/>
+          </a:effectRef>
+          <a:fontRef idx="minor">
+            <a:schemeClr val="lt1"/>
+          </a:fontRef>
+        </p:style>
+        <p:txBody>
+          <a:bodyPr rtlCol="0" anchor="ctr"/>
+          <a:lstStyle/>
+          <a:p>
+            <a:pPr algn="ctr"/>
             <a:endParaRPr lang="en-US"/>
           </a:p>
         </p:txBody>
       </p:sp>
       <p:sp>
         <p:nvSpPr>
-          <p:cNvPr id="3" name="Content Placeholder 2">
-            <a:extLst>
-              <a:ext uri="{FF2B5EF4-FFF2-40B4-BE49-F238E27FC236}">
-                <a16:creationId xmlns:a16="http://schemas.microsoft.com/office/drawing/2014/main" id="{0CBC7AF0-BAF5-B87F-093C-7BD1E3256A77}"/>
-              </a:ext>
-            </a:extLst>
-          </p:cNvPr>
-          <p:cNvSpPr>
-            <a:spLocks noGrp="1"/>
-          </p:cNvSpPr>
+          <p:cNvPr id="15" name="Rectangle 14">
+            <a:extLst>
+              <a:ext uri="{FF2B5EF4-FFF2-40B4-BE49-F238E27FC236}">
+                <a16:creationId xmlns:a16="http://schemas.microsoft.com/office/drawing/2014/main" id="{3783CA14-24A1-485C-8B30-D6A5D87987AD}"/>
+              </a:ext>
+              <a:ext uri="{C183D7F6-B498-43B3-948B-1728B52AA6E4}">
+                <adec:decorative xmlns:adec="http://schemas.microsoft.com/office/drawing/2017/decorative" val="1"/>
+              </a:ext>
+            </a:extLst>
+          </p:cNvPr>
+          <p:cNvSpPr>
+            <a:spLocks noGrp="1" noRot="1" noChangeAspect="1" noMove="1" noResize="1" noEditPoints="1" noAdjustHandles="1" noChangeArrowheads="1" noChangeShapeType="1" noTextEdit="1"/>
+          </p:cNvSpPr>
+          <p:nvPr>
+            <p:extLst>
+              <p:ext uri="{386F3935-93C4-4BCD-93E2-E3B085C9AB24}">
+                <p16:designElem xmlns:p16="http://schemas.microsoft.com/office/powerpoint/2015/main" val="1"/>
+              </p:ext>
+            </p:extLst>
+          </p:nvPr>
+        </p:nvSpPr>
+        <p:spPr>
+          <a:xfrm rot="18900000" flipH="1">
+            <a:off x="10043482" y="655140"/>
+            <a:ext cx="687472" cy="687472"/>
+          </a:xfrm>
+          <a:prstGeom prst="rect">
+            <a:avLst/>
+          </a:prstGeom>
+          <a:solidFill>
+            <a:schemeClr val="accent4">
+              <a:alpha val="30000"/>
+            </a:schemeClr>
+          </a:solidFill>
+          <a:ln>
+            <a:noFill/>
+          </a:ln>
+        </p:spPr>
+        <p:style>
+          <a:lnRef idx="2">
+            <a:schemeClr val="accent1">
+              <a:shade val="50000"/>
+            </a:schemeClr>
+          </a:lnRef>
+          <a:fillRef idx="1">
+            <a:schemeClr val="accent1"/>
+          </a:fillRef>
+          <a:effectRef idx="0">
+            <a:schemeClr val="accent1"/>
+          </a:effectRef>
+          <a:fontRef idx="minor">
+            <a:schemeClr val="lt1"/>
+          </a:fontRef>
+        </p:style>
+        <p:txBody>
+          <a:bodyPr rtlCol="0" anchor="ctr"/>
+          <a:lstStyle/>
+          <a:p>
+            <a:pPr algn="ctr"/>
+            <a:endParaRPr lang="en-US"/>
+          </a:p>
+        </p:txBody>
+      </p:sp>
+      <p:sp>
+        <p:nvSpPr>
+          <p:cNvPr id="17" name="Freeform: Shape 16">
+            <a:extLst>
+              <a:ext uri="{FF2B5EF4-FFF2-40B4-BE49-F238E27FC236}">
+                <a16:creationId xmlns:a16="http://schemas.microsoft.com/office/drawing/2014/main" id="{9A97C86A-04D6-40F7-AE84-31AB43E6A846}"/>
+              </a:ext>
+              <a:ext uri="{C183D7F6-B498-43B3-948B-1728B52AA6E4}">
+                <adec:decorative xmlns:adec="http://schemas.microsoft.com/office/drawing/2017/decorative" val="1"/>
+              </a:ext>
+            </a:extLst>
+          </p:cNvPr>
+          <p:cNvSpPr>
+            <a:spLocks noGrp="1" noRot="1" noChangeAspect="1" noMove="1" noResize="1" noEditPoints="1" noAdjustHandles="1" noChangeArrowheads="1" noChangeShapeType="1" noTextEdit="1"/>
+          </p:cNvSpPr>
+          <p:nvPr>
+            <p:extLst>
+              <p:ext uri="{386F3935-93C4-4BCD-93E2-E3B085C9AB24}">
+                <p16:designElem xmlns:p16="http://schemas.microsoft.com/office/powerpoint/2015/main" val="1"/>
+              </p:ext>
+            </p:extLst>
+          </p:nvPr>
+        </p:nvSpPr>
+        <p:spPr>
+          <a:xfrm rot="10800000" flipH="1">
+            <a:off x="9356643" y="0"/>
+            <a:ext cx="2835357" cy="1480837"/>
+          </a:xfrm>
+          <a:custGeom>
+            <a:avLst/>
+            <a:gdLst>
+              <a:gd name="connsiteX0" fmla="*/ 2835357 w 2835357"/>
+              <a:gd name="connsiteY0" fmla="*/ 1480837 h 1480837"/>
+              <a:gd name="connsiteX1" fmla="*/ 0 w 2835357"/>
+              <a:gd name="connsiteY1" fmla="*/ 1480837 h 1480837"/>
+              <a:gd name="connsiteX2" fmla="*/ 1552727 w 2835357"/>
+              <a:gd name="connsiteY2" fmla="*/ 0 h 1480837"/>
+              <a:gd name="connsiteX3" fmla="*/ 2835357 w 2835357"/>
+              <a:gd name="connsiteY3" fmla="*/ 1223245 h 1480837"/>
+            </a:gdLst>
+            <a:ahLst/>
+            <a:cxnLst>
+              <a:cxn ang="0">
+                <a:pos x="connsiteX0" y="connsiteY0"/>
+              </a:cxn>
+              <a:cxn ang="0">
+                <a:pos x="connsiteX1" y="connsiteY1"/>
+              </a:cxn>
+              <a:cxn ang="0">
+                <a:pos x="connsiteX2" y="connsiteY2"/>
+              </a:cxn>
+              <a:cxn ang="0">
+                <a:pos x="connsiteX3" y="connsiteY3"/>
+              </a:cxn>
+            </a:cxnLst>
+            <a:rect l="l" t="t" r="r" b="b"/>
+            <a:pathLst>
+              <a:path w="2835357" h="1480837">
+                <a:moveTo>
+                  <a:pt x="2835357" y="1480837"/>
+                </a:moveTo>
+                <a:lnTo>
+                  <a:pt x="0" y="1480837"/>
+                </a:lnTo>
+                <a:lnTo>
+                  <a:pt x="1552727" y="0"/>
+                </a:lnTo>
+                <a:lnTo>
+                  <a:pt x="2835357" y="1223245"/>
+                </a:lnTo>
+                <a:close/>
+              </a:path>
+            </a:pathLst>
+          </a:custGeom>
+          <a:solidFill>
+            <a:schemeClr val="accent4">
+              <a:alpha val="30000"/>
+            </a:schemeClr>
+          </a:solidFill>
+          <a:ln>
+            <a:noFill/>
+          </a:ln>
+        </p:spPr>
+        <p:style>
+          <a:lnRef idx="2">
+            <a:schemeClr val="accent1">
+              <a:shade val="50000"/>
+            </a:schemeClr>
+          </a:lnRef>
+          <a:fillRef idx="1">
+            <a:schemeClr val="accent1"/>
+          </a:fillRef>
+          <a:effectRef idx="0">
+            <a:schemeClr val="accent1"/>
+          </a:effectRef>
+          <a:fontRef idx="minor">
+            <a:schemeClr val="lt1"/>
+          </a:fontRef>
+        </p:style>
+        <p:txBody>
+          <a:bodyPr wrap="square" rtlCol="0" anchor="ctr">
+            <a:noAutofit/>
+          </a:bodyPr>
+          <a:lstStyle/>
+          <a:p>
+            <a:pPr algn="ctr"/>
+            <a:endParaRPr lang="en-US" dirty="0"/>
+          </a:p>
+        </p:txBody>
+      </p:sp>
+      <p:sp>
+        <p:nvSpPr>
+          <p:cNvPr id="19" name="Isosceles Triangle 18">
+            <a:extLst>
+              <a:ext uri="{FF2B5EF4-FFF2-40B4-BE49-F238E27FC236}">
+                <a16:creationId xmlns:a16="http://schemas.microsoft.com/office/drawing/2014/main" id="{FF9F2414-84E8-453E-B1F3-389FDE8192D9}"/>
+              </a:ext>
+              <a:ext uri="{C183D7F6-B498-43B3-948B-1728B52AA6E4}">
+                <adec:decorative xmlns:adec="http://schemas.microsoft.com/office/drawing/2017/decorative" val="1"/>
+              </a:ext>
+            </a:extLst>
+          </p:cNvPr>
+          <p:cNvSpPr>
+            <a:spLocks noGrp="1" noRot="1" noChangeAspect="1" noMove="1" noResize="1" noEditPoints="1" noAdjustHandles="1" noChangeArrowheads="1" noChangeShapeType="1" noTextEdit="1"/>
+          </p:cNvSpPr>
+          <p:nvPr>
+            <p:extLst>
+              <p:ext uri="{386F3935-93C4-4BCD-93E2-E3B085C9AB24}">
+                <p16:designElem xmlns:p16="http://schemas.microsoft.com/office/powerpoint/2015/main" val="1"/>
+              </p:ext>
+            </p:extLst>
+          </p:nvPr>
+        </p:nvSpPr>
+        <p:spPr>
+          <a:xfrm flipH="1">
+            <a:off x="7976344" y="6115501"/>
+            <a:ext cx="1494513" cy="742499"/>
+          </a:xfrm>
+          <a:prstGeom prst="triangle">
+            <a:avLst/>
+          </a:prstGeom>
+          <a:solidFill>
+            <a:schemeClr val="accent1">
+              <a:alpha val="30000"/>
+            </a:schemeClr>
+          </a:solidFill>
+          <a:ln>
+            <a:noFill/>
+          </a:ln>
+        </p:spPr>
+        <p:style>
+          <a:lnRef idx="2">
+            <a:schemeClr val="accent1">
+              <a:shade val="50000"/>
+            </a:schemeClr>
+          </a:lnRef>
+          <a:fillRef idx="1">
+            <a:schemeClr val="accent1"/>
+          </a:fillRef>
+          <a:effectRef idx="0">
+            <a:schemeClr val="accent1"/>
+          </a:effectRef>
+          <a:fontRef idx="minor">
+            <a:schemeClr val="lt1"/>
+          </a:fontRef>
+        </p:style>
+        <p:txBody>
+          <a:bodyPr rtlCol="0" anchor="ctr"/>
+          <a:lstStyle/>
+          <a:p>
+            <a:pPr algn="ctr"/>
+            <a:endParaRPr lang="en-US"/>
+          </a:p>
+        </p:txBody>
+      </p:sp>
+      <p:pic>
+        <p:nvPicPr>
+          <p:cNvPr id="4" name="Content Placeholder 4" descr="A picture containing shape&#10;&#10;Description automatically generated">
+            <a:extLst>
+              <a:ext uri="{FF2B5EF4-FFF2-40B4-BE49-F238E27FC236}">
+                <a16:creationId xmlns:a16="http://schemas.microsoft.com/office/drawing/2014/main" id="{4D07F1A5-7413-328E-08FD-139E13CABFBD}"/>
+              </a:ext>
+            </a:extLst>
+          </p:cNvPr>
+          <p:cNvPicPr>
+            <a:picLocks noGrp="1" noChangeAspect="1"/>
+          </p:cNvPicPr>
           <p:nvPr>
             <p:ph idx="1"/>
           </p:nvPr>
-        </p:nvSpPr>
-        <p:spPr/>
-        <p:txBody>
-          <a:bodyPr/>
-          <a:lstStyle/>
-          <a:p>
+        </p:nvPicPr>
+        <p:blipFill>
+          <a:blip r:embed="rId2"/>
+          <a:stretch>
+            <a:fillRect/>
+          </a:stretch>
+        </p:blipFill>
+        <p:spPr>
+          <a:xfrm>
+            <a:off x="1278082" y="544278"/>
+            <a:ext cx="9171482" cy="5800963"/>
+          </a:xfrm>
+          <a:prstGeom prst="rect">
+            <a:avLst/>
+          </a:prstGeom>
+          <a:ln>
+            <a:noFill/>
+          </a:ln>
+        </p:spPr>
+      </p:pic>
+      <p:sp>
+        <p:nvSpPr>
+          <p:cNvPr id="21" name="Isosceles Triangle 20">
+            <a:extLst>
+              <a:ext uri="{FF2B5EF4-FFF2-40B4-BE49-F238E27FC236}">
+                <a16:creationId xmlns:a16="http://schemas.microsoft.com/office/drawing/2014/main" id="{3ECA69A1-7536-43AC-85EF-C7106179F5ED}"/>
+              </a:ext>
+              <a:ext uri="{C183D7F6-B498-43B3-948B-1728B52AA6E4}">
+                <adec:decorative xmlns:adec="http://schemas.microsoft.com/office/drawing/2017/decorative" val="1"/>
+              </a:ext>
+            </a:extLst>
+          </p:cNvPr>
+          <p:cNvSpPr>
+            <a:spLocks noGrp="1" noRot="1" noChangeAspect="1" noMove="1" noResize="1" noEditPoints="1" noAdjustHandles="1" noChangeArrowheads="1" noChangeShapeType="1" noTextEdit="1"/>
+          </p:cNvSpPr>
+          <p:nvPr>
+            <p:extLst>
+              <p:ext uri="{386F3935-93C4-4BCD-93E2-E3B085C9AB24}">
+                <p16:designElem xmlns:p16="http://schemas.microsoft.com/office/powerpoint/2015/main" val="1"/>
+              </p:ext>
+            </p:extLst>
+          </p:nvPr>
+        </p:nvSpPr>
+        <p:spPr>
+          <a:xfrm flipH="1">
+            <a:off x="7604080" y="6453143"/>
+            <a:ext cx="814903" cy="404857"/>
+          </a:xfrm>
+          <a:prstGeom prst="triangle">
+            <a:avLst/>
+          </a:prstGeom>
+          <a:solidFill>
+            <a:schemeClr val="accent1">
+              <a:alpha val="30000"/>
+            </a:schemeClr>
+          </a:solidFill>
+          <a:ln>
+            <a:noFill/>
+          </a:ln>
+        </p:spPr>
+        <p:style>
+          <a:lnRef idx="2">
+            <a:schemeClr val="accent1">
+              <a:shade val="50000"/>
+            </a:schemeClr>
+          </a:lnRef>
+          <a:fillRef idx="1">
+            <a:schemeClr val="accent1"/>
+          </a:fillRef>
+          <a:effectRef idx="0">
+            <a:schemeClr val="accent1"/>
+          </a:effectRef>
+          <a:fontRef idx="minor">
+            <a:schemeClr val="lt1"/>
+          </a:fontRef>
+        </p:style>
+        <p:txBody>
+          <a:bodyPr rtlCol="0" anchor="ctr"/>
+          <a:lstStyle/>
+          <a:p>
+            <a:pPr algn="ctr"/>
             <a:endParaRPr lang="en-US"/>
           </a:p>
         </p:txBody>
@@ -6784,4 +8167,299 @@
     </a:ext>
   </a:extLst>
 </a:theme>
+</file>
+
+<file path=ppt/theme/theme2.xml><?xml version="1.0" encoding="utf-8"?>
+<a:theme xmlns:a="http://schemas.openxmlformats.org/drawingml/2006/main" name="Office Theme">
+  <a:themeElements>
+    <a:clrScheme name="Office">
+      <a:dk1>
+        <a:sysClr val="windowText" lastClr="000000"/>
+      </a:dk1>
+      <a:lt1>
+        <a:sysClr val="window" lastClr="FFFFFF"/>
+      </a:lt1>
+      <a:dk2>
+        <a:srgbClr val="44546A"/>
+      </a:dk2>
+      <a:lt2>
+        <a:srgbClr val="E7E6E6"/>
+      </a:lt2>
+      <a:accent1>
+        <a:srgbClr val="4472C4"/>
+      </a:accent1>
+      <a:accent2>
+        <a:srgbClr val="ED7D31"/>
+      </a:accent2>
+      <a:accent3>
+        <a:srgbClr val="A5A5A5"/>
+      </a:accent3>
+      <a:accent4>
+        <a:srgbClr val="FFC000"/>
+      </a:accent4>
+      <a:accent5>
+        <a:srgbClr val="5B9BD5"/>
+      </a:accent5>
+      <a:accent6>
+        <a:srgbClr val="70AD47"/>
+      </a:accent6>
+      <a:hlink>
+        <a:srgbClr val="0563C1"/>
+      </a:hlink>
+      <a:folHlink>
+        <a:srgbClr val="954F72"/>
+      </a:folHlink>
+    </a:clrScheme>
+    <a:fontScheme name="Office">
+      <a:majorFont>
+        <a:latin typeface="Calibri Light" panose="020F0302020204030204"/>
+        <a:ea typeface=""/>
+        <a:cs typeface=""/>
+        <a:font script="Jpan" typeface="游ゴシック Light"/>
+        <a:font script="Hang" typeface="맑은 고딕"/>
+        <a:font script="Hans" typeface="等线 Light"/>
+        <a:font script="Hant" typeface="新細明體"/>
+        <a:font script="Arab" typeface="Times New Roman"/>
+        <a:font script="Hebr" typeface="Times New Roman"/>
+        <a:font script="Thai" typeface="Angsana New"/>
+        <a:font script="Ethi" typeface="Nyala"/>
+        <a:font script="Beng" typeface="Vrinda"/>
+        <a:font script="Gujr" typeface="Shruti"/>
+        <a:font script="Khmr" typeface="MoolBoran"/>
+        <a:font script="Knda" typeface="Tunga"/>
+        <a:font script="Guru" typeface="Raavi"/>
+        <a:font script="Cans" typeface="Euphemia"/>
+        <a:font script="Cher" typeface="Plantagenet Cherokee"/>
+        <a:font script="Yiii" typeface="Microsoft Yi Baiti"/>
+        <a:font script="Tibt" typeface="Microsoft Himalaya"/>
+        <a:font script="Thaa" typeface="MV Boli"/>
+        <a:font script="Deva" typeface="Mangal"/>
+        <a:font script="Telu" typeface="Gautami"/>
+        <a:font script="Taml" typeface="Latha"/>
+        <a:font script="Syrc" typeface="Estrangelo Edessa"/>
+        <a:font script="Orya" typeface="Kalinga"/>
+        <a:font script="Mlym" typeface="Kartika"/>
+        <a:font script="Laoo" typeface="DokChampa"/>
+        <a:font script="Sinh" typeface="Iskoola Pota"/>
+        <a:font script="Mong" typeface="Mongolian Baiti"/>
+        <a:font script="Viet" typeface="Times New Roman"/>
+        <a:font script="Uigh" typeface="Microsoft Uighur"/>
+        <a:font script="Geor" typeface="Sylfaen"/>
+        <a:font script="Armn" typeface="Arial"/>
+        <a:font script="Bugi" typeface="Leelawadee UI"/>
+        <a:font script="Bopo" typeface="Microsoft JhengHei"/>
+        <a:font script="Java" typeface="Javanese Text"/>
+        <a:font script="Lisu" typeface="Segoe UI"/>
+        <a:font script="Mymr" typeface="Myanmar Text"/>
+        <a:font script="Nkoo" typeface="Ebrima"/>
+        <a:font script="Olck" typeface="Nirmala UI"/>
+        <a:font script="Osma" typeface="Ebrima"/>
+        <a:font script="Phag" typeface="Phagspa"/>
+        <a:font script="Syrn" typeface="Estrangelo Edessa"/>
+        <a:font script="Syrj" typeface="Estrangelo Edessa"/>
+        <a:font script="Syre" typeface="Estrangelo Edessa"/>
+        <a:font script="Sora" typeface="Nirmala UI"/>
+        <a:font script="Tale" typeface="Microsoft Tai Le"/>
+        <a:font script="Talu" typeface="Microsoft New Tai Lue"/>
+        <a:font script="Tfng" typeface="Ebrima"/>
+      </a:majorFont>
+      <a:minorFont>
+        <a:latin typeface="Calibri" panose="020F0502020204030204"/>
+        <a:ea typeface=""/>
+        <a:cs typeface=""/>
+        <a:font script="Jpan" typeface="游ゴシック"/>
+        <a:font script="Hang" typeface="맑은 고딕"/>
+        <a:font script="Hans" typeface="等线"/>
+        <a:font script="Hant" typeface="新細明體"/>
+        <a:font script="Arab" typeface="Arial"/>
+        <a:font script="Hebr" typeface="Arial"/>
+        <a:font script="Thai" typeface="Cordia New"/>
+        <a:font script="Ethi" typeface="Nyala"/>
+        <a:font script="Beng" typeface="Vrinda"/>
+        <a:font script="Gujr" typeface="Shruti"/>
+        <a:font script="Khmr" typeface="DaunPenh"/>
+        <a:font script="Knda" typeface="Tunga"/>
+        <a:font script="Guru" typeface="Raavi"/>
+        <a:font script="Cans" typeface="Euphemia"/>
+        <a:font script="Cher" typeface="Plantagenet Cherokee"/>
+        <a:font script="Yiii" typeface="Microsoft Yi Baiti"/>
+        <a:font script="Tibt" typeface="Microsoft Himalaya"/>
+        <a:font script="Thaa" typeface="MV Boli"/>
+        <a:font script="Deva" typeface="Mangal"/>
+        <a:font script="Telu" typeface="Gautami"/>
+        <a:font script="Taml" typeface="Latha"/>
+        <a:font script="Syrc" typeface="Estrangelo Edessa"/>
+        <a:font script="Orya" typeface="Kalinga"/>
+        <a:font script="Mlym" typeface="Kartika"/>
+        <a:font script="Laoo" typeface="DokChampa"/>
+        <a:font script="Sinh" typeface="Iskoola Pota"/>
+        <a:font script="Mong" typeface="Mongolian Baiti"/>
+        <a:font script="Viet" typeface="Arial"/>
+        <a:font script="Uigh" typeface="Microsoft Uighur"/>
+        <a:font script="Geor" typeface="Sylfaen"/>
+        <a:font script="Armn" typeface="Arial"/>
+        <a:font script="Bugi" typeface="Leelawadee UI"/>
+        <a:font script="Bopo" typeface="Microsoft JhengHei"/>
+        <a:font script="Java" typeface="Javanese Text"/>
+        <a:font script="Lisu" typeface="Segoe UI"/>
+        <a:font script="Mymr" typeface="Myanmar Text"/>
+        <a:font script="Nkoo" typeface="Ebrima"/>
+        <a:font script="Olck" typeface="Nirmala UI"/>
+        <a:font script="Osma" typeface="Ebrima"/>
+        <a:font script="Phag" typeface="Phagspa"/>
+        <a:font script="Syrn" typeface="Estrangelo Edessa"/>
+        <a:font script="Syrj" typeface="Estrangelo Edessa"/>
+        <a:font script="Syre" typeface="Estrangelo Edessa"/>
+        <a:font script="Sora" typeface="Nirmala UI"/>
+        <a:font script="Tale" typeface="Microsoft Tai Le"/>
+        <a:font script="Talu" typeface="Microsoft New Tai Lue"/>
+        <a:font script="Tfng" typeface="Ebrima"/>
+      </a:minorFont>
+    </a:fontScheme>
+    <a:fmtScheme name="Office">
+      <a:fillStyleLst>
+        <a:solidFill>
+          <a:schemeClr val="phClr"/>
+        </a:solidFill>
+        <a:gradFill rotWithShape="1">
+          <a:gsLst>
+            <a:gs pos="0">
+              <a:schemeClr val="phClr">
+                <a:lumMod val="110000"/>
+                <a:satMod val="105000"/>
+                <a:tint val="67000"/>
+              </a:schemeClr>
+            </a:gs>
+            <a:gs pos="50000">
+              <a:schemeClr val="phClr">
+                <a:lumMod val="105000"/>
+                <a:satMod val="103000"/>
+                <a:tint val="73000"/>
+              </a:schemeClr>
+            </a:gs>
+            <a:gs pos="100000">
+              <a:schemeClr val="phClr">
+                <a:lumMod val="105000"/>
+                <a:satMod val="109000"/>
+                <a:tint val="81000"/>
+              </a:schemeClr>
+            </a:gs>
+          </a:gsLst>
+          <a:lin ang="5400000" scaled="0"/>
+        </a:gradFill>
+        <a:gradFill rotWithShape="1">
+          <a:gsLst>
+            <a:gs pos="0">
+              <a:schemeClr val="phClr">
+                <a:satMod val="103000"/>
+                <a:lumMod val="102000"/>
+                <a:tint val="94000"/>
+              </a:schemeClr>
+            </a:gs>
+            <a:gs pos="50000">
+              <a:schemeClr val="phClr">
+                <a:satMod val="110000"/>
+                <a:lumMod val="100000"/>
+                <a:shade val="100000"/>
+              </a:schemeClr>
+            </a:gs>
+            <a:gs pos="100000">
+              <a:schemeClr val="phClr">
+                <a:lumMod val="99000"/>
+                <a:satMod val="120000"/>
+                <a:shade val="78000"/>
+              </a:schemeClr>
+            </a:gs>
+          </a:gsLst>
+          <a:lin ang="5400000" scaled="0"/>
+        </a:gradFill>
+      </a:fillStyleLst>
+      <a:lnStyleLst>
+        <a:ln w="6350" cap="flat" cmpd="sng" algn="ctr">
+          <a:solidFill>
+            <a:schemeClr val="phClr"/>
+          </a:solidFill>
+          <a:prstDash val="solid"/>
+          <a:miter lim="800000"/>
+        </a:ln>
+        <a:ln w="12700" cap="flat" cmpd="sng" algn="ctr">
+          <a:solidFill>
+            <a:schemeClr val="phClr"/>
+          </a:solidFill>
+          <a:prstDash val="solid"/>
+          <a:miter lim="800000"/>
+        </a:ln>
+        <a:ln w="19050" cap="flat" cmpd="sng" algn="ctr">
+          <a:solidFill>
+            <a:schemeClr val="phClr"/>
+          </a:solidFill>
+          <a:prstDash val="solid"/>
+          <a:miter lim="800000"/>
+        </a:ln>
+      </a:lnStyleLst>
+      <a:effectStyleLst>
+        <a:effectStyle>
+          <a:effectLst/>
+        </a:effectStyle>
+        <a:effectStyle>
+          <a:effectLst/>
+        </a:effectStyle>
+        <a:effectStyle>
+          <a:effectLst>
+            <a:outerShdw blurRad="57150" dist="19050" dir="5400000" algn="ctr" rotWithShape="0">
+              <a:srgbClr val="000000">
+                <a:alpha val="63000"/>
+              </a:srgbClr>
+            </a:outerShdw>
+          </a:effectLst>
+        </a:effectStyle>
+      </a:effectStyleLst>
+      <a:bgFillStyleLst>
+        <a:solidFill>
+          <a:schemeClr val="phClr"/>
+        </a:solidFill>
+        <a:solidFill>
+          <a:schemeClr val="phClr">
+            <a:tint val="95000"/>
+            <a:satMod val="170000"/>
+          </a:schemeClr>
+        </a:solidFill>
+        <a:gradFill rotWithShape="1">
+          <a:gsLst>
+            <a:gs pos="0">
+              <a:schemeClr val="phClr">
+                <a:tint val="93000"/>
+                <a:satMod val="150000"/>
+                <a:shade val="98000"/>
+                <a:lumMod val="102000"/>
+              </a:schemeClr>
+            </a:gs>
+            <a:gs pos="50000">
+              <a:schemeClr val="phClr">
+                <a:tint val="98000"/>
+                <a:satMod val="130000"/>
+                <a:shade val="90000"/>
+                <a:lumMod val="103000"/>
+              </a:schemeClr>
+            </a:gs>
+            <a:gs pos="100000">
+              <a:schemeClr val="phClr">
+                <a:shade val="63000"/>
+                <a:satMod val="120000"/>
+              </a:schemeClr>
+            </a:gs>
+          </a:gsLst>
+          <a:lin ang="5400000" scaled="0"/>
+        </a:gradFill>
+      </a:bgFillStyleLst>
+    </a:fmtScheme>
+  </a:themeElements>
+  <a:objectDefaults/>
+  <a:extraClrSchemeLst/>
+  <a:extLst>
+    <a:ext uri="{05A4C25C-085E-4340-85A3-A5531E510DB2}">
+      <thm15:themeFamily xmlns:thm15="http://schemas.microsoft.com/office/thememl/2012/main" name="Office Theme" id="{62F939B6-93AF-4DB8-9C6B-D6C7DFDC589F}" vid="{4A3C46E8-61CC-4603-A589-7422A47A8E4A}"/>
+    </a:ext>
+  </a:extLst>
+</a:theme>
 </file>
--- a/midterm/SoMSummery.pptx
+++ b/midterm/SoMSummery.pptx
@@ -224,7 +224,7 @@
           <a:p>
             <a:fld id="{13167391-6225-AE43-A973-4D10B160CEAA}" type="datetimeFigureOut">
               <a:rPr lang="en-US" smtClean="0"/>
-              <a:t>10/21/22</a:t>
+              <a:t>10/21/2022</a:t>
             </a:fld>
             <a:endParaRPr lang="en-US"/>
           </a:p>
@@ -535,6 +535,97 @@
           <a:bodyPr/>
           <a:lstStyle/>
           <a:p>
+            <a:pPr algn="l"/>
+            <a:r>
+              <a:rPr lang="en-US" sz="1800" b="0" i="0" u="none" strike="noStrike" baseline="0" dirty="0">
+                <a:latin typeface="GlyphLessFont"/>
+              </a:rPr>
+              <a:t>This process implies that the eye can isolate the input date from all the other dates and DURING AN INSTANT OF PERCEPTION can see only those correspondences that are determined by this input identification, but can SEE ALL OF THESE.</a:t>
+            </a:r>
+            <a:endParaRPr lang="en-US" dirty="0"/>
+          </a:p>
+        </p:txBody>
+      </p:sp>
+      <p:sp>
+        <p:nvSpPr>
+          <p:cNvPr id="4" name="Slide Number Placeholder 3"/>
+          <p:cNvSpPr>
+            <a:spLocks noGrp="1"/>
+          </p:cNvSpPr>
+          <p:nvPr>
+            <p:ph type="sldNum" sz="quarter" idx="5"/>
+          </p:nvPr>
+        </p:nvSpPr>
+        <p:spPr/>
+        <p:txBody>
+          <a:bodyPr/>
+          <a:lstStyle/>
+          <a:p>
+            <a:fld id="{F8B1E648-C780-274E-AE47-5B119BD85B59}" type="slidenum">
+              <a:rPr lang="en-US" smtClean="0"/>
+              <a:t>5</a:t>
+            </a:fld>
+            <a:endParaRPr lang="en-US"/>
+          </a:p>
+        </p:txBody>
+      </p:sp>
+    </p:spTree>
+    <p:extLst>
+      <p:ext uri="{BB962C8B-B14F-4D97-AF65-F5344CB8AC3E}">
+        <p14:creationId xmlns:p14="http://schemas.microsoft.com/office/powerpoint/2010/main" val="3046775785"/>
+      </p:ext>
+    </p:extLst>
+  </p:cSld>
+  <p:clrMapOvr>
+    <a:masterClrMapping/>
+  </p:clrMapOvr>
+</p:notes>
+</file>
+
+<file path=ppt/notesSlides/notesSlide2.xml><?xml version="1.0" encoding="utf-8"?>
+<p:notes xmlns:a="http://schemas.openxmlformats.org/drawingml/2006/main" xmlns:r="http://schemas.openxmlformats.org/officeDocument/2006/relationships" xmlns:p="http://schemas.openxmlformats.org/presentationml/2006/main">
+  <p:cSld>
+    <p:spTree>
+      <p:nvGrpSpPr>
+        <p:cNvPr id="1" name=""/>
+        <p:cNvGrpSpPr/>
+        <p:nvPr/>
+      </p:nvGrpSpPr>
+      <p:grpSpPr>
+        <a:xfrm>
+          <a:off x="0" y="0"/>
+          <a:ext cx="0" cy="0"/>
+          <a:chOff x="0" y="0"/>
+          <a:chExt cx="0" cy="0"/>
+        </a:xfrm>
+      </p:grpSpPr>
+      <p:sp>
+        <p:nvSpPr>
+          <p:cNvPr id="2" name="Slide Image Placeholder 1"/>
+          <p:cNvSpPr>
+            <a:spLocks noGrp="1" noRot="1" noChangeAspect="1"/>
+          </p:cNvSpPr>
+          <p:nvPr>
+            <p:ph type="sldImg"/>
+          </p:nvPr>
+        </p:nvSpPr>
+        <p:spPr/>
+      </p:sp>
+      <p:sp>
+        <p:nvSpPr>
+          <p:cNvPr id="3" name="Notes Placeholder 2"/>
+          <p:cNvSpPr>
+            <a:spLocks noGrp="1"/>
+          </p:cNvSpPr>
+          <p:nvPr>
+            <p:ph type="body" idx="1"/>
+          </p:nvPr>
+        </p:nvSpPr>
+        <p:spPr/>
+        <p:txBody>
+          <a:bodyPr/>
+          <a:lstStyle/>
+          <a:p>
             <a:endParaRPr lang="en-US" dirty="0"/>
           </a:p>
         </p:txBody>
@@ -722,7 +813,7 @@
           <a:p>
             <a:fld id="{59135FA5-E9D9-1D4D-BA72-48379DD0F526}" type="datetimeFigureOut">
               <a:rPr lang="en-US" smtClean="0"/>
-              <a:t>10/21/22</a:t>
+              <a:t>10/21/2022</a:t>
             </a:fld>
             <a:endParaRPr lang="en-US"/>
           </a:p>
@@ -920,7 +1011,7 @@
           <a:p>
             <a:fld id="{59135FA5-E9D9-1D4D-BA72-48379DD0F526}" type="datetimeFigureOut">
               <a:rPr lang="en-US" smtClean="0"/>
-              <a:t>10/21/22</a:t>
+              <a:t>10/21/2022</a:t>
             </a:fld>
             <a:endParaRPr lang="en-US"/>
           </a:p>
@@ -1128,7 +1219,7 @@
           <a:p>
             <a:fld id="{59135FA5-E9D9-1D4D-BA72-48379DD0F526}" type="datetimeFigureOut">
               <a:rPr lang="en-US" smtClean="0"/>
-              <a:t>10/21/22</a:t>
+              <a:t>10/21/2022</a:t>
             </a:fld>
             <a:endParaRPr lang="en-US"/>
           </a:p>
@@ -1326,7 +1417,7 @@
           <a:p>
             <a:fld id="{59135FA5-E9D9-1D4D-BA72-48379DD0F526}" type="datetimeFigureOut">
               <a:rPr lang="en-US" smtClean="0"/>
-              <a:t>10/21/22</a:t>
+              <a:t>10/21/2022</a:t>
             </a:fld>
             <a:endParaRPr lang="en-US"/>
           </a:p>
@@ -1601,7 +1692,7 @@
           <a:p>
             <a:fld id="{59135FA5-E9D9-1D4D-BA72-48379DD0F526}" type="datetimeFigureOut">
               <a:rPr lang="en-US" smtClean="0"/>
-              <a:t>10/21/22</a:t>
+              <a:t>10/21/2022</a:t>
             </a:fld>
             <a:endParaRPr lang="en-US"/>
           </a:p>
@@ -1866,7 +1957,7 @@
           <a:p>
             <a:fld id="{59135FA5-E9D9-1D4D-BA72-48379DD0F526}" type="datetimeFigureOut">
               <a:rPr lang="en-US" smtClean="0"/>
-              <a:t>10/21/22</a:t>
+              <a:t>10/21/2022</a:t>
             </a:fld>
             <a:endParaRPr lang="en-US"/>
           </a:p>
@@ -2278,7 +2369,7 @@
           <a:p>
             <a:fld id="{59135FA5-E9D9-1D4D-BA72-48379DD0F526}" type="datetimeFigureOut">
               <a:rPr lang="en-US" smtClean="0"/>
-              <a:t>10/21/22</a:t>
+              <a:t>10/21/2022</a:t>
             </a:fld>
             <a:endParaRPr lang="en-US"/>
           </a:p>
@@ -2419,7 +2510,7 @@
           <a:p>
             <a:fld id="{59135FA5-E9D9-1D4D-BA72-48379DD0F526}" type="datetimeFigureOut">
               <a:rPr lang="en-US" smtClean="0"/>
-              <a:t>10/21/22</a:t>
+              <a:t>10/21/2022</a:t>
             </a:fld>
             <a:endParaRPr lang="en-US"/>
           </a:p>
@@ -2532,7 +2623,7 @@
           <a:p>
             <a:fld id="{59135FA5-E9D9-1D4D-BA72-48379DD0F526}" type="datetimeFigureOut">
               <a:rPr lang="en-US" smtClean="0"/>
-              <a:t>10/21/22</a:t>
+              <a:t>10/21/2022</a:t>
             </a:fld>
             <a:endParaRPr lang="en-US"/>
           </a:p>
@@ -2843,7 +2934,7 @@
           <a:p>
             <a:fld id="{59135FA5-E9D9-1D4D-BA72-48379DD0F526}" type="datetimeFigureOut">
               <a:rPr lang="en-US" smtClean="0"/>
-              <a:t>10/21/22</a:t>
+              <a:t>10/21/2022</a:t>
             </a:fld>
             <a:endParaRPr lang="en-US"/>
           </a:p>
@@ -3131,7 +3222,7 @@
           <a:p>
             <a:fld id="{59135FA5-E9D9-1D4D-BA72-48379DD0F526}" type="datetimeFigureOut">
               <a:rPr lang="en-US" smtClean="0"/>
-              <a:t>10/21/22</a:t>
+              <a:t>10/21/2022</a:t>
             </a:fld>
             <a:endParaRPr lang="en-US"/>
           </a:p>
@@ -3372,7 +3463,7 @@
           <a:p>
             <a:fld id="{59135FA5-E9D9-1D4D-BA72-48379DD0F526}" type="datetimeFigureOut">
               <a:rPr lang="en-US" smtClean="0"/>
-              <a:t>10/21/22</a:t>
+              <a:t>10/21/2022</a:t>
             </a:fld>
             <a:endParaRPr lang="en-US"/>
           </a:p>
@@ -5911,7 +6002,7 @@
         </p:blipFill>
         <p:spPr>
           <a:xfrm>
-            <a:off x="1278082" y="544278"/>
+            <a:off x="1404750" y="544278"/>
             <a:ext cx="9171482" cy="5800963"/>
           </a:xfrm>
           <a:prstGeom prst="rect">
@@ -7489,15 +7580,92 @@
         </p:nvSpPr>
         <p:spPr>
           <a:xfrm>
-            <a:off x="862444" y="1465118"/>
-            <a:ext cx="10491355" cy="4711845"/>
+            <a:off x="847288" y="1348924"/>
+            <a:ext cx="10681225" cy="4662878"/>
           </a:xfrm>
         </p:spPr>
         <p:txBody>
           <a:bodyPr/>
           <a:lstStyle/>
           <a:p>
-            <a:endParaRPr lang="en-US" dirty="0"/>
+            <a:pPr marL="0" indent="0">
+              <a:buNone/>
+            </a:pPr>
+            <a:r>
+              <a:rPr lang="en-US" sz="2400" b="1" i="0" u="none" strike="noStrike" baseline="0" dirty="0">
+                <a:latin typeface="+mj-lt"/>
+              </a:rPr>
+              <a:t>Example process:</a:t>
+            </a:r>
+          </a:p>
+          <a:p>
+            <a:pPr marL="0" indent="0">
+              <a:buNone/>
+            </a:pPr>
+            <a:r>
+              <a:rPr lang="en-US" sz="2400" b="0" i="0" u="none" strike="noStrike" baseline="0" dirty="0">
+                <a:latin typeface="+mj-lt"/>
+              </a:rPr>
+              <a:t>an input identification (a given date)</a:t>
+            </a:r>
+            <a:r>
+              <a:rPr lang="en-US" sz="2400" dirty="0">
+                <a:latin typeface="+mj-lt"/>
+              </a:rPr>
+              <a:t>.</a:t>
+            </a:r>
+            <a:endParaRPr lang="en-US" sz="2400" b="0" i="0" u="none" strike="noStrike" baseline="0" dirty="0">
+              <a:latin typeface="+mj-lt"/>
+            </a:endParaRPr>
+          </a:p>
+          <a:p>
+            <a:pPr marL="0" indent="0">
+              <a:buNone/>
+            </a:pPr>
+            <a:r>
+              <a:rPr lang="en-US" sz="2400" b="0" i="0" u="none" strike="noStrike" baseline="0" dirty="0">
+                <a:latin typeface="+mj-lt"/>
+              </a:rPr>
+              <a:t>perception of a correspondence between the components (a point).</a:t>
+            </a:r>
+            <a:endParaRPr lang="en-US" sz="2400" dirty="0">
+              <a:latin typeface="+mj-lt"/>
+            </a:endParaRPr>
+          </a:p>
+          <a:p>
+            <a:pPr marL="0" indent="0">
+              <a:buNone/>
+            </a:pPr>
+            <a:r>
+              <a:rPr lang="en-US" sz="2400" b="0" i="0" u="none" strike="noStrike" baseline="0" dirty="0">
+                <a:latin typeface="+mj-lt"/>
+              </a:rPr>
+              <a:t>an output identification (the answer: “so many francs”).</a:t>
+            </a:r>
+          </a:p>
+          <a:p>
+            <a:pPr marL="0" indent="0">
+              <a:buNone/>
+            </a:pPr>
+            <a:endParaRPr lang="en-US" sz="1800" dirty="0">
+              <a:latin typeface="GlyphLessFont"/>
+            </a:endParaRPr>
+          </a:p>
+          <a:p>
+            <a:pPr algn="l"/>
+            <a:r>
+              <a:rPr lang="en-US" sz="2400" u="sng" dirty="0"/>
+              <a:t>Image</a:t>
+            </a:r>
+            <a:r>
+              <a:rPr lang="en-US" sz="2400" dirty="0"/>
+              <a:t> is t</a:t>
+            </a:r>
+            <a:r>
+              <a:rPr lang="en-US" sz="2400" b="0" i="0" u="none" strike="noStrike" baseline="0" dirty="0"/>
+              <a:t>he meaningful visual form, perceptible in the minimum instant of vision.</a:t>
+            </a:r>
+            <a:endParaRPr lang="en-US" sz="2400" dirty="0"/>
           </a:p>
         </p:txBody>
       </p:sp>

--- a/midterm/SoMSummery.pptx
+++ b/midterm/SoMSummery.pptx
@@ -5,7 +5,7 @@
     <p:sldMasterId id="2147483648" r:id="rId1"/>
   </p:sldMasterIdLst>
   <p:notesMasterIdLst>
-    <p:notesMasterId r:id="rId30"/>
+    <p:notesMasterId r:id="rId34"/>
   </p:notesMasterIdLst>
   <p:sldIdLst>
     <p:sldId id="256" r:id="rId2"/>
@@ -18,24 +18,28 @@
     <p:sldId id="291" r:id="rId9"/>
     <p:sldId id="262" r:id="rId10"/>
     <p:sldId id="258" r:id="rId11"/>
-    <p:sldId id="266" r:id="rId12"/>
-    <p:sldId id="288" r:id="rId13"/>
-    <p:sldId id="289" r:id="rId14"/>
-    <p:sldId id="267" r:id="rId15"/>
-    <p:sldId id="268" r:id="rId16"/>
-    <p:sldId id="269" r:id="rId17"/>
-    <p:sldId id="270" r:id="rId18"/>
-    <p:sldId id="259" r:id="rId19"/>
-    <p:sldId id="271" r:id="rId20"/>
-    <p:sldId id="272" r:id="rId21"/>
-    <p:sldId id="260" r:id="rId22"/>
-    <p:sldId id="273" r:id="rId23"/>
-    <p:sldId id="274" r:id="rId24"/>
-    <p:sldId id="275" r:id="rId25"/>
-    <p:sldId id="276" r:id="rId26"/>
-    <p:sldId id="277" r:id="rId27"/>
-    <p:sldId id="278" r:id="rId28"/>
-    <p:sldId id="279" r:id="rId29"/>
+    <p:sldId id="292" r:id="rId12"/>
+    <p:sldId id="293" r:id="rId13"/>
+    <p:sldId id="294" r:id="rId14"/>
+    <p:sldId id="295" r:id="rId15"/>
+    <p:sldId id="263" r:id="rId16"/>
+    <p:sldId id="264" r:id="rId17"/>
+    <p:sldId id="265" r:id="rId18"/>
+    <p:sldId id="296" r:id="rId19"/>
+    <p:sldId id="297" r:id="rId20"/>
+    <p:sldId id="298" r:id="rId21"/>
+    <p:sldId id="299" r:id="rId22"/>
+    <p:sldId id="259" r:id="rId23"/>
+    <p:sldId id="271" r:id="rId24"/>
+    <p:sldId id="272" r:id="rId25"/>
+    <p:sldId id="260" r:id="rId26"/>
+    <p:sldId id="273" r:id="rId27"/>
+    <p:sldId id="274" r:id="rId28"/>
+    <p:sldId id="275" r:id="rId29"/>
+    <p:sldId id="276" r:id="rId30"/>
+    <p:sldId id="277" r:id="rId31"/>
+    <p:sldId id="278" r:id="rId32"/>
+    <p:sldId id="279" r:id="rId33"/>
   </p:sldIdLst>
   <p:sldSz cx="12192000" cy="6858000"/>
   <p:notesSz cx="6858000" cy="9144000"/>
@@ -224,7 +228,7 @@
           <a:p>
             <a:fld id="{13167391-6225-AE43-A973-4D10B160CEAA}" type="datetimeFigureOut">
               <a:rPr lang="en-US" smtClean="0"/>
-              <a:t>10/21/2022</a:t>
+              <a:t>10/23/22</a:t>
             </a:fld>
             <a:endParaRPr lang="en-US"/>
           </a:p>
@@ -582,7 +586,215 @@
 </p:notes>
 </file>
 
-<file path=ppt/notesSlides/notesSlide2.xml><?xml version="1.0" encoding="utf-8"?>
+<file path=ppt/notesSlides/notesSlide10.xml><?xml version="1.0" encoding="utf-8"?>
+<p:notes xmlns:a="http://schemas.openxmlformats.org/drawingml/2006/main" xmlns:r="http://schemas.openxmlformats.org/officeDocument/2006/relationships" xmlns:p="http://schemas.openxmlformats.org/presentationml/2006/main" showMasterSp="0" showMasterPhAnim="0">
+  <p:cSld>
+    <p:spTree>
+      <p:nvGrpSpPr>
+        <p:cNvPr id="1" name="Shape 129"/>
+        <p:cNvGrpSpPr/>
+        <p:nvPr/>
+      </p:nvGrpSpPr>
+      <p:grpSpPr>
+        <a:xfrm>
+          <a:off x="0" y="0"/>
+          <a:ext cx="0" cy="0"/>
+          <a:chOff x="0" y="0"/>
+          <a:chExt cx="0" cy="0"/>
+        </a:xfrm>
+      </p:grpSpPr>
+      <p:sp>
+        <p:nvSpPr>
+          <p:cNvPr id="130" name="Google Shape;130;g171ca98f1eb_0_53:notes"/>
+          <p:cNvSpPr>
+            <a:spLocks noGrp="1" noRot="1" noChangeAspect="1"/>
+          </p:cNvSpPr>
+          <p:nvPr>
+            <p:ph type="sldImg" idx="2"/>
+          </p:nvPr>
+        </p:nvSpPr>
+        <p:spPr>
+          <a:xfrm>
+            <a:off x="381000" y="685800"/>
+            <a:ext cx="6096000" cy="3429000"/>
+          </a:xfrm>
+          <a:custGeom>
+            <a:avLst/>
+            <a:gdLst/>
+            <a:ahLst/>
+            <a:cxnLst/>
+            <a:rect l="l" t="t" r="r" b="b"/>
+            <a:pathLst>
+              <a:path w="120000" h="120000" extrusionOk="0">
+                <a:moveTo>
+                  <a:pt x="0" y="0"/>
+                </a:moveTo>
+                <a:lnTo>
+                  <a:pt x="120000" y="0"/>
+                </a:lnTo>
+                <a:lnTo>
+                  <a:pt x="120000" y="120000"/>
+                </a:lnTo>
+                <a:lnTo>
+                  <a:pt x="0" y="120000"/>
+                </a:lnTo>
+                <a:close/>
+              </a:path>
+            </a:pathLst>
+          </a:custGeom>
+        </p:spPr>
+      </p:sp>
+      <p:sp>
+        <p:nvSpPr>
+          <p:cNvPr id="131" name="Google Shape;131;g171ca98f1eb_0_53:notes"/>
+          <p:cNvSpPr txBox="1">
+            <a:spLocks noGrp="1"/>
+          </p:cNvSpPr>
+          <p:nvPr>
+            <p:ph type="body" idx="1"/>
+          </p:nvPr>
+        </p:nvSpPr>
+        <p:spPr>
+          <a:xfrm>
+            <a:off x="685800" y="4343400"/>
+            <a:ext cx="5486400" cy="4114800"/>
+          </a:xfrm>
+          <a:prstGeom prst="rect">
+            <a:avLst/>
+          </a:prstGeom>
+        </p:spPr>
+        <p:txBody>
+          <a:bodyPr spcFirstLastPara="1" wrap="square" lIns="91425" tIns="91425" rIns="91425" bIns="91425" anchor="t" anchorCtr="0">
+            <a:noAutofit/>
+          </a:bodyPr>
+          <a:lstStyle/>
+          <a:p>
+            <a:pPr marL="0" lvl="0" indent="0" algn="l" rtl="0">
+              <a:spcBef>
+                <a:spcPts val="0"/>
+              </a:spcBef>
+              <a:spcAft>
+                <a:spcPts val="0"/>
+              </a:spcAft>
+              <a:buNone/>
+            </a:pPr>
+            <a:endParaRPr/>
+          </a:p>
+        </p:txBody>
+      </p:sp>
+    </p:spTree>
+  </p:cSld>
+  <p:clrMapOvr>
+    <a:masterClrMapping/>
+  </p:clrMapOvr>
+</p:notes>
+</file>
+
+<file path=ppt/notesSlides/notesSlide11.xml><?xml version="1.0" encoding="utf-8"?>
+<p:notes xmlns:a="http://schemas.openxmlformats.org/drawingml/2006/main" xmlns:r="http://schemas.openxmlformats.org/officeDocument/2006/relationships" xmlns:p="http://schemas.openxmlformats.org/presentationml/2006/main" showMasterSp="0" showMasterPhAnim="0">
+  <p:cSld>
+    <p:spTree>
+      <p:nvGrpSpPr>
+        <p:cNvPr id="1" name="Shape 141"/>
+        <p:cNvGrpSpPr/>
+        <p:nvPr/>
+      </p:nvGrpSpPr>
+      <p:grpSpPr>
+        <a:xfrm>
+          <a:off x="0" y="0"/>
+          <a:ext cx="0" cy="0"/>
+          <a:chOff x="0" y="0"/>
+          <a:chExt cx="0" cy="0"/>
+        </a:xfrm>
+      </p:grpSpPr>
+      <p:sp>
+        <p:nvSpPr>
+          <p:cNvPr id="142" name="Google Shape;142;g171ca98f1eb_0_35:notes"/>
+          <p:cNvSpPr>
+            <a:spLocks noGrp="1" noRot="1" noChangeAspect="1"/>
+          </p:cNvSpPr>
+          <p:nvPr>
+            <p:ph type="sldImg" idx="2"/>
+          </p:nvPr>
+        </p:nvSpPr>
+        <p:spPr>
+          <a:xfrm>
+            <a:off x="381000" y="685800"/>
+            <a:ext cx="6096000" cy="3429000"/>
+          </a:xfrm>
+          <a:custGeom>
+            <a:avLst/>
+            <a:gdLst/>
+            <a:ahLst/>
+            <a:cxnLst/>
+            <a:rect l="l" t="t" r="r" b="b"/>
+            <a:pathLst>
+              <a:path w="120000" h="120000" extrusionOk="0">
+                <a:moveTo>
+                  <a:pt x="0" y="0"/>
+                </a:moveTo>
+                <a:lnTo>
+                  <a:pt x="120000" y="0"/>
+                </a:lnTo>
+                <a:lnTo>
+                  <a:pt x="120000" y="120000"/>
+                </a:lnTo>
+                <a:lnTo>
+                  <a:pt x="0" y="120000"/>
+                </a:lnTo>
+                <a:close/>
+              </a:path>
+            </a:pathLst>
+          </a:custGeom>
+        </p:spPr>
+      </p:sp>
+      <p:sp>
+        <p:nvSpPr>
+          <p:cNvPr id="143" name="Google Shape;143;g171ca98f1eb_0_35:notes"/>
+          <p:cNvSpPr txBox="1">
+            <a:spLocks noGrp="1"/>
+          </p:cNvSpPr>
+          <p:nvPr>
+            <p:ph type="body" idx="1"/>
+          </p:nvPr>
+        </p:nvSpPr>
+        <p:spPr>
+          <a:xfrm>
+            <a:off x="685800" y="4343400"/>
+            <a:ext cx="5486400" cy="4114800"/>
+          </a:xfrm>
+          <a:prstGeom prst="rect">
+            <a:avLst/>
+          </a:prstGeom>
+        </p:spPr>
+        <p:txBody>
+          <a:bodyPr spcFirstLastPara="1" wrap="square" lIns="91425" tIns="91425" rIns="91425" bIns="91425" anchor="t" anchorCtr="0">
+            <a:noAutofit/>
+          </a:bodyPr>
+          <a:lstStyle/>
+          <a:p>
+            <a:pPr marL="0" lvl="0" indent="0" algn="l" rtl="0">
+              <a:spcBef>
+                <a:spcPts val="0"/>
+              </a:spcBef>
+              <a:spcAft>
+                <a:spcPts val="0"/>
+              </a:spcAft>
+              <a:buNone/>
+            </a:pPr>
+            <a:endParaRPr/>
+          </a:p>
+        </p:txBody>
+      </p:sp>
+    </p:spTree>
+  </p:cSld>
+  <p:clrMapOvr>
+    <a:masterClrMapping/>
+  </p:clrMapOvr>
+</p:notes>
+</file>
+
+<file path=ppt/notesSlides/notesSlide12.xml><?xml version="1.0" encoding="utf-8"?>
 <p:notes xmlns:a="http://schemas.openxmlformats.org/drawingml/2006/main" xmlns:r="http://schemas.openxmlformats.org/officeDocument/2006/relationships" xmlns:p="http://schemas.openxmlformats.org/presentationml/2006/main">
   <p:cSld>
     <p:spTree>
@@ -647,7 +859,7 @@
           <a:p>
             <a:fld id="{F8B1E648-C780-274E-AE47-5B119BD85B59}" type="slidenum">
               <a:rPr lang="en-US" smtClean="0"/>
-              <a:t>19</a:t>
+              <a:t>23</a:t>
             </a:fld>
             <a:endParaRPr lang="en-US"/>
           </a:p>
@@ -659,6 +871,838 @@
         <p14:creationId xmlns:p14="http://schemas.microsoft.com/office/powerpoint/2010/main" val="3314166564"/>
       </p:ext>
     </p:extLst>
+  </p:cSld>
+  <p:clrMapOvr>
+    <a:masterClrMapping/>
+  </p:clrMapOvr>
+</p:notes>
+</file>
+
+<file path=ppt/notesSlides/notesSlide2.xml><?xml version="1.0" encoding="utf-8"?>
+<p:notes xmlns:a="http://schemas.openxmlformats.org/drawingml/2006/main" xmlns:r="http://schemas.openxmlformats.org/officeDocument/2006/relationships" xmlns:p="http://schemas.openxmlformats.org/presentationml/2006/main" showMasterSp="0" showMasterPhAnim="0">
+  <p:cSld>
+    <p:spTree>
+      <p:nvGrpSpPr>
+        <p:cNvPr id="1" name="Shape 75"/>
+        <p:cNvGrpSpPr/>
+        <p:nvPr/>
+      </p:nvGrpSpPr>
+      <p:grpSpPr>
+        <a:xfrm>
+          <a:off x="0" y="0"/>
+          <a:ext cx="0" cy="0"/>
+          <a:chOff x="0" y="0"/>
+          <a:chExt cx="0" cy="0"/>
+        </a:xfrm>
+      </p:grpSpPr>
+      <p:sp>
+        <p:nvSpPr>
+          <p:cNvPr id="76" name="Google Shape;76;g171ca98f1eb_0_4:notes"/>
+          <p:cNvSpPr>
+            <a:spLocks noGrp="1" noRot="1" noChangeAspect="1"/>
+          </p:cNvSpPr>
+          <p:nvPr>
+            <p:ph type="sldImg" idx="2"/>
+          </p:nvPr>
+        </p:nvSpPr>
+        <p:spPr>
+          <a:xfrm>
+            <a:off x="381000" y="685800"/>
+            <a:ext cx="6096000" cy="3429000"/>
+          </a:xfrm>
+          <a:custGeom>
+            <a:avLst/>
+            <a:gdLst/>
+            <a:ahLst/>
+            <a:cxnLst/>
+            <a:rect l="l" t="t" r="r" b="b"/>
+            <a:pathLst>
+              <a:path w="120000" h="120000" extrusionOk="0">
+                <a:moveTo>
+                  <a:pt x="0" y="0"/>
+                </a:moveTo>
+                <a:lnTo>
+                  <a:pt x="120000" y="0"/>
+                </a:lnTo>
+                <a:lnTo>
+                  <a:pt x="120000" y="120000"/>
+                </a:lnTo>
+                <a:lnTo>
+                  <a:pt x="0" y="120000"/>
+                </a:lnTo>
+                <a:close/>
+              </a:path>
+            </a:pathLst>
+          </a:custGeom>
+        </p:spPr>
+      </p:sp>
+      <p:sp>
+        <p:nvSpPr>
+          <p:cNvPr id="77" name="Google Shape;77;g171ca98f1eb_0_4:notes"/>
+          <p:cNvSpPr txBox="1">
+            <a:spLocks noGrp="1"/>
+          </p:cNvSpPr>
+          <p:nvPr>
+            <p:ph type="body" idx="1"/>
+          </p:nvPr>
+        </p:nvSpPr>
+        <p:spPr>
+          <a:xfrm>
+            <a:off x="685800" y="4343400"/>
+            <a:ext cx="5486400" cy="4114800"/>
+          </a:xfrm>
+          <a:prstGeom prst="rect">
+            <a:avLst/>
+          </a:prstGeom>
+        </p:spPr>
+        <p:txBody>
+          <a:bodyPr spcFirstLastPara="1" wrap="square" lIns="91425" tIns="91425" rIns="91425" bIns="91425" anchor="t" anchorCtr="0">
+            <a:noAutofit/>
+          </a:bodyPr>
+          <a:lstStyle/>
+          <a:p>
+            <a:pPr marL="0" lvl="0" indent="0" algn="l" rtl="0">
+              <a:spcBef>
+                <a:spcPts val="0"/>
+              </a:spcBef>
+              <a:spcAft>
+                <a:spcPts val="0"/>
+              </a:spcAft>
+              <a:buNone/>
+            </a:pPr>
+            <a:endParaRPr/>
+          </a:p>
+        </p:txBody>
+      </p:sp>
+    </p:spTree>
+  </p:cSld>
+  <p:clrMapOvr>
+    <a:masterClrMapping/>
+  </p:clrMapOvr>
+</p:notes>
+</file>
+
+<file path=ppt/notesSlides/notesSlide3.xml><?xml version="1.0" encoding="utf-8"?>
+<p:notes xmlns:a="http://schemas.openxmlformats.org/drawingml/2006/main" xmlns:r="http://schemas.openxmlformats.org/officeDocument/2006/relationships" xmlns:p="http://schemas.openxmlformats.org/presentationml/2006/main" showMasterSp="0" showMasterPhAnim="0">
+  <p:cSld>
+    <p:spTree>
+      <p:nvGrpSpPr>
+        <p:cNvPr id="1" name="Shape 82"/>
+        <p:cNvGrpSpPr/>
+        <p:nvPr/>
+      </p:nvGrpSpPr>
+      <p:grpSpPr>
+        <a:xfrm>
+          <a:off x="0" y="0"/>
+          <a:ext cx="0" cy="0"/>
+          <a:chOff x="0" y="0"/>
+          <a:chExt cx="0" cy="0"/>
+        </a:xfrm>
+      </p:grpSpPr>
+      <p:sp>
+        <p:nvSpPr>
+          <p:cNvPr id="83" name="Google Shape;83;g10024156525_0_11:notes"/>
+          <p:cNvSpPr>
+            <a:spLocks noGrp="1" noRot="1" noChangeAspect="1"/>
+          </p:cNvSpPr>
+          <p:nvPr>
+            <p:ph type="sldImg" idx="2"/>
+          </p:nvPr>
+        </p:nvSpPr>
+        <p:spPr>
+          <a:xfrm>
+            <a:off x="381000" y="685800"/>
+            <a:ext cx="6096000" cy="3429000"/>
+          </a:xfrm>
+          <a:custGeom>
+            <a:avLst/>
+            <a:gdLst/>
+            <a:ahLst/>
+            <a:cxnLst/>
+            <a:rect l="l" t="t" r="r" b="b"/>
+            <a:pathLst>
+              <a:path w="120000" h="120000" extrusionOk="0">
+                <a:moveTo>
+                  <a:pt x="0" y="0"/>
+                </a:moveTo>
+                <a:lnTo>
+                  <a:pt x="120000" y="0"/>
+                </a:lnTo>
+                <a:lnTo>
+                  <a:pt x="120000" y="120000"/>
+                </a:lnTo>
+                <a:lnTo>
+                  <a:pt x="0" y="120000"/>
+                </a:lnTo>
+                <a:close/>
+              </a:path>
+            </a:pathLst>
+          </a:custGeom>
+        </p:spPr>
+      </p:sp>
+      <p:sp>
+        <p:nvSpPr>
+          <p:cNvPr id="84" name="Google Shape;84;g10024156525_0_11:notes"/>
+          <p:cNvSpPr txBox="1">
+            <a:spLocks noGrp="1"/>
+          </p:cNvSpPr>
+          <p:nvPr>
+            <p:ph type="body" idx="1"/>
+          </p:nvPr>
+        </p:nvSpPr>
+        <p:spPr>
+          <a:xfrm>
+            <a:off x="685800" y="4343400"/>
+            <a:ext cx="5486400" cy="4114800"/>
+          </a:xfrm>
+          <a:prstGeom prst="rect">
+            <a:avLst/>
+          </a:prstGeom>
+        </p:spPr>
+        <p:txBody>
+          <a:bodyPr spcFirstLastPara="1" wrap="square" lIns="91425" tIns="91425" rIns="91425" bIns="91425" anchor="t" anchorCtr="0">
+            <a:noAutofit/>
+          </a:bodyPr>
+          <a:lstStyle/>
+          <a:p>
+            <a:pPr marL="0" lvl="0" indent="0" algn="l" rtl="0">
+              <a:spcBef>
+                <a:spcPts val="0"/>
+              </a:spcBef>
+              <a:spcAft>
+                <a:spcPts val="0"/>
+              </a:spcAft>
+              <a:buNone/>
+            </a:pPr>
+            <a:endParaRPr/>
+          </a:p>
+        </p:txBody>
+      </p:sp>
+    </p:spTree>
+  </p:cSld>
+  <p:clrMapOvr>
+    <a:masterClrMapping/>
+  </p:clrMapOvr>
+</p:notes>
+</file>
+
+<file path=ppt/notesSlides/notesSlide4.xml><?xml version="1.0" encoding="utf-8"?>
+<p:notes xmlns:a="http://schemas.openxmlformats.org/drawingml/2006/main" xmlns:r="http://schemas.openxmlformats.org/officeDocument/2006/relationships" xmlns:p="http://schemas.openxmlformats.org/presentationml/2006/main" showMasterSp="0" showMasterPhAnim="0">
+  <p:cSld>
+    <p:spTree>
+      <p:nvGrpSpPr>
+        <p:cNvPr id="1" name="Shape 88"/>
+        <p:cNvGrpSpPr/>
+        <p:nvPr/>
+      </p:nvGrpSpPr>
+      <p:grpSpPr>
+        <a:xfrm>
+          <a:off x="0" y="0"/>
+          <a:ext cx="0" cy="0"/>
+          <a:chOff x="0" y="0"/>
+          <a:chExt cx="0" cy="0"/>
+        </a:xfrm>
+      </p:grpSpPr>
+      <p:sp>
+        <p:nvSpPr>
+          <p:cNvPr id="89" name="Google Shape;89;g171ca98f1eb_0_11:notes"/>
+          <p:cNvSpPr>
+            <a:spLocks noGrp="1" noRot="1" noChangeAspect="1"/>
+          </p:cNvSpPr>
+          <p:nvPr>
+            <p:ph type="sldImg" idx="2"/>
+          </p:nvPr>
+        </p:nvSpPr>
+        <p:spPr>
+          <a:xfrm>
+            <a:off x="381000" y="685800"/>
+            <a:ext cx="6096000" cy="3429000"/>
+          </a:xfrm>
+          <a:custGeom>
+            <a:avLst/>
+            <a:gdLst/>
+            <a:ahLst/>
+            <a:cxnLst/>
+            <a:rect l="l" t="t" r="r" b="b"/>
+            <a:pathLst>
+              <a:path w="120000" h="120000" extrusionOk="0">
+                <a:moveTo>
+                  <a:pt x="0" y="0"/>
+                </a:moveTo>
+                <a:lnTo>
+                  <a:pt x="120000" y="0"/>
+                </a:lnTo>
+                <a:lnTo>
+                  <a:pt x="120000" y="120000"/>
+                </a:lnTo>
+                <a:lnTo>
+                  <a:pt x="0" y="120000"/>
+                </a:lnTo>
+                <a:close/>
+              </a:path>
+            </a:pathLst>
+          </a:custGeom>
+        </p:spPr>
+      </p:sp>
+      <p:sp>
+        <p:nvSpPr>
+          <p:cNvPr id="90" name="Google Shape;90;g171ca98f1eb_0_11:notes"/>
+          <p:cNvSpPr txBox="1">
+            <a:spLocks noGrp="1"/>
+          </p:cNvSpPr>
+          <p:nvPr>
+            <p:ph type="body" idx="1"/>
+          </p:nvPr>
+        </p:nvSpPr>
+        <p:spPr>
+          <a:xfrm>
+            <a:off x="685800" y="4343400"/>
+            <a:ext cx="5486400" cy="4114800"/>
+          </a:xfrm>
+          <a:prstGeom prst="rect">
+            <a:avLst/>
+          </a:prstGeom>
+        </p:spPr>
+        <p:txBody>
+          <a:bodyPr spcFirstLastPara="1" wrap="square" lIns="91425" tIns="91425" rIns="91425" bIns="91425" anchor="t" anchorCtr="0">
+            <a:noAutofit/>
+          </a:bodyPr>
+          <a:lstStyle/>
+          <a:p>
+            <a:pPr marL="0" lvl="0" indent="0" algn="l" rtl="0">
+              <a:spcBef>
+                <a:spcPts val="0"/>
+              </a:spcBef>
+              <a:spcAft>
+                <a:spcPts val="0"/>
+              </a:spcAft>
+              <a:buNone/>
+            </a:pPr>
+            <a:endParaRPr/>
+          </a:p>
+        </p:txBody>
+      </p:sp>
+    </p:spTree>
+  </p:cSld>
+  <p:clrMapOvr>
+    <a:masterClrMapping/>
+  </p:clrMapOvr>
+</p:notes>
+</file>
+
+<file path=ppt/notesSlides/notesSlide5.xml><?xml version="1.0" encoding="utf-8"?>
+<p:notes xmlns:a="http://schemas.openxmlformats.org/drawingml/2006/main" xmlns:r="http://schemas.openxmlformats.org/officeDocument/2006/relationships" xmlns:p="http://schemas.openxmlformats.org/presentationml/2006/main" showMasterSp="0" showMasterPhAnim="0">
+  <p:cSld>
+    <p:spTree>
+      <p:nvGrpSpPr>
+        <p:cNvPr id="1" name="Shape 96"/>
+        <p:cNvGrpSpPr/>
+        <p:nvPr/>
+      </p:nvGrpSpPr>
+      <p:grpSpPr>
+        <a:xfrm>
+          <a:off x="0" y="0"/>
+          <a:ext cx="0" cy="0"/>
+          <a:chOff x="0" y="0"/>
+          <a:chExt cx="0" cy="0"/>
+        </a:xfrm>
+      </p:grpSpPr>
+      <p:sp>
+        <p:nvSpPr>
+          <p:cNvPr id="97" name="Google Shape;97;g10024156525_0_16:notes"/>
+          <p:cNvSpPr>
+            <a:spLocks noGrp="1" noRot="1" noChangeAspect="1"/>
+          </p:cNvSpPr>
+          <p:nvPr>
+            <p:ph type="sldImg" idx="2"/>
+          </p:nvPr>
+        </p:nvSpPr>
+        <p:spPr>
+          <a:xfrm>
+            <a:off x="381000" y="685800"/>
+            <a:ext cx="6096000" cy="3429000"/>
+          </a:xfrm>
+          <a:custGeom>
+            <a:avLst/>
+            <a:gdLst/>
+            <a:ahLst/>
+            <a:cxnLst/>
+            <a:rect l="l" t="t" r="r" b="b"/>
+            <a:pathLst>
+              <a:path w="120000" h="120000" extrusionOk="0">
+                <a:moveTo>
+                  <a:pt x="0" y="0"/>
+                </a:moveTo>
+                <a:lnTo>
+                  <a:pt x="120000" y="0"/>
+                </a:lnTo>
+                <a:lnTo>
+                  <a:pt x="120000" y="120000"/>
+                </a:lnTo>
+                <a:lnTo>
+                  <a:pt x="0" y="120000"/>
+                </a:lnTo>
+                <a:close/>
+              </a:path>
+            </a:pathLst>
+          </a:custGeom>
+        </p:spPr>
+      </p:sp>
+      <p:sp>
+        <p:nvSpPr>
+          <p:cNvPr id="98" name="Google Shape;98;g10024156525_0_16:notes"/>
+          <p:cNvSpPr txBox="1">
+            <a:spLocks noGrp="1"/>
+          </p:cNvSpPr>
+          <p:nvPr>
+            <p:ph type="body" idx="1"/>
+          </p:nvPr>
+        </p:nvSpPr>
+        <p:spPr>
+          <a:xfrm>
+            <a:off x="685800" y="4343400"/>
+            <a:ext cx="5486400" cy="4114800"/>
+          </a:xfrm>
+          <a:prstGeom prst="rect">
+            <a:avLst/>
+          </a:prstGeom>
+        </p:spPr>
+        <p:txBody>
+          <a:bodyPr spcFirstLastPara="1" wrap="square" lIns="91425" tIns="91425" rIns="91425" bIns="91425" anchor="t" anchorCtr="0">
+            <a:noAutofit/>
+          </a:bodyPr>
+          <a:lstStyle/>
+          <a:p>
+            <a:pPr marL="0" lvl="0" indent="0" algn="l" rtl="0">
+              <a:spcBef>
+                <a:spcPts val="0"/>
+              </a:spcBef>
+              <a:spcAft>
+                <a:spcPts val="0"/>
+              </a:spcAft>
+              <a:buNone/>
+            </a:pPr>
+            <a:endParaRPr/>
+          </a:p>
+        </p:txBody>
+      </p:sp>
+    </p:spTree>
+  </p:cSld>
+  <p:clrMapOvr>
+    <a:masterClrMapping/>
+  </p:clrMapOvr>
+</p:notes>
+</file>
+
+<file path=ppt/notesSlides/notesSlide6.xml><?xml version="1.0" encoding="utf-8"?>
+<p:notes xmlns:a="http://schemas.openxmlformats.org/drawingml/2006/main" xmlns:r="http://schemas.openxmlformats.org/officeDocument/2006/relationships" xmlns:p="http://schemas.openxmlformats.org/presentationml/2006/main" showMasterSp="0" showMasterPhAnim="0">
+  <p:cSld>
+    <p:spTree>
+      <p:nvGrpSpPr>
+        <p:cNvPr id="1" name="Shape 102"/>
+        <p:cNvGrpSpPr/>
+        <p:nvPr/>
+      </p:nvGrpSpPr>
+      <p:grpSpPr>
+        <a:xfrm>
+          <a:off x="0" y="0"/>
+          <a:ext cx="0" cy="0"/>
+          <a:chOff x="0" y="0"/>
+          <a:chExt cx="0" cy="0"/>
+        </a:xfrm>
+      </p:grpSpPr>
+      <p:sp>
+        <p:nvSpPr>
+          <p:cNvPr id="103" name="Google Shape;103;g171ca98f1eb_0_18:notes"/>
+          <p:cNvSpPr>
+            <a:spLocks noGrp="1" noRot="1" noChangeAspect="1"/>
+          </p:cNvSpPr>
+          <p:nvPr>
+            <p:ph type="sldImg" idx="2"/>
+          </p:nvPr>
+        </p:nvSpPr>
+        <p:spPr>
+          <a:xfrm>
+            <a:off x="381000" y="685800"/>
+            <a:ext cx="6096000" cy="3429000"/>
+          </a:xfrm>
+          <a:custGeom>
+            <a:avLst/>
+            <a:gdLst/>
+            <a:ahLst/>
+            <a:cxnLst/>
+            <a:rect l="l" t="t" r="r" b="b"/>
+            <a:pathLst>
+              <a:path w="120000" h="120000" extrusionOk="0">
+                <a:moveTo>
+                  <a:pt x="0" y="0"/>
+                </a:moveTo>
+                <a:lnTo>
+                  <a:pt x="120000" y="0"/>
+                </a:lnTo>
+                <a:lnTo>
+                  <a:pt x="120000" y="120000"/>
+                </a:lnTo>
+                <a:lnTo>
+                  <a:pt x="0" y="120000"/>
+                </a:lnTo>
+                <a:close/>
+              </a:path>
+            </a:pathLst>
+          </a:custGeom>
+        </p:spPr>
+      </p:sp>
+      <p:sp>
+        <p:nvSpPr>
+          <p:cNvPr id="104" name="Google Shape;104;g171ca98f1eb_0_18:notes"/>
+          <p:cNvSpPr txBox="1">
+            <a:spLocks noGrp="1"/>
+          </p:cNvSpPr>
+          <p:nvPr>
+            <p:ph type="body" idx="1"/>
+          </p:nvPr>
+        </p:nvSpPr>
+        <p:spPr>
+          <a:xfrm>
+            <a:off x="685800" y="4343400"/>
+            <a:ext cx="5486400" cy="4114800"/>
+          </a:xfrm>
+          <a:prstGeom prst="rect">
+            <a:avLst/>
+          </a:prstGeom>
+        </p:spPr>
+        <p:txBody>
+          <a:bodyPr spcFirstLastPara="1" wrap="square" lIns="91425" tIns="91425" rIns="91425" bIns="91425" anchor="t" anchorCtr="0">
+            <a:noAutofit/>
+          </a:bodyPr>
+          <a:lstStyle/>
+          <a:p>
+            <a:pPr marL="0" lvl="0" indent="0" algn="l" rtl="0">
+              <a:spcBef>
+                <a:spcPts val="0"/>
+              </a:spcBef>
+              <a:spcAft>
+                <a:spcPts val="0"/>
+              </a:spcAft>
+              <a:buNone/>
+            </a:pPr>
+            <a:endParaRPr/>
+          </a:p>
+        </p:txBody>
+      </p:sp>
+    </p:spTree>
+  </p:cSld>
+  <p:clrMapOvr>
+    <a:masterClrMapping/>
+  </p:clrMapOvr>
+</p:notes>
+</file>
+
+<file path=ppt/notesSlides/notesSlide7.xml><?xml version="1.0" encoding="utf-8"?>
+<p:notes xmlns:a="http://schemas.openxmlformats.org/drawingml/2006/main" xmlns:r="http://schemas.openxmlformats.org/officeDocument/2006/relationships" xmlns:p="http://schemas.openxmlformats.org/presentationml/2006/main" showMasterSp="0" showMasterPhAnim="0">
+  <p:cSld>
+    <p:spTree>
+      <p:nvGrpSpPr>
+        <p:cNvPr id="1" name="Shape 110"/>
+        <p:cNvGrpSpPr/>
+        <p:nvPr/>
+      </p:nvGrpSpPr>
+      <p:grpSpPr>
+        <a:xfrm>
+          <a:off x="0" y="0"/>
+          <a:ext cx="0" cy="0"/>
+          <a:chOff x="0" y="0"/>
+          <a:chExt cx="0" cy="0"/>
+        </a:xfrm>
+      </p:grpSpPr>
+      <p:sp>
+        <p:nvSpPr>
+          <p:cNvPr id="111" name="Google Shape;111;g171ca98f1eb_0_25:notes"/>
+          <p:cNvSpPr>
+            <a:spLocks noGrp="1" noRot="1" noChangeAspect="1"/>
+          </p:cNvSpPr>
+          <p:nvPr>
+            <p:ph type="sldImg" idx="2"/>
+          </p:nvPr>
+        </p:nvSpPr>
+        <p:spPr>
+          <a:xfrm>
+            <a:off x="381000" y="685800"/>
+            <a:ext cx="6096000" cy="3429000"/>
+          </a:xfrm>
+          <a:custGeom>
+            <a:avLst/>
+            <a:gdLst/>
+            <a:ahLst/>
+            <a:cxnLst/>
+            <a:rect l="l" t="t" r="r" b="b"/>
+            <a:pathLst>
+              <a:path w="120000" h="120000" extrusionOk="0">
+                <a:moveTo>
+                  <a:pt x="0" y="0"/>
+                </a:moveTo>
+                <a:lnTo>
+                  <a:pt x="120000" y="0"/>
+                </a:lnTo>
+                <a:lnTo>
+                  <a:pt x="120000" y="120000"/>
+                </a:lnTo>
+                <a:lnTo>
+                  <a:pt x="0" y="120000"/>
+                </a:lnTo>
+                <a:close/>
+              </a:path>
+            </a:pathLst>
+          </a:custGeom>
+        </p:spPr>
+      </p:sp>
+      <p:sp>
+        <p:nvSpPr>
+          <p:cNvPr id="112" name="Google Shape;112;g171ca98f1eb_0_25:notes"/>
+          <p:cNvSpPr txBox="1">
+            <a:spLocks noGrp="1"/>
+          </p:cNvSpPr>
+          <p:nvPr>
+            <p:ph type="body" idx="1"/>
+          </p:nvPr>
+        </p:nvSpPr>
+        <p:spPr>
+          <a:xfrm>
+            <a:off x="685800" y="4343400"/>
+            <a:ext cx="5486400" cy="4114800"/>
+          </a:xfrm>
+          <a:prstGeom prst="rect">
+            <a:avLst/>
+          </a:prstGeom>
+        </p:spPr>
+        <p:txBody>
+          <a:bodyPr spcFirstLastPara="1" wrap="square" lIns="91425" tIns="91425" rIns="91425" bIns="91425" anchor="t" anchorCtr="0">
+            <a:noAutofit/>
+          </a:bodyPr>
+          <a:lstStyle/>
+          <a:p>
+            <a:pPr marL="0" lvl="0" indent="0" algn="l" rtl="0">
+              <a:spcBef>
+                <a:spcPts val="0"/>
+              </a:spcBef>
+              <a:spcAft>
+                <a:spcPts val="0"/>
+              </a:spcAft>
+              <a:buNone/>
+            </a:pPr>
+            <a:endParaRPr/>
+          </a:p>
+        </p:txBody>
+      </p:sp>
+    </p:spTree>
+  </p:cSld>
+  <p:clrMapOvr>
+    <a:masterClrMapping/>
+  </p:clrMapOvr>
+</p:notes>
+</file>
+
+<file path=ppt/notesSlides/notesSlide8.xml><?xml version="1.0" encoding="utf-8"?>
+<p:notes xmlns:a="http://schemas.openxmlformats.org/drawingml/2006/main" xmlns:r="http://schemas.openxmlformats.org/officeDocument/2006/relationships" xmlns:p="http://schemas.openxmlformats.org/presentationml/2006/main" showMasterSp="0" showMasterPhAnim="0">
+  <p:cSld>
+    <p:spTree>
+      <p:nvGrpSpPr>
+        <p:cNvPr id="1" name="Shape 116"/>
+        <p:cNvGrpSpPr/>
+        <p:nvPr/>
+      </p:nvGrpSpPr>
+      <p:grpSpPr>
+        <a:xfrm>
+          <a:off x="0" y="0"/>
+          <a:ext cx="0" cy="0"/>
+          <a:chOff x="0" y="0"/>
+          <a:chExt cx="0" cy="0"/>
+        </a:xfrm>
+      </p:grpSpPr>
+      <p:sp>
+        <p:nvSpPr>
+          <p:cNvPr id="117" name="Google Shape;117;g171ca98f1eb_0_30:notes"/>
+          <p:cNvSpPr>
+            <a:spLocks noGrp="1" noRot="1" noChangeAspect="1"/>
+          </p:cNvSpPr>
+          <p:nvPr>
+            <p:ph type="sldImg" idx="2"/>
+          </p:nvPr>
+        </p:nvSpPr>
+        <p:spPr>
+          <a:xfrm>
+            <a:off x="381000" y="685800"/>
+            <a:ext cx="6096000" cy="3429000"/>
+          </a:xfrm>
+          <a:custGeom>
+            <a:avLst/>
+            <a:gdLst/>
+            <a:ahLst/>
+            <a:cxnLst/>
+            <a:rect l="l" t="t" r="r" b="b"/>
+            <a:pathLst>
+              <a:path w="120000" h="120000" extrusionOk="0">
+                <a:moveTo>
+                  <a:pt x="0" y="0"/>
+                </a:moveTo>
+                <a:lnTo>
+                  <a:pt x="120000" y="0"/>
+                </a:lnTo>
+                <a:lnTo>
+                  <a:pt x="120000" y="120000"/>
+                </a:lnTo>
+                <a:lnTo>
+                  <a:pt x="0" y="120000"/>
+                </a:lnTo>
+                <a:close/>
+              </a:path>
+            </a:pathLst>
+          </a:custGeom>
+        </p:spPr>
+      </p:sp>
+      <p:sp>
+        <p:nvSpPr>
+          <p:cNvPr id="118" name="Google Shape;118;g171ca98f1eb_0_30:notes"/>
+          <p:cNvSpPr txBox="1">
+            <a:spLocks noGrp="1"/>
+          </p:cNvSpPr>
+          <p:nvPr>
+            <p:ph type="body" idx="1"/>
+          </p:nvPr>
+        </p:nvSpPr>
+        <p:spPr>
+          <a:xfrm>
+            <a:off x="685800" y="4343400"/>
+            <a:ext cx="5486400" cy="4114800"/>
+          </a:xfrm>
+          <a:prstGeom prst="rect">
+            <a:avLst/>
+          </a:prstGeom>
+        </p:spPr>
+        <p:txBody>
+          <a:bodyPr spcFirstLastPara="1" wrap="square" lIns="91425" tIns="91425" rIns="91425" bIns="91425" anchor="t" anchorCtr="0">
+            <a:noAutofit/>
+          </a:bodyPr>
+          <a:lstStyle/>
+          <a:p>
+            <a:pPr marL="0" lvl="0" indent="0" algn="l" rtl="0">
+              <a:spcBef>
+                <a:spcPts val="0"/>
+              </a:spcBef>
+              <a:spcAft>
+                <a:spcPts val="0"/>
+              </a:spcAft>
+              <a:buNone/>
+            </a:pPr>
+            <a:endParaRPr/>
+          </a:p>
+        </p:txBody>
+      </p:sp>
+    </p:spTree>
+  </p:cSld>
+  <p:clrMapOvr>
+    <a:masterClrMapping/>
+  </p:clrMapOvr>
+</p:notes>
+</file>
+
+<file path=ppt/notesSlides/notesSlide9.xml><?xml version="1.0" encoding="utf-8"?>
+<p:notes xmlns:a="http://schemas.openxmlformats.org/drawingml/2006/main" xmlns:r="http://schemas.openxmlformats.org/officeDocument/2006/relationships" xmlns:p="http://schemas.openxmlformats.org/presentationml/2006/main" showMasterSp="0" showMasterPhAnim="0">
+  <p:cSld>
+    <p:spTree>
+      <p:nvGrpSpPr>
+        <p:cNvPr id="1" name="Shape 122"/>
+        <p:cNvGrpSpPr/>
+        <p:nvPr/>
+      </p:nvGrpSpPr>
+      <p:grpSpPr>
+        <a:xfrm>
+          <a:off x="0" y="0"/>
+          <a:ext cx="0" cy="0"/>
+          <a:chOff x="0" y="0"/>
+          <a:chExt cx="0" cy="0"/>
+        </a:xfrm>
+      </p:grpSpPr>
+      <p:sp>
+        <p:nvSpPr>
+          <p:cNvPr id="123" name="Google Shape;123;g171ca98f1eb_0_47:notes"/>
+          <p:cNvSpPr>
+            <a:spLocks noGrp="1" noRot="1" noChangeAspect="1"/>
+          </p:cNvSpPr>
+          <p:nvPr>
+            <p:ph type="sldImg" idx="2"/>
+          </p:nvPr>
+        </p:nvSpPr>
+        <p:spPr>
+          <a:xfrm>
+            <a:off x="381000" y="685800"/>
+            <a:ext cx="6096000" cy="3429000"/>
+          </a:xfrm>
+          <a:custGeom>
+            <a:avLst/>
+            <a:gdLst/>
+            <a:ahLst/>
+            <a:cxnLst/>
+            <a:rect l="l" t="t" r="r" b="b"/>
+            <a:pathLst>
+              <a:path w="120000" h="120000" extrusionOk="0">
+                <a:moveTo>
+                  <a:pt x="0" y="0"/>
+                </a:moveTo>
+                <a:lnTo>
+                  <a:pt x="120000" y="0"/>
+                </a:lnTo>
+                <a:lnTo>
+                  <a:pt x="120000" y="120000"/>
+                </a:lnTo>
+                <a:lnTo>
+                  <a:pt x="0" y="120000"/>
+                </a:lnTo>
+                <a:close/>
+              </a:path>
+            </a:pathLst>
+          </a:custGeom>
+        </p:spPr>
+      </p:sp>
+      <p:sp>
+        <p:nvSpPr>
+          <p:cNvPr id="124" name="Google Shape;124;g171ca98f1eb_0_47:notes"/>
+          <p:cNvSpPr txBox="1">
+            <a:spLocks noGrp="1"/>
+          </p:cNvSpPr>
+          <p:nvPr>
+            <p:ph type="body" idx="1"/>
+          </p:nvPr>
+        </p:nvSpPr>
+        <p:spPr>
+          <a:xfrm>
+            <a:off x="685800" y="4343400"/>
+            <a:ext cx="5486400" cy="4114800"/>
+          </a:xfrm>
+          <a:prstGeom prst="rect">
+            <a:avLst/>
+          </a:prstGeom>
+        </p:spPr>
+        <p:txBody>
+          <a:bodyPr spcFirstLastPara="1" wrap="square" lIns="91425" tIns="91425" rIns="91425" bIns="91425" anchor="t" anchorCtr="0">
+            <a:noAutofit/>
+          </a:bodyPr>
+          <a:lstStyle/>
+          <a:p>
+            <a:pPr marL="0" lvl="0" indent="0" algn="l" rtl="0">
+              <a:spcBef>
+                <a:spcPts val="0"/>
+              </a:spcBef>
+              <a:spcAft>
+                <a:spcPts val="0"/>
+              </a:spcAft>
+              <a:buNone/>
+            </a:pPr>
+            <a:endParaRPr/>
+          </a:p>
+        </p:txBody>
+      </p:sp>
+    </p:spTree>
   </p:cSld>
   <p:clrMapOvr>
     <a:masterClrMapping/>
@@ -813,7 +1857,7 @@
           <a:p>
             <a:fld id="{59135FA5-E9D9-1D4D-BA72-48379DD0F526}" type="datetimeFigureOut">
               <a:rPr lang="en-US" smtClean="0"/>
-              <a:t>10/21/2022</a:t>
+              <a:t>10/23/22</a:t>
             </a:fld>
             <a:endParaRPr lang="en-US"/>
           </a:p>
@@ -1011,7 +2055,7 @@
           <a:p>
             <a:fld id="{59135FA5-E9D9-1D4D-BA72-48379DD0F526}" type="datetimeFigureOut">
               <a:rPr lang="en-US" smtClean="0"/>
-              <a:t>10/21/2022</a:t>
+              <a:t>10/23/22</a:t>
             </a:fld>
             <a:endParaRPr lang="en-US"/>
           </a:p>
@@ -1219,7 +2263,7 @@
           <a:p>
             <a:fld id="{59135FA5-E9D9-1D4D-BA72-48379DD0F526}" type="datetimeFigureOut">
               <a:rPr lang="en-US" smtClean="0"/>
-              <a:t>10/21/2022</a:t>
+              <a:t>10/23/22</a:t>
             </a:fld>
             <a:endParaRPr lang="en-US"/>
           </a:p>
@@ -1283,6 +2327,365 @@
     <p:extLst>
       <p:ext uri="{BB962C8B-B14F-4D97-AF65-F5344CB8AC3E}">
         <p14:creationId xmlns:p14="http://schemas.microsoft.com/office/powerpoint/2010/main" val="3167232051"/>
+      </p:ext>
+    </p:extLst>
+  </p:cSld>
+  <p:clrMapOvr>
+    <a:masterClrMapping/>
+  </p:clrMapOvr>
+</p:sldLayout>
+</file>
+
+<file path=ppt/slideLayouts/slideLayout12.xml><?xml version="1.0" encoding="utf-8"?>
+<p:sldLayout xmlns:a="http://schemas.openxmlformats.org/drawingml/2006/main" xmlns:r="http://schemas.openxmlformats.org/officeDocument/2006/relationships" xmlns:p="http://schemas.openxmlformats.org/presentationml/2006/main" matchingName="Title and body" type="tx">
+  <p:cSld name="Title and body">
+    <p:spTree>
+      <p:nvGrpSpPr>
+        <p:cNvPr id="1" name="Shape 16"/>
+        <p:cNvGrpSpPr/>
+        <p:nvPr/>
+      </p:nvGrpSpPr>
+      <p:grpSpPr>
+        <a:xfrm>
+          <a:off x="0" y="0"/>
+          <a:ext cx="0" cy="0"/>
+          <a:chOff x="0" y="0"/>
+          <a:chExt cx="0" cy="0"/>
+        </a:xfrm>
+      </p:grpSpPr>
+      <p:sp>
+        <p:nvSpPr>
+          <p:cNvPr id="17" name="Google Shape;17;p4"/>
+          <p:cNvSpPr txBox="1">
+            <a:spLocks noGrp="1"/>
+          </p:cNvSpPr>
+          <p:nvPr>
+            <p:ph type="title"/>
+          </p:nvPr>
+        </p:nvSpPr>
+        <p:spPr>
+          <a:xfrm>
+            <a:off x="415600" y="593367"/>
+            <a:ext cx="11360800" cy="763600"/>
+          </a:xfrm>
+          <a:prstGeom prst="rect">
+            <a:avLst/>
+          </a:prstGeom>
+        </p:spPr>
+        <p:txBody>
+          <a:bodyPr spcFirstLastPara="1" wrap="square" lIns="91425" tIns="91425" rIns="91425" bIns="91425" anchor="t" anchorCtr="0">
+            <a:normAutofit/>
+          </a:bodyPr>
+          <a:lstStyle>
+            <a:lvl1pPr lvl="0">
+              <a:spcBef>
+                <a:spcPts val="0"/>
+              </a:spcBef>
+              <a:spcAft>
+                <a:spcPts val="0"/>
+              </a:spcAft>
+              <a:buSzPts val="2800"/>
+              <a:buNone/>
+              <a:defRPr/>
+            </a:lvl1pPr>
+            <a:lvl2pPr lvl="1">
+              <a:spcBef>
+                <a:spcPts val="0"/>
+              </a:spcBef>
+              <a:spcAft>
+                <a:spcPts val="0"/>
+              </a:spcAft>
+              <a:buSzPts val="2800"/>
+              <a:buNone/>
+              <a:defRPr/>
+            </a:lvl2pPr>
+            <a:lvl3pPr lvl="2">
+              <a:spcBef>
+                <a:spcPts val="0"/>
+              </a:spcBef>
+              <a:spcAft>
+                <a:spcPts val="0"/>
+              </a:spcAft>
+              <a:buSzPts val="2800"/>
+              <a:buNone/>
+              <a:defRPr/>
+            </a:lvl3pPr>
+            <a:lvl4pPr lvl="3">
+              <a:spcBef>
+                <a:spcPts val="0"/>
+              </a:spcBef>
+              <a:spcAft>
+                <a:spcPts val="0"/>
+              </a:spcAft>
+              <a:buSzPts val="2800"/>
+              <a:buNone/>
+              <a:defRPr/>
+            </a:lvl4pPr>
+            <a:lvl5pPr lvl="4">
+              <a:spcBef>
+                <a:spcPts val="0"/>
+              </a:spcBef>
+              <a:spcAft>
+                <a:spcPts val="0"/>
+              </a:spcAft>
+              <a:buSzPts val="2800"/>
+              <a:buNone/>
+              <a:defRPr/>
+            </a:lvl5pPr>
+            <a:lvl6pPr lvl="5">
+              <a:spcBef>
+                <a:spcPts val="0"/>
+              </a:spcBef>
+              <a:spcAft>
+                <a:spcPts val="0"/>
+              </a:spcAft>
+              <a:buSzPts val="2800"/>
+              <a:buNone/>
+              <a:defRPr/>
+            </a:lvl6pPr>
+            <a:lvl7pPr lvl="6">
+              <a:spcBef>
+                <a:spcPts val="0"/>
+              </a:spcBef>
+              <a:spcAft>
+                <a:spcPts val="0"/>
+              </a:spcAft>
+              <a:buSzPts val="2800"/>
+              <a:buNone/>
+              <a:defRPr/>
+            </a:lvl7pPr>
+            <a:lvl8pPr lvl="7">
+              <a:spcBef>
+                <a:spcPts val="0"/>
+              </a:spcBef>
+              <a:spcAft>
+                <a:spcPts val="0"/>
+              </a:spcAft>
+              <a:buSzPts val="2800"/>
+              <a:buNone/>
+              <a:defRPr/>
+            </a:lvl8pPr>
+            <a:lvl9pPr lvl="8">
+              <a:spcBef>
+                <a:spcPts val="0"/>
+              </a:spcBef>
+              <a:spcAft>
+                <a:spcPts val="0"/>
+              </a:spcAft>
+              <a:buSzPts val="2800"/>
+              <a:buNone/>
+              <a:defRPr/>
+            </a:lvl9pPr>
+          </a:lstStyle>
+          <a:p>
+            <a:endParaRPr/>
+          </a:p>
+        </p:txBody>
+      </p:sp>
+      <p:sp>
+        <p:nvSpPr>
+          <p:cNvPr id="18" name="Google Shape;18;p4"/>
+          <p:cNvSpPr txBox="1">
+            <a:spLocks noGrp="1"/>
+          </p:cNvSpPr>
+          <p:nvPr>
+            <p:ph type="body" idx="1"/>
+          </p:nvPr>
+        </p:nvSpPr>
+        <p:spPr>
+          <a:xfrm>
+            <a:off x="415600" y="1536633"/>
+            <a:ext cx="11360800" cy="4555200"/>
+          </a:xfrm>
+          <a:prstGeom prst="rect">
+            <a:avLst/>
+          </a:prstGeom>
+        </p:spPr>
+        <p:txBody>
+          <a:bodyPr spcFirstLastPara="1" wrap="square" lIns="91425" tIns="91425" rIns="91425" bIns="91425" anchor="t" anchorCtr="0">
+            <a:normAutofit/>
+          </a:bodyPr>
+          <a:lstStyle>
+            <a:lvl1pPr marL="609585" lvl="0" indent="-457189">
+              <a:spcBef>
+                <a:spcPts val="0"/>
+              </a:spcBef>
+              <a:spcAft>
+                <a:spcPts val="0"/>
+              </a:spcAft>
+              <a:buSzPts val="1800"/>
+              <a:buChar char="●"/>
+              <a:defRPr/>
+            </a:lvl1pPr>
+            <a:lvl2pPr marL="1219170" lvl="1" indent="-423323">
+              <a:spcBef>
+                <a:spcPts val="0"/>
+              </a:spcBef>
+              <a:spcAft>
+                <a:spcPts val="0"/>
+              </a:spcAft>
+              <a:buSzPts val="1400"/>
+              <a:buChar char="○"/>
+              <a:defRPr/>
+            </a:lvl2pPr>
+            <a:lvl3pPr marL="1828754" lvl="2" indent="-423323">
+              <a:spcBef>
+                <a:spcPts val="0"/>
+              </a:spcBef>
+              <a:spcAft>
+                <a:spcPts val="0"/>
+              </a:spcAft>
+              <a:buSzPts val="1400"/>
+              <a:buChar char="■"/>
+              <a:defRPr/>
+            </a:lvl3pPr>
+            <a:lvl4pPr marL="2438339" lvl="3" indent="-423323">
+              <a:spcBef>
+                <a:spcPts val="0"/>
+              </a:spcBef>
+              <a:spcAft>
+                <a:spcPts val="0"/>
+              </a:spcAft>
+              <a:buSzPts val="1400"/>
+              <a:buChar char="●"/>
+              <a:defRPr/>
+            </a:lvl4pPr>
+            <a:lvl5pPr marL="3047924" lvl="4" indent="-423323">
+              <a:spcBef>
+                <a:spcPts val="0"/>
+              </a:spcBef>
+              <a:spcAft>
+                <a:spcPts val="0"/>
+              </a:spcAft>
+              <a:buSzPts val="1400"/>
+              <a:buChar char="○"/>
+              <a:defRPr/>
+            </a:lvl5pPr>
+            <a:lvl6pPr marL="3657509" lvl="5" indent="-423323">
+              <a:spcBef>
+                <a:spcPts val="0"/>
+              </a:spcBef>
+              <a:spcAft>
+                <a:spcPts val="0"/>
+              </a:spcAft>
+              <a:buSzPts val="1400"/>
+              <a:buChar char="■"/>
+              <a:defRPr/>
+            </a:lvl6pPr>
+            <a:lvl7pPr marL="4267093" lvl="6" indent="-423323">
+              <a:spcBef>
+                <a:spcPts val="0"/>
+              </a:spcBef>
+              <a:spcAft>
+                <a:spcPts val="0"/>
+              </a:spcAft>
+              <a:buSzPts val="1400"/>
+              <a:buChar char="●"/>
+              <a:defRPr/>
+            </a:lvl7pPr>
+            <a:lvl8pPr marL="4876678" lvl="7" indent="-423323">
+              <a:spcBef>
+                <a:spcPts val="0"/>
+              </a:spcBef>
+              <a:spcAft>
+                <a:spcPts val="0"/>
+              </a:spcAft>
+              <a:buSzPts val="1400"/>
+              <a:buChar char="○"/>
+              <a:defRPr/>
+            </a:lvl8pPr>
+            <a:lvl9pPr marL="5486263" lvl="8" indent="-423323">
+              <a:spcBef>
+                <a:spcPts val="0"/>
+              </a:spcBef>
+              <a:spcAft>
+                <a:spcPts val="0"/>
+              </a:spcAft>
+              <a:buSzPts val="1400"/>
+              <a:buChar char="■"/>
+              <a:defRPr/>
+            </a:lvl9pPr>
+          </a:lstStyle>
+          <a:p>
+            <a:endParaRPr/>
+          </a:p>
+        </p:txBody>
+      </p:sp>
+      <p:sp>
+        <p:nvSpPr>
+          <p:cNvPr id="19" name="Google Shape;19;p4"/>
+          <p:cNvSpPr txBox="1">
+            <a:spLocks noGrp="1"/>
+          </p:cNvSpPr>
+          <p:nvPr>
+            <p:ph type="sldNum" idx="12"/>
+          </p:nvPr>
+        </p:nvSpPr>
+        <p:spPr>
+          <a:xfrm>
+            <a:off x="11296611" y="6217623"/>
+            <a:ext cx="731600" cy="524800"/>
+          </a:xfrm>
+          <a:prstGeom prst="rect">
+            <a:avLst/>
+          </a:prstGeom>
+        </p:spPr>
+        <p:txBody>
+          <a:bodyPr spcFirstLastPara="1" wrap="square" lIns="91425" tIns="91425" rIns="91425" bIns="91425" anchor="ctr" anchorCtr="0">
+            <a:normAutofit/>
+          </a:bodyPr>
+          <a:lstStyle>
+            <a:lvl1pPr lvl="0">
+              <a:buNone/>
+              <a:defRPr/>
+            </a:lvl1pPr>
+            <a:lvl2pPr lvl="1">
+              <a:buNone/>
+              <a:defRPr/>
+            </a:lvl2pPr>
+            <a:lvl3pPr lvl="2">
+              <a:buNone/>
+              <a:defRPr/>
+            </a:lvl3pPr>
+            <a:lvl4pPr lvl="3">
+              <a:buNone/>
+              <a:defRPr/>
+            </a:lvl4pPr>
+            <a:lvl5pPr lvl="4">
+              <a:buNone/>
+              <a:defRPr/>
+            </a:lvl5pPr>
+            <a:lvl6pPr lvl="5">
+              <a:buNone/>
+              <a:defRPr/>
+            </a:lvl6pPr>
+            <a:lvl7pPr lvl="6">
+              <a:buNone/>
+              <a:defRPr/>
+            </a:lvl7pPr>
+            <a:lvl8pPr lvl="7">
+              <a:buNone/>
+              <a:defRPr/>
+            </a:lvl8pPr>
+            <a:lvl9pPr lvl="8">
+              <a:buNone/>
+              <a:defRPr/>
+            </a:lvl9pPr>
+          </a:lstStyle>
+          <a:p>
+            <a:fld id="{00000000-1234-1234-1234-123412341234}" type="slidenum">
+              <a:rPr lang="en" smtClean="0"/>
+              <a:pPr/>
+              <a:t>‹#›</a:t>
+            </a:fld>
+            <a:endParaRPr lang="en"/>
+          </a:p>
+        </p:txBody>
+      </p:sp>
+    </p:spTree>
+    <p:extLst>
+      <p:ext uri="{BB962C8B-B14F-4D97-AF65-F5344CB8AC3E}">
+        <p14:creationId xmlns:p14="http://schemas.microsoft.com/office/powerpoint/2010/main" val="17057232"/>
       </p:ext>
     </p:extLst>
   </p:cSld>
@@ -1417,7 +2820,7 @@
           <a:p>
             <a:fld id="{59135FA5-E9D9-1D4D-BA72-48379DD0F526}" type="datetimeFigureOut">
               <a:rPr lang="en-US" smtClean="0"/>
-              <a:t>10/21/2022</a:t>
+              <a:t>10/23/22</a:t>
             </a:fld>
             <a:endParaRPr lang="en-US"/>
           </a:p>
@@ -1692,7 +3095,7 @@
           <a:p>
             <a:fld id="{59135FA5-E9D9-1D4D-BA72-48379DD0F526}" type="datetimeFigureOut">
               <a:rPr lang="en-US" smtClean="0"/>
-              <a:t>10/21/2022</a:t>
+              <a:t>10/23/22</a:t>
             </a:fld>
             <a:endParaRPr lang="en-US"/>
           </a:p>
@@ -1957,7 +3360,7 @@
           <a:p>
             <a:fld id="{59135FA5-E9D9-1D4D-BA72-48379DD0F526}" type="datetimeFigureOut">
               <a:rPr lang="en-US" smtClean="0"/>
-              <a:t>10/21/2022</a:t>
+              <a:t>10/23/22</a:t>
             </a:fld>
             <a:endParaRPr lang="en-US"/>
           </a:p>
@@ -2369,7 +3772,7 @@
           <a:p>
             <a:fld id="{59135FA5-E9D9-1D4D-BA72-48379DD0F526}" type="datetimeFigureOut">
               <a:rPr lang="en-US" smtClean="0"/>
-              <a:t>10/21/2022</a:t>
+              <a:t>10/23/22</a:t>
             </a:fld>
             <a:endParaRPr lang="en-US"/>
           </a:p>
@@ -2510,7 +3913,7 @@
           <a:p>
             <a:fld id="{59135FA5-E9D9-1D4D-BA72-48379DD0F526}" type="datetimeFigureOut">
               <a:rPr lang="en-US" smtClean="0"/>
-              <a:t>10/21/2022</a:t>
+              <a:t>10/23/22</a:t>
             </a:fld>
             <a:endParaRPr lang="en-US"/>
           </a:p>
@@ -2623,7 +4026,7 @@
           <a:p>
             <a:fld id="{59135FA5-E9D9-1D4D-BA72-48379DD0F526}" type="datetimeFigureOut">
               <a:rPr lang="en-US" smtClean="0"/>
-              <a:t>10/21/2022</a:t>
+              <a:t>10/23/22</a:t>
             </a:fld>
             <a:endParaRPr lang="en-US"/>
           </a:p>
@@ -2934,7 +4337,7 @@
           <a:p>
             <a:fld id="{59135FA5-E9D9-1D4D-BA72-48379DD0F526}" type="datetimeFigureOut">
               <a:rPr lang="en-US" smtClean="0"/>
-              <a:t>10/21/2022</a:t>
+              <a:t>10/23/22</a:t>
             </a:fld>
             <a:endParaRPr lang="en-US"/>
           </a:p>
@@ -3222,7 +4625,7 @@
           <a:p>
             <a:fld id="{59135FA5-E9D9-1D4D-BA72-48379DD0F526}" type="datetimeFigureOut">
               <a:rPr lang="en-US" smtClean="0"/>
-              <a:t>10/21/2022</a:t>
+              <a:t>10/23/22</a:t>
             </a:fld>
             <a:endParaRPr lang="en-US"/>
           </a:p>
@@ -3463,7 +4866,7 @@
           <a:p>
             <a:fld id="{59135FA5-E9D9-1D4D-BA72-48379DD0F526}" type="datetimeFigureOut">
               <a:rPr lang="en-US" smtClean="0"/>
-              <a:t>10/21/2022</a:t>
+              <a:t>10/23/22</a:t>
             </a:fld>
             <a:endParaRPr lang="en-US"/>
           </a:p>
@@ -3579,6 +4982,7 @@
     <p:sldLayoutId id="2147483657" r:id="rId9"/>
     <p:sldLayoutId id="2147483658" r:id="rId10"/>
     <p:sldLayoutId id="2147483659" r:id="rId11"/>
+    <p:sldLayoutId id="2147483660" r:id="rId12"/>
   </p:sldLayoutIdLst>
   <p:txStyles>
     <p:titleStyle>
@@ -4089,15 +5493,205 @@
             <p:ph idx="1"/>
           </p:nvPr>
         </p:nvSpPr>
-        <p:spPr/>
-        <p:txBody>
-          <a:bodyPr/>
-          <a:lstStyle/>
-          <a:p>
-            <a:endParaRPr lang="en-US"/>
-          </a:p>
-        </p:txBody>
-      </p:sp>
+        <p:spPr>
+          <a:xfrm>
+            <a:off x="838200" y="1579418"/>
+            <a:ext cx="10515600" cy="4913457"/>
+          </a:xfrm>
+        </p:spPr>
+        <p:txBody>
+          <a:bodyPr>
+            <a:noAutofit/>
+          </a:bodyPr>
+          <a:lstStyle/>
+          <a:p>
+            <a:pPr marL="0" indent="0">
+              <a:lnSpc>
+                <a:spcPct val="100000"/>
+              </a:lnSpc>
+              <a:buNone/>
+            </a:pPr>
+            <a:r>
+              <a:rPr lang="en-US" dirty="0">
+                <a:latin typeface="+mj-lt"/>
+              </a:rPr>
+              <a:t>1.  Recording information</a:t>
+            </a:r>
+          </a:p>
+          <a:p>
+            <a:pPr marL="0" indent="0">
+              <a:lnSpc>
+                <a:spcPct val="100000"/>
+              </a:lnSpc>
+              <a:buNone/>
+            </a:pPr>
+            <a:r>
+              <a:rPr lang="en-US" dirty="0">
+                <a:latin typeface="+mj-lt"/>
+              </a:rPr>
+              <a:t>2.  Communication information</a:t>
+            </a:r>
+          </a:p>
+          <a:p>
+            <a:pPr marL="0" indent="0">
+              <a:lnSpc>
+                <a:spcPct val="100000"/>
+              </a:lnSpc>
+              <a:buNone/>
+            </a:pPr>
+            <a:r>
+              <a:rPr lang="en-US" dirty="0">
+                <a:latin typeface="+mj-lt"/>
+              </a:rPr>
+              <a:t>3.  Processing information</a:t>
+            </a:r>
+          </a:p>
+          <a:p>
+            <a:pPr marL="0" indent="0">
+              <a:lnSpc>
+                <a:spcPct val="100000"/>
+              </a:lnSpc>
+              <a:buNone/>
+            </a:pPr>
+            <a:endParaRPr lang="en-US" sz="200" dirty="0"/>
+          </a:p>
+          <a:p>
+            <a:pPr marL="0" indent="0">
+              <a:lnSpc>
+                <a:spcPct val="100000"/>
+              </a:lnSpc>
+              <a:buNone/>
+            </a:pPr>
+            <a:r>
+              <a:rPr lang="en-US" sz="2400" dirty="0"/>
+              <a:t>Why need these functions?</a:t>
+            </a:r>
+          </a:p>
+          <a:p>
+            <a:pPr marL="0" indent="0">
+              <a:lnSpc>
+                <a:spcPct val="100000"/>
+              </a:lnSpc>
+              <a:buNone/>
+            </a:pPr>
+            <a:r>
+              <a:rPr lang="en-US" sz="2000" dirty="0">
+                <a:latin typeface="+mj-lt"/>
+              </a:rPr>
+              <a:t>Image is limited to three visual variables. -- Figure 1: Only 3 dimensions could be shown here. </a:t>
+            </a:r>
+          </a:p>
+          <a:p>
+            <a:pPr marL="0" indent="0">
+              <a:lnSpc>
+                <a:spcPct val="100000"/>
+              </a:lnSpc>
+              <a:buNone/>
+            </a:pPr>
+            <a:r>
+              <a:rPr lang="en-US" sz="2000" dirty="0">
+                <a:latin typeface="+mj-lt"/>
+              </a:rPr>
+              <a:t>Communication information with more than three components.</a:t>
+            </a:r>
+          </a:p>
+          <a:p>
+            <a:pPr marL="0" indent="0">
+              <a:lnSpc>
+                <a:spcPct val="100000"/>
+              </a:lnSpc>
+              <a:buNone/>
+            </a:pPr>
+            <a:r>
+              <a:rPr lang="en-US" sz="2000" dirty="0">
+                <a:latin typeface="+mj-lt"/>
+              </a:rPr>
+              <a:t>Utilize human memory to understand the data. -- Increasing number of images make more difficult.</a:t>
+            </a:r>
+          </a:p>
+          <a:p>
+            <a:pPr marL="0" lvl="0" indent="0" algn="l" rtl="0">
+              <a:lnSpc>
+                <a:spcPct val="100000"/>
+              </a:lnSpc>
+              <a:spcBef>
+                <a:spcPts val="1200"/>
+              </a:spcBef>
+              <a:spcAft>
+                <a:spcPts val="0"/>
+              </a:spcAft>
+              <a:buNone/>
+            </a:pPr>
+            <a:r>
+              <a:rPr lang="en-US" sz="2400" dirty="0"/>
+              <a:t>Solution:</a:t>
+            </a:r>
+          </a:p>
+          <a:p>
+            <a:pPr marL="0" lvl="0" indent="0" algn="l" rtl="0">
+              <a:lnSpc>
+                <a:spcPct val="100000"/>
+              </a:lnSpc>
+              <a:spcBef>
+                <a:spcPts val="1200"/>
+              </a:spcBef>
+              <a:spcAft>
+                <a:spcPts val="1200"/>
+              </a:spcAft>
+              <a:buNone/>
+            </a:pPr>
+            <a:r>
+              <a:rPr lang="en-US" sz="2000" dirty="0">
+                <a:latin typeface="+mj-lt"/>
+              </a:rPr>
+              <a:t>Conditions of memorization linked to the amount and conceptual level of the information.</a:t>
+            </a:r>
+          </a:p>
+          <a:p>
+            <a:pPr marL="0" indent="0">
+              <a:lnSpc>
+                <a:spcPct val="100000"/>
+              </a:lnSpc>
+              <a:buNone/>
+            </a:pPr>
+            <a:endParaRPr lang="en-US" sz="2400" dirty="0"/>
+          </a:p>
+        </p:txBody>
+      </p:sp>
+      <p:pic>
+        <p:nvPicPr>
+          <p:cNvPr id="4" name="Google Shape;62;p14">
+            <a:extLst>
+              <a:ext uri="{FF2B5EF4-FFF2-40B4-BE49-F238E27FC236}">
+                <a16:creationId xmlns:a16="http://schemas.microsoft.com/office/drawing/2014/main" id="{C22DD979-9F62-028E-2399-9548CFF9BE3C}"/>
+              </a:ext>
+            </a:extLst>
+          </p:cNvPr>
+          <p:cNvPicPr preferRelativeResize="0"/>
+          <p:nvPr/>
+        </p:nvPicPr>
+        <p:blipFill>
+          <a:blip r:embed="rId2">
+            <a:alphaModFix/>
+          </a:blip>
+          <a:stretch>
+            <a:fillRect/>
+          </a:stretch>
+        </p:blipFill>
+        <p:spPr>
+          <a:xfrm>
+            <a:off x="10518442" y="3505994"/>
+            <a:ext cx="1019175" cy="1171575"/>
+          </a:xfrm>
+          <a:prstGeom prst="rect">
+            <a:avLst/>
+          </a:prstGeom>
+          <a:noFill/>
+          <a:ln>
+            <a:noFill/>
+          </a:ln>
+        </p:spPr>
+      </p:pic>
     </p:spTree>
     <p:extLst>
       <p:ext uri="{BB962C8B-B14F-4D97-AF65-F5344CB8AC3E}">
@@ -4133,7 +5727,7 @@
           <p:cNvPr id="2" name="Title 1">
             <a:extLst>
               <a:ext uri="{FF2B5EF4-FFF2-40B4-BE49-F238E27FC236}">
-                <a16:creationId xmlns:a16="http://schemas.microsoft.com/office/drawing/2014/main" id="{4908F15D-78B9-7885-0148-0AF6FF177096}"/>
+                <a16:creationId xmlns:a16="http://schemas.microsoft.com/office/drawing/2014/main" id="{43A243A8-7DB9-97A7-724F-2EF60B7E0647}"/>
               </a:ext>
             </a:extLst>
           </p:cNvPr>
@@ -4144,12 +5738,23 @@
             <p:ph type="title"/>
           </p:nvPr>
         </p:nvSpPr>
-        <p:spPr/>
-        <p:txBody>
-          <a:bodyPr/>
-          <a:lstStyle/>
-          <a:p>
-            <a:endParaRPr lang="en-US"/>
+        <p:spPr>
+          <a:xfrm>
+            <a:off x="737755" y="333952"/>
+            <a:ext cx="10616045" cy="1048039"/>
+          </a:xfrm>
+        </p:spPr>
+        <p:txBody>
+          <a:bodyPr>
+            <a:normAutofit/>
+          </a:bodyPr>
+          <a:lstStyle/>
+          <a:p>
+            <a:r>
+              <a:rPr lang="en-US" sz="4000" b="1" dirty="0"/>
+              <a:t>1. Recording information</a:t>
+            </a:r>
+            <a:endParaRPr lang="en-US" sz="4000" dirty="0"/>
           </a:p>
         </p:txBody>
       </p:sp>
@@ -4158,7 +5763,7 @@
           <p:cNvPr id="3" name="Content Placeholder 2">
             <a:extLst>
               <a:ext uri="{FF2B5EF4-FFF2-40B4-BE49-F238E27FC236}">
-                <a16:creationId xmlns:a16="http://schemas.microsoft.com/office/drawing/2014/main" id="{7C167286-8135-05B6-CCFE-76BA5EF14E28}"/>
+                <a16:creationId xmlns:a16="http://schemas.microsoft.com/office/drawing/2014/main" id="{DABD7E46-AE49-F6CB-391F-C67015B1BE9F}"/>
               </a:ext>
             </a:extLst>
           </p:cNvPr>
@@ -4169,19 +5774,180 @@
             <p:ph idx="1"/>
           </p:nvPr>
         </p:nvSpPr>
-        <p:spPr/>
-        <p:txBody>
-          <a:bodyPr/>
-          <a:lstStyle/>
-          <a:p>
-            <a:endParaRPr lang="en-US"/>
+        <p:spPr>
+          <a:xfrm>
+            <a:off x="862444" y="1465118"/>
+            <a:ext cx="10491355" cy="4711845"/>
+          </a:xfrm>
+        </p:spPr>
+        <p:txBody>
+          <a:bodyPr>
+            <a:normAutofit/>
+          </a:bodyPr>
+          <a:lstStyle/>
+          <a:p>
+            <a:pPr>
+              <a:lnSpc>
+                <a:spcPct val="100000"/>
+              </a:lnSpc>
+              <a:spcBef>
+                <a:spcPts val="0"/>
+              </a:spcBef>
+            </a:pPr>
+            <a:r>
+              <a:rPr lang="en-US" dirty="0"/>
+              <a:t>The graph is convenient and information storage.</a:t>
+            </a:r>
+          </a:p>
+          <a:p>
+            <a:pPr>
+              <a:lnSpc>
+                <a:spcPct val="100000"/>
+              </a:lnSpc>
+              <a:spcBef>
+                <a:spcPts val="0"/>
+              </a:spcBef>
+            </a:pPr>
+            <a:r>
+              <a:rPr lang="en-US" dirty="0"/>
+              <a:t>Purpose of plane and visual signs to record all the correspondence in the give information set:</a:t>
+            </a:r>
+          </a:p>
+          <a:p>
+            <a:pPr marL="971550" lvl="1" indent="-514350">
+              <a:lnSpc>
+                <a:spcPct val="100000"/>
+              </a:lnSpc>
+              <a:spcBef>
+                <a:spcPts val="0"/>
+              </a:spcBef>
+              <a:buFont typeface="+mj-lt"/>
+              <a:buAutoNum type="alphaLcPeriod"/>
+            </a:pPr>
+            <a:r>
+              <a:rPr lang="en-US" dirty="0">
+                <a:latin typeface="+mj-lt"/>
+              </a:rPr>
+              <a:t>Create a storage mechanism</a:t>
+            </a:r>
+          </a:p>
+          <a:p>
+            <a:pPr marL="971550" lvl="1" indent="-514350">
+              <a:lnSpc>
+                <a:spcPct val="100000"/>
+              </a:lnSpc>
+              <a:spcBef>
+                <a:spcPts val="0"/>
+              </a:spcBef>
+              <a:buFont typeface="+mj-lt"/>
+              <a:buAutoNum type="alphaLcPeriod"/>
+            </a:pPr>
+            <a:r>
+              <a:rPr lang="en-US" dirty="0">
+                <a:latin typeface="+mj-lt"/>
+              </a:rPr>
+              <a:t>Avoids the effort of memorization</a:t>
+            </a:r>
+          </a:p>
+          <a:p>
+            <a:pPr marL="971550" lvl="1" indent="-514350">
+              <a:lnSpc>
+                <a:spcPct val="100000"/>
+              </a:lnSpc>
+              <a:spcBef>
+                <a:spcPts val="0"/>
+              </a:spcBef>
+              <a:buFont typeface="+mj-lt"/>
+              <a:buAutoNum type="alphaLcPeriod"/>
+            </a:pPr>
+            <a:r>
+              <a:rPr lang="en-US" dirty="0">
+                <a:latin typeface="+mj-lt"/>
+              </a:rPr>
+              <a:t>Example: subway diagram, highway map</a:t>
+            </a:r>
+          </a:p>
+          <a:p>
+            <a:pPr>
+              <a:lnSpc>
+                <a:spcPct val="100000"/>
+              </a:lnSpc>
+              <a:spcBef>
+                <a:spcPts val="0"/>
+              </a:spcBef>
+            </a:pPr>
+            <a:r>
+              <a:rPr lang="en-US" dirty="0"/>
+              <a:t>Strength:</a:t>
+            </a:r>
+          </a:p>
+          <a:p>
+            <a:pPr marL="0" indent="0">
+              <a:lnSpc>
+                <a:spcPct val="100000"/>
+              </a:lnSpc>
+              <a:spcBef>
+                <a:spcPts val="0"/>
+              </a:spcBef>
+              <a:buNone/>
+            </a:pPr>
+            <a:r>
+              <a:rPr lang="en-US" dirty="0">
+                <a:latin typeface="+mj-lt"/>
+              </a:rPr>
+              <a:t>Include all the information</a:t>
+            </a:r>
+          </a:p>
+          <a:p>
+            <a:pPr>
+              <a:lnSpc>
+                <a:spcPct val="100000"/>
+              </a:lnSpc>
+              <a:spcBef>
+                <a:spcPts val="0"/>
+              </a:spcBef>
+            </a:pPr>
+            <a:r>
+              <a:rPr lang="en-US" dirty="0"/>
+              <a:t>Weakness: </a:t>
+            </a:r>
+          </a:p>
+          <a:p>
+            <a:pPr marL="0" indent="0">
+              <a:lnSpc>
+                <a:spcPct val="100000"/>
+              </a:lnSpc>
+              <a:spcBef>
+                <a:spcPts val="0"/>
+              </a:spcBef>
+              <a:buNone/>
+            </a:pPr>
+            <a:r>
+              <a:rPr lang="en-US" dirty="0">
+                <a:latin typeface="+mj-lt"/>
+              </a:rPr>
+              <a:t>Time consuming in query information</a:t>
+            </a:r>
+          </a:p>
+          <a:p>
+            <a:pPr marL="0" indent="0">
+              <a:lnSpc>
+                <a:spcPct val="100000"/>
+              </a:lnSpc>
+              <a:spcBef>
+                <a:spcPts val="0"/>
+              </a:spcBef>
+            </a:pPr>
+            <a:endParaRPr lang="en-US" dirty="0">
+              <a:latin typeface="+mj-lt"/>
+            </a:endParaRPr>
           </a:p>
         </p:txBody>
       </p:sp>
     </p:spTree>
     <p:extLst>
       <p:ext uri="{BB962C8B-B14F-4D97-AF65-F5344CB8AC3E}">
-        <p14:creationId xmlns:p14="http://schemas.microsoft.com/office/powerpoint/2010/main" val="3626875287"/>
+        <p14:creationId xmlns:p14="http://schemas.microsoft.com/office/powerpoint/2010/main" val="175943719"/>
       </p:ext>
     </p:extLst>
   </p:cSld>
@@ -4196,7 +5962,7 @@
   <p:cSld>
     <p:spTree>
       <p:nvGrpSpPr>
-        <p:cNvPr id="1" name=""/>
+        <p:cNvPr id="1" name="Shape 78"/>
         <p:cNvGrpSpPr/>
         <p:nvPr/>
       </p:nvGrpSpPr>
@@ -4210,60 +5976,127 @@
       </p:grpSpPr>
       <p:sp>
         <p:nvSpPr>
-          <p:cNvPr id="2" name="Title 1">
-            <a:extLst>
-              <a:ext uri="{FF2B5EF4-FFF2-40B4-BE49-F238E27FC236}">
-                <a16:creationId xmlns:a16="http://schemas.microsoft.com/office/drawing/2014/main" id="{2134E527-6FD8-8094-3B05-3D8FD7EDE984}"/>
-              </a:ext>
-            </a:extLst>
-          </p:cNvPr>
-          <p:cNvSpPr>
+          <p:cNvPr id="79" name="Google Shape;79;p17"/>
+          <p:cNvSpPr txBox="1">
             <a:spLocks noGrp="1"/>
           </p:cNvSpPr>
           <p:nvPr>
             <p:ph type="title"/>
           </p:nvPr>
         </p:nvSpPr>
-        <p:spPr/>
-        <p:txBody>
-          <a:bodyPr/>
-          <a:lstStyle/>
-          <a:p>
-            <a:endParaRPr lang="en-US"/>
-          </a:p>
-        </p:txBody>
-      </p:sp>
-      <p:sp>
-        <p:nvSpPr>
-          <p:cNvPr id="3" name="Content Placeholder 2">
-            <a:extLst>
-              <a:ext uri="{FF2B5EF4-FFF2-40B4-BE49-F238E27FC236}">
-                <a16:creationId xmlns:a16="http://schemas.microsoft.com/office/drawing/2014/main" id="{4B3892BB-34AF-A2A3-95EA-DEE8E3A6D6FD}"/>
-              </a:ext>
-            </a:extLst>
-          </p:cNvPr>
-          <p:cNvSpPr>
-            <a:spLocks noGrp="1"/>
-          </p:cNvSpPr>
-          <p:nvPr>
-            <p:ph idx="1"/>
-          </p:nvPr>
-        </p:nvSpPr>
-        <p:spPr/>
-        <p:txBody>
-          <a:bodyPr/>
-          <a:lstStyle/>
-          <a:p>
-            <a:endParaRPr lang="en-US"/>
-          </a:p>
-        </p:txBody>
-      </p:sp>
+        <p:spPr>
+          <a:xfrm>
+            <a:off x="415600" y="593367"/>
+            <a:ext cx="11360800" cy="763600"/>
+          </a:xfrm>
+          <a:prstGeom prst="rect">
+            <a:avLst/>
+          </a:prstGeom>
+        </p:spPr>
+        <p:txBody>
+          <a:bodyPr spcFirstLastPara="1" vert="horz" wrap="square" lIns="121900" tIns="121900" rIns="121900" bIns="121900" rtlCol="0" anchor="t" anchorCtr="0">
+            <a:normAutofit fontScale="90000"/>
+          </a:bodyPr>
+          <a:lstStyle/>
+          <a:p>
+            <a:pPr>
+              <a:buClr>
+                <a:schemeClr val="dk1"/>
+              </a:buClr>
+              <a:buSzPct val="39285"/>
+            </a:pPr>
+            <a:r>
+              <a:rPr lang="en-US" sz="4400" b="1" dirty="0"/>
+              <a:t>1. Recording information</a:t>
+            </a:r>
+            <a:endParaRPr b="1" dirty="0"/>
+          </a:p>
+        </p:txBody>
+      </p:sp>
+      <p:sp>
+        <p:nvSpPr>
+          <p:cNvPr id="80" name="Google Shape;80;p17"/>
+          <p:cNvSpPr txBox="1">
+            <a:spLocks noGrp="1"/>
+          </p:cNvSpPr>
+          <p:nvPr>
+            <p:ph type="body" idx="1"/>
+          </p:nvPr>
+        </p:nvSpPr>
+        <p:spPr>
+          <a:xfrm>
+            <a:off x="415600" y="1536633"/>
+            <a:ext cx="11360800" cy="4555200"/>
+          </a:xfrm>
+          <a:prstGeom prst="rect">
+            <a:avLst/>
+          </a:prstGeom>
+        </p:spPr>
+        <p:txBody>
+          <a:bodyPr spcFirstLastPara="1" vert="horz" wrap="square" lIns="121900" tIns="121900" rIns="121900" bIns="121900" rtlCol="0" anchor="t" anchorCtr="0">
+            <a:normAutofit/>
+          </a:bodyPr>
+          <a:lstStyle/>
+          <a:p>
+            <a:pPr marL="0" indent="0">
+              <a:buNone/>
+            </a:pPr>
+            <a:r>
+              <a:rPr lang="en"/>
+              <a:t>Figure 3 and figure 4 show the same information.</a:t>
+            </a:r>
+            <a:endParaRPr/>
+          </a:p>
+          <a:p>
+            <a:pPr>
+              <a:spcBef>
+                <a:spcPts val="1600"/>
+              </a:spcBef>
+            </a:pPr>
+            <a:r>
+              <a:rPr lang="en"/>
+              <a:t>Only involves the inventory stage of graphics.</a:t>
+            </a:r>
+            <a:endParaRPr/>
+          </a:p>
+          <a:p>
+            <a:r>
+              <a:rPr lang="en"/>
+              <a:t>All these documents must be reread point by point.</a:t>
+            </a:r>
+            <a:endParaRPr/>
+          </a:p>
+        </p:txBody>
+      </p:sp>
+      <p:pic>
+        <p:nvPicPr>
+          <p:cNvPr id="81" name="Google Shape;81;p17"/>
+          <p:cNvPicPr preferRelativeResize="0"/>
+          <p:nvPr/>
+        </p:nvPicPr>
+        <p:blipFill>
+          <a:blip r:embed="rId3">
+            <a:alphaModFix/>
+          </a:blip>
+          <a:stretch>
+            <a:fillRect/>
+          </a:stretch>
+        </p:blipFill>
+        <p:spPr>
+          <a:xfrm>
+            <a:off x="2776301" y="3429000"/>
+            <a:ext cx="9415700" cy="3412467"/>
+          </a:xfrm>
+          <a:prstGeom prst="rect">
+            <a:avLst/>
+          </a:prstGeom>
+          <a:noFill/>
+          <a:ln>
+            <a:noFill/>
+          </a:ln>
+        </p:spPr>
+      </p:pic>
     </p:spTree>
-    <p:extLst>
-      <p:ext uri="{BB962C8B-B14F-4D97-AF65-F5344CB8AC3E}">
-        <p14:creationId xmlns:p14="http://schemas.microsoft.com/office/powerpoint/2010/main" val="21967629"/>
-      </p:ext>
-    </p:extLst>
   </p:cSld>
   <p:clrMapOvr>
     <a:masterClrMapping/>
@@ -4276,7 +6109,7 @@
   <p:cSld>
     <p:spTree>
       <p:nvGrpSpPr>
-        <p:cNvPr id="1" name=""/>
+        <p:cNvPr id="1" name="Shape 85"/>
         <p:cNvGrpSpPr/>
         <p:nvPr/>
       </p:nvGrpSpPr>
@@ -4290,60 +6123,215 @@
       </p:grpSpPr>
       <p:sp>
         <p:nvSpPr>
-          <p:cNvPr id="2" name="Title 1">
-            <a:extLst>
-              <a:ext uri="{FF2B5EF4-FFF2-40B4-BE49-F238E27FC236}">
-                <a16:creationId xmlns:a16="http://schemas.microsoft.com/office/drawing/2014/main" id="{B796B1DF-15BD-6885-4E1A-C1801B700F1E}"/>
-              </a:ext>
-            </a:extLst>
-          </p:cNvPr>
-          <p:cNvSpPr>
+          <p:cNvPr id="86" name="Google Shape;86;p18"/>
+          <p:cNvSpPr txBox="1">
             <a:spLocks noGrp="1"/>
           </p:cNvSpPr>
           <p:nvPr>
             <p:ph type="title"/>
           </p:nvPr>
         </p:nvSpPr>
-        <p:spPr/>
-        <p:txBody>
-          <a:bodyPr/>
-          <a:lstStyle/>
-          <a:p>
-            <a:endParaRPr lang="en-US"/>
-          </a:p>
-        </p:txBody>
-      </p:sp>
-      <p:sp>
-        <p:nvSpPr>
-          <p:cNvPr id="3" name="Content Placeholder 2">
-            <a:extLst>
-              <a:ext uri="{FF2B5EF4-FFF2-40B4-BE49-F238E27FC236}">
-                <a16:creationId xmlns:a16="http://schemas.microsoft.com/office/drawing/2014/main" id="{D08044BE-0E91-6416-307D-24225FDBAB06}"/>
-              </a:ext>
-            </a:extLst>
-          </p:cNvPr>
-          <p:cNvSpPr>
-            <a:spLocks noGrp="1"/>
-          </p:cNvSpPr>
-          <p:nvPr>
-            <p:ph idx="1"/>
-          </p:nvPr>
-        </p:nvSpPr>
-        <p:spPr/>
-        <p:txBody>
-          <a:bodyPr/>
-          <a:lstStyle/>
-          <a:p>
-            <a:endParaRPr lang="en-US"/>
+        <p:spPr>
+          <a:xfrm>
+            <a:off x="415600" y="593367"/>
+            <a:ext cx="11360800" cy="763600"/>
+          </a:xfrm>
+          <a:prstGeom prst="rect">
+            <a:avLst/>
+          </a:prstGeom>
+        </p:spPr>
+        <p:txBody>
+          <a:bodyPr spcFirstLastPara="1" vert="horz" wrap="square" lIns="121900" tIns="121900" rIns="121900" bIns="121900" rtlCol="0" anchor="t" anchorCtr="0">
+            <a:normAutofit fontScale="90000"/>
+          </a:bodyPr>
+          <a:lstStyle/>
+          <a:p>
+            <a:r>
+              <a:rPr lang="en" b="1" dirty="0"/>
+              <a:t>2.  Communication information</a:t>
+            </a:r>
+            <a:endParaRPr b="1" dirty="0"/>
+          </a:p>
+        </p:txBody>
+      </p:sp>
+      <p:sp>
+        <p:nvSpPr>
+          <p:cNvPr id="87" name="Google Shape;87;p18"/>
+          <p:cNvSpPr txBox="1">
+            <a:spLocks noGrp="1"/>
+          </p:cNvSpPr>
+          <p:nvPr>
+            <p:ph type="body" idx="1"/>
+          </p:nvPr>
+        </p:nvSpPr>
+        <p:spPr>
+          <a:xfrm>
+            <a:off x="712518" y="1520042"/>
+            <a:ext cx="11063881" cy="4571791"/>
+          </a:xfrm>
+          <a:prstGeom prst="rect">
+            <a:avLst/>
+          </a:prstGeom>
+        </p:spPr>
+        <p:txBody>
+          <a:bodyPr spcFirstLastPara="1" vert="horz" wrap="square" lIns="121900" tIns="121900" rIns="121900" bIns="121900" rtlCol="0" anchor="t" anchorCtr="0">
+            <a:noAutofit/>
+          </a:bodyPr>
+          <a:lstStyle/>
+          <a:p>
+            <a:pPr>
+              <a:lnSpc>
+                <a:spcPct val="100000"/>
+              </a:lnSpc>
+            </a:pPr>
+            <a:r>
+              <a:rPr lang="en-US" dirty="0"/>
+              <a:t>A graph could gain the same static information with different means.</a:t>
+            </a:r>
+          </a:p>
+          <a:p>
+            <a:pPr>
+              <a:lnSpc>
+                <a:spcPct val="100000"/>
+              </a:lnSpc>
+            </a:pPr>
+            <a:r>
+              <a:rPr lang="en-US" dirty="0"/>
+              <a:t>Purpose of plane and visual signs to be utilized for communicating information:</a:t>
+            </a:r>
+          </a:p>
+          <a:p>
+            <a:pPr marL="971550" lvl="1" indent="-514350">
+              <a:lnSpc>
+                <a:spcPct val="100000"/>
+              </a:lnSpc>
+              <a:buFont typeface="+mj-lt"/>
+              <a:buAutoNum type="alphaLcPeriod"/>
+            </a:pPr>
+            <a:r>
+              <a:rPr lang="en-US" dirty="0">
+                <a:latin typeface="+mj-lt"/>
+              </a:rPr>
+              <a:t>Create a memoizable image</a:t>
+            </a:r>
+          </a:p>
+          <a:p>
+            <a:pPr marL="971550" lvl="1" indent="-514350">
+              <a:lnSpc>
+                <a:spcPct val="100000"/>
+              </a:lnSpc>
+              <a:buFont typeface="+mj-lt"/>
+              <a:buAutoNum type="alphaLcPeriod"/>
+            </a:pPr>
+            <a:r>
+              <a:rPr lang="en-US" dirty="0">
+                <a:latin typeface="+mj-lt"/>
+              </a:rPr>
+              <a:t>Inscribes the overall information within the field of assimilated knowledge</a:t>
+            </a:r>
+          </a:p>
+          <a:p>
+            <a:pPr marL="971550" lvl="1" indent="-514350">
+              <a:lnSpc>
+                <a:spcPct val="100000"/>
+              </a:lnSpc>
+              <a:spcBef>
+                <a:spcPts val="0"/>
+              </a:spcBef>
+              <a:buFont typeface="+mj-lt"/>
+              <a:buAutoNum type="alphaLcPeriod"/>
+            </a:pPr>
+            <a:r>
+              <a:rPr lang="en-US" dirty="0">
+                <a:latin typeface="+mj-lt"/>
+              </a:rPr>
+              <a:t>Example: maps, sketches</a:t>
+            </a:r>
+          </a:p>
+          <a:p>
+            <a:pPr>
+              <a:lnSpc>
+                <a:spcPct val="100000"/>
+              </a:lnSpc>
+              <a:spcBef>
+                <a:spcPts val="0"/>
+              </a:spcBef>
+            </a:pPr>
+            <a:r>
+              <a:rPr lang="en-US" dirty="0"/>
+              <a:t>Strength:</a:t>
+            </a:r>
+          </a:p>
+          <a:p>
+            <a:pPr marL="0" indent="0">
+              <a:lnSpc>
+                <a:spcPct val="100000"/>
+              </a:lnSpc>
+              <a:buNone/>
+            </a:pPr>
+            <a:r>
+              <a:rPr lang="en-US" dirty="0">
+                <a:latin typeface="+mj-lt"/>
+              </a:rPr>
+              <a:t>	 memoizable</a:t>
+            </a:r>
+          </a:p>
+          <a:p>
+            <a:pPr>
+              <a:lnSpc>
+                <a:spcPct val="100000"/>
+              </a:lnSpc>
+              <a:spcBef>
+                <a:spcPts val="0"/>
+              </a:spcBef>
+            </a:pPr>
+            <a:r>
+              <a:rPr lang="en-US" dirty="0"/>
+              <a:t>Weakness: </a:t>
+            </a:r>
+          </a:p>
+          <a:p>
+            <a:pPr marL="0" indent="0">
+              <a:lnSpc>
+                <a:spcPct val="100000"/>
+              </a:lnSpc>
+              <a:buNone/>
+            </a:pPr>
+            <a:r>
+              <a:rPr lang="en-US" dirty="0">
+                <a:latin typeface="+mj-lt"/>
+              </a:rPr>
+              <a:t>	Relative information are less included</a:t>
+            </a:r>
+          </a:p>
+          <a:p>
+            <a:pPr marL="0" indent="0">
+              <a:lnSpc>
+                <a:spcPct val="100000"/>
+              </a:lnSpc>
+              <a:buNone/>
+            </a:pPr>
+            <a:endParaRPr lang="en-US" dirty="0">
+              <a:latin typeface="+mj-lt"/>
+            </a:endParaRPr>
+          </a:p>
+          <a:p>
+            <a:pPr marL="0" indent="0">
+              <a:lnSpc>
+                <a:spcPct val="100000"/>
+              </a:lnSpc>
+              <a:spcBef>
+                <a:spcPts val="0"/>
+              </a:spcBef>
+              <a:buNone/>
+            </a:pPr>
+            <a:endParaRPr lang="en-US" dirty="0">
+              <a:latin typeface="+mj-lt"/>
+            </a:endParaRPr>
           </a:p>
         </p:txBody>
       </p:sp>
     </p:spTree>
-    <p:extLst>
-      <p:ext uri="{BB962C8B-B14F-4D97-AF65-F5344CB8AC3E}">
-        <p14:creationId xmlns:p14="http://schemas.microsoft.com/office/powerpoint/2010/main" val="529261021"/>
-      </p:ext>
-    </p:extLst>
   </p:cSld>
   <p:clrMapOvr>
     <a:masterClrMapping/>
@@ -4356,7 +6344,7 @@
   <p:cSld>
     <p:spTree>
       <p:nvGrpSpPr>
-        <p:cNvPr id="1" name=""/>
+        <p:cNvPr id="1" name="Shape 91"/>
         <p:cNvGrpSpPr/>
         <p:nvPr/>
       </p:nvGrpSpPr>
@@ -4370,60 +6358,187 @@
       </p:grpSpPr>
       <p:sp>
         <p:nvSpPr>
-          <p:cNvPr id="2" name="Title 1">
-            <a:extLst>
-              <a:ext uri="{FF2B5EF4-FFF2-40B4-BE49-F238E27FC236}">
-                <a16:creationId xmlns:a16="http://schemas.microsoft.com/office/drawing/2014/main" id="{F662A20B-5ED8-143F-1DD0-827940FBD2F4}"/>
-              </a:ext>
-            </a:extLst>
-          </p:cNvPr>
-          <p:cNvSpPr>
+          <p:cNvPr id="92" name="Google Shape;92;p19"/>
+          <p:cNvSpPr txBox="1">
             <a:spLocks noGrp="1"/>
           </p:cNvSpPr>
           <p:nvPr>
             <p:ph type="title"/>
           </p:nvPr>
         </p:nvSpPr>
-        <p:spPr/>
-        <p:txBody>
-          <a:bodyPr/>
-          <a:lstStyle/>
-          <a:p>
-            <a:endParaRPr lang="en-US"/>
-          </a:p>
-        </p:txBody>
-      </p:sp>
-      <p:sp>
-        <p:nvSpPr>
-          <p:cNvPr id="3" name="Content Placeholder 2">
-            <a:extLst>
-              <a:ext uri="{FF2B5EF4-FFF2-40B4-BE49-F238E27FC236}">
-                <a16:creationId xmlns:a16="http://schemas.microsoft.com/office/drawing/2014/main" id="{D78CE51A-BB5D-615E-E02F-A8540B9D2330}"/>
-              </a:ext>
-            </a:extLst>
-          </p:cNvPr>
-          <p:cNvSpPr>
-            <a:spLocks noGrp="1"/>
-          </p:cNvSpPr>
-          <p:nvPr>
-            <p:ph idx="1"/>
-          </p:nvPr>
-        </p:nvSpPr>
-        <p:spPr/>
-        <p:txBody>
-          <a:bodyPr/>
-          <a:lstStyle/>
-          <a:p>
-            <a:endParaRPr lang="en-US"/>
-          </a:p>
-        </p:txBody>
-      </p:sp>
+        <p:spPr>
+          <a:xfrm>
+            <a:off x="415600" y="593367"/>
+            <a:ext cx="11360800" cy="763600"/>
+          </a:xfrm>
+          <a:prstGeom prst="rect">
+            <a:avLst/>
+          </a:prstGeom>
+        </p:spPr>
+        <p:txBody>
+          <a:bodyPr spcFirstLastPara="1" vert="horz" wrap="square" lIns="121900" tIns="121900" rIns="121900" bIns="121900" rtlCol="0" anchor="t" anchorCtr="0">
+            <a:normAutofit fontScale="90000"/>
+          </a:bodyPr>
+          <a:lstStyle/>
+          <a:p>
+            <a:pPr>
+              <a:buClr>
+                <a:schemeClr val="dk1"/>
+              </a:buClr>
+              <a:buSzPct val="39285"/>
+            </a:pPr>
+            <a:r>
+              <a:rPr lang="en" b="1" dirty="0"/>
+              <a:t>2.  Communication information</a:t>
+            </a:r>
+            <a:endParaRPr dirty="0"/>
+          </a:p>
+        </p:txBody>
+      </p:sp>
+      <p:sp>
+        <p:nvSpPr>
+          <p:cNvPr id="93" name="Google Shape;93;p19"/>
+          <p:cNvSpPr txBox="1">
+            <a:spLocks noGrp="1"/>
+          </p:cNvSpPr>
+          <p:nvPr>
+            <p:ph type="body" idx="1"/>
+          </p:nvPr>
+        </p:nvSpPr>
+        <p:spPr>
+          <a:xfrm>
+            <a:off x="415600" y="1536633"/>
+            <a:ext cx="11360800" cy="4555200"/>
+          </a:xfrm>
+          <a:prstGeom prst="rect">
+            <a:avLst/>
+          </a:prstGeom>
+        </p:spPr>
+        <p:txBody>
+          <a:bodyPr spcFirstLastPara="1" vert="horz" wrap="square" lIns="121900" tIns="121900" rIns="121900" bIns="121900" rtlCol="0" anchor="t" anchorCtr="0">
+            <a:normAutofit/>
+          </a:bodyPr>
+          <a:lstStyle/>
+          <a:p>
+            <a:pPr marL="0" indent="0">
+              <a:buNone/>
+            </a:pPr>
+            <a:r>
+              <a:rPr lang="en" dirty="0"/>
+              <a:t>Figure 1 is the same meaning of figure 3.</a:t>
+            </a:r>
+            <a:endParaRPr dirty="0"/>
+          </a:p>
+          <a:p>
+            <a:pPr marL="0" indent="0">
+              <a:spcBef>
+                <a:spcPts val="1600"/>
+              </a:spcBef>
+              <a:buNone/>
+            </a:pPr>
+            <a:r>
+              <a:rPr lang="en" dirty="0"/>
+              <a:t>Which one could contain more comprehensive </a:t>
+            </a:r>
+            <a:endParaRPr dirty="0"/>
+          </a:p>
+          <a:p>
+            <a:pPr marL="0" indent="0">
+              <a:spcBef>
+                <a:spcPts val="1600"/>
+              </a:spcBef>
+              <a:buNone/>
+            </a:pPr>
+            <a:r>
+              <a:rPr lang="en" dirty="0"/>
+              <a:t>information?</a:t>
+            </a:r>
+            <a:endParaRPr dirty="0"/>
+          </a:p>
+          <a:p>
+            <a:pPr marL="0" indent="0">
+              <a:spcBef>
+                <a:spcPts val="1600"/>
+              </a:spcBef>
+              <a:buNone/>
+            </a:pPr>
+            <a:r>
+              <a:rPr lang="en" dirty="0"/>
+              <a:t>	Ans: 1, but it is not always the best</a:t>
+            </a:r>
+            <a:endParaRPr dirty="0"/>
+          </a:p>
+          <a:p>
+            <a:pPr marL="0" indent="0">
+              <a:spcBef>
+                <a:spcPts val="1600"/>
+              </a:spcBef>
+              <a:spcAft>
+                <a:spcPts val="1600"/>
+              </a:spcAft>
+              <a:buNone/>
+            </a:pPr>
+            <a:endParaRPr dirty="0"/>
+          </a:p>
+        </p:txBody>
+      </p:sp>
+      <p:pic>
+        <p:nvPicPr>
+          <p:cNvPr id="94" name="Google Shape;94;p19"/>
+          <p:cNvPicPr preferRelativeResize="0"/>
+          <p:nvPr/>
+        </p:nvPicPr>
+        <p:blipFill>
+          <a:blip r:embed="rId3">
+            <a:alphaModFix/>
+          </a:blip>
+          <a:stretch>
+            <a:fillRect/>
+          </a:stretch>
+        </p:blipFill>
+        <p:spPr>
+          <a:xfrm>
+            <a:off x="196834" y="4022260"/>
+            <a:ext cx="11798300" cy="2705100"/>
+          </a:xfrm>
+          <a:prstGeom prst="rect">
+            <a:avLst/>
+          </a:prstGeom>
+          <a:noFill/>
+          <a:ln>
+            <a:noFill/>
+          </a:ln>
+        </p:spPr>
+      </p:pic>
+      <p:pic>
+        <p:nvPicPr>
+          <p:cNvPr id="95" name="Google Shape;95;p19"/>
+          <p:cNvPicPr preferRelativeResize="0"/>
+          <p:nvPr/>
+        </p:nvPicPr>
+        <p:blipFill>
+          <a:blip r:embed="rId4">
+            <a:alphaModFix/>
+          </a:blip>
+          <a:stretch>
+            <a:fillRect/>
+          </a:stretch>
+        </p:blipFill>
+        <p:spPr>
+          <a:xfrm>
+            <a:off x="7934493" y="725967"/>
+            <a:ext cx="3263747" cy="3426933"/>
+          </a:xfrm>
+          <a:prstGeom prst="rect">
+            <a:avLst/>
+          </a:prstGeom>
+          <a:noFill/>
+          <a:ln>
+            <a:noFill/>
+          </a:ln>
+        </p:spPr>
+      </p:pic>
     </p:spTree>
-    <p:extLst>
-      <p:ext uri="{BB962C8B-B14F-4D97-AF65-F5344CB8AC3E}">
-        <p14:creationId xmlns:p14="http://schemas.microsoft.com/office/powerpoint/2010/main" val="3940717323"/>
-      </p:ext>
-    </p:extLst>
   </p:cSld>
   <p:clrMapOvr>
     <a:masterClrMapping/>
@@ -4436,7 +6551,7 @@
   <p:cSld>
     <p:spTree>
       <p:nvGrpSpPr>
-        <p:cNvPr id="1" name=""/>
+        <p:cNvPr id="1" name="Shape 99"/>
         <p:cNvGrpSpPr/>
         <p:nvPr/>
       </p:nvGrpSpPr>
@@ -4450,60 +6565,167 @@
       </p:grpSpPr>
       <p:sp>
         <p:nvSpPr>
-          <p:cNvPr id="2" name="Title 1">
-            <a:extLst>
-              <a:ext uri="{FF2B5EF4-FFF2-40B4-BE49-F238E27FC236}">
-                <a16:creationId xmlns:a16="http://schemas.microsoft.com/office/drawing/2014/main" id="{266D1ECE-8FC9-7218-E0E7-8ED429A6C97B}"/>
-              </a:ext>
-            </a:extLst>
-          </p:cNvPr>
-          <p:cNvSpPr>
+          <p:cNvPr id="100" name="Google Shape;100;p20"/>
+          <p:cNvSpPr txBox="1">
             <a:spLocks noGrp="1"/>
           </p:cNvSpPr>
           <p:nvPr>
             <p:ph type="title"/>
           </p:nvPr>
         </p:nvSpPr>
-        <p:spPr/>
-        <p:txBody>
-          <a:bodyPr/>
-          <a:lstStyle/>
-          <a:p>
-            <a:endParaRPr lang="en-US"/>
-          </a:p>
-        </p:txBody>
-      </p:sp>
-      <p:sp>
-        <p:nvSpPr>
-          <p:cNvPr id="3" name="Content Placeholder 2">
-            <a:extLst>
-              <a:ext uri="{FF2B5EF4-FFF2-40B4-BE49-F238E27FC236}">
-                <a16:creationId xmlns:a16="http://schemas.microsoft.com/office/drawing/2014/main" id="{C4EF27D5-1E47-764B-B812-8452271440EE}"/>
-              </a:ext>
-            </a:extLst>
-          </p:cNvPr>
-          <p:cNvSpPr>
-            <a:spLocks noGrp="1"/>
-          </p:cNvSpPr>
-          <p:nvPr>
-            <p:ph idx="1"/>
-          </p:nvPr>
-        </p:nvSpPr>
-        <p:spPr/>
-        <p:txBody>
-          <a:bodyPr/>
-          <a:lstStyle/>
-          <a:p>
-            <a:endParaRPr lang="en-US"/>
+        <p:spPr>
+          <a:xfrm>
+            <a:off x="415600" y="593367"/>
+            <a:ext cx="11360800" cy="763600"/>
+          </a:xfrm>
+          <a:prstGeom prst="rect">
+            <a:avLst/>
+          </a:prstGeom>
+        </p:spPr>
+        <p:txBody>
+          <a:bodyPr spcFirstLastPara="1" vert="horz" wrap="square" lIns="121900" tIns="121900" rIns="121900" bIns="121900" rtlCol="0" anchor="t" anchorCtr="0">
+            <a:normAutofit fontScale="90000"/>
+          </a:bodyPr>
+          <a:lstStyle/>
+          <a:p>
+            <a:r>
+              <a:rPr lang="en" b="1" dirty="0"/>
+              <a:t>3.  Processing information</a:t>
+            </a:r>
+            <a:endParaRPr b="1" dirty="0"/>
+          </a:p>
+        </p:txBody>
+      </p:sp>
+      <p:sp>
+        <p:nvSpPr>
+          <p:cNvPr id="101" name="Google Shape;101;p20"/>
+          <p:cNvSpPr txBox="1">
+            <a:spLocks noGrp="1"/>
+          </p:cNvSpPr>
+          <p:nvPr>
+            <p:ph type="body" idx="1"/>
+          </p:nvPr>
+        </p:nvSpPr>
+        <p:spPr>
+          <a:xfrm>
+            <a:off x="415600" y="1536633"/>
+            <a:ext cx="11360800" cy="4555200"/>
+          </a:xfrm>
+          <a:prstGeom prst="rect">
+            <a:avLst/>
+          </a:prstGeom>
+        </p:spPr>
+        <p:txBody>
+          <a:bodyPr spcFirstLastPara="1" vert="horz" wrap="square" lIns="121900" tIns="121900" rIns="121900" bIns="121900" rtlCol="0" anchor="t" anchorCtr="0">
+            <a:normAutofit fontScale="92500" lnSpcReduction="10000"/>
+          </a:bodyPr>
+          <a:lstStyle/>
+          <a:p>
+            <a:pPr marL="0" indent="0">
+              <a:buNone/>
+            </a:pPr>
+            <a:r>
+              <a:rPr lang="en" dirty="0"/>
+              <a:t>A graph could simplify and make the message </a:t>
+            </a:r>
+            <a:r>
+              <a:rPr lang="en" dirty="0" err="1"/>
+              <a:t>memorizable</a:t>
+            </a:r>
+            <a:r>
+              <a:rPr lang="en" dirty="0"/>
+              <a:t>.</a:t>
+            </a:r>
+            <a:endParaRPr dirty="0"/>
+          </a:p>
+          <a:p>
+            <a:pPr marL="0" indent="0">
+              <a:spcBef>
+                <a:spcPts val="1600"/>
+              </a:spcBef>
+              <a:buNone/>
+            </a:pPr>
+            <a:r>
+              <a:rPr lang="en" dirty="0"/>
+              <a:t>In order to simplify but not lose any data:</a:t>
+            </a:r>
+            <a:endParaRPr dirty="0"/>
+          </a:p>
+          <a:p>
+            <a:pPr indent="-445758">
+              <a:spcBef>
+                <a:spcPts val="1600"/>
+              </a:spcBef>
+              <a:buSzPct val="100000"/>
+            </a:pPr>
+            <a:r>
+              <a:rPr lang="en" dirty="0"/>
+              <a:t>Use the mechanisms of ordering and classing for the purposes of discovering</a:t>
+            </a:r>
+            <a:endParaRPr dirty="0"/>
+          </a:p>
+          <a:p>
+            <a:pPr indent="-445758">
+              <a:buSzPct val="100000"/>
+            </a:pPr>
+            <a:r>
+              <a:rPr lang="en" dirty="0"/>
+              <a:t>The grouping contained in the information being processed</a:t>
+            </a:r>
+            <a:endParaRPr dirty="0"/>
+          </a:p>
+          <a:p>
+            <a:pPr indent="-445758">
+              <a:buSzPct val="100000"/>
+            </a:pPr>
+            <a:r>
+              <a:rPr lang="en" dirty="0"/>
+              <a:t>Deriving from it new components or categories, reduced in number and consequently easier to memorize than the comprehensive information</a:t>
+            </a:r>
+            <a:endParaRPr dirty="0"/>
+          </a:p>
+          <a:p>
+            <a:pPr marL="0" indent="0">
+              <a:spcBef>
+                <a:spcPts val="1600"/>
+              </a:spcBef>
+              <a:buNone/>
+            </a:pPr>
+            <a:r>
+              <a:rPr lang="en" dirty="0"/>
+              <a:t>The combination of these new elements must enable us to recall and understand the whole of the initial information.</a:t>
+            </a:r>
+            <a:endParaRPr dirty="0"/>
+          </a:p>
+          <a:p>
+            <a:pPr marL="0" indent="0">
+              <a:spcBef>
+                <a:spcPts val="1600"/>
+              </a:spcBef>
+              <a:buNone/>
+            </a:pPr>
+            <a:r>
+              <a:rPr lang="en" dirty="0"/>
+              <a:t>Strength:</a:t>
+            </a:r>
+            <a:endParaRPr dirty="0"/>
+          </a:p>
+          <a:p>
+            <a:pPr indent="-445758">
+              <a:spcBef>
+                <a:spcPts val="1600"/>
+              </a:spcBef>
+              <a:buSzPct val="100000"/>
+            </a:pPr>
+            <a:r>
+              <a:rPr lang="en" dirty="0"/>
+              <a:t>Find answers to questions in a limited number of comparable images</a:t>
+            </a:r>
+            <a:endParaRPr dirty="0"/>
           </a:p>
         </p:txBody>
       </p:sp>
     </p:spTree>
-    <p:extLst>
-      <p:ext uri="{BB962C8B-B14F-4D97-AF65-F5344CB8AC3E}">
-        <p14:creationId xmlns:p14="http://schemas.microsoft.com/office/powerpoint/2010/main" val="2442342624"/>
-      </p:ext>
-    </p:extLst>
   </p:cSld>
   <p:clrMapOvr>
     <a:masterClrMapping/>
@@ -4516,7 +6738,7 @@
   <p:cSld>
     <p:spTree>
       <p:nvGrpSpPr>
-        <p:cNvPr id="1" name=""/>
+        <p:cNvPr id="1" name="Shape 105"/>
         <p:cNvGrpSpPr/>
         <p:nvPr/>
       </p:nvGrpSpPr>
@@ -4530,60 +6752,173 @@
       </p:grpSpPr>
       <p:sp>
         <p:nvSpPr>
-          <p:cNvPr id="2" name="Title 1">
-            <a:extLst>
-              <a:ext uri="{FF2B5EF4-FFF2-40B4-BE49-F238E27FC236}">
-                <a16:creationId xmlns:a16="http://schemas.microsoft.com/office/drawing/2014/main" id="{F76EC412-684A-6329-E024-2DF224AEBD9A}"/>
-              </a:ext>
-            </a:extLst>
-          </p:cNvPr>
-          <p:cNvSpPr>
+          <p:cNvPr id="106" name="Google Shape;106;p21"/>
+          <p:cNvSpPr txBox="1">
             <a:spLocks noGrp="1"/>
           </p:cNvSpPr>
           <p:nvPr>
             <p:ph type="title"/>
           </p:nvPr>
         </p:nvSpPr>
-        <p:spPr/>
-        <p:txBody>
-          <a:bodyPr/>
-          <a:lstStyle/>
-          <a:p>
-            <a:endParaRPr lang="en-US"/>
-          </a:p>
-        </p:txBody>
-      </p:sp>
-      <p:sp>
-        <p:nvSpPr>
-          <p:cNvPr id="3" name="Content Placeholder 2">
-            <a:extLst>
-              <a:ext uri="{FF2B5EF4-FFF2-40B4-BE49-F238E27FC236}">
-                <a16:creationId xmlns:a16="http://schemas.microsoft.com/office/drawing/2014/main" id="{EE285544-BD1F-517E-5B93-73D2C5F2B6D4}"/>
-              </a:ext>
-            </a:extLst>
-          </p:cNvPr>
-          <p:cNvSpPr>
-            <a:spLocks noGrp="1"/>
-          </p:cNvSpPr>
-          <p:nvPr>
-            <p:ph idx="1"/>
-          </p:nvPr>
-        </p:nvSpPr>
-        <p:spPr/>
-        <p:txBody>
-          <a:bodyPr/>
-          <a:lstStyle/>
-          <a:p>
-            <a:endParaRPr lang="en-US"/>
-          </a:p>
-        </p:txBody>
-      </p:sp>
+        <p:spPr>
+          <a:xfrm>
+            <a:off x="415600" y="593367"/>
+            <a:ext cx="11360800" cy="763600"/>
+          </a:xfrm>
+          <a:prstGeom prst="rect">
+            <a:avLst/>
+          </a:prstGeom>
+        </p:spPr>
+        <p:txBody>
+          <a:bodyPr spcFirstLastPara="1" vert="horz" wrap="square" lIns="121900" tIns="121900" rIns="121900" bIns="121900" rtlCol="0" anchor="t" anchorCtr="0">
+            <a:normAutofit fontScale="90000"/>
+          </a:bodyPr>
+          <a:lstStyle/>
+          <a:p>
+            <a:pPr>
+              <a:buClr>
+                <a:schemeClr val="dk1"/>
+              </a:buClr>
+              <a:buSzPct val="39285"/>
+            </a:pPr>
+            <a:r>
+              <a:rPr lang="en" b="1" dirty="0"/>
+              <a:t>3.  Processing information</a:t>
+            </a:r>
+            <a:endParaRPr dirty="0"/>
+          </a:p>
+        </p:txBody>
+      </p:sp>
+      <p:sp>
+        <p:nvSpPr>
+          <p:cNvPr id="107" name="Google Shape;107;p21"/>
+          <p:cNvSpPr txBox="1">
+            <a:spLocks noGrp="1"/>
+          </p:cNvSpPr>
+          <p:nvPr>
+            <p:ph type="body" idx="1"/>
+          </p:nvPr>
+        </p:nvSpPr>
+        <p:spPr>
+          <a:xfrm>
+            <a:off x="415600" y="1536633"/>
+            <a:ext cx="11360800" cy="4555200"/>
+          </a:xfrm>
+          <a:prstGeom prst="rect">
+            <a:avLst/>
+          </a:prstGeom>
+        </p:spPr>
+        <p:txBody>
+          <a:bodyPr spcFirstLastPara="1" vert="horz" wrap="square" lIns="121900" tIns="121900" rIns="121900" bIns="121900" rtlCol="0" anchor="t" anchorCtr="0">
+            <a:normAutofit/>
+          </a:bodyPr>
+          <a:lstStyle/>
+          <a:p>
+            <a:pPr marL="0" indent="0">
+              <a:buNone/>
+            </a:pPr>
+            <a:r>
+              <a:rPr lang="en"/>
+              <a:t>Right figure is more independent than the left image.</a:t>
+            </a:r>
+            <a:endParaRPr/>
+          </a:p>
+          <a:p>
+            <a:pPr marL="0" indent="0">
+              <a:spcBef>
+                <a:spcPts val="1600"/>
+              </a:spcBef>
+              <a:buNone/>
+            </a:pPr>
+            <a:endParaRPr/>
+          </a:p>
+          <a:p>
+            <a:pPr marL="0" indent="0">
+              <a:spcBef>
+                <a:spcPts val="1600"/>
+              </a:spcBef>
+              <a:buNone/>
+            </a:pPr>
+            <a:r>
+              <a:rPr lang="en"/>
+              <a:t>Question:</a:t>
+            </a:r>
+            <a:endParaRPr/>
+          </a:p>
+          <a:p>
+            <a:pPr marL="0" indent="0">
+              <a:spcBef>
+                <a:spcPts val="1600"/>
+              </a:spcBef>
+              <a:spcAft>
+                <a:spcPts val="1600"/>
+              </a:spcAft>
+              <a:buNone/>
+            </a:pPr>
+            <a:r>
+              <a:rPr lang="en"/>
+              <a:t>Alway necessary?</a:t>
+            </a:r>
+            <a:endParaRPr/>
+          </a:p>
+        </p:txBody>
+      </p:sp>
+      <p:pic>
+        <p:nvPicPr>
+          <p:cNvPr id="108" name="Google Shape;108;p21"/>
+          <p:cNvPicPr preferRelativeResize="0"/>
+          <p:nvPr/>
+        </p:nvPicPr>
+        <p:blipFill rotWithShape="1">
+          <a:blip r:embed="rId3">
+            <a:alphaModFix/>
+          </a:blip>
+          <a:srcRect l="11253" t="2543"/>
+          <a:stretch/>
+        </p:blipFill>
+        <p:spPr>
+          <a:xfrm>
+            <a:off x="3139725" y="2536309"/>
+            <a:ext cx="3587699" cy="4057433"/>
+          </a:xfrm>
+          <a:prstGeom prst="rect">
+            <a:avLst/>
+          </a:prstGeom>
+          <a:noFill/>
+          <a:ln>
+            <a:noFill/>
+          </a:ln>
+        </p:spPr>
+      </p:pic>
+      <p:pic>
+        <p:nvPicPr>
+          <p:cNvPr id="109" name="Google Shape;109;p21"/>
+          <p:cNvPicPr preferRelativeResize="0"/>
+          <p:nvPr/>
+        </p:nvPicPr>
+        <p:blipFill>
+          <a:blip r:embed="rId4">
+            <a:alphaModFix/>
+          </a:blip>
+          <a:stretch>
+            <a:fillRect/>
+          </a:stretch>
+        </p:blipFill>
+        <p:spPr>
+          <a:xfrm>
+            <a:off x="7220666" y="2038543"/>
+            <a:ext cx="4769460" cy="4555201"/>
+          </a:xfrm>
+          <a:prstGeom prst="rect">
+            <a:avLst/>
+          </a:prstGeom>
+          <a:noFill/>
+          <a:ln>
+            <a:noFill/>
+          </a:ln>
+        </p:spPr>
+      </p:pic>
     </p:spTree>
-    <p:extLst>
-      <p:ext uri="{BB962C8B-B14F-4D97-AF65-F5344CB8AC3E}">
-        <p14:creationId xmlns:p14="http://schemas.microsoft.com/office/powerpoint/2010/main" val="1376192104"/>
-      </p:ext>
-    </p:extLst>
   </p:cSld>
   <p:clrMapOvr>
     <a:masterClrMapping/>
@@ -4596,7 +6931,7 @@
   <p:cSld>
     <p:spTree>
       <p:nvGrpSpPr>
-        <p:cNvPr id="1" name=""/>
+        <p:cNvPr id="1" name="Shape 113"/>
         <p:cNvGrpSpPr/>
         <p:nvPr/>
       </p:nvGrpSpPr>
@@ -4610,60 +6945,145 @@
       </p:grpSpPr>
       <p:sp>
         <p:nvSpPr>
-          <p:cNvPr id="2" name="Title 1">
-            <a:extLst>
-              <a:ext uri="{FF2B5EF4-FFF2-40B4-BE49-F238E27FC236}">
-                <a16:creationId xmlns:a16="http://schemas.microsoft.com/office/drawing/2014/main" id="{2EE40D9B-AAE6-CB64-9461-04984E308B21}"/>
-              </a:ext>
-            </a:extLst>
-          </p:cNvPr>
-          <p:cNvSpPr>
+          <p:cNvPr id="114" name="Google Shape;114;p22"/>
+          <p:cNvSpPr txBox="1">
             <a:spLocks noGrp="1"/>
           </p:cNvSpPr>
           <p:nvPr>
             <p:ph type="title"/>
           </p:nvPr>
         </p:nvSpPr>
-        <p:spPr/>
-        <p:txBody>
-          <a:bodyPr/>
-          <a:lstStyle/>
-          <a:p>
-            <a:endParaRPr lang="en-US"/>
-          </a:p>
-        </p:txBody>
-      </p:sp>
-      <p:sp>
-        <p:nvSpPr>
-          <p:cNvPr id="3" name="Content Placeholder 2">
-            <a:extLst>
-              <a:ext uri="{FF2B5EF4-FFF2-40B4-BE49-F238E27FC236}">
-                <a16:creationId xmlns:a16="http://schemas.microsoft.com/office/drawing/2014/main" id="{680436C6-0FD1-AE54-F54E-6B0AB77C4327}"/>
-              </a:ext>
-            </a:extLst>
-          </p:cNvPr>
-          <p:cNvSpPr>
-            <a:spLocks noGrp="1"/>
-          </p:cNvSpPr>
-          <p:nvPr>
-            <p:ph idx="1"/>
-          </p:nvPr>
-        </p:nvSpPr>
-        <p:spPr/>
-        <p:txBody>
-          <a:bodyPr/>
-          <a:lstStyle/>
-          <a:p>
-            <a:endParaRPr lang="en-US"/>
+        <p:spPr>
+          <a:xfrm>
+            <a:off x="415600" y="593367"/>
+            <a:ext cx="11360800" cy="763600"/>
+          </a:xfrm>
+          <a:prstGeom prst="rect">
+            <a:avLst/>
+          </a:prstGeom>
+        </p:spPr>
+        <p:txBody>
+          <a:bodyPr spcFirstLastPara="1" vert="horz" wrap="square" lIns="121900" tIns="121900" rIns="121900" bIns="121900" rtlCol="0" anchor="t" anchorCtr="0">
+            <a:normAutofit fontScale="90000"/>
+          </a:bodyPr>
+          <a:lstStyle/>
+          <a:p>
+            <a:r>
+              <a:rPr lang="en" b="1" dirty="0"/>
+              <a:t>Graphic processing of information</a:t>
+            </a:r>
+            <a:endParaRPr b="1" dirty="0"/>
+          </a:p>
+        </p:txBody>
+      </p:sp>
+      <p:sp>
+        <p:nvSpPr>
+          <p:cNvPr id="115" name="Google Shape;115;p22"/>
+          <p:cNvSpPr txBox="1">
+            <a:spLocks noGrp="1"/>
+          </p:cNvSpPr>
+          <p:nvPr>
+            <p:ph type="body" idx="1"/>
+          </p:nvPr>
+        </p:nvSpPr>
+        <p:spPr>
+          <a:xfrm>
+            <a:off x="415600" y="1536633"/>
+            <a:ext cx="11360800" cy="4555200"/>
+          </a:xfrm>
+          <a:prstGeom prst="rect">
+            <a:avLst/>
+          </a:prstGeom>
+        </p:spPr>
+        <p:txBody>
+          <a:bodyPr spcFirstLastPara="1" vert="horz" wrap="square" lIns="121900" tIns="121900" rIns="121900" bIns="121900" rtlCol="0" anchor="t" anchorCtr="0">
+            <a:normAutofit/>
+          </a:bodyPr>
+          <a:lstStyle/>
+          <a:p>
+            <a:r>
+              <a:rPr lang="en" dirty="0"/>
+              <a:t>Simplification is an obligation of the communication process</a:t>
+            </a:r>
+            <a:endParaRPr dirty="0"/>
+          </a:p>
+          <a:p>
+            <a:pPr lvl="1"/>
+            <a:r>
+              <a:rPr lang="en" dirty="0">
+                <a:latin typeface="+mj-lt"/>
+              </a:rPr>
+              <a:t>Discover combinational elements in simpler form</a:t>
+            </a:r>
+            <a:endParaRPr dirty="0">
+              <a:latin typeface="+mj-lt"/>
+            </a:endParaRPr>
+          </a:p>
+          <a:p>
+            <a:pPr lvl="1"/>
+            <a:r>
+              <a:rPr lang="en" dirty="0">
+                <a:latin typeface="+mj-lt"/>
+              </a:rPr>
+              <a:t>Be creative when information is logical</a:t>
+            </a:r>
+            <a:endParaRPr dirty="0">
+              <a:latin typeface="+mj-lt"/>
+            </a:endParaRPr>
+          </a:p>
+          <a:p>
+            <a:r>
+              <a:rPr lang="en" dirty="0"/>
+              <a:t>Logical simplification that is information-processing.</a:t>
+            </a:r>
+            <a:endParaRPr dirty="0"/>
+          </a:p>
+          <a:p>
+            <a:pPr lvl="1"/>
+            <a:r>
+              <a:rPr lang="en" dirty="0">
+                <a:latin typeface="+mj-lt"/>
+              </a:rPr>
+              <a:t>What is the modalities proper to graphic information processing?</a:t>
+            </a:r>
+            <a:endParaRPr dirty="0">
+              <a:latin typeface="+mj-lt"/>
+            </a:endParaRPr>
+          </a:p>
+          <a:p>
+            <a:r>
+              <a:rPr lang="en" dirty="0"/>
+              <a:t>Graphic information-processing operates by simplification of the image.</a:t>
+            </a:r>
+            <a:endParaRPr dirty="0"/>
+          </a:p>
+          <a:p>
+            <a:pPr lvl="1"/>
+            <a:r>
+              <a:rPr lang="en" dirty="0">
+                <a:latin typeface="+mj-lt"/>
+              </a:rPr>
+              <a:t>By ordering a qualitative component</a:t>
+            </a:r>
+            <a:endParaRPr dirty="0">
+              <a:latin typeface="+mj-lt"/>
+            </a:endParaRPr>
+          </a:p>
+          <a:p>
+            <a:pPr lvl="1"/>
+            <a:r>
+              <a:rPr lang="en" dirty="0">
+                <a:latin typeface="+mj-lt"/>
+              </a:rPr>
+              <a:t>By eliminating certain correspondences in ordered components.</a:t>
+            </a:r>
+            <a:endParaRPr dirty="0">
+              <a:latin typeface="+mj-lt"/>
+            </a:endParaRPr>
           </a:p>
         </p:txBody>
       </p:sp>
     </p:spTree>
-    <p:extLst>
-      <p:ext uri="{BB962C8B-B14F-4D97-AF65-F5344CB8AC3E}">
-        <p14:creationId xmlns:p14="http://schemas.microsoft.com/office/powerpoint/2010/main" val="1394803065"/>
-      </p:ext>
-    </p:extLst>
   </p:cSld>
   <p:clrMapOvr>
     <a:masterClrMapping/>
@@ -4676,7 +7096,7 @@
   <p:cSld>
     <p:spTree>
       <p:nvGrpSpPr>
-        <p:cNvPr id="1" name=""/>
+        <p:cNvPr id="1" name="Shape 119"/>
         <p:cNvGrpSpPr/>
         <p:nvPr/>
       </p:nvGrpSpPr>
@@ -4690,328 +7110,128 @@
       </p:grpSpPr>
       <p:sp>
         <p:nvSpPr>
-          <p:cNvPr id="2" name="Title 1">
-            <a:extLst>
-              <a:ext uri="{FF2B5EF4-FFF2-40B4-BE49-F238E27FC236}">
-                <a16:creationId xmlns:a16="http://schemas.microsoft.com/office/drawing/2014/main" id="{7E1AB98E-8151-3CB8-3ECD-245A95E10E1E}"/>
-              </a:ext>
-            </a:extLst>
-          </p:cNvPr>
-          <p:cNvSpPr>
+          <p:cNvPr id="120" name="Google Shape;120;p23"/>
+          <p:cNvSpPr txBox="1">
             <a:spLocks noGrp="1"/>
           </p:cNvSpPr>
           <p:nvPr>
             <p:ph type="title"/>
           </p:nvPr>
         </p:nvSpPr>
-        <p:spPr/>
-        <p:txBody>
-          <a:bodyPr/>
-          <a:lstStyle/>
-          <a:p>
-            <a:r>
-              <a:rPr lang="en-US" b="1" u="sng" dirty="0"/>
-              <a:t>D: General rules of construction</a:t>
-            </a:r>
-          </a:p>
-        </p:txBody>
-      </p:sp>
-      <p:sp>
-        <p:nvSpPr>
-          <p:cNvPr id="3" name="Content Placeholder 2">
-            <a:extLst>
-              <a:ext uri="{FF2B5EF4-FFF2-40B4-BE49-F238E27FC236}">
-                <a16:creationId xmlns:a16="http://schemas.microsoft.com/office/drawing/2014/main" id="{2F2C9F69-8AF4-EA65-4AF4-D31CB6C372C8}"/>
-              </a:ext>
-            </a:extLst>
-          </p:cNvPr>
-          <p:cNvSpPr>
-            <a:spLocks noGrp="1"/>
-          </p:cNvSpPr>
-          <p:nvPr>
-            <p:ph idx="1"/>
-          </p:nvPr>
-        </p:nvSpPr>
-        <p:spPr/>
-        <p:txBody>
-          <a:bodyPr/>
-          <a:lstStyle/>
-          <a:p>
-            <a:r>
-              <a:rPr lang="en-US" sz="2400" dirty="0">
-                <a:effectLst/>
+        <p:spPr>
+          <a:xfrm>
+            <a:off x="415600" y="593367"/>
+            <a:ext cx="11360800" cy="763600"/>
+          </a:xfrm>
+          <a:prstGeom prst="rect">
+            <a:avLst/>
+          </a:prstGeom>
+        </p:spPr>
+        <p:txBody>
+          <a:bodyPr spcFirstLastPara="1" vert="horz" wrap="square" lIns="121900" tIns="121900" rIns="121900" bIns="121900" rtlCol="0" anchor="t" anchorCtr="0">
+            <a:normAutofit fontScale="90000"/>
+          </a:bodyPr>
+          <a:lstStyle/>
+          <a:p>
+            <a:r>
+              <a:rPr lang="en" b="1" dirty="0"/>
+              <a:t>Ordering a qualitative component</a:t>
+            </a:r>
+            <a:endParaRPr b="1" dirty="0"/>
+          </a:p>
+        </p:txBody>
+      </p:sp>
+      <p:sp>
+        <p:nvSpPr>
+          <p:cNvPr id="121" name="Google Shape;121;p23"/>
+          <p:cNvSpPr txBox="1">
+            <a:spLocks noGrp="1"/>
+          </p:cNvSpPr>
+          <p:nvPr>
+            <p:ph type="body" idx="1"/>
+          </p:nvPr>
+        </p:nvSpPr>
+        <p:spPr>
+          <a:xfrm>
+            <a:off x="724394" y="1508166"/>
+            <a:ext cx="11052005" cy="4583667"/>
+          </a:xfrm>
+          <a:prstGeom prst="rect">
+            <a:avLst/>
+          </a:prstGeom>
+        </p:spPr>
+        <p:txBody>
+          <a:bodyPr spcFirstLastPara="1" vert="horz" wrap="square" lIns="121900" tIns="121900" rIns="121900" bIns="121900" rtlCol="0" anchor="t" anchorCtr="0">
+            <a:normAutofit/>
+          </a:bodyPr>
+          <a:lstStyle/>
+          <a:p>
+            <a:pPr marL="0" indent="0">
+              <a:buNone/>
+            </a:pPr>
+            <a:r>
+              <a:rPr lang="en" dirty="0"/>
+              <a:t>Transformation, Diagonalization</a:t>
+            </a:r>
+            <a:endParaRPr dirty="0"/>
+          </a:p>
+          <a:p>
+            <a:pPr marL="0" indent="0">
+              <a:spcBef>
+                <a:spcPts val="1600"/>
+              </a:spcBef>
+              <a:buNone/>
+            </a:pPr>
+            <a:r>
+              <a:rPr lang="en" dirty="0"/>
+              <a:t>Order of the image matters:</a:t>
+            </a:r>
+            <a:endParaRPr dirty="0"/>
+          </a:p>
+          <a:p>
+            <a:pPr marL="0" indent="0">
+              <a:spcBef>
+                <a:spcPts val="1600"/>
+              </a:spcBef>
+              <a:buNone/>
+            </a:pPr>
+            <a:r>
+              <a:rPr lang="en" dirty="0"/>
+              <a:t>	</a:t>
+            </a:r>
+            <a:r>
+              <a:rPr lang="en" dirty="0">
                 <a:latin typeface="+mj-lt"/>
               </a:rPr>
-              <a:t>A rigorous definition of the components of the information,</a:t>
-            </a:r>
-            <a:r>
-              <a:rPr lang="zh-CN" altLang="en-US" sz="2400" dirty="0">
-                <a:effectLst/>
-                <a:latin typeface="+mj-lt"/>
-              </a:rPr>
-              <a:t> </a:t>
-            </a:r>
-            <a:r>
-              <a:rPr lang="en-US" sz="2400" dirty="0">
-                <a:effectLst/>
-                <a:latin typeface="+mj-lt"/>
-              </a:rPr>
-              <a:t>specifying</a:t>
-            </a:r>
-            <a:r>
-              <a:rPr lang="zh-CN" altLang="en-US" sz="2400" dirty="0">
-                <a:effectLst/>
-                <a:latin typeface="+mj-lt"/>
-              </a:rPr>
-              <a:t> </a:t>
-            </a:r>
-            <a:r>
-              <a:rPr lang="en-US" sz="2400" dirty="0">
-                <a:effectLst/>
-                <a:latin typeface="+mj-lt"/>
-              </a:rPr>
-              <a:t>their</a:t>
-            </a:r>
-            <a:r>
-              <a:rPr lang="zh-CN" altLang="en-US" sz="2400" dirty="0">
-                <a:effectLst/>
-                <a:latin typeface="+mj-lt"/>
-              </a:rPr>
-              <a:t> </a:t>
-            </a:r>
-            <a:r>
-              <a:rPr lang="en-US" sz="2400" b="1" dirty="0">
-                <a:effectLst/>
-                <a:latin typeface="+mj-lt"/>
-              </a:rPr>
-              <a:t>number,</a:t>
-            </a:r>
-            <a:r>
-              <a:rPr lang="zh-CN" altLang="en-US" sz="2400" b="1" dirty="0">
-                <a:effectLst/>
-                <a:latin typeface="+mj-lt"/>
-              </a:rPr>
-              <a:t> </a:t>
-            </a:r>
-            <a:r>
-              <a:rPr lang="en-US" sz="2400" b="1" dirty="0">
-                <a:effectLst/>
-                <a:latin typeface="+mj-lt"/>
-              </a:rPr>
-              <a:t>level,</a:t>
-            </a:r>
-            <a:r>
-              <a:rPr lang="zh-CN" altLang="en-US" sz="2400" b="1" dirty="0">
-                <a:effectLst/>
-                <a:latin typeface="+mj-lt"/>
-              </a:rPr>
-              <a:t> </a:t>
-            </a:r>
-            <a:r>
-              <a:rPr lang="en-US" sz="2400" b="1" dirty="0">
-                <a:effectLst/>
-                <a:latin typeface="+mj-lt"/>
-              </a:rPr>
-              <a:t>and</a:t>
-            </a:r>
-            <a:r>
-              <a:rPr lang="zh-CN" altLang="en-US" sz="2400" b="1" dirty="0">
-                <a:effectLst/>
-                <a:latin typeface="+mj-lt"/>
-              </a:rPr>
-              <a:t> </a:t>
-            </a:r>
-            <a:r>
-              <a:rPr lang="en-US" sz="2400" b="1" dirty="0">
-                <a:effectLst/>
-                <a:latin typeface="+mj-lt"/>
-              </a:rPr>
-              <a:t>length</a:t>
-            </a:r>
-            <a:r>
-              <a:rPr lang="en-US" sz="2400" dirty="0">
-                <a:effectLst/>
-                <a:latin typeface="+mj-lt"/>
-              </a:rPr>
-              <a:t>,</a:t>
-            </a:r>
-            <a:r>
-              <a:rPr lang="zh-CN" altLang="en-US" sz="2400" dirty="0">
-                <a:effectLst/>
-                <a:latin typeface="+mj-lt"/>
-              </a:rPr>
-              <a:t> </a:t>
-            </a:r>
-            <a:r>
-              <a:rPr lang="en-US" sz="2400" dirty="0">
-                <a:effectLst/>
-                <a:latin typeface="+mj-lt"/>
-              </a:rPr>
-              <a:t>must</a:t>
-            </a:r>
-            <a:r>
-              <a:rPr lang="zh-CN" altLang="en-US" sz="2400" dirty="0">
-                <a:effectLst/>
-                <a:latin typeface="+mj-lt"/>
-              </a:rPr>
-              <a:t> </a:t>
-            </a:r>
-            <a:r>
-              <a:rPr lang="en-US" sz="2400" dirty="0">
-                <a:effectLst/>
-                <a:latin typeface="+mj-lt"/>
-              </a:rPr>
-              <a:t>precede</a:t>
-            </a:r>
-            <a:r>
-              <a:rPr lang="zh-CN" altLang="en-US" sz="2400" dirty="0">
-                <a:effectLst/>
-                <a:latin typeface="+mj-lt"/>
-              </a:rPr>
-              <a:t> </a:t>
-            </a:r>
-            <a:r>
-              <a:rPr lang="en-US" sz="2400" dirty="0">
-                <a:effectLst/>
-                <a:latin typeface="+mj-lt"/>
-              </a:rPr>
-              <a:t>any</a:t>
-            </a:r>
-            <a:r>
-              <a:rPr lang="zh-CN" altLang="en-US" sz="2400" dirty="0">
-                <a:effectLst/>
-                <a:latin typeface="+mj-lt"/>
-              </a:rPr>
-              <a:t> </a:t>
-            </a:r>
-            <a:r>
-              <a:rPr lang="en-US" sz="2400" u="sng" dirty="0">
-                <a:effectLst/>
-                <a:latin typeface="+mj-lt"/>
-              </a:rPr>
-              <a:t>graphic</a:t>
-            </a:r>
-            <a:r>
-              <a:rPr lang="zh-CN" altLang="en-US" sz="2400" u="sng" dirty="0">
-                <a:effectLst/>
-                <a:latin typeface="+mj-lt"/>
-              </a:rPr>
-              <a:t> </a:t>
-            </a:r>
-            <a:r>
-              <a:rPr lang="en-US" sz="2400" u="sng" dirty="0">
-                <a:effectLst/>
-                <a:latin typeface="+mj-lt"/>
-              </a:rPr>
-              <a:t>construction</a:t>
-            </a:r>
-            <a:r>
-              <a:rPr lang="en-US" sz="2400" dirty="0">
-                <a:effectLst/>
-                <a:latin typeface="+mj-lt"/>
-              </a:rPr>
-              <a:t>. </a:t>
-            </a:r>
-          </a:p>
-          <a:p>
-            <a:endParaRPr lang="en-US" sz="200" dirty="0">
-              <a:effectLst/>
+              <a:t>1) Simplification of the image by ordering does not eliminate any correspondence and preserves the integrated totality of the information.</a:t>
+            </a:r>
+            <a:endParaRPr dirty="0">
               <a:latin typeface="+mj-lt"/>
             </a:endParaRPr>
           </a:p>
           <a:p>
-            <a:r>
-              <a:rPr lang="en-US" dirty="0"/>
-              <a:t>T</a:t>
-            </a:r>
-            <a:r>
-              <a:rPr lang="en-US" dirty="0">
-                <a:effectLst/>
-              </a:rPr>
-              <a:t>he general </a:t>
-            </a:r>
-            <a:r>
-              <a:rPr lang="en-US" u="sng" dirty="0">
-                <a:effectLst/>
-              </a:rPr>
-              <a:t>rules</a:t>
-            </a:r>
-            <a:r>
-              <a:rPr lang="en-US" dirty="0">
-                <a:effectLst/>
-              </a:rPr>
-              <a:t> of graphic construction: </a:t>
-            </a:r>
-            <a:endParaRPr lang="en-US" dirty="0"/>
-          </a:p>
-          <a:p>
             <a:pPr marL="0" indent="0">
-              <a:buNone/>
-            </a:pPr>
-            <a:r>
-              <a:rPr lang="en-US" sz="2400" dirty="0">
+              <a:spcBef>
+                <a:spcPts val="1600"/>
+              </a:spcBef>
+              <a:spcAft>
+                <a:spcPts val="1600"/>
+              </a:spcAft>
+              <a:buNone/>
+            </a:pPr>
+            <a:r>
+              <a:rPr lang="en" dirty="0">
                 <a:latin typeface="+mj-lt"/>
               </a:rPr>
-              <a:t>    1. </a:t>
-            </a:r>
-            <a:r>
-              <a:rPr lang="en-US" sz="2400" dirty="0">
-                <a:effectLst/>
-                <a:latin typeface="+mj-lt"/>
-              </a:rPr>
-              <a:t>To represent the information in a single image, </a:t>
-            </a:r>
-            <a:endParaRPr lang="en-US" sz="2400" dirty="0">
+              <a:t>	2) It involves the diagonalization of diagrams and the transformation of networks.</a:t>
+            </a:r>
+            <a:endParaRPr dirty="0">
               <a:latin typeface="+mj-lt"/>
             </a:endParaRPr>
           </a:p>
-          <a:p>
-            <a:pPr marL="0" indent="0">
-              <a:buNone/>
-            </a:pPr>
-            <a:r>
-              <a:rPr lang="en-US" sz="2400" dirty="0">
-                <a:latin typeface="+mj-lt"/>
-              </a:rPr>
-              <a:t>    2. To simplify the image without reducing the umber of correspondences.</a:t>
-            </a:r>
-          </a:p>
-          <a:p>
-            <a:pPr marL="0" indent="0">
-              <a:buNone/>
-            </a:pPr>
-            <a:r>
-              <a:rPr lang="en-US" sz="2400" dirty="0">
-                <a:latin typeface="+mj-lt"/>
-              </a:rPr>
-              <a:t>    3. To simplify the image by reduction.</a:t>
-            </a:r>
-          </a:p>
-          <a:p>
-            <a:pPr marL="0" indent="0">
-              <a:buNone/>
-            </a:pPr>
-            <a:endParaRPr lang="en-US" sz="200" dirty="0">
-              <a:latin typeface="+mj-lt"/>
-            </a:endParaRPr>
-          </a:p>
-          <a:p>
-            <a:r>
-              <a:rPr lang="en-US" sz="2400" dirty="0"/>
-              <a:t>These rules are represented by the standard schemas which follow in next page.</a:t>
-            </a:r>
-          </a:p>
-          <a:p>
-            <a:endParaRPr lang="en-US" dirty="0"/>
-          </a:p>
         </p:txBody>
       </p:sp>
     </p:spTree>
-    <p:extLst>
-      <p:ext uri="{BB962C8B-B14F-4D97-AF65-F5344CB8AC3E}">
-        <p14:creationId xmlns:p14="http://schemas.microsoft.com/office/powerpoint/2010/main" val="2233438466"/>
-      </p:ext>
-    </p:extLst>
   </p:cSld>
   <p:clrMapOvr>
     <a:masterClrMapping/>
@@ -5024,7 +7244,7 @@
   <p:cSld>
     <p:spTree>
       <p:nvGrpSpPr>
-        <p:cNvPr id="1" name=""/>
+        <p:cNvPr id="1" name="Shape 125"/>
         <p:cNvGrpSpPr/>
         <p:nvPr/>
       </p:nvGrpSpPr>
@@ -5038,14 +7258,8 @@
       </p:grpSpPr>
       <p:sp>
         <p:nvSpPr>
-          <p:cNvPr id="2" name="Title 1">
-            <a:extLst>
-              <a:ext uri="{FF2B5EF4-FFF2-40B4-BE49-F238E27FC236}">
-                <a16:creationId xmlns:a16="http://schemas.microsoft.com/office/drawing/2014/main" id="{C17ADA9B-777E-100A-521C-C73179235AAE}"/>
-              </a:ext>
-            </a:extLst>
-          </p:cNvPr>
-          <p:cNvSpPr>
+          <p:cNvPr id="126" name="Google Shape;126;p24"/>
+          <p:cNvSpPr txBox="1">
             <a:spLocks noGrp="1"/>
           </p:cNvSpPr>
           <p:nvPr>
@@ -5054,184 +7268,104 @@
         </p:nvSpPr>
         <p:spPr>
           <a:xfrm>
-            <a:off x="737755" y="456566"/>
-            <a:ext cx="10616045" cy="923348"/>
+            <a:off x="415600" y="593367"/>
+            <a:ext cx="11360800" cy="763600"/>
           </a:xfrm>
+          <a:prstGeom prst="rect">
+            <a:avLst/>
+          </a:prstGeom>
         </p:spPr>
         <p:txBody>
-          <a:bodyPr>
+          <a:bodyPr spcFirstLastPara="1" vert="horz" wrap="square" lIns="121900" tIns="121900" rIns="121900" bIns="121900" rtlCol="0" anchor="t" anchorCtr="0">
+            <a:normAutofit fontScale="90000"/>
+          </a:bodyPr>
+          <a:lstStyle/>
+          <a:p>
+            <a:pPr>
+              <a:buClr>
+                <a:schemeClr val="dk1"/>
+              </a:buClr>
+              <a:buSzPct val="39285"/>
+            </a:pPr>
+            <a:r>
+              <a:rPr lang="en" b="1" dirty="0"/>
+              <a:t>Ordering a qualitative component</a:t>
+            </a:r>
+            <a:endParaRPr b="1" dirty="0"/>
+          </a:p>
+          <a:p>
+            <a:endParaRPr b="1" dirty="0"/>
+          </a:p>
+        </p:txBody>
+      </p:sp>
+      <p:sp>
+        <p:nvSpPr>
+          <p:cNvPr id="127" name="Google Shape;127;p24"/>
+          <p:cNvSpPr txBox="1">
+            <a:spLocks noGrp="1"/>
+          </p:cNvSpPr>
+          <p:nvPr>
+            <p:ph type="body" idx="1"/>
+          </p:nvPr>
+        </p:nvSpPr>
+        <p:spPr>
+          <a:xfrm>
+            <a:off x="415600" y="1536633"/>
+            <a:ext cx="4079200" cy="4555200"/>
+          </a:xfrm>
+          <a:prstGeom prst="rect">
+            <a:avLst/>
+          </a:prstGeom>
+        </p:spPr>
+        <p:txBody>
+          <a:bodyPr spcFirstLastPara="1" vert="horz" wrap="square" lIns="121900" tIns="121900" rIns="121900" bIns="121900" rtlCol="0" anchor="t" anchorCtr="0">
             <a:normAutofit/>
           </a:bodyPr>
           <a:lstStyle/>
           <a:p>
-            <a:r>
-              <a:rPr lang="en-US" sz="4000" b="1" dirty="0"/>
-              <a:t>Standard</a:t>
-            </a:r>
-            <a:r>
-              <a:rPr lang="zh-CN" altLang="en-US" sz="4000" b="1" dirty="0"/>
-              <a:t> </a:t>
-            </a:r>
-            <a:r>
-              <a:rPr lang="en-US" altLang="zh-CN" sz="4000" b="1" dirty="0"/>
-              <a:t>s</a:t>
-            </a:r>
-            <a:r>
-              <a:rPr lang="en-US" sz="4000" b="1" dirty="0"/>
-              <a:t>chemas</a:t>
-            </a:r>
-          </a:p>
-        </p:txBody>
-      </p:sp>
-      <p:sp>
-        <p:nvSpPr>
-          <p:cNvPr id="7" name="Content Placeholder 6">
-            <a:extLst>
-              <a:ext uri="{FF2B5EF4-FFF2-40B4-BE49-F238E27FC236}">
-                <a16:creationId xmlns:a16="http://schemas.microsoft.com/office/drawing/2014/main" id="{6FF8F7C3-8617-E9E6-9E4C-07514F066A27}"/>
-              </a:ext>
-            </a:extLst>
-          </p:cNvPr>
-          <p:cNvSpPr>
-            <a:spLocks noGrp="1"/>
-          </p:cNvSpPr>
-          <p:nvPr>
-            <p:ph idx="1"/>
-          </p:nvPr>
-        </p:nvSpPr>
+            <a:pPr marL="0" indent="0">
+              <a:spcAft>
+                <a:spcPts val="1600"/>
+              </a:spcAft>
+              <a:buNone/>
+            </a:pPr>
+            <a:r>
+              <a:rPr lang="en" dirty="0"/>
+              <a:t>Transformation and diagonalization examples:</a:t>
+            </a:r>
+            <a:endParaRPr dirty="0"/>
+          </a:p>
+        </p:txBody>
+      </p:sp>
+      <p:pic>
+        <p:nvPicPr>
+          <p:cNvPr id="128" name="Google Shape;128;p24"/>
+          <p:cNvPicPr preferRelativeResize="0"/>
+          <p:nvPr/>
+        </p:nvPicPr>
+        <p:blipFill>
+          <a:blip r:embed="rId3">
+            <a:alphaModFix/>
+          </a:blip>
+          <a:stretch>
+            <a:fillRect/>
+          </a:stretch>
+        </p:blipFill>
         <p:spPr>
           <a:xfrm>
-            <a:off x="904008" y="1478626"/>
-            <a:ext cx="10811742" cy="4624994"/>
+            <a:off x="4270612" y="1515008"/>
+            <a:ext cx="7885767" cy="5164867"/>
           </a:xfrm>
+          <a:prstGeom prst="rect">
+            <a:avLst/>
+          </a:prstGeom>
+          <a:noFill/>
+          <a:ln>
+            <a:noFill/>
+          </a:ln>
         </p:spPr>
-        <p:txBody>
-          <a:bodyPr>
-            <a:normAutofit fontScale="92500" lnSpcReduction="10000"/>
-          </a:bodyPr>
-          <a:lstStyle/>
-          <a:p>
-            <a:pPr marL="0" indent="0">
-              <a:buNone/>
-            </a:pPr>
-            <a:r>
-              <a:rPr lang="en-US" dirty="0"/>
-              <a:t>1.   Diagrams</a:t>
-            </a:r>
-          </a:p>
-          <a:p>
-            <a:pPr marL="0" indent="0">
-              <a:buNone/>
-            </a:pPr>
-            <a:r>
-              <a:rPr lang="en-US" dirty="0"/>
-              <a:t>2.   An inventory drawing (figure5,comprehensive)</a:t>
-            </a:r>
-          </a:p>
-          <a:p>
-            <a:pPr marL="0" indent="0">
-              <a:buNone/>
-            </a:pPr>
-            <a:r>
-              <a:rPr lang="en-US" sz="2400" dirty="0">
-                <a:latin typeface="+mj-lt"/>
-              </a:rPr>
-              <a:t>This is easy to draft but must be reread, point by point, for comparisons.</a:t>
-            </a:r>
-          </a:p>
-          <a:p>
-            <a:pPr marL="0" indent="0">
-              <a:buNone/>
-            </a:pPr>
-            <a:r>
-              <a:rPr lang="en-US" dirty="0"/>
-              <a:t>3.   Processing graphics </a:t>
-            </a:r>
-          </a:p>
-          <a:p>
-            <a:pPr marL="0" indent="0">
-              <a:buNone/>
-            </a:pPr>
-            <a:r>
-              <a:rPr lang="en-US" dirty="0"/>
-              <a:t>4.   The drawing of</a:t>
-            </a:r>
-            <a:r>
-              <a:rPr lang="zh-CN" altLang="en-US" dirty="0"/>
-              <a:t> </a:t>
-            </a:r>
-            <a:r>
-              <a:rPr lang="en-US" dirty="0"/>
-              <a:t>a “message” (figure 5,simplified) </a:t>
-            </a:r>
-          </a:p>
-          <a:p>
-            <a:pPr marL="0" indent="0">
-              <a:buNone/>
-            </a:pPr>
-            <a:r>
-              <a:rPr lang="en-US" sz="2400" dirty="0">
-                <a:latin typeface="+mj-lt"/>
-              </a:rPr>
-              <a:t>This generally involves an image-figuration superimposition. </a:t>
-            </a:r>
-          </a:p>
-          <a:p>
-            <a:pPr marL="0" indent="0">
-              <a:buNone/>
-            </a:pPr>
-            <a:r>
-              <a:rPr lang="en-US" dirty="0"/>
-              <a:t>5.   Networks</a:t>
-            </a:r>
-          </a:p>
-          <a:p>
-            <a:pPr marL="0" indent="0">
-              <a:buNone/>
-            </a:pPr>
-            <a:r>
-              <a:rPr lang="en-US" sz="2400" dirty="0">
-                <a:effectLst/>
-                <a:latin typeface="+mj-lt"/>
-              </a:rPr>
-              <a:t>This construction immediately displays the principal characteristics of the information</a:t>
-            </a:r>
-            <a:r>
-              <a:rPr lang="en-US" altLang="zh-CN" sz="2400" dirty="0">
-                <a:latin typeface="+mj-lt"/>
-              </a:rPr>
-              <a:t>.</a:t>
-            </a:r>
-            <a:endParaRPr lang="en-US" altLang="zh-CN" dirty="0"/>
-          </a:p>
-          <a:p>
-            <a:pPr marL="0" indent="0">
-              <a:buNone/>
-            </a:pPr>
-            <a:r>
-              <a:rPr lang="en-US" dirty="0"/>
-              <a:t>6.   Maps</a:t>
-            </a:r>
-          </a:p>
-          <a:p>
-            <a:pPr marL="0" indent="0">
-              <a:buNone/>
-            </a:pPr>
-            <a:r>
-              <a:rPr lang="en-US" sz="2400" dirty="0">
-                <a:latin typeface="+mj-lt"/>
-              </a:rPr>
-              <a:t>Information which includes a geographic component can be constructed according to any of the three impositions - DIAGRAM, NETWORK, OR MAP.</a:t>
-            </a:r>
-          </a:p>
-        </p:txBody>
-      </p:sp>
+      </p:pic>
     </p:spTree>
-    <p:extLst>
-      <p:ext uri="{BB962C8B-B14F-4D97-AF65-F5344CB8AC3E}">
-        <p14:creationId xmlns:p14="http://schemas.microsoft.com/office/powerpoint/2010/main" val="304944565"/>
-      </p:ext>
-    </p:extLst>
   </p:cSld>
   <p:clrMapOvr>
     <a:masterClrMapping/>
@@ -5470,6 +7604,1056 @@
 </file>
 
 <file path=ppt/slides/slide20.xml><?xml version="1.0" encoding="utf-8"?>
+<p:sld xmlns:a="http://schemas.openxmlformats.org/drawingml/2006/main" xmlns:r="http://schemas.openxmlformats.org/officeDocument/2006/relationships" xmlns:p="http://schemas.openxmlformats.org/presentationml/2006/main">
+  <p:cSld>
+    <p:spTree>
+      <p:nvGrpSpPr>
+        <p:cNvPr id="1" name="Shape 132"/>
+        <p:cNvGrpSpPr/>
+        <p:nvPr/>
+      </p:nvGrpSpPr>
+      <p:grpSpPr>
+        <a:xfrm>
+          <a:off x="0" y="0"/>
+          <a:ext cx="0" cy="0"/>
+          <a:chOff x="0" y="0"/>
+          <a:chExt cx="0" cy="0"/>
+        </a:xfrm>
+      </p:grpSpPr>
+      <p:sp>
+        <p:nvSpPr>
+          <p:cNvPr id="133" name="Google Shape;133;p25"/>
+          <p:cNvSpPr txBox="1">
+            <a:spLocks noGrp="1"/>
+          </p:cNvSpPr>
+          <p:nvPr>
+            <p:ph type="title"/>
+          </p:nvPr>
+        </p:nvSpPr>
+        <p:spPr>
+          <a:xfrm>
+            <a:off x="415600" y="410256"/>
+            <a:ext cx="11360800" cy="763600"/>
+          </a:xfrm>
+          <a:prstGeom prst="rect">
+            <a:avLst/>
+          </a:prstGeom>
+        </p:spPr>
+        <p:txBody>
+          <a:bodyPr spcFirstLastPara="1" vert="horz" wrap="square" lIns="121900" tIns="121900" rIns="121900" bIns="121900" rtlCol="0" anchor="t" anchorCtr="0">
+            <a:normAutofit fontScale="90000"/>
+          </a:bodyPr>
+          <a:lstStyle/>
+          <a:p>
+            <a:pPr>
+              <a:buClr>
+                <a:schemeClr val="dk1"/>
+              </a:buClr>
+              <a:buSzPct val="39285"/>
+            </a:pPr>
+            <a:r>
+              <a:rPr lang="en" b="1" dirty="0"/>
+              <a:t>Ordering a qualitative component</a:t>
+            </a:r>
+            <a:endParaRPr b="1" dirty="0"/>
+          </a:p>
+        </p:txBody>
+      </p:sp>
+      <p:sp>
+        <p:nvSpPr>
+          <p:cNvPr id="134" name="Google Shape;134;p25"/>
+          <p:cNvSpPr txBox="1">
+            <a:spLocks noGrp="1"/>
+          </p:cNvSpPr>
+          <p:nvPr>
+            <p:ph type="body" idx="1"/>
+          </p:nvPr>
+        </p:nvSpPr>
+        <p:spPr>
+          <a:xfrm>
+            <a:off x="736234" y="1351657"/>
+            <a:ext cx="11360800" cy="4555200"/>
+          </a:xfrm>
+          <a:prstGeom prst="rect">
+            <a:avLst/>
+          </a:prstGeom>
+        </p:spPr>
+        <p:txBody>
+          <a:bodyPr spcFirstLastPara="1" vert="horz" wrap="square" lIns="121900" tIns="121900" rIns="121900" bIns="121900" rtlCol="0" anchor="t" anchorCtr="0">
+            <a:normAutofit/>
+          </a:bodyPr>
+          <a:lstStyle/>
+          <a:p>
+            <a:pPr marL="0" indent="0">
+              <a:buNone/>
+            </a:pPr>
+            <a:r>
+              <a:rPr lang="en" dirty="0"/>
+              <a:t>The diagonalization of diagrams</a:t>
+            </a:r>
+            <a:endParaRPr dirty="0"/>
+          </a:p>
+          <a:p>
+            <a:pPr marL="0" indent="0">
+              <a:spcBef>
+                <a:spcPts val="1600"/>
+              </a:spcBef>
+              <a:buNone/>
+            </a:pPr>
+            <a:r>
+              <a:rPr lang="en" sz="2400" dirty="0">
+                <a:latin typeface="+mj-lt"/>
+              </a:rPr>
+              <a:t>Diagonalization of two components schema:</a:t>
+            </a:r>
+            <a:endParaRPr sz="2400" dirty="0">
+              <a:latin typeface="+mj-lt"/>
+            </a:endParaRPr>
+          </a:p>
+          <a:p>
+            <a:pPr marL="0" indent="0">
+              <a:spcBef>
+                <a:spcPts val="1600"/>
+              </a:spcBef>
+              <a:spcAft>
+                <a:spcPts val="1600"/>
+              </a:spcAft>
+              <a:buNone/>
+            </a:pPr>
+            <a:r>
+              <a:rPr lang="en" sz="2400" dirty="0">
+                <a:latin typeface="+mj-lt"/>
+              </a:rPr>
+              <a:t>Diagonalization of three components schema:</a:t>
+            </a:r>
+            <a:endParaRPr sz="2400" dirty="0">
+              <a:latin typeface="+mj-lt"/>
+            </a:endParaRPr>
+          </a:p>
+        </p:txBody>
+      </p:sp>
+      <p:pic>
+        <p:nvPicPr>
+          <p:cNvPr id="135" name="Google Shape;135;p25"/>
+          <p:cNvPicPr preferRelativeResize="0"/>
+          <p:nvPr/>
+        </p:nvPicPr>
+        <p:blipFill>
+          <a:blip r:embed="rId3">
+            <a:alphaModFix/>
+          </a:blip>
+          <a:stretch>
+            <a:fillRect/>
+          </a:stretch>
+        </p:blipFill>
+        <p:spPr>
+          <a:xfrm>
+            <a:off x="6819404" y="3365633"/>
+            <a:ext cx="1955800" cy="1651000"/>
+          </a:xfrm>
+          <a:prstGeom prst="rect">
+            <a:avLst/>
+          </a:prstGeom>
+          <a:noFill/>
+          <a:ln>
+            <a:noFill/>
+          </a:ln>
+        </p:spPr>
+      </p:pic>
+      <p:pic>
+        <p:nvPicPr>
+          <p:cNvPr id="136" name="Google Shape;136;p25"/>
+          <p:cNvPicPr preferRelativeResize="0"/>
+          <p:nvPr/>
+        </p:nvPicPr>
+        <p:blipFill>
+          <a:blip r:embed="rId4">
+            <a:alphaModFix/>
+          </a:blip>
+          <a:stretch>
+            <a:fillRect/>
+          </a:stretch>
+        </p:blipFill>
+        <p:spPr>
+          <a:xfrm>
+            <a:off x="1612089" y="3505333"/>
+            <a:ext cx="1714500" cy="1371600"/>
+          </a:xfrm>
+          <a:prstGeom prst="rect">
+            <a:avLst/>
+          </a:prstGeom>
+          <a:noFill/>
+          <a:ln>
+            <a:noFill/>
+          </a:ln>
+        </p:spPr>
+      </p:pic>
+      <p:pic>
+        <p:nvPicPr>
+          <p:cNvPr id="137" name="Google Shape;137;p25"/>
+          <p:cNvPicPr preferRelativeResize="0"/>
+          <p:nvPr/>
+        </p:nvPicPr>
+        <p:blipFill>
+          <a:blip r:embed="rId5">
+            <a:alphaModFix/>
+          </a:blip>
+          <a:stretch>
+            <a:fillRect/>
+          </a:stretch>
+        </p:blipFill>
+        <p:spPr>
+          <a:xfrm>
+            <a:off x="3664989" y="3327533"/>
+            <a:ext cx="2171700" cy="1727200"/>
+          </a:xfrm>
+          <a:prstGeom prst="rect">
+            <a:avLst/>
+          </a:prstGeom>
+          <a:noFill/>
+          <a:ln>
+            <a:noFill/>
+          </a:ln>
+        </p:spPr>
+      </p:pic>
+      <p:sp>
+        <p:nvSpPr>
+          <p:cNvPr id="138" name="Google Shape;138;p25"/>
+          <p:cNvSpPr txBox="1"/>
+          <p:nvPr/>
+        </p:nvSpPr>
+        <p:spPr>
+          <a:xfrm>
+            <a:off x="3988296" y="4983484"/>
+            <a:ext cx="2879600" cy="1354176"/>
+          </a:xfrm>
+          <a:prstGeom prst="rect">
+            <a:avLst/>
+          </a:prstGeom>
+          <a:noFill/>
+          <a:ln>
+            <a:noFill/>
+          </a:ln>
+        </p:spPr>
+        <p:txBody>
+          <a:bodyPr spcFirstLastPara="1" wrap="square" lIns="121900" tIns="121900" rIns="121900" bIns="121900" anchor="t" anchorCtr="0">
+            <a:spAutoFit/>
+          </a:bodyPr>
+          <a:lstStyle/>
+          <a:p>
+            <a:r>
+              <a:rPr lang="en" sz="2400" dirty="0"/>
+              <a:t>Two components involves two components</a:t>
+            </a:r>
+            <a:endParaRPr sz="2400" dirty="0"/>
+          </a:p>
+        </p:txBody>
+      </p:sp>
+      <p:sp>
+        <p:nvSpPr>
+          <p:cNvPr id="139" name="Google Shape;139;p25"/>
+          <p:cNvSpPr txBox="1"/>
+          <p:nvPr/>
+        </p:nvSpPr>
+        <p:spPr>
+          <a:xfrm>
+            <a:off x="1389371" y="4983484"/>
+            <a:ext cx="2879600" cy="1354176"/>
+          </a:xfrm>
+          <a:prstGeom prst="rect">
+            <a:avLst/>
+          </a:prstGeom>
+          <a:noFill/>
+          <a:ln>
+            <a:noFill/>
+          </a:ln>
+        </p:spPr>
+        <p:txBody>
+          <a:bodyPr spcFirstLastPara="1" wrap="square" lIns="121900" tIns="121900" rIns="121900" bIns="121900" anchor="t" anchorCtr="0">
+            <a:spAutoFit/>
+          </a:bodyPr>
+          <a:lstStyle/>
+          <a:p>
+            <a:r>
+              <a:rPr lang="en" sz="2400" dirty="0"/>
+              <a:t>Two components involves one components</a:t>
+            </a:r>
+            <a:endParaRPr sz="2400" dirty="0"/>
+          </a:p>
+        </p:txBody>
+      </p:sp>
+      <p:sp>
+        <p:nvSpPr>
+          <p:cNvPr id="140" name="Google Shape;140;p25"/>
+          <p:cNvSpPr txBox="1"/>
+          <p:nvPr/>
+        </p:nvSpPr>
+        <p:spPr>
+          <a:xfrm>
+            <a:off x="6790796" y="4983484"/>
+            <a:ext cx="2879600" cy="1354176"/>
+          </a:xfrm>
+          <a:prstGeom prst="rect">
+            <a:avLst/>
+          </a:prstGeom>
+          <a:noFill/>
+          <a:ln>
+            <a:noFill/>
+          </a:ln>
+        </p:spPr>
+        <p:txBody>
+          <a:bodyPr spcFirstLastPara="1" wrap="square" lIns="121900" tIns="121900" rIns="121900" bIns="121900" anchor="t" anchorCtr="0">
+            <a:spAutoFit/>
+          </a:bodyPr>
+          <a:lstStyle/>
+          <a:p>
+            <a:r>
+              <a:rPr lang="en" sz="2400" dirty="0"/>
+              <a:t>Three components involves three components</a:t>
+            </a:r>
+            <a:endParaRPr sz="2400" dirty="0"/>
+          </a:p>
+        </p:txBody>
+      </p:sp>
+    </p:spTree>
+  </p:cSld>
+  <p:clrMapOvr>
+    <a:masterClrMapping/>
+  </p:clrMapOvr>
+</p:sld>
+</file>
+
+<file path=ppt/slides/slide21.xml><?xml version="1.0" encoding="utf-8"?>
+<p:sld xmlns:a="http://schemas.openxmlformats.org/drawingml/2006/main" xmlns:r="http://schemas.openxmlformats.org/officeDocument/2006/relationships" xmlns:p="http://schemas.openxmlformats.org/presentationml/2006/main">
+  <p:cSld>
+    <p:spTree>
+      <p:nvGrpSpPr>
+        <p:cNvPr id="1" name="Shape 144"/>
+        <p:cNvGrpSpPr/>
+        <p:nvPr/>
+      </p:nvGrpSpPr>
+      <p:grpSpPr>
+        <a:xfrm>
+          <a:off x="0" y="0"/>
+          <a:ext cx="0" cy="0"/>
+          <a:chOff x="0" y="0"/>
+          <a:chExt cx="0" cy="0"/>
+        </a:xfrm>
+      </p:grpSpPr>
+      <p:sp>
+        <p:nvSpPr>
+          <p:cNvPr id="145" name="Google Shape;145;p26"/>
+          <p:cNvSpPr txBox="1">
+            <a:spLocks noGrp="1"/>
+          </p:cNvSpPr>
+          <p:nvPr>
+            <p:ph type="title"/>
+          </p:nvPr>
+        </p:nvSpPr>
+        <p:spPr>
+          <a:xfrm>
+            <a:off x="415600" y="593367"/>
+            <a:ext cx="11360800" cy="763600"/>
+          </a:xfrm>
+          <a:prstGeom prst="rect">
+            <a:avLst/>
+          </a:prstGeom>
+        </p:spPr>
+        <p:txBody>
+          <a:bodyPr spcFirstLastPara="1" vert="horz" wrap="square" lIns="121900" tIns="121900" rIns="121900" bIns="121900" rtlCol="0" anchor="t" anchorCtr="0">
+            <a:normAutofit fontScale="90000"/>
+          </a:bodyPr>
+          <a:lstStyle/>
+          <a:p>
+            <a:r>
+              <a:rPr lang="en" b="1" dirty="0"/>
+              <a:t>Eliminating certain correspondences</a:t>
+            </a:r>
+            <a:endParaRPr b="1" dirty="0"/>
+          </a:p>
+        </p:txBody>
+      </p:sp>
+      <p:sp>
+        <p:nvSpPr>
+          <p:cNvPr id="146" name="Google Shape;146;p26"/>
+          <p:cNvSpPr txBox="1">
+            <a:spLocks noGrp="1"/>
+          </p:cNvSpPr>
+          <p:nvPr>
+            <p:ph type="body" idx="1"/>
+          </p:nvPr>
+        </p:nvSpPr>
+        <p:spPr>
+          <a:xfrm>
+            <a:off x="807522" y="1484416"/>
+            <a:ext cx="10968878" cy="4607417"/>
+          </a:xfrm>
+          <a:prstGeom prst="rect">
+            <a:avLst/>
+          </a:prstGeom>
+        </p:spPr>
+        <p:txBody>
+          <a:bodyPr spcFirstLastPara="1" vert="horz" wrap="square" lIns="121900" tIns="121900" rIns="121900" bIns="121900" rtlCol="0" anchor="t" anchorCtr="0">
+            <a:normAutofit/>
+          </a:bodyPr>
+          <a:lstStyle/>
+          <a:p>
+            <a:pPr marL="0" indent="0">
+              <a:buNone/>
+            </a:pPr>
+            <a:r>
+              <a:rPr lang="en" dirty="0"/>
+              <a:t>Smoothing, regionalization</a:t>
+            </a:r>
+            <a:endParaRPr dirty="0"/>
+          </a:p>
+          <a:p>
+            <a:pPr marL="0" indent="0">
+              <a:spcBef>
+                <a:spcPts val="1600"/>
+              </a:spcBef>
+              <a:buNone/>
+            </a:pPr>
+            <a:r>
+              <a:rPr lang="en" dirty="0"/>
+              <a:t>The simplification of an ordered image can be accomplished only by the elimination of certain correspondences, by a diminution of the information.</a:t>
+            </a:r>
+            <a:endParaRPr dirty="0"/>
+          </a:p>
+          <a:p>
+            <a:pPr>
+              <a:spcBef>
+                <a:spcPts val="1600"/>
+              </a:spcBef>
+            </a:pPr>
+            <a:r>
+              <a:rPr lang="en" dirty="0"/>
+              <a:t>The internal method</a:t>
+            </a:r>
+            <a:endParaRPr dirty="0"/>
+          </a:p>
+          <a:p>
+            <a:pPr lvl="1"/>
+            <a:r>
+              <a:rPr lang="en" dirty="0">
+                <a:latin typeface="+mj-lt"/>
+              </a:rPr>
+              <a:t>Calculating the internal math</a:t>
+            </a:r>
+            <a:endParaRPr dirty="0">
+              <a:latin typeface="+mj-lt"/>
+            </a:endParaRPr>
+          </a:p>
+          <a:p>
+            <a:pPr lvl="1"/>
+            <a:r>
+              <a:rPr lang="en" dirty="0">
+                <a:latin typeface="+mj-lt"/>
+              </a:rPr>
+              <a:t>Visual operations</a:t>
+            </a:r>
+            <a:endParaRPr dirty="0">
+              <a:latin typeface="+mj-lt"/>
+            </a:endParaRPr>
+          </a:p>
+          <a:p>
+            <a:r>
+              <a:rPr lang="en" dirty="0"/>
+              <a:t>The external method</a:t>
+            </a:r>
+            <a:endParaRPr dirty="0"/>
+          </a:p>
+          <a:p>
+            <a:pPr lvl="1"/>
+            <a:r>
+              <a:rPr lang="en" dirty="0">
+                <a:latin typeface="+mj-lt"/>
+              </a:rPr>
+              <a:t>Methods encompasses all the processes</a:t>
+            </a:r>
+            <a:endParaRPr dirty="0">
+              <a:latin typeface="+mj-lt"/>
+            </a:endParaRPr>
+          </a:p>
+        </p:txBody>
+      </p:sp>
+    </p:spTree>
+  </p:cSld>
+  <p:clrMapOvr>
+    <a:masterClrMapping/>
+  </p:clrMapOvr>
+</p:sld>
+</file>
+
+<file path=ppt/slides/slide22.xml><?xml version="1.0" encoding="utf-8"?>
+<p:sld xmlns:a="http://schemas.openxmlformats.org/drawingml/2006/main" xmlns:r="http://schemas.openxmlformats.org/officeDocument/2006/relationships" xmlns:p="http://schemas.openxmlformats.org/presentationml/2006/main">
+  <p:cSld>
+    <p:spTree>
+      <p:nvGrpSpPr>
+        <p:cNvPr id="1" name=""/>
+        <p:cNvGrpSpPr/>
+        <p:nvPr/>
+      </p:nvGrpSpPr>
+      <p:grpSpPr>
+        <a:xfrm>
+          <a:off x="0" y="0"/>
+          <a:ext cx="0" cy="0"/>
+          <a:chOff x="0" y="0"/>
+          <a:chExt cx="0" cy="0"/>
+        </a:xfrm>
+      </p:grpSpPr>
+      <p:sp>
+        <p:nvSpPr>
+          <p:cNvPr id="2" name="Title 1">
+            <a:extLst>
+              <a:ext uri="{FF2B5EF4-FFF2-40B4-BE49-F238E27FC236}">
+                <a16:creationId xmlns:a16="http://schemas.microsoft.com/office/drawing/2014/main" id="{7E1AB98E-8151-3CB8-3ECD-245A95E10E1E}"/>
+              </a:ext>
+            </a:extLst>
+          </p:cNvPr>
+          <p:cNvSpPr>
+            <a:spLocks noGrp="1"/>
+          </p:cNvSpPr>
+          <p:nvPr>
+            <p:ph type="title"/>
+          </p:nvPr>
+        </p:nvSpPr>
+        <p:spPr/>
+        <p:txBody>
+          <a:bodyPr/>
+          <a:lstStyle/>
+          <a:p>
+            <a:r>
+              <a:rPr lang="en-US" b="1" u="sng" dirty="0"/>
+              <a:t>D: General rules of construction</a:t>
+            </a:r>
+          </a:p>
+        </p:txBody>
+      </p:sp>
+      <p:sp>
+        <p:nvSpPr>
+          <p:cNvPr id="3" name="Content Placeholder 2">
+            <a:extLst>
+              <a:ext uri="{FF2B5EF4-FFF2-40B4-BE49-F238E27FC236}">
+                <a16:creationId xmlns:a16="http://schemas.microsoft.com/office/drawing/2014/main" id="{2F2C9F69-8AF4-EA65-4AF4-D31CB6C372C8}"/>
+              </a:ext>
+            </a:extLst>
+          </p:cNvPr>
+          <p:cNvSpPr>
+            <a:spLocks noGrp="1"/>
+          </p:cNvSpPr>
+          <p:nvPr>
+            <p:ph idx="1"/>
+          </p:nvPr>
+        </p:nvSpPr>
+        <p:spPr/>
+        <p:txBody>
+          <a:bodyPr/>
+          <a:lstStyle/>
+          <a:p>
+            <a:r>
+              <a:rPr lang="en-US" sz="2400" dirty="0">
+                <a:effectLst/>
+                <a:latin typeface="+mj-lt"/>
+              </a:rPr>
+              <a:t>A rigorous definition of the components of the information,</a:t>
+            </a:r>
+            <a:r>
+              <a:rPr lang="zh-CN" altLang="en-US" sz="2400" dirty="0">
+                <a:effectLst/>
+                <a:latin typeface="+mj-lt"/>
+              </a:rPr>
+              <a:t> </a:t>
+            </a:r>
+            <a:r>
+              <a:rPr lang="en-US" sz="2400" dirty="0">
+                <a:effectLst/>
+                <a:latin typeface="+mj-lt"/>
+              </a:rPr>
+              <a:t>specifying</a:t>
+            </a:r>
+            <a:r>
+              <a:rPr lang="zh-CN" altLang="en-US" sz="2400" dirty="0">
+                <a:effectLst/>
+                <a:latin typeface="+mj-lt"/>
+              </a:rPr>
+              <a:t> </a:t>
+            </a:r>
+            <a:r>
+              <a:rPr lang="en-US" sz="2400" dirty="0">
+                <a:effectLst/>
+                <a:latin typeface="+mj-lt"/>
+              </a:rPr>
+              <a:t>their</a:t>
+            </a:r>
+            <a:r>
+              <a:rPr lang="zh-CN" altLang="en-US" sz="2400" dirty="0">
+                <a:effectLst/>
+                <a:latin typeface="+mj-lt"/>
+              </a:rPr>
+              <a:t> </a:t>
+            </a:r>
+            <a:r>
+              <a:rPr lang="en-US" sz="2400" b="1" dirty="0">
+                <a:effectLst/>
+                <a:latin typeface="+mj-lt"/>
+              </a:rPr>
+              <a:t>number,</a:t>
+            </a:r>
+            <a:r>
+              <a:rPr lang="zh-CN" altLang="en-US" sz="2400" b="1" dirty="0">
+                <a:effectLst/>
+                <a:latin typeface="+mj-lt"/>
+              </a:rPr>
+              <a:t> </a:t>
+            </a:r>
+            <a:r>
+              <a:rPr lang="en-US" sz="2400" b="1" dirty="0">
+                <a:effectLst/>
+                <a:latin typeface="+mj-lt"/>
+              </a:rPr>
+              <a:t>level,</a:t>
+            </a:r>
+            <a:r>
+              <a:rPr lang="zh-CN" altLang="en-US" sz="2400" b="1" dirty="0">
+                <a:effectLst/>
+                <a:latin typeface="+mj-lt"/>
+              </a:rPr>
+              <a:t> </a:t>
+            </a:r>
+            <a:r>
+              <a:rPr lang="en-US" sz="2400" b="1" dirty="0">
+                <a:effectLst/>
+                <a:latin typeface="+mj-lt"/>
+              </a:rPr>
+              <a:t>and</a:t>
+            </a:r>
+            <a:r>
+              <a:rPr lang="zh-CN" altLang="en-US" sz="2400" b="1" dirty="0">
+                <a:effectLst/>
+                <a:latin typeface="+mj-lt"/>
+              </a:rPr>
+              <a:t> </a:t>
+            </a:r>
+            <a:r>
+              <a:rPr lang="en-US" sz="2400" b="1" dirty="0">
+                <a:effectLst/>
+                <a:latin typeface="+mj-lt"/>
+              </a:rPr>
+              <a:t>length</a:t>
+            </a:r>
+            <a:r>
+              <a:rPr lang="en-US" sz="2400" dirty="0">
+                <a:effectLst/>
+                <a:latin typeface="+mj-lt"/>
+              </a:rPr>
+              <a:t>,</a:t>
+            </a:r>
+            <a:r>
+              <a:rPr lang="zh-CN" altLang="en-US" sz="2400" dirty="0">
+                <a:effectLst/>
+                <a:latin typeface="+mj-lt"/>
+              </a:rPr>
+              <a:t> </a:t>
+            </a:r>
+            <a:r>
+              <a:rPr lang="en-US" sz="2400" dirty="0">
+                <a:effectLst/>
+                <a:latin typeface="+mj-lt"/>
+              </a:rPr>
+              <a:t>must</a:t>
+            </a:r>
+            <a:r>
+              <a:rPr lang="zh-CN" altLang="en-US" sz="2400" dirty="0">
+                <a:effectLst/>
+                <a:latin typeface="+mj-lt"/>
+              </a:rPr>
+              <a:t> </a:t>
+            </a:r>
+            <a:r>
+              <a:rPr lang="en-US" sz="2400" dirty="0">
+                <a:effectLst/>
+                <a:latin typeface="+mj-lt"/>
+              </a:rPr>
+              <a:t>precede</a:t>
+            </a:r>
+            <a:r>
+              <a:rPr lang="zh-CN" altLang="en-US" sz="2400" dirty="0">
+                <a:effectLst/>
+                <a:latin typeface="+mj-lt"/>
+              </a:rPr>
+              <a:t> </a:t>
+            </a:r>
+            <a:r>
+              <a:rPr lang="en-US" sz="2400" dirty="0">
+                <a:effectLst/>
+                <a:latin typeface="+mj-lt"/>
+              </a:rPr>
+              <a:t>any</a:t>
+            </a:r>
+            <a:r>
+              <a:rPr lang="zh-CN" altLang="en-US" sz="2400" dirty="0">
+                <a:effectLst/>
+                <a:latin typeface="+mj-lt"/>
+              </a:rPr>
+              <a:t> </a:t>
+            </a:r>
+            <a:r>
+              <a:rPr lang="en-US" sz="2400" u="sng" dirty="0">
+                <a:effectLst/>
+                <a:latin typeface="+mj-lt"/>
+              </a:rPr>
+              <a:t>graphic</a:t>
+            </a:r>
+            <a:r>
+              <a:rPr lang="zh-CN" altLang="en-US" sz="2400" u="sng" dirty="0">
+                <a:effectLst/>
+                <a:latin typeface="+mj-lt"/>
+              </a:rPr>
+              <a:t> </a:t>
+            </a:r>
+            <a:r>
+              <a:rPr lang="en-US" sz="2400" u="sng" dirty="0">
+                <a:effectLst/>
+                <a:latin typeface="+mj-lt"/>
+              </a:rPr>
+              <a:t>construction</a:t>
+            </a:r>
+            <a:r>
+              <a:rPr lang="en-US" sz="2400" dirty="0">
+                <a:effectLst/>
+                <a:latin typeface="+mj-lt"/>
+              </a:rPr>
+              <a:t>. </a:t>
+            </a:r>
+          </a:p>
+          <a:p>
+            <a:endParaRPr lang="en-US" sz="200" dirty="0">
+              <a:effectLst/>
+              <a:latin typeface="+mj-lt"/>
+            </a:endParaRPr>
+          </a:p>
+          <a:p>
+            <a:r>
+              <a:rPr lang="en-US" dirty="0"/>
+              <a:t>T</a:t>
+            </a:r>
+            <a:r>
+              <a:rPr lang="en-US" dirty="0">
+                <a:effectLst/>
+              </a:rPr>
+              <a:t>he general </a:t>
+            </a:r>
+            <a:r>
+              <a:rPr lang="en-US" u="sng" dirty="0">
+                <a:effectLst/>
+              </a:rPr>
+              <a:t>rules</a:t>
+            </a:r>
+            <a:r>
+              <a:rPr lang="en-US" dirty="0">
+                <a:effectLst/>
+              </a:rPr>
+              <a:t> of graphic construction: </a:t>
+            </a:r>
+            <a:endParaRPr lang="en-US" dirty="0"/>
+          </a:p>
+          <a:p>
+            <a:pPr marL="0" indent="0">
+              <a:buNone/>
+            </a:pPr>
+            <a:r>
+              <a:rPr lang="en-US" sz="2400" dirty="0">
+                <a:latin typeface="+mj-lt"/>
+              </a:rPr>
+              <a:t>    1. </a:t>
+            </a:r>
+            <a:r>
+              <a:rPr lang="en-US" sz="2400" dirty="0">
+                <a:effectLst/>
+                <a:latin typeface="+mj-lt"/>
+              </a:rPr>
+              <a:t>To represent the information in a single image, </a:t>
+            </a:r>
+            <a:endParaRPr lang="en-US" sz="2400" dirty="0">
+              <a:latin typeface="+mj-lt"/>
+            </a:endParaRPr>
+          </a:p>
+          <a:p>
+            <a:pPr marL="0" indent="0">
+              <a:buNone/>
+            </a:pPr>
+            <a:r>
+              <a:rPr lang="en-US" sz="2400" dirty="0">
+                <a:latin typeface="+mj-lt"/>
+              </a:rPr>
+              <a:t>    2. To simplify the image without reducing the umber of correspondences.</a:t>
+            </a:r>
+          </a:p>
+          <a:p>
+            <a:pPr marL="0" indent="0">
+              <a:buNone/>
+            </a:pPr>
+            <a:r>
+              <a:rPr lang="en-US" sz="2400" dirty="0">
+                <a:latin typeface="+mj-lt"/>
+              </a:rPr>
+              <a:t>    3. To simplify the image by reduction.</a:t>
+            </a:r>
+          </a:p>
+          <a:p>
+            <a:pPr marL="0" indent="0">
+              <a:buNone/>
+            </a:pPr>
+            <a:endParaRPr lang="en-US" sz="200" dirty="0">
+              <a:latin typeface="+mj-lt"/>
+            </a:endParaRPr>
+          </a:p>
+          <a:p>
+            <a:r>
+              <a:rPr lang="en-US" sz="2400" dirty="0"/>
+              <a:t>These rules are represented by the standard schemas which follow in next page.</a:t>
+            </a:r>
+          </a:p>
+          <a:p>
+            <a:endParaRPr lang="en-US" dirty="0"/>
+          </a:p>
+        </p:txBody>
+      </p:sp>
+    </p:spTree>
+    <p:extLst>
+      <p:ext uri="{BB962C8B-B14F-4D97-AF65-F5344CB8AC3E}">
+        <p14:creationId xmlns:p14="http://schemas.microsoft.com/office/powerpoint/2010/main" val="2233438466"/>
+      </p:ext>
+    </p:extLst>
+  </p:cSld>
+  <p:clrMapOvr>
+    <a:masterClrMapping/>
+  </p:clrMapOvr>
+</p:sld>
+</file>
+
+<file path=ppt/slides/slide23.xml><?xml version="1.0" encoding="utf-8"?>
+<p:sld xmlns:a="http://schemas.openxmlformats.org/drawingml/2006/main" xmlns:r="http://schemas.openxmlformats.org/officeDocument/2006/relationships" xmlns:p="http://schemas.openxmlformats.org/presentationml/2006/main">
+  <p:cSld>
+    <p:spTree>
+      <p:nvGrpSpPr>
+        <p:cNvPr id="1" name=""/>
+        <p:cNvGrpSpPr/>
+        <p:nvPr/>
+      </p:nvGrpSpPr>
+      <p:grpSpPr>
+        <a:xfrm>
+          <a:off x="0" y="0"/>
+          <a:ext cx="0" cy="0"/>
+          <a:chOff x="0" y="0"/>
+          <a:chExt cx="0" cy="0"/>
+        </a:xfrm>
+      </p:grpSpPr>
+      <p:sp>
+        <p:nvSpPr>
+          <p:cNvPr id="2" name="Title 1">
+            <a:extLst>
+              <a:ext uri="{FF2B5EF4-FFF2-40B4-BE49-F238E27FC236}">
+                <a16:creationId xmlns:a16="http://schemas.microsoft.com/office/drawing/2014/main" id="{C17ADA9B-777E-100A-521C-C73179235AAE}"/>
+              </a:ext>
+            </a:extLst>
+          </p:cNvPr>
+          <p:cNvSpPr>
+            <a:spLocks noGrp="1"/>
+          </p:cNvSpPr>
+          <p:nvPr>
+            <p:ph type="title"/>
+          </p:nvPr>
+        </p:nvSpPr>
+        <p:spPr>
+          <a:xfrm>
+            <a:off x="737755" y="456566"/>
+            <a:ext cx="10616045" cy="923348"/>
+          </a:xfrm>
+        </p:spPr>
+        <p:txBody>
+          <a:bodyPr>
+            <a:normAutofit/>
+          </a:bodyPr>
+          <a:lstStyle/>
+          <a:p>
+            <a:r>
+              <a:rPr lang="en-US" sz="4000" b="1" dirty="0"/>
+              <a:t>Standard</a:t>
+            </a:r>
+            <a:r>
+              <a:rPr lang="zh-CN" altLang="en-US" sz="4000" b="1" dirty="0"/>
+              <a:t> </a:t>
+            </a:r>
+            <a:r>
+              <a:rPr lang="en-US" altLang="zh-CN" sz="4000" b="1" dirty="0"/>
+              <a:t>s</a:t>
+            </a:r>
+            <a:r>
+              <a:rPr lang="en-US" sz="4000" b="1" dirty="0"/>
+              <a:t>chemas</a:t>
+            </a:r>
+          </a:p>
+        </p:txBody>
+      </p:sp>
+      <p:sp>
+        <p:nvSpPr>
+          <p:cNvPr id="7" name="Content Placeholder 6">
+            <a:extLst>
+              <a:ext uri="{FF2B5EF4-FFF2-40B4-BE49-F238E27FC236}">
+                <a16:creationId xmlns:a16="http://schemas.microsoft.com/office/drawing/2014/main" id="{6FF8F7C3-8617-E9E6-9E4C-07514F066A27}"/>
+              </a:ext>
+            </a:extLst>
+          </p:cNvPr>
+          <p:cNvSpPr>
+            <a:spLocks noGrp="1"/>
+          </p:cNvSpPr>
+          <p:nvPr>
+            <p:ph idx="1"/>
+          </p:nvPr>
+        </p:nvSpPr>
+        <p:spPr>
+          <a:xfrm>
+            <a:off x="904008" y="1478626"/>
+            <a:ext cx="10811742" cy="4624994"/>
+          </a:xfrm>
+        </p:spPr>
+        <p:txBody>
+          <a:bodyPr>
+            <a:normAutofit fontScale="92500" lnSpcReduction="10000"/>
+          </a:bodyPr>
+          <a:lstStyle/>
+          <a:p>
+            <a:pPr marL="0" indent="0">
+              <a:buNone/>
+            </a:pPr>
+            <a:r>
+              <a:rPr lang="en-US" dirty="0"/>
+              <a:t>1.   Diagrams</a:t>
+            </a:r>
+          </a:p>
+          <a:p>
+            <a:pPr marL="0" indent="0">
+              <a:buNone/>
+            </a:pPr>
+            <a:r>
+              <a:rPr lang="en-US" dirty="0"/>
+              <a:t>2.   An inventory drawing (figure5,comprehensive)</a:t>
+            </a:r>
+          </a:p>
+          <a:p>
+            <a:pPr marL="0" indent="0">
+              <a:buNone/>
+            </a:pPr>
+            <a:r>
+              <a:rPr lang="en-US" sz="2400" dirty="0">
+                <a:latin typeface="+mj-lt"/>
+              </a:rPr>
+              <a:t>This is easy to draft but must be reread, point by point, for comparisons.</a:t>
+            </a:r>
+          </a:p>
+          <a:p>
+            <a:pPr marL="0" indent="0">
+              <a:buNone/>
+            </a:pPr>
+            <a:r>
+              <a:rPr lang="en-US" dirty="0"/>
+              <a:t>3.   Processing graphics </a:t>
+            </a:r>
+          </a:p>
+          <a:p>
+            <a:pPr marL="0" indent="0">
+              <a:buNone/>
+            </a:pPr>
+            <a:r>
+              <a:rPr lang="en-US" dirty="0"/>
+              <a:t>4.   The drawing of</a:t>
+            </a:r>
+            <a:r>
+              <a:rPr lang="zh-CN" altLang="en-US" dirty="0"/>
+              <a:t> </a:t>
+            </a:r>
+            <a:r>
+              <a:rPr lang="en-US" dirty="0"/>
+              <a:t>a “message” (figure 5,simplified) </a:t>
+            </a:r>
+          </a:p>
+          <a:p>
+            <a:pPr marL="0" indent="0">
+              <a:buNone/>
+            </a:pPr>
+            <a:r>
+              <a:rPr lang="en-US" sz="2400" dirty="0">
+                <a:latin typeface="+mj-lt"/>
+              </a:rPr>
+              <a:t>This generally involves an image-figuration superimposition. </a:t>
+            </a:r>
+          </a:p>
+          <a:p>
+            <a:pPr marL="0" indent="0">
+              <a:buNone/>
+            </a:pPr>
+            <a:r>
+              <a:rPr lang="en-US" dirty="0"/>
+              <a:t>5.   Networks</a:t>
+            </a:r>
+          </a:p>
+          <a:p>
+            <a:pPr marL="0" indent="0">
+              <a:buNone/>
+            </a:pPr>
+            <a:r>
+              <a:rPr lang="en-US" sz="2400" dirty="0">
+                <a:effectLst/>
+                <a:latin typeface="+mj-lt"/>
+              </a:rPr>
+              <a:t>This construction immediately displays the principal characteristics of the information</a:t>
+            </a:r>
+            <a:r>
+              <a:rPr lang="en-US" altLang="zh-CN" sz="2400" dirty="0">
+                <a:latin typeface="+mj-lt"/>
+              </a:rPr>
+              <a:t>.</a:t>
+            </a:r>
+            <a:endParaRPr lang="en-US" altLang="zh-CN" dirty="0"/>
+          </a:p>
+          <a:p>
+            <a:pPr marL="0" indent="0">
+              <a:buNone/>
+            </a:pPr>
+            <a:r>
+              <a:rPr lang="en-US" dirty="0"/>
+              <a:t>6.   Maps</a:t>
+            </a:r>
+          </a:p>
+          <a:p>
+            <a:pPr marL="0" indent="0">
+              <a:buNone/>
+            </a:pPr>
+            <a:r>
+              <a:rPr lang="en-US" sz="2400" dirty="0">
+                <a:latin typeface="+mj-lt"/>
+              </a:rPr>
+              <a:t>Information which includes a geographic component can be constructed according to any of the three impositions - DIAGRAM, NETWORK, OR MAP.</a:t>
+            </a:r>
+          </a:p>
+        </p:txBody>
+      </p:sp>
+    </p:spTree>
+    <p:extLst>
+      <p:ext uri="{BB962C8B-B14F-4D97-AF65-F5344CB8AC3E}">
+        <p14:creationId xmlns:p14="http://schemas.microsoft.com/office/powerpoint/2010/main" val="304944565"/>
+      </p:ext>
+    </p:extLst>
+  </p:cSld>
+  <p:clrMapOvr>
+    <a:masterClrMapping/>
+  </p:clrMapOvr>
+</p:sld>
+</file>
+
+<file path=ppt/slides/slide24.xml><?xml version="1.0" encoding="utf-8"?>
 <p:sld xmlns:a="http://schemas.openxmlformats.org/drawingml/2006/main" xmlns:r="http://schemas.openxmlformats.org/officeDocument/2006/relationships" xmlns:p="http://schemas.openxmlformats.org/presentationml/2006/main">
   <p:cSld>
     <p:bg>
@@ -6091,331 +9275,6 @@
 </p:sld>
 </file>
 
-<file path=ppt/slides/slide21.xml><?xml version="1.0" encoding="utf-8"?>
-<p:sld xmlns:a="http://schemas.openxmlformats.org/drawingml/2006/main" xmlns:r="http://schemas.openxmlformats.org/officeDocument/2006/relationships" xmlns:p="http://schemas.openxmlformats.org/presentationml/2006/main">
-  <p:cSld>
-    <p:spTree>
-      <p:nvGrpSpPr>
-        <p:cNvPr id="1" name=""/>
-        <p:cNvGrpSpPr/>
-        <p:nvPr/>
-      </p:nvGrpSpPr>
-      <p:grpSpPr>
-        <a:xfrm>
-          <a:off x="0" y="0"/>
-          <a:ext cx="0" cy="0"/>
-          <a:chOff x="0" y="0"/>
-          <a:chExt cx="0" cy="0"/>
-        </a:xfrm>
-      </p:grpSpPr>
-      <p:sp>
-        <p:nvSpPr>
-          <p:cNvPr id="2" name="Title 1">
-            <a:extLst>
-              <a:ext uri="{FF2B5EF4-FFF2-40B4-BE49-F238E27FC236}">
-                <a16:creationId xmlns:a16="http://schemas.microsoft.com/office/drawing/2014/main" id="{CA871165-3550-4CB2-1B59-F8DFB9C99CD7}"/>
-              </a:ext>
-            </a:extLst>
-          </p:cNvPr>
-          <p:cNvSpPr>
-            <a:spLocks noGrp="1"/>
-          </p:cNvSpPr>
-          <p:nvPr>
-            <p:ph type="title"/>
-          </p:nvPr>
-        </p:nvSpPr>
-        <p:spPr/>
-        <p:txBody>
-          <a:bodyPr>
-            <a:normAutofit/>
-          </a:bodyPr>
-          <a:lstStyle/>
-          <a:p>
-            <a:r>
-              <a:rPr lang="en-US" b="1" u="sng" dirty="0"/>
-              <a:t>E: General rules of legibility (or rules of separation)</a:t>
-            </a:r>
-          </a:p>
-        </p:txBody>
-      </p:sp>
-      <p:sp>
-        <p:nvSpPr>
-          <p:cNvPr id="3" name="Content Placeholder 2">
-            <a:extLst>
-              <a:ext uri="{FF2B5EF4-FFF2-40B4-BE49-F238E27FC236}">
-                <a16:creationId xmlns:a16="http://schemas.microsoft.com/office/drawing/2014/main" id="{2118F691-CA1D-CB43-B036-2A7CAE382C43}"/>
-              </a:ext>
-            </a:extLst>
-          </p:cNvPr>
-          <p:cNvSpPr>
-            <a:spLocks noGrp="1"/>
-          </p:cNvSpPr>
-          <p:nvPr>
-            <p:ph idx="1"/>
-          </p:nvPr>
-        </p:nvSpPr>
-        <p:spPr/>
-        <p:txBody>
-          <a:bodyPr/>
-          <a:lstStyle/>
-          <a:p>
-            <a:endParaRPr lang="en-US"/>
-          </a:p>
-        </p:txBody>
-      </p:sp>
-    </p:spTree>
-    <p:extLst>
-      <p:ext uri="{BB962C8B-B14F-4D97-AF65-F5344CB8AC3E}">
-        <p14:creationId xmlns:p14="http://schemas.microsoft.com/office/powerpoint/2010/main" val="696482116"/>
-      </p:ext>
-    </p:extLst>
-  </p:cSld>
-  <p:clrMapOvr>
-    <a:masterClrMapping/>
-  </p:clrMapOvr>
-</p:sld>
-</file>
-
-<file path=ppt/slides/slide22.xml><?xml version="1.0" encoding="utf-8"?>
-<p:sld xmlns:a="http://schemas.openxmlformats.org/drawingml/2006/main" xmlns:r="http://schemas.openxmlformats.org/officeDocument/2006/relationships" xmlns:p="http://schemas.openxmlformats.org/presentationml/2006/main">
-  <p:cSld>
-    <p:spTree>
-      <p:nvGrpSpPr>
-        <p:cNvPr id="1" name=""/>
-        <p:cNvGrpSpPr/>
-        <p:nvPr/>
-      </p:nvGrpSpPr>
-      <p:grpSpPr>
-        <a:xfrm>
-          <a:off x="0" y="0"/>
-          <a:ext cx="0" cy="0"/>
-          <a:chOff x="0" y="0"/>
-          <a:chExt cx="0" cy="0"/>
-        </a:xfrm>
-      </p:grpSpPr>
-      <p:sp>
-        <p:nvSpPr>
-          <p:cNvPr id="2" name="Title 1">
-            <a:extLst>
-              <a:ext uri="{FF2B5EF4-FFF2-40B4-BE49-F238E27FC236}">
-                <a16:creationId xmlns:a16="http://schemas.microsoft.com/office/drawing/2014/main" id="{F6BC1CF8-4955-1E2A-CFCC-D9BBACF4E360}"/>
-              </a:ext>
-            </a:extLst>
-          </p:cNvPr>
-          <p:cNvSpPr>
-            <a:spLocks noGrp="1"/>
-          </p:cNvSpPr>
-          <p:nvPr>
-            <p:ph type="title"/>
-          </p:nvPr>
-        </p:nvSpPr>
-        <p:spPr/>
-        <p:txBody>
-          <a:bodyPr/>
-          <a:lstStyle/>
-          <a:p>
-            <a:endParaRPr lang="en-US"/>
-          </a:p>
-        </p:txBody>
-      </p:sp>
-      <p:sp>
-        <p:nvSpPr>
-          <p:cNvPr id="3" name="Content Placeholder 2">
-            <a:extLst>
-              <a:ext uri="{FF2B5EF4-FFF2-40B4-BE49-F238E27FC236}">
-                <a16:creationId xmlns:a16="http://schemas.microsoft.com/office/drawing/2014/main" id="{349C3BEB-0729-6272-885E-E6BF090FBD0B}"/>
-              </a:ext>
-            </a:extLst>
-          </p:cNvPr>
-          <p:cNvSpPr>
-            <a:spLocks noGrp="1"/>
-          </p:cNvSpPr>
-          <p:nvPr>
-            <p:ph idx="1"/>
-          </p:nvPr>
-        </p:nvSpPr>
-        <p:spPr/>
-        <p:txBody>
-          <a:bodyPr/>
-          <a:lstStyle/>
-          <a:p>
-            <a:endParaRPr lang="en-US"/>
-          </a:p>
-        </p:txBody>
-      </p:sp>
-    </p:spTree>
-    <p:extLst>
-      <p:ext uri="{BB962C8B-B14F-4D97-AF65-F5344CB8AC3E}">
-        <p14:creationId xmlns:p14="http://schemas.microsoft.com/office/powerpoint/2010/main" val="118528513"/>
-      </p:ext>
-    </p:extLst>
-  </p:cSld>
-  <p:clrMapOvr>
-    <a:masterClrMapping/>
-  </p:clrMapOvr>
-</p:sld>
-</file>
-
-<file path=ppt/slides/slide23.xml><?xml version="1.0" encoding="utf-8"?>
-<p:sld xmlns:a="http://schemas.openxmlformats.org/drawingml/2006/main" xmlns:r="http://schemas.openxmlformats.org/officeDocument/2006/relationships" xmlns:p="http://schemas.openxmlformats.org/presentationml/2006/main">
-  <p:cSld>
-    <p:spTree>
-      <p:nvGrpSpPr>
-        <p:cNvPr id="1" name=""/>
-        <p:cNvGrpSpPr/>
-        <p:nvPr/>
-      </p:nvGrpSpPr>
-      <p:grpSpPr>
-        <a:xfrm>
-          <a:off x="0" y="0"/>
-          <a:ext cx="0" cy="0"/>
-          <a:chOff x="0" y="0"/>
-          <a:chExt cx="0" cy="0"/>
-        </a:xfrm>
-      </p:grpSpPr>
-      <p:sp>
-        <p:nvSpPr>
-          <p:cNvPr id="2" name="Title 1">
-            <a:extLst>
-              <a:ext uri="{FF2B5EF4-FFF2-40B4-BE49-F238E27FC236}">
-                <a16:creationId xmlns:a16="http://schemas.microsoft.com/office/drawing/2014/main" id="{F178622D-809B-449E-D2F6-1F49A0B8DE0F}"/>
-              </a:ext>
-            </a:extLst>
-          </p:cNvPr>
-          <p:cNvSpPr>
-            <a:spLocks noGrp="1"/>
-          </p:cNvSpPr>
-          <p:nvPr>
-            <p:ph type="title"/>
-          </p:nvPr>
-        </p:nvSpPr>
-        <p:spPr/>
-        <p:txBody>
-          <a:bodyPr/>
-          <a:lstStyle/>
-          <a:p>
-            <a:endParaRPr lang="en-US"/>
-          </a:p>
-        </p:txBody>
-      </p:sp>
-      <p:sp>
-        <p:nvSpPr>
-          <p:cNvPr id="3" name="Content Placeholder 2">
-            <a:extLst>
-              <a:ext uri="{FF2B5EF4-FFF2-40B4-BE49-F238E27FC236}">
-                <a16:creationId xmlns:a16="http://schemas.microsoft.com/office/drawing/2014/main" id="{0DC42854-45E0-E204-9900-4BCFEA05B96F}"/>
-              </a:ext>
-            </a:extLst>
-          </p:cNvPr>
-          <p:cNvSpPr>
-            <a:spLocks noGrp="1"/>
-          </p:cNvSpPr>
-          <p:nvPr>
-            <p:ph idx="1"/>
-          </p:nvPr>
-        </p:nvSpPr>
-        <p:spPr/>
-        <p:txBody>
-          <a:bodyPr/>
-          <a:lstStyle/>
-          <a:p>
-            <a:endParaRPr lang="en-US"/>
-          </a:p>
-        </p:txBody>
-      </p:sp>
-    </p:spTree>
-    <p:extLst>
-      <p:ext uri="{BB962C8B-B14F-4D97-AF65-F5344CB8AC3E}">
-        <p14:creationId xmlns:p14="http://schemas.microsoft.com/office/powerpoint/2010/main" val="3756659495"/>
-      </p:ext>
-    </p:extLst>
-  </p:cSld>
-  <p:clrMapOvr>
-    <a:masterClrMapping/>
-  </p:clrMapOvr>
-</p:sld>
-</file>
-
-<file path=ppt/slides/slide24.xml><?xml version="1.0" encoding="utf-8"?>
-<p:sld xmlns:a="http://schemas.openxmlformats.org/drawingml/2006/main" xmlns:r="http://schemas.openxmlformats.org/officeDocument/2006/relationships" xmlns:p="http://schemas.openxmlformats.org/presentationml/2006/main">
-  <p:cSld>
-    <p:spTree>
-      <p:nvGrpSpPr>
-        <p:cNvPr id="1" name=""/>
-        <p:cNvGrpSpPr/>
-        <p:nvPr/>
-      </p:nvGrpSpPr>
-      <p:grpSpPr>
-        <a:xfrm>
-          <a:off x="0" y="0"/>
-          <a:ext cx="0" cy="0"/>
-          <a:chOff x="0" y="0"/>
-          <a:chExt cx="0" cy="0"/>
-        </a:xfrm>
-      </p:grpSpPr>
-      <p:sp>
-        <p:nvSpPr>
-          <p:cNvPr id="2" name="Title 1">
-            <a:extLst>
-              <a:ext uri="{FF2B5EF4-FFF2-40B4-BE49-F238E27FC236}">
-                <a16:creationId xmlns:a16="http://schemas.microsoft.com/office/drawing/2014/main" id="{7F700AF5-ADEC-6882-5240-5A510976DA72}"/>
-              </a:ext>
-            </a:extLst>
-          </p:cNvPr>
-          <p:cNvSpPr>
-            <a:spLocks noGrp="1"/>
-          </p:cNvSpPr>
-          <p:nvPr>
-            <p:ph type="title"/>
-          </p:nvPr>
-        </p:nvSpPr>
-        <p:spPr/>
-        <p:txBody>
-          <a:bodyPr/>
-          <a:lstStyle/>
-          <a:p>
-            <a:endParaRPr lang="en-US"/>
-          </a:p>
-        </p:txBody>
-      </p:sp>
-      <p:sp>
-        <p:nvSpPr>
-          <p:cNvPr id="3" name="Content Placeholder 2">
-            <a:extLst>
-              <a:ext uri="{FF2B5EF4-FFF2-40B4-BE49-F238E27FC236}">
-                <a16:creationId xmlns:a16="http://schemas.microsoft.com/office/drawing/2014/main" id="{EC69B813-AE70-381C-5D97-6E3C0414615C}"/>
-              </a:ext>
-            </a:extLst>
-          </p:cNvPr>
-          <p:cNvSpPr>
-            <a:spLocks noGrp="1"/>
-          </p:cNvSpPr>
-          <p:nvPr>
-            <p:ph idx="1"/>
-          </p:nvPr>
-        </p:nvSpPr>
-        <p:spPr/>
-        <p:txBody>
-          <a:bodyPr/>
-          <a:lstStyle/>
-          <a:p>
-            <a:endParaRPr lang="en-US"/>
-          </a:p>
-        </p:txBody>
-      </p:sp>
-    </p:spTree>
-    <p:extLst>
-      <p:ext uri="{BB962C8B-B14F-4D97-AF65-F5344CB8AC3E}">
-        <p14:creationId xmlns:p14="http://schemas.microsoft.com/office/powerpoint/2010/main" val="1789011840"/>
-      </p:ext>
-    </p:extLst>
-  </p:cSld>
-  <p:clrMapOvr>
-    <a:masterClrMapping/>
-  </p:clrMapOvr>
-</p:sld>
-</file>
-
 <file path=ppt/slides/slide25.xml><?xml version="1.0" encoding="utf-8"?>
 <p:sld xmlns:a="http://schemas.openxmlformats.org/drawingml/2006/main" xmlns:r="http://schemas.openxmlformats.org/officeDocument/2006/relationships" xmlns:p="http://schemas.openxmlformats.org/presentationml/2006/main">
   <p:cSld>
@@ -6438,7 +9297,7 @@
           <p:cNvPr id="2" name="Title 1">
             <a:extLst>
               <a:ext uri="{FF2B5EF4-FFF2-40B4-BE49-F238E27FC236}">
-                <a16:creationId xmlns:a16="http://schemas.microsoft.com/office/drawing/2014/main" id="{DDC09566-5B61-5143-A290-F89B8C40BB18}"/>
+                <a16:creationId xmlns:a16="http://schemas.microsoft.com/office/drawing/2014/main" id="{CA871165-3550-4CB2-1B59-F8DFB9C99CD7}"/>
               </a:ext>
             </a:extLst>
           </p:cNvPr>
@@ -6451,10 +9310,15 @@
         </p:nvSpPr>
         <p:spPr/>
         <p:txBody>
-          <a:bodyPr/>
-          <a:lstStyle/>
-          <a:p>
-            <a:endParaRPr lang="en-US"/>
+          <a:bodyPr>
+            <a:normAutofit/>
+          </a:bodyPr>
+          <a:lstStyle/>
+          <a:p>
+            <a:r>
+              <a:rPr lang="en-US" b="1" u="sng" dirty="0"/>
+              <a:t>E: General rules of legibility (or rules of separation)</a:t>
+            </a:r>
           </a:p>
         </p:txBody>
       </p:sp>
@@ -6463,7 +9327,7 @@
           <p:cNvPr id="3" name="Content Placeholder 2">
             <a:extLst>
               <a:ext uri="{FF2B5EF4-FFF2-40B4-BE49-F238E27FC236}">
-                <a16:creationId xmlns:a16="http://schemas.microsoft.com/office/drawing/2014/main" id="{D8D173BE-8922-ACA9-3396-3525B726106E}"/>
+                <a16:creationId xmlns:a16="http://schemas.microsoft.com/office/drawing/2014/main" id="{2118F691-CA1D-CB43-B036-2A7CAE382C43}"/>
               </a:ext>
             </a:extLst>
           </p:cNvPr>
@@ -6486,7 +9350,7 @@
     </p:spTree>
     <p:extLst>
       <p:ext uri="{BB962C8B-B14F-4D97-AF65-F5344CB8AC3E}">
-        <p14:creationId xmlns:p14="http://schemas.microsoft.com/office/powerpoint/2010/main" val="386721389"/>
+        <p14:creationId xmlns:p14="http://schemas.microsoft.com/office/powerpoint/2010/main" val="696482116"/>
       </p:ext>
     </p:extLst>
   </p:cSld>
@@ -6518,7 +9382,7 @@
           <p:cNvPr id="2" name="Title 1">
             <a:extLst>
               <a:ext uri="{FF2B5EF4-FFF2-40B4-BE49-F238E27FC236}">
-                <a16:creationId xmlns:a16="http://schemas.microsoft.com/office/drawing/2014/main" id="{7DBF3DBB-C8D9-A144-861E-F32E86B9931A}"/>
+                <a16:creationId xmlns:a16="http://schemas.microsoft.com/office/drawing/2014/main" id="{F6BC1CF8-4955-1E2A-CFCC-D9BBACF4E360}"/>
               </a:ext>
             </a:extLst>
           </p:cNvPr>
@@ -6543,7 +9407,7 @@
           <p:cNvPr id="3" name="Content Placeholder 2">
             <a:extLst>
               <a:ext uri="{FF2B5EF4-FFF2-40B4-BE49-F238E27FC236}">
-                <a16:creationId xmlns:a16="http://schemas.microsoft.com/office/drawing/2014/main" id="{865B8CB8-73B6-6D87-BFF0-7EEF18FDC59D}"/>
+                <a16:creationId xmlns:a16="http://schemas.microsoft.com/office/drawing/2014/main" id="{349C3BEB-0729-6272-885E-E6BF090FBD0B}"/>
               </a:ext>
             </a:extLst>
           </p:cNvPr>
@@ -6566,7 +9430,7 @@
     </p:spTree>
     <p:extLst>
       <p:ext uri="{BB962C8B-B14F-4D97-AF65-F5344CB8AC3E}">
-        <p14:creationId xmlns:p14="http://schemas.microsoft.com/office/powerpoint/2010/main" val="801938495"/>
+        <p14:creationId xmlns:p14="http://schemas.microsoft.com/office/powerpoint/2010/main" val="118528513"/>
       </p:ext>
     </p:extLst>
   </p:cSld>
@@ -6598,7 +9462,7 @@
           <p:cNvPr id="2" name="Title 1">
             <a:extLst>
               <a:ext uri="{FF2B5EF4-FFF2-40B4-BE49-F238E27FC236}">
-                <a16:creationId xmlns:a16="http://schemas.microsoft.com/office/drawing/2014/main" id="{3BB6724D-0D01-F500-FBD2-810849BD4F63}"/>
+                <a16:creationId xmlns:a16="http://schemas.microsoft.com/office/drawing/2014/main" id="{F178622D-809B-449E-D2F6-1F49A0B8DE0F}"/>
               </a:ext>
             </a:extLst>
           </p:cNvPr>
@@ -6623,7 +9487,7 @@
           <p:cNvPr id="3" name="Content Placeholder 2">
             <a:extLst>
               <a:ext uri="{FF2B5EF4-FFF2-40B4-BE49-F238E27FC236}">
-                <a16:creationId xmlns:a16="http://schemas.microsoft.com/office/drawing/2014/main" id="{CC2BC713-92EE-9766-EE6C-BE7E82ED7F51}"/>
+                <a16:creationId xmlns:a16="http://schemas.microsoft.com/office/drawing/2014/main" id="{0DC42854-45E0-E204-9900-4BCFEA05B96F}"/>
               </a:ext>
             </a:extLst>
           </p:cNvPr>
@@ -6646,7 +9510,7 @@
     </p:spTree>
     <p:extLst>
       <p:ext uri="{BB962C8B-B14F-4D97-AF65-F5344CB8AC3E}">
-        <p14:creationId xmlns:p14="http://schemas.microsoft.com/office/powerpoint/2010/main" val="4075321616"/>
+        <p14:creationId xmlns:p14="http://schemas.microsoft.com/office/powerpoint/2010/main" val="3756659495"/>
       </p:ext>
     </p:extLst>
   </p:cSld>
@@ -6678,7 +9542,7 @@
           <p:cNvPr id="2" name="Title 1">
             <a:extLst>
               <a:ext uri="{FF2B5EF4-FFF2-40B4-BE49-F238E27FC236}">
-                <a16:creationId xmlns:a16="http://schemas.microsoft.com/office/drawing/2014/main" id="{D28D18A4-2697-148F-B487-9A8CEA7514D2}"/>
+                <a16:creationId xmlns:a16="http://schemas.microsoft.com/office/drawing/2014/main" id="{7F700AF5-ADEC-6882-5240-5A510976DA72}"/>
               </a:ext>
             </a:extLst>
           </p:cNvPr>
@@ -6694,10 +9558,7 @@
           <a:bodyPr/>
           <a:lstStyle/>
           <a:p>
-            <a:r>
-              <a:rPr lang="en-US" dirty="0"/>
-              <a:t>Reference</a:t>
-            </a:r>
+            <a:endParaRPr lang="en-US"/>
           </a:p>
         </p:txBody>
       </p:sp>
@@ -6706,7 +9567,7 @@
           <p:cNvPr id="3" name="Content Placeholder 2">
             <a:extLst>
               <a:ext uri="{FF2B5EF4-FFF2-40B4-BE49-F238E27FC236}">
-                <a16:creationId xmlns:a16="http://schemas.microsoft.com/office/drawing/2014/main" id="{0A6F2862-7F48-2E5C-5CBE-D5E0D28910AA}"/>
+                <a16:creationId xmlns:a16="http://schemas.microsoft.com/office/drawing/2014/main" id="{EC69B813-AE70-381C-5D97-6E3C0414615C}"/>
               </a:ext>
             </a:extLst>
           </p:cNvPr>
@@ -6722,40 +9583,94 @@
           <a:bodyPr/>
           <a:lstStyle/>
           <a:p>
-            <a:pPr marL="0" indent="0">
-              <a:buNone/>
-            </a:pPr>
-            <a:r>
-              <a:rPr lang="en-US" dirty="0" err="1">
-                <a:effectLst/>
-              </a:rPr>
-              <a:t>Bertin</a:t>
-            </a:r>
-            <a:r>
-              <a:rPr lang="en-US" dirty="0">
-                <a:effectLst/>
-              </a:rPr>
-              <a:t>, J., &amp; Berg, W. J. (2011). </a:t>
-            </a:r>
-            <a:r>
-              <a:rPr lang="en-US" i="1" dirty="0">
-                <a:effectLst/>
-              </a:rPr>
-              <a:t>Semiology of graphics: Diagrams, 	networks, maps</a:t>
-            </a:r>
-            <a:r>
-              <a:rPr lang="en-US" dirty="0">
-                <a:effectLst/>
-              </a:rPr>
-              <a:t>. ESRI Press. </a:t>
-            </a:r>
+            <a:endParaRPr lang="en-US"/>
           </a:p>
         </p:txBody>
       </p:sp>
     </p:spTree>
     <p:extLst>
       <p:ext uri="{BB962C8B-B14F-4D97-AF65-F5344CB8AC3E}">
-        <p14:creationId xmlns:p14="http://schemas.microsoft.com/office/powerpoint/2010/main" val="2296456164"/>
+        <p14:creationId xmlns:p14="http://schemas.microsoft.com/office/powerpoint/2010/main" val="1789011840"/>
+      </p:ext>
+    </p:extLst>
+  </p:cSld>
+  <p:clrMapOvr>
+    <a:masterClrMapping/>
+  </p:clrMapOvr>
+</p:sld>
+</file>
+
+<file path=ppt/slides/slide29.xml><?xml version="1.0" encoding="utf-8"?>
+<p:sld xmlns:a="http://schemas.openxmlformats.org/drawingml/2006/main" xmlns:r="http://schemas.openxmlformats.org/officeDocument/2006/relationships" xmlns:p="http://schemas.openxmlformats.org/presentationml/2006/main">
+  <p:cSld>
+    <p:spTree>
+      <p:nvGrpSpPr>
+        <p:cNvPr id="1" name=""/>
+        <p:cNvGrpSpPr/>
+        <p:nvPr/>
+      </p:nvGrpSpPr>
+      <p:grpSpPr>
+        <a:xfrm>
+          <a:off x="0" y="0"/>
+          <a:ext cx="0" cy="0"/>
+          <a:chOff x="0" y="0"/>
+          <a:chExt cx="0" cy="0"/>
+        </a:xfrm>
+      </p:grpSpPr>
+      <p:sp>
+        <p:nvSpPr>
+          <p:cNvPr id="2" name="Title 1">
+            <a:extLst>
+              <a:ext uri="{FF2B5EF4-FFF2-40B4-BE49-F238E27FC236}">
+                <a16:creationId xmlns:a16="http://schemas.microsoft.com/office/drawing/2014/main" id="{DDC09566-5B61-5143-A290-F89B8C40BB18}"/>
+              </a:ext>
+            </a:extLst>
+          </p:cNvPr>
+          <p:cNvSpPr>
+            <a:spLocks noGrp="1"/>
+          </p:cNvSpPr>
+          <p:nvPr>
+            <p:ph type="title"/>
+          </p:nvPr>
+        </p:nvSpPr>
+        <p:spPr/>
+        <p:txBody>
+          <a:bodyPr/>
+          <a:lstStyle/>
+          <a:p>
+            <a:endParaRPr lang="en-US"/>
+          </a:p>
+        </p:txBody>
+      </p:sp>
+      <p:sp>
+        <p:nvSpPr>
+          <p:cNvPr id="3" name="Content Placeholder 2">
+            <a:extLst>
+              <a:ext uri="{FF2B5EF4-FFF2-40B4-BE49-F238E27FC236}">
+                <a16:creationId xmlns:a16="http://schemas.microsoft.com/office/drawing/2014/main" id="{D8D173BE-8922-ACA9-3396-3525B726106E}"/>
+              </a:ext>
+            </a:extLst>
+          </p:cNvPr>
+          <p:cNvSpPr>
+            <a:spLocks noGrp="1"/>
+          </p:cNvSpPr>
+          <p:nvPr>
+            <p:ph idx="1"/>
+          </p:nvPr>
+        </p:nvSpPr>
+        <p:spPr/>
+        <p:txBody>
+          <a:bodyPr/>
+          <a:lstStyle/>
+          <a:p>
+            <a:endParaRPr lang="en-US"/>
+          </a:p>
+        </p:txBody>
+      </p:sp>
+    </p:spTree>
+    <p:extLst>
+      <p:ext uri="{BB962C8B-B14F-4D97-AF65-F5344CB8AC3E}">
+        <p14:creationId xmlns:p14="http://schemas.microsoft.com/office/powerpoint/2010/main" val="386721389"/>
       </p:ext>
     </p:extLst>
   </p:cSld>
@@ -7007,6 +9922,275 @@
     <p:extLst>
       <p:ext uri="{BB962C8B-B14F-4D97-AF65-F5344CB8AC3E}">
         <p14:creationId xmlns:p14="http://schemas.microsoft.com/office/powerpoint/2010/main" val="715284250"/>
+      </p:ext>
+    </p:extLst>
+  </p:cSld>
+  <p:clrMapOvr>
+    <a:masterClrMapping/>
+  </p:clrMapOvr>
+</p:sld>
+</file>
+
+<file path=ppt/slides/slide30.xml><?xml version="1.0" encoding="utf-8"?>
+<p:sld xmlns:a="http://schemas.openxmlformats.org/drawingml/2006/main" xmlns:r="http://schemas.openxmlformats.org/officeDocument/2006/relationships" xmlns:p="http://schemas.openxmlformats.org/presentationml/2006/main">
+  <p:cSld>
+    <p:spTree>
+      <p:nvGrpSpPr>
+        <p:cNvPr id="1" name=""/>
+        <p:cNvGrpSpPr/>
+        <p:nvPr/>
+      </p:nvGrpSpPr>
+      <p:grpSpPr>
+        <a:xfrm>
+          <a:off x="0" y="0"/>
+          <a:ext cx="0" cy="0"/>
+          <a:chOff x="0" y="0"/>
+          <a:chExt cx="0" cy="0"/>
+        </a:xfrm>
+      </p:grpSpPr>
+      <p:sp>
+        <p:nvSpPr>
+          <p:cNvPr id="2" name="Title 1">
+            <a:extLst>
+              <a:ext uri="{FF2B5EF4-FFF2-40B4-BE49-F238E27FC236}">
+                <a16:creationId xmlns:a16="http://schemas.microsoft.com/office/drawing/2014/main" id="{7DBF3DBB-C8D9-A144-861E-F32E86B9931A}"/>
+              </a:ext>
+            </a:extLst>
+          </p:cNvPr>
+          <p:cNvSpPr>
+            <a:spLocks noGrp="1"/>
+          </p:cNvSpPr>
+          <p:nvPr>
+            <p:ph type="title"/>
+          </p:nvPr>
+        </p:nvSpPr>
+        <p:spPr/>
+        <p:txBody>
+          <a:bodyPr/>
+          <a:lstStyle/>
+          <a:p>
+            <a:endParaRPr lang="en-US"/>
+          </a:p>
+        </p:txBody>
+      </p:sp>
+      <p:sp>
+        <p:nvSpPr>
+          <p:cNvPr id="3" name="Content Placeholder 2">
+            <a:extLst>
+              <a:ext uri="{FF2B5EF4-FFF2-40B4-BE49-F238E27FC236}">
+                <a16:creationId xmlns:a16="http://schemas.microsoft.com/office/drawing/2014/main" id="{865B8CB8-73B6-6D87-BFF0-7EEF18FDC59D}"/>
+              </a:ext>
+            </a:extLst>
+          </p:cNvPr>
+          <p:cNvSpPr>
+            <a:spLocks noGrp="1"/>
+          </p:cNvSpPr>
+          <p:nvPr>
+            <p:ph idx="1"/>
+          </p:nvPr>
+        </p:nvSpPr>
+        <p:spPr/>
+        <p:txBody>
+          <a:bodyPr/>
+          <a:lstStyle/>
+          <a:p>
+            <a:endParaRPr lang="en-US"/>
+          </a:p>
+        </p:txBody>
+      </p:sp>
+    </p:spTree>
+    <p:extLst>
+      <p:ext uri="{BB962C8B-B14F-4D97-AF65-F5344CB8AC3E}">
+        <p14:creationId xmlns:p14="http://schemas.microsoft.com/office/powerpoint/2010/main" val="801938495"/>
+      </p:ext>
+    </p:extLst>
+  </p:cSld>
+  <p:clrMapOvr>
+    <a:masterClrMapping/>
+  </p:clrMapOvr>
+</p:sld>
+</file>
+
+<file path=ppt/slides/slide31.xml><?xml version="1.0" encoding="utf-8"?>
+<p:sld xmlns:a="http://schemas.openxmlformats.org/drawingml/2006/main" xmlns:r="http://schemas.openxmlformats.org/officeDocument/2006/relationships" xmlns:p="http://schemas.openxmlformats.org/presentationml/2006/main">
+  <p:cSld>
+    <p:spTree>
+      <p:nvGrpSpPr>
+        <p:cNvPr id="1" name=""/>
+        <p:cNvGrpSpPr/>
+        <p:nvPr/>
+      </p:nvGrpSpPr>
+      <p:grpSpPr>
+        <a:xfrm>
+          <a:off x="0" y="0"/>
+          <a:ext cx="0" cy="0"/>
+          <a:chOff x="0" y="0"/>
+          <a:chExt cx="0" cy="0"/>
+        </a:xfrm>
+      </p:grpSpPr>
+      <p:sp>
+        <p:nvSpPr>
+          <p:cNvPr id="2" name="Title 1">
+            <a:extLst>
+              <a:ext uri="{FF2B5EF4-FFF2-40B4-BE49-F238E27FC236}">
+                <a16:creationId xmlns:a16="http://schemas.microsoft.com/office/drawing/2014/main" id="{3BB6724D-0D01-F500-FBD2-810849BD4F63}"/>
+              </a:ext>
+            </a:extLst>
+          </p:cNvPr>
+          <p:cNvSpPr>
+            <a:spLocks noGrp="1"/>
+          </p:cNvSpPr>
+          <p:nvPr>
+            <p:ph type="title"/>
+          </p:nvPr>
+        </p:nvSpPr>
+        <p:spPr/>
+        <p:txBody>
+          <a:bodyPr/>
+          <a:lstStyle/>
+          <a:p>
+            <a:endParaRPr lang="en-US"/>
+          </a:p>
+        </p:txBody>
+      </p:sp>
+      <p:sp>
+        <p:nvSpPr>
+          <p:cNvPr id="3" name="Content Placeholder 2">
+            <a:extLst>
+              <a:ext uri="{FF2B5EF4-FFF2-40B4-BE49-F238E27FC236}">
+                <a16:creationId xmlns:a16="http://schemas.microsoft.com/office/drawing/2014/main" id="{CC2BC713-92EE-9766-EE6C-BE7E82ED7F51}"/>
+              </a:ext>
+            </a:extLst>
+          </p:cNvPr>
+          <p:cNvSpPr>
+            <a:spLocks noGrp="1"/>
+          </p:cNvSpPr>
+          <p:nvPr>
+            <p:ph idx="1"/>
+          </p:nvPr>
+        </p:nvSpPr>
+        <p:spPr/>
+        <p:txBody>
+          <a:bodyPr/>
+          <a:lstStyle/>
+          <a:p>
+            <a:endParaRPr lang="en-US"/>
+          </a:p>
+        </p:txBody>
+      </p:sp>
+    </p:spTree>
+    <p:extLst>
+      <p:ext uri="{BB962C8B-B14F-4D97-AF65-F5344CB8AC3E}">
+        <p14:creationId xmlns:p14="http://schemas.microsoft.com/office/powerpoint/2010/main" val="4075321616"/>
+      </p:ext>
+    </p:extLst>
+  </p:cSld>
+  <p:clrMapOvr>
+    <a:masterClrMapping/>
+  </p:clrMapOvr>
+</p:sld>
+</file>
+
+<file path=ppt/slides/slide32.xml><?xml version="1.0" encoding="utf-8"?>
+<p:sld xmlns:a="http://schemas.openxmlformats.org/drawingml/2006/main" xmlns:r="http://schemas.openxmlformats.org/officeDocument/2006/relationships" xmlns:p="http://schemas.openxmlformats.org/presentationml/2006/main">
+  <p:cSld>
+    <p:spTree>
+      <p:nvGrpSpPr>
+        <p:cNvPr id="1" name=""/>
+        <p:cNvGrpSpPr/>
+        <p:nvPr/>
+      </p:nvGrpSpPr>
+      <p:grpSpPr>
+        <a:xfrm>
+          <a:off x="0" y="0"/>
+          <a:ext cx="0" cy="0"/>
+          <a:chOff x="0" y="0"/>
+          <a:chExt cx="0" cy="0"/>
+        </a:xfrm>
+      </p:grpSpPr>
+      <p:sp>
+        <p:nvSpPr>
+          <p:cNvPr id="2" name="Title 1">
+            <a:extLst>
+              <a:ext uri="{FF2B5EF4-FFF2-40B4-BE49-F238E27FC236}">
+                <a16:creationId xmlns:a16="http://schemas.microsoft.com/office/drawing/2014/main" id="{D28D18A4-2697-148F-B487-9A8CEA7514D2}"/>
+              </a:ext>
+            </a:extLst>
+          </p:cNvPr>
+          <p:cNvSpPr>
+            <a:spLocks noGrp="1"/>
+          </p:cNvSpPr>
+          <p:nvPr>
+            <p:ph type="title"/>
+          </p:nvPr>
+        </p:nvSpPr>
+        <p:spPr/>
+        <p:txBody>
+          <a:bodyPr/>
+          <a:lstStyle/>
+          <a:p>
+            <a:r>
+              <a:rPr lang="en-US" dirty="0"/>
+              <a:t>Reference</a:t>
+            </a:r>
+          </a:p>
+        </p:txBody>
+      </p:sp>
+      <p:sp>
+        <p:nvSpPr>
+          <p:cNvPr id="3" name="Content Placeholder 2">
+            <a:extLst>
+              <a:ext uri="{FF2B5EF4-FFF2-40B4-BE49-F238E27FC236}">
+                <a16:creationId xmlns:a16="http://schemas.microsoft.com/office/drawing/2014/main" id="{0A6F2862-7F48-2E5C-5CBE-D5E0D28910AA}"/>
+              </a:ext>
+            </a:extLst>
+          </p:cNvPr>
+          <p:cNvSpPr>
+            <a:spLocks noGrp="1"/>
+          </p:cNvSpPr>
+          <p:nvPr>
+            <p:ph idx="1"/>
+          </p:nvPr>
+        </p:nvSpPr>
+        <p:spPr/>
+        <p:txBody>
+          <a:bodyPr/>
+          <a:lstStyle/>
+          <a:p>
+            <a:pPr marL="0" indent="0">
+              <a:buNone/>
+            </a:pPr>
+            <a:r>
+              <a:rPr lang="en-US" dirty="0" err="1">
+                <a:effectLst/>
+              </a:rPr>
+              <a:t>Bertin</a:t>
+            </a:r>
+            <a:r>
+              <a:rPr lang="en-US" dirty="0">
+                <a:effectLst/>
+              </a:rPr>
+              <a:t>, J., &amp; Berg, W. J. (2011). </a:t>
+            </a:r>
+            <a:r>
+              <a:rPr lang="en-US" i="1" dirty="0">
+                <a:effectLst/>
+              </a:rPr>
+              <a:t>Semiology of graphics: Diagrams, 	networks, maps</a:t>
+            </a:r>
+            <a:r>
+              <a:rPr lang="en-US" dirty="0">
+                <a:effectLst/>
+              </a:rPr>
+              <a:t>. ESRI Press. </a:t>
+            </a:r>
+          </a:p>
+        </p:txBody>
+      </p:sp>
+    </p:spTree>
+    <p:extLst>
+      <p:ext uri="{BB962C8B-B14F-4D97-AF65-F5344CB8AC3E}">
+        <p14:creationId xmlns:p14="http://schemas.microsoft.com/office/powerpoint/2010/main" val="2296456164"/>
       </p:ext>
     </p:extLst>
   </p:cSld>

--- a/midterm/SoMSummery.pptx
+++ b/midterm/SoMSummery.pptx
@@ -5,7 +5,7 @@
     <p:sldMasterId id="2147483648" r:id="rId1"/>
   </p:sldMasterIdLst>
   <p:notesMasterIdLst>
-    <p:notesMasterId r:id="rId34"/>
+    <p:notesMasterId r:id="rId31"/>
   </p:notesMasterIdLst>
   <p:sldIdLst>
     <p:sldId id="256" r:id="rId2"/>
@@ -13,10 +13,10 @@
     <p:sldId id="261" r:id="rId4"/>
     <p:sldId id="285" r:id="rId5"/>
     <p:sldId id="286" r:id="rId6"/>
-    <p:sldId id="290" r:id="rId7"/>
-    <p:sldId id="287" r:id="rId8"/>
-    <p:sldId id="291" r:id="rId9"/>
-    <p:sldId id="262" r:id="rId10"/>
+    <p:sldId id="287" r:id="rId7"/>
+    <p:sldId id="290" r:id="rId8"/>
+    <p:sldId id="262" r:id="rId9"/>
+    <p:sldId id="291" r:id="rId10"/>
     <p:sldId id="258" r:id="rId11"/>
     <p:sldId id="292" r:id="rId12"/>
     <p:sldId id="293" r:id="rId13"/>
@@ -35,11 +35,8 @@
     <p:sldId id="260" r:id="rId26"/>
     <p:sldId id="273" r:id="rId27"/>
     <p:sldId id="274" r:id="rId28"/>
-    <p:sldId id="275" r:id="rId29"/>
-    <p:sldId id="276" r:id="rId30"/>
-    <p:sldId id="277" r:id="rId31"/>
-    <p:sldId id="278" r:id="rId32"/>
-    <p:sldId id="279" r:id="rId33"/>
+    <p:sldId id="277" r:id="rId29"/>
+    <p:sldId id="279" r:id="rId30"/>
   </p:sldIdLst>
   <p:sldSz cx="12192000" cy="6858000"/>
   <p:notesSz cx="6858000" cy="9144000"/>
@@ -228,7 +225,7 @@
           <a:p>
             <a:fld id="{13167391-6225-AE43-A973-4D10B160CEAA}" type="datetimeFigureOut">
               <a:rPr lang="en-US" smtClean="0"/>
-              <a:t>10/23/22</a:t>
+              <a:t>10/23/2022</a:t>
             </a:fld>
             <a:endParaRPr lang="en-US"/>
           </a:p>
@@ -878,6 +875,90 @@
 </p:notes>
 </file>
 
+<file path=ppt/notesSlides/notesSlide13.xml><?xml version="1.0" encoding="utf-8"?>
+<p:notes xmlns:a="http://schemas.openxmlformats.org/drawingml/2006/main" xmlns:r="http://schemas.openxmlformats.org/officeDocument/2006/relationships" xmlns:p="http://schemas.openxmlformats.org/presentationml/2006/main">
+  <p:cSld>
+    <p:spTree>
+      <p:nvGrpSpPr>
+        <p:cNvPr id="1" name=""/>
+        <p:cNvGrpSpPr/>
+        <p:nvPr/>
+      </p:nvGrpSpPr>
+      <p:grpSpPr>
+        <a:xfrm>
+          <a:off x="0" y="0"/>
+          <a:ext cx="0" cy="0"/>
+          <a:chOff x="0" y="0"/>
+          <a:chExt cx="0" cy="0"/>
+        </a:xfrm>
+      </p:grpSpPr>
+      <p:sp>
+        <p:nvSpPr>
+          <p:cNvPr id="2" name="Slide Image Placeholder 1"/>
+          <p:cNvSpPr>
+            <a:spLocks noGrp="1" noRot="1" noChangeAspect="1"/>
+          </p:cNvSpPr>
+          <p:nvPr>
+            <p:ph type="sldImg"/>
+          </p:nvPr>
+        </p:nvSpPr>
+        <p:spPr/>
+      </p:sp>
+      <p:sp>
+        <p:nvSpPr>
+          <p:cNvPr id="3" name="Notes Placeholder 2"/>
+          <p:cNvSpPr>
+            <a:spLocks noGrp="1"/>
+          </p:cNvSpPr>
+          <p:nvPr>
+            <p:ph type="body" idx="1"/>
+          </p:nvPr>
+        </p:nvSpPr>
+        <p:spPr/>
+        <p:txBody>
+          <a:bodyPr/>
+          <a:lstStyle/>
+          <a:p>
+            <a:endParaRPr lang="en-US" dirty="0"/>
+          </a:p>
+        </p:txBody>
+      </p:sp>
+      <p:sp>
+        <p:nvSpPr>
+          <p:cNvPr id="4" name="Slide Number Placeholder 3"/>
+          <p:cNvSpPr>
+            <a:spLocks noGrp="1"/>
+          </p:cNvSpPr>
+          <p:nvPr>
+            <p:ph type="sldNum" sz="quarter" idx="5"/>
+          </p:nvPr>
+        </p:nvSpPr>
+        <p:spPr/>
+        <p:txBody>
+          <a:bodyPr/>
+          <a:lstStyle/>
+          <a:p>
+            <a:fld id="{F8B1E648-C780-274E-AE47-5B119BD85B59}" type="slidenum">
+              <a:rPr lang="en-US" smtClean="0"/>
+              <a:t>28</a:t>
+            </a:fld>
+            <a:endParaRPr lang="en-US"/>
+          </a:p>
+        </p:txBody>
+      </p:sp>
+    </p:spTree>
+    <p:extLst>
+      <p:ext uri="{BB962C8B-B14F-4D97-AF65-F5344CB8AC3E}">
+        <p14:creationId xmlns:p14="http://schemas.microsoft.com/office/powerpoint/2010/main" val="1357125373"/>
+      </p:ext>
+    </p:extLst>
+  </p:cSld>
+  <p:clrMapOvr>
+    <a:masterClrMapping/>
+  </p:clrMapOvr>
+</p:notes>
+</file>
+
 <file path=ppt/notesSlides/notesSlide2.xml><?xml version="1.0" encoding="utf-8"?>
 <p:notes xmlns:a="http://schemas.openxmlformats.org/drawingml/2006/main" xmlns:r="http://schemas.openxmlformats.org/officeDocument/2006/relationships" xmlns:p="http://schemas.openxmlformats.org/presentationml/2006/main" showMasterSp="0" showMasterPhAnim="0">
   <p:cSld>
@@ -1857,7 +1938,7 @@
           <a:p>
             <a:fld id="{59135FA5-E9D9-1D4D-BA72-48379DD0F526}" type="datetimeFigureOut">
               <a:rPr lang="en-US" smtClean="0"/>
-              <a:t>10/23/22</a:t>
+              <a:t>10/23/2022</a:t>
             </a:fld>
             <a:endParaRPr lang="en-US"/>
           </a:p>
@@ -2055,7 +2136,7 @@
           <a:p>
             <a:fld id="{59135FA5-E9D9-1D4D-BA72-48379DD0F526}" type="datetimeFigureOut">
               <a:rPr lang="en-US" smtClean="0"/>
-              <a:t>10/23/22</a:t>
+              <a:t>10/23/2022</a:t>
             </a:fld>
             <a:endParaRPr lang="en-US"/>
           </a:p>
@@ -2263,7 +2344,7 @@
           <a:p>
             <a:fld id="{59135FA5-E9D9-1D4D-BA72-48379DD0F526}" type="datetimeFigureOut">
               <a:rPr lang="en-US" smtClean="0"/>
-              <a:t>10/23/22</a:t>
+              <a:t>10/23/2022</a:t>
             </a:fld>
             <a:endParaRPr lang="en-US"/>
           </a:p>
@@ -2820,7 +2901,7 @@
           <a:p>
             <a:fld id="{59135FA5-E9D9-1D4D-BA72-48379DD0F526}" type="datetimeFigureOut">
               <a:rPr lang="en-US" smtClean="0"/>
-              <a:t>10/23/22</a:t>
+              <a:t>10/23/2022</a:t>
             </a:fld>
             <a:endParaRPr lang="en-US"/>
           </a:p>
@@ -3095,7 +3176,7 @@
           <a:p>
             <a:fld id="{59135FA5-E9D9-1D4D-BA72-48379DD0F526}" type="datetimeFigureOut">
               <a:rPr lang="en-US" smtClean="0"/>
-              <a:t>10/23/22</a:t>
+              <a:t>10/23/2022</a:t>
             </a:fld>
             <a:endParaRPr lang="en-US"/>
           </a:p>
@@ -3360,7 +3441,7 @@
           <a:p>
             <a:fld id="{59135FA5-E9D9-1D4D-BA72-48379DD0F526}" type="datetimeFigureOut">
               <a:rPr lang="en-US" smtClean="0"/>
-              <a:t>10/23/22</a:t>
+              <a:t>10/23/2022</a:t>
             </a:fld>
             <a:endParaRPr lang="en-US"/>
           </a:p>
@@ -3772,7 +3853,7 @@
           <a:p>
             <a:fld id="{59135FA5-E9D9-1D4D-BA72-48379DD0F526}" type="datetimeFigureOut">
               <a:rPr lang="en-US" smtClean="0"/>
-              <a:t>10/23/22</a:t>
+              <a:t>10/23/2022</a:t>
             </a:fld>
             <a:endParaRPr lang="en-US"/>
           </a:p>
@@ -3913,7 +3994,7 @@
           <a:p>
             <a:fld id="{59135FA5-E9D9-1D4D-BA72-48379DD0F526}" type="datetimeFigureOut">
               <a:rPr lang="en-US" smtClean="0"/>
-              <a:t>10/23/22</a:t>
+              <a:t>10/23/2022</a:t>
             </a:fld>
             <a:endParaRPr lang="en-US"/>
           </a:p>
@@ -4026,7 +4107,7 @@
           <a:p>
             <a:fld id="{59135FA5-E9D9-1D4D-BA72-48379DD0F526}" type="datetimeFigureOut">
               <a:rPr lang="en-US" smtClean="0"/>
-              <a:t>10/23/22</a:t>
+              <a:t>10/23/2022</a:t>
             </a:fld>
             <a:endParaRPr lang="en-US"/>
           </a:p>
@@ -4337,7 +4418,7 @@
           <a:p>
             <a:fld id="{59135FA5-E9D9-1D4D-BA72-48379DD0F526}" type="datetimeFigureOut">
               <a:rPr lang="en-US" smtClean="0"/>
-              <a:t>10/23/22</a:t>
+              <a:t>10/23/2022</a:t>
             </a:fld>
             <a:endParaRPr lang="en-US"/>
           </a:p>
@@ -4625,7 +4706,7 @@
           <a:p>
             <a:fld id="{59135FA5-E9D9-1D4D-BA72-48379DD0F526}" type="datetimeFigureOut">
               <a:rPr lang="en-US" smtClean="0"/>
-              <a:t>10/23/22</a:t>
+              <a:t>10/23/2022</a:t>
             </a:fld>
             <a:endParaRPr lang="en-US"/>
           </a:p>
@@ -4866,7 +4947,7 @@
           <a:p>
             <a:fld id="{59135FA5-E9D9-1D4D-BA72-48379DD0F526}" type="datetimeFigureOut">
               <a:rPr lang="en-US" smtClean="0"/>
-              <a:t>10/23/22</a:t>
+              <a:t>10/23/2022</a:t>
             </a:fld>
             <a:endParaRPr lang="en-US"/>
           </a:p>
@@ -5512,7 +5593,7 @@
               <a:buNone/>
             </a:pPr>
             <a:r>
-              <a:rPr lang="en-US" dirty="0">
+              <a:rPr lang="en-US" b="1" dirty="0">
                 <a:latin typeface="+mj-lt"/>
               </a:rPr>
               <a:t>1.  Recording information</a:t>
@@ -5526,7 +5607,7 @@
               <a:buNone/>
             </a:pPr>
             <a:r>
-              <a:rPr lang="en-US" dirty="0">
+              <a:rPr lang="en-US" b="1" dirty="0">
                 <a:latin typeface="+mj-lt"/>
               </a:rPr>
               <a:t>2.  Communication information</a:t>
@@ -5540,7 +5621,7 @@
               <a:buNone/>
             </a:pPr>
             <a:r>
-              <a:rPr lang="en-US" dirty="0">
+              <a:rPr lang="en-US" b="1" dirty="0">
                 <a:latin typeface="+mj-lt"/>
               </a:rPr>
               <a:t>3.  Processing information</a:t>
@@ -6407,7 +6488,7 @@
         </p:nvSpPr>
         <p:spPr>
           <a:xfrm>
-            <a:off x="415600" y="1536633"/>
+            <a:off x="1214386" y="1473571"/>
             <a:ext cx="11360800" cy="4555200"/>
           </a:xfrm>
           <a:prstGeom prst="rect">
@@ -6424,10 +6505,10 @@
               <a:buNone/>
             </a:pPr>
             <a:r>
-              <a:rPr lang="en" dirty="0"/>
+              <a:rPr lang="en" sz="2400" dirty="0"/>
               <a:t>Figure 1 is the same meaning of figure 3.</a:t>
             </a:r>
-            <a:endParaRPr dirty="0"/>
+            <a:endParaRPr sz="2400" dirty="0"/>
           </a:p>
           <a:p>
             <a:pPr marL="0" indent="0">
@@ -6437,10 +6518,10 @@
               <a:buNone/>
             </a:pPr>
             <a:r>
-              <a:rPr lang="en" dirty="0"/>
+              <a:rPr lang="en" sz="2400" dirty="0"/>
               <a:t>Which one could contain more comprehensive </a:t>
             </a:r>
-            <a:endParaRPr dirty="0"/>
+            <a:endParaRPr sz="2400" dirty="0"/>
           </a:p>
           <a:p>
             <a:pPr marL="0" indent="0">
@@ -6450,10 +6531,10 @@
               <a:buNone/>
             </a:pPr>
             <a:r>
-              <a:rPr lang="en" dirty="0"/>
+              <a:rPr lang="en" sz="2400" dirty="0"/>
               <a:t>information?</a:t>
             </a:r>
-            <a:endParaRPr dirty="0"/>
+            <a:endParaRPr sz="2400" dirty="0"/>
           </a:p>
           <a:p>
             <a:pPr marL="0" indent="0">
@@ -6463,10 +6544,10 @@
               <a:buNone/>
             </a:pPr>
             <a:r>
-              <a:rPr lang="en" dirty="0"/>
+              <a:rPr lang="en" sz="2400" dirty="0"/>
               <a:t>	Ans: 1, but it is not always the best</a:t>
             </a:r>
-            <a:endParaRPr dirty="0"/>
+            <a:endParaRPr sz="2400" dirty="0"/>
           </a:p>
           <a:p>
             <a:pPr marL="0" indent="0">
@@ -6498,7 +6579,7 @@
         </p:blipFill>
         <p:spPr>
           <a:xfrm>
-            <a:off x="196834" y="4022260"/>
+            <a:off x="307193" y="3932922"/>
             <a:ext cx="11798300" cy="2705100"/>
           </a:xfrm>
           <a:prstGeom prst="rect">
@@ -6526,7 +6607,7 @@
         </p:blipFill>
         <p:spPr>
           <a:xfrm>
-            <a:off x="7934493" y="725967"/>
+            <a:off x="7634948" y="531525"/>
             <a:ext cx="3263747" cy="3426933"/>
           </a:xfrm>
           <a:prstGeom prst="rect">
@@ -6608,8 +6689,8 @@
         </p:nvSpPr>
         <p:spPr>
           <a:xfrm>
-            <a:off x="415600" y="1536633"/>
-            <a:ext cx="11360800" cy="4555200"/>
+            <a:off x="762000" y="1518745"/>
+            <a:ext cx="11014400" cy="4573088"/>
           </a:xfrm>
           <a:prstGeom prst="rect">
             <a:avLst/>
@@ -6659,30 +6740,42 @@
               <a:buSzPct val="100000"/>
             </a:pPr>
             <a:r>
-              <a:rPr lang="en" dirty="0"/>
+              <a:rPr lang="en" sz="2600" dirty="0">
+                <a:latin typeface="+mj-lt"/>
+              </a:rPr>
               <a:t>Use the mechanisms of ordering and classing for the purposes of discovering</a:t>
             </a:r>
-            <a:endParaRPr dirty="0"/>
+            <a:endParaRPr sz="2600" dirty="0">
+              <a:latin typeface="+mj-lt"/>
+            </a:endParaRPr>
           </a:p>
           <a:p>
             <a:pPr indent="-445758">
               <a:buSzPct val="100000"/>
             </a:pPr>
             <a:r>
-              <a:rPr lang="en" dirty="0"/>
+              <a:rPr lang="en" sz="2600" dirty="0">
+                <a:latin typeface="+mj-lt"/>
+              </a:rPr>
               <a:t>The grouping contained in the information being processed</a:t>
             </a:r>
-            <a:endParaRPr dirty="0"/>
+            <a:endParaRPr sz="2600" dirty="0">
+              <a:latin typeface="+mj-lt"/>
+            </a:endParaRPr>
           </a:p>
           <a:p>
             <a:pPr indent="-445758">
               <a:buSzPct val="100000"/>
             </a:pPr>
             <a:r>
-              <a:rPr lang="en" dirty="0"/>
+              <a:rPr lang="en" sz="2600" dirty="0">
+                <a:latin typeface="+mj-lt"/>
+              </a:rPr>
               <a:t>Deriving from it new components or categories, reduced in number and consequently easier to memorize than the comprehensive information</a:t>
             </a:r>
-            <a:endParaRPr dirty="0"/>
+            <a:endParaRPr sz="2600" dirty="0">
+              <a:latin typeface="+mj-lt"/>
+            </a:endParaRPr>
           </a:p>
           <a:p>
             <a:pPr marL="0" indent="0">
@@ -6801,8 +6894,8 @@
         </p:nvSpPr>
         <p:spPr>
           <a:xfrm>
-            <a:off x="415600" y="1536633"/>
-            <a:ext cx="11360800" cy="4555200"/>
+            <a:off x="698938" y="1455683"/>
+            <a:ext cx="11077462" cy="4636150"/>
           </a:xfrm>
           <a:prstGeom prst="rect">
             <a:avLst/>
@@ -6818,10 +6911,10 @@
               <a:buNone/>
             </a:pPr>
             <a:r>
-              <a:rPr lang="en"/>
+              <a:rPr lang="en" dirty="0"/>
               <a:t>Right figure is more independent than the left image.</a:t>
             </a:r>
-            <a:endParaRPr/>
+            <a:endParaRPr dirty="0"/>
           </a:p>
           <a:p>
             <a:pPr marL="0" indent="0">
@@ -6830,7 +6923,7 @@
               </a:spcBef>
               <a:buNone/>
             </a:pPr>
-            <a:endParaRPr/>
+            <a:endParaRPr dirty="0"/>
           </a:p>
           <a:p>
             <a:pPr marL="0" indent="0">
@@ -6840,10 +6933,10 @@
               <a:buNone/>
             </a:pPr>
             <a:r>
-              <a:rPr lang="en"/>
+              <a:rPr lang="en" dirty="0"/>
               <a:t>Question:</a:t>
             </a:r>
-            <a:endParaRPr/>
+            <a:endParaRPr dirty="0"/>
           </a:p>
           <a:p>
             <a:pPr marL="0" indent="0">
@@ -6856,10 +6949,10 @@
               <a:buNone/>
             </a:pPr>
             <a:r>
-              <a:rPr lang="en"/>
+              <a:rPr lang="en" dirty="0"/>
               <a:t>Alway necessary?</a:t>
             </a:r>
-            <a:endParaRPr/>
+            <a:endParaRPr dirty="0"/>
           </a:p>
         </p:txBody>
       </p:sp>
@@ -6878,7 +6971,7 @@
         </p:blipFill>
         <p:spPr>
           <a:xfrm>
-            <a:off x="3139725" y="2536309"/>
+            <a:off x="3412994" y="2362888"/>
             <a:ext cx="3587699" cy="4057433"/>
           </a:xfrm>
           <a:prstGeom prst="rect">
@@ -6906,7 +6999,7 @@
         </p:blipFill>
         <p:spPr>
           <a:xfrm>
-            <a:off x="7220666" y="2038543"/>
+            <a:off x="7168114" y="1933439"/>
             <a:ext cx="4769460" cy="4555201"/>
           </a:xfrm>
           <a:prstGeom prst="rect">
@@ -9338,12 +9431,80 @@
             <p:ph idx="1"/>
           </p:nvPr>
         </p:nvSpPr>
-        <p:spPr/>
-        <p:txBody>
-          <a:bodyPr/>
+        <p:spPr>
+          <a:xfrm>
+            <a:off x="1019503" y="1818290"/>
+            <a:ext cx="10334296" cy="4358673"/>
+          </a:xfrm>
+        </p:spPr>
+        <p:txBody>
+          <a:bodyPr>
+            <a:normAutofit/>
+          </a:bodyPr>
           <a:lstStyle/>
           <a:p>
-            <a:endParaRPr lang="en-US"/>
+            <a:pPr marL="342900" indent="-342900">
+              <a:lnSpc>
+                <a:spcPct val="150000"/>
+              </a:lnSpc>
+              <a:buAutoNum type="arabicPeriod"/>
+            </a:pPr>
+            <a:r>
+              <a:rPr lang="en-US" b="1" i="0" u="none" strike="noStrike" baseline="0" dirty="0">
+                <a:latin typeface="+mj-lt"/>
+              </a:rPr>
+              <a:t>Graphic density</a:t>
+            </a:r>
+          </a:p>
+          <a:p>
+            <a:pPr marL="342900" indent="-342900">
+              <a:lnSpc>
+                <a:spcPct val="150000"/>
+              </a:lnSpc>
+              <a:buAutoNum type="arabicPeriod"/>
+            </a:pPr>
+            <a:r>
+              <a:rPr lang="en-US" b="1" i="0" u="none" strike="noStrike" baseline="0" dirty="0">
+                <a:latin typeface="+mj-lt"/>
+              </a:rPr>
+              <a:t>Angular legibility</a:t>
+            </a:r>
+            <a:endParaRPr lang="en-US" b="1" dirty="0">
+              <a:latin typeface="+mj-lt"/>
+            </a:endParaRPr>
+          </a:p>
+          <a:p>
+            <a:pPr marL="342900" indent="-342900">
+              <a:lnSpc>
+                <a:spcPct val="150000"/>
+              </a:lnSpc>
+              <a:buAutoNum type="arabicPeriod"/>
+            </a:pPr>
+            <a:r>
+              <a:rPr lang="en-US" b="1" i="0" u="none" strike="noStrike" baseline="0" dirty="0">
+                <a:latin typeface="+mj-lt"/>
+              </a:rPr>
+              <a:t>Retinal legibility</a:t>
+            </a:r>
+          </a:p>
+          <a:p>
+            <a:pPr marL="0" indent="0">
+              <a:buNone/>
+            </a:pPr>
+            <a:endParaRPr lang="en-US" sz="300" dirty="0">
+              <a:latin typeface="+mj-lt"/>
+            </a:endParaRPr>
+          </a:p>
+          <a:p>
+            <a:pPr marL="0" indent="0">
+              <a:buNone/>
+            </a:pPr>
+            <a:r>
+              <a:rPr lang="en-US" sz="2400" dirty="0">
+                <a:latin typeface="+mj-lt"/>
+              </a:rPr>
+              <a:t>The rules of construction that we have just examined govern the choice of visual variables.  With some constructions, a reading may only be possible on the elementary level;  with standard constructions, it will be possible on all levels.</a:t>
+            </a:r>
           </a:p>
         </p:txBody>
       </p:sp>
@@ -9363,6 +9524,14 @@
 <file path=ppt/slides/slide26.xml><?xml version="1.0" encoding="utf-8"?>
 <p:sld xmlns:a="http://schemas.openxmlformats.org/drawingml/2006/main" xmlns:r="http://schemas.openxmlformats.org/officeDocument/2006/relationships" xmlns:p="http://schemas.openxmlformats.org/presentationml/2006/main">
   <p:cSld>
+    <p:bg>
+      <p:bgPr>
+        <a:solidFill>
+          <a:schemeClr val="bg1"/>
+        </a:solidFill>
+        <a:effectLst/>
+      </p:bgPr>
+    </p:bg>
     <p:spTree>
       <p:nvGrpSpPr>
         <p:cNvPr id="1" name=""/>
@@ -9377,6 +9546,66 @@
           <a:chExt cx="0" cy="0"/>
         </a:xfrm>
       </p:grpSpPr>
+      <p:sp useBgFill="1">
+        <p:nvSpPr>
+          <p:cNvPr id="17" name="Rectangle 16">
+            <a:extLst>
+              <a:ext uri="{FF2B5EF4-FFF2-40B4-BE49-F238E27FC236}">
+                <a16:creationId xmlns:a16="http://schemas.microsoft.com/office/drawing/2014/main" id="{84DF55BE-B4AB-4BA1-BDE1-E9F7FB3F110A}"/>
+              </a:ext>
+              <a:ext uri="{C183D7F6-B498-43B3-948B-1728B52AA6E4}">
+                <adec:decorative xmlns:adec="http://schemas.microsoft.com/office/drawing/2017/decorative" val="1"/>
+              </a:ext>
+            </a:extLst>
+          </p:cNvPr>
+          <p:cNvSpPr>
+            <a:spLocks noGrp="1" noRot="1" noChangeAspect="1" noMove="1" noResize="1" noEditPoints="1" noAdjustHandles="1" noChangeArrowheads="1" noChangeShapeType="1" noTextEdit="1"/>
+          </p:cNvSpPr>
+          <p:nvPr>
+            <p:extLst>
+              <p:ext uri="{386F3935-93C4-4BCD-93E2-E3B085C9AB24}">
+                <p16:designElem xmlns:p16="http://schemas.microsoft.com/office/powerpoint/2015/main" val="1"/>
+              </p:ext>
+            </p:extLst>
+          </p:nvPr>
+        </p:nvSpPr>
+        <p:spPr>
+          <a:xfrm>
+            <a:off x="-1" y="0"/>
+            <a:ext cx="12188952" cy="6858000"/>
+          </a:xfrm>
+          <a:prstGeom prst="rect">
+            <a:avLst/>
+          </a:prstGeom>
+          <a:ln>
+            <a:noFill/>
+          </a:ln>
+        </p:spPr>
+        <p:style>
+          <a:lnRef idx="2">
+            <a:schemeClr val="accent1">
+              <a:shade val="50000"/>
+            </a:schemeClr>
+          </a:lnRef>
+          <a:fillRef idx="1">
+            <a:schemeClr val="accent1"/>
+          </a:fillRef>
+          <a:effectRef idx="0">
+            <a:schemeClr val="accent1"/>
+          </a:effectRef>
+          <a:fontRef idx="minor">
+            <a:schemeClr val="lt1"/>
+          </a:fontRef>
+        </p:style>
+        <p:txBody>
+          <a:bodyPr rtlCol="0" anchor="ctr"/>
+          <a:lstStyle/>
+          <a:p>
+            <a:pPr algn="ctr"/>
+            <a:endParaRPr lang="en-US"/>
+          </a:p>
+        </p:txBody>
+      </p:sp>
       <p:sp>
         <p:nvSpPr>
           <p:cNvPr id="2" name="Title 1">
@@ -9393,12 +9622,25 @@
             <p:ph type="title"/>
           </p:nvPr>
         </p:nvSpPr>
-        <p:spPr/>
-        <p:txBody>
-          <a:bodyPr/>
+        <p:spPr>
+          <a:xfrm>
+            <a:off x="841249" y="539578"/>
+            <a:ext cx="5981278" cy="1684638"/>
+          </a:xfrm>
+        </p:spPr>
+        <p:txBody>
+          <a:bodyPr>
+            <a:normAutofit/>
+          </a:bodyPr>
           <a:lstStyle/>
           <a:p>
-            <a:endParaRPr lang="en-US"/>
+            <a:r>
+              <a:rPr lang="en-US" sz="4000" b="1" i="0" u="none" strike="noStrike" baseline="0" dirty="0">
+                <a:latin typeface="+mj-lt"/>
+              </a:rPr>
+              <a:t>1. Graphic density</a:t>
+            </a:r>
+            <a:endParaRPr lang="en-US" sz="4000" dirty="0"/>
           </a:p>
         </p:txBody>
       </p:sp>
@@ -9418,15 +9660,134 @@
             <p:ph idx="1"/>
           </p:nvPr>
         </p:nvSpPr>
-        <p:spPr/>
-        <p:txBody>
-          <a:bodyPr/>
+        <p:spPr>
+          <a:xfrm>
+            <a:off x="1037898" y="2025941"/>
+            <a:ext cx="5981278" cy="3690551"/>
+          </a:xfrm>
+        </p:spPr>
+        <p:txBody>
+          <a:bodyPr>
+            <a:normAutofit/>
+          </a:bodyPr>
           <a:lstStyle/>
           <a:p>
-            <a:endParaRPr lang="en-US"/>
-          </a:p>
-        </p:txBody>
-      </p:sp>
+            <a:r>
+              <a:rPr lang="en-US" sz="2400" b="0" i="0" u="none" strike="noStrike" baseline="0" dirty="0">
+                <a:latin typeface="+mj-lt"/>
+              </a:rPr>
+              <a:t>The legibility of a </a:t>
+            </a:r>
+            <a:r>
+              <a:rPr lang="en-US" sz="2400" b="1" i="0" u="none" strike="noStrike" baseline="0" dirty="0">
+                <a:latin typeface="+mj-lt"/>
+              </a:rPr>
+              <a:t>FIGURATION</a:t>
+            </a:r>
+            <a:r>
+              <a:rPr lang="en-US" sz="2400" b="0" i="0" u="none" strike="noStrike" baseline="0" dirty="0">
+                <a:latin typeface="+mj-lt"/>
+              </a:rPr>
+              <a:t> is drastically altered by too great a density of signs. Ten signs per cm’ represents a maximum limit.</a:t>
+            </a:r>
+          </a:p>
+          <a:p>
+            <a:r>
+              <a:rPr lang="en-US" sz="2400" b="0" i="0" u="none" strike="noStrike" baseline="0" dirty="0">
+                <a:latin typeface="+mj-lt"/>
+              </a:rPr>
+              <a:t>An </a:t>
+            </a:r>
+            <a:r>
+              <a:rPr lang="en-US" sz="2400" b="1" i="0" u="none" strike="noStrike" baseline="0" dirty="0">
+                <a:latin typeface="+mj-lt"/>
+              </a:rPr>
+              <a:t>IMAGE</a:t>
+            </a:r>
+            <a:r>
+              <a:rPr lang="en-US" sz="2400" b="0" i="0" u="none" strike="noStrike" baseline="0" dirty="0">
+                <a:latin typeface="+mj-lt"/>
+              </a:rPr>
+              <a:t> remains legible while accommodating great</a:t>
+            </a:r>
+            <a:r>
+              <a:rPr lang="en-US" sz="2400" dirty="0">
+                <a:latin typeface="+mj-lt"/>
+              </a:rPr>
+              <a:t> </a:t>
+            </a:r>
+            <a:r>
+              <a:rPr lang="en-US" sz="2400" b="0" i="0" u="none" strike="noStrike" baseline="0" dirty="0">
+                <a:latin typeface="+mj-lt"/>
+              </a:rPr>
+              <a:t>graphic densities and thus substantial photographic reductions. Consequently, reading on the intermediate and overall levels is generally found to be easier.</a:t>
+            </a:r>
+            <a:endParaRPr lang="en-US" sz="2400" dirty="0">
+              <a:latin typeface="+mj-lt"/>
+            </a:endParaRPr>
+          </a:p>
+        </p:txBody>
+      </p:sp>
+      <p:pic>
+        <p:nvPicPr>
+          <p:cNvPr id="5" name="Picture 4">
+            <a:extLst>
+              <a:ext uri="{FF2B5EF4-FFF2-40B4-BE49-F238E27FC236}">
+                <a16:creationId xmlns:a16="http://schemas.microsoft.com/office/drawing/2014/main" id="{DB861291-5A90-C569-15FF-9DB9FA703CEA}"/>
+              </a:ext>
+            </a:extLst>
+          </p:cNvPr>
+          <p:cNvPicPr>
+            <a:picLocks noChangeAspect="1"/>
+          </p:cNvPicPr>
+          <p:nvPr/>
+        </p:nvPicPr>
+        <p:blipFill>
+          <a:blip r:embed="rId2"/>
+          <a:stretch>
+            <a:fillRect/>
+          </a:stretch>
+        </p:blipFill>
+        <p:spPr>
+          <a:xfrm>
+            <a:off x="8101749" y="168876"/>
+            <a:ext cx="2982424" cy="2631989"/>
+          </a:xfrm>
+          <a:prstGeom prst="rect">
+            <a:avLst/>
+          </a:prstGeom>
+        </p:spPr>
+      </p:pic>
+      <p:pic>
+        <p:nvPicPr>
+          <p:cNvPr id="7" name="Picture 6">
+            <a:extLst>
+              <a:ext uri="{FF2B5EF4-FFF2-40B4-BE49-F238E27FC236}">
+                <a16:creationId xmlns:a16="http://schemas.microsoft.com/office/drawing/2014/main" id="{345E3DD5-3ED3-D9A7-251F-B068C5914BF2}"/>
+              </a:ext>
+            </a:extLst>
+          </p:cNvPr>
+          <p:cNvPicPr>
+            <a:picLocks noChangeAspect="1"/>
+          </p:cNvPicPr>
+          <p:nvPr/>
+        </p:nvPicPr>
+        <p:blipFill>
+          <a:blip r:embed="rId3"/>
+          <a:stretch>
+            <a:fillRect/>
+          </a:stretch>
+        </p:blipFill>
+        <p:spPr>
+          <a:xfrm>
+            <a:off x="7949702" y="2961503"/>
+            <a:ext cx="3286508" cy="3138616"/>
+          </a:xfrm>
+          <a:prstGeom prst="rect">
+            <a:avLst/>
+          </a:prstGeom>
+        </p:spPr>
+      </p:pic>
     </p:spTree>
     <p:extLst>
       <p:ext uri="{BB962C8B-B14F-4D97-AF65-F5344CB8AC3E}">
@@ -9473,12 +9834,25 @@
             <p:ph type="title"/>
           </p:nvPr>
         </p:nvSpPr>
-        <p:spPr/>
-        <p:txBody>
-          <a:bodyPr/>
+        <p:spPr>
+          <a:xfrm>
+            <a:off x="625366" y="365125"/>
+            <a:ext cx="10728434" cy="906627"/>
+          </a:xfrm>
+        </p:spPr>
+        <p:txBody>
+          <a:bodyPr>
+            <a:normAutofit/>
+          </a:bodyPr>
           <a:lstStyle/>
           <a:p>
-            <a:endParaRPr lang="en-US"/>
+            <a:r>
+              <a:rPr lang="en-US" sz="4000" b="1" i="0" u="none" strike="noStrike" baseline="0" dirty="0">
+                <a:latin typeface="+mj-lt"/>
+              </a:rPr>
+              <a:t>2. Angular legibility</a:t>
+            </a:r>
+            <a:endParaRPr lang="en-US" sz="4000" dirty="0"/>
           </a:p>
         </p:txBody>
       </p:sp>
@@ -9498,12 +9872,158 @@
             <p:ph idx="1"/>
           </p:nvPr>
         </p:nvSpPr>
-        <p:spPr/>
-        <p:txBody>
-          <a:bodyPr/>
+        <p:spPr>
+          <a:xfrm>
+            <a:off x="819807" y="1319048"/>
+            <a:ext cx="10533993" cy="4857915"/>
+          </a:xfrm>
+        </p:spPr>
+        <p:txBody>
+          <a:bodyPr>
+            <a:normAutofit/>
+          </a:bodyPr>
           <a:lstStyle/>
           <a:p>
-            <a:endParaRPr lang="en-US"/>
+            <a:pPr marL="0" indent="0">
+              <a:buNone/>
+            </a:pPr>
+            <a:r>
+              <a:rPr lang="en-US" sz="2400" dirty="0"/>
+              <a:t>1)  Angles</a:t>
+            </a:r>
+            <a:endParaRPr lang="en-US" dirty="0"/>
+          </a:p>
+          <a:p>
+            <a:pPr lvl="1">
+              <a:buFont typeface="Courier New" panose="02070309020205020404" pitchFamily="49" charset="0"/>
+              <a:buChar char="o"/>
+            </a:pPr>
+            <a:r>
+              <a:rPr lang="en-US" sz="2000" b="0" i="0" u="none" strike="noStrike" baseline="0" dirty="0">
+                <a:latin typeface="+mj-lt"/>
+              </a:rPr>
+              <a:t>On the elementary level optimum angular legibility is located near </a:t>
+            </a:r>
+            <a:r>
+              <a:rPr lang="en-US" sz="2000" b="1" i="0" u="none" strike="noStrike" baseline="0" dirty="0">
+                <a:latin typeface="+mj-lt"/>
+              </a:rPr>
+              <a:t>70 degrees.</a:t>
+            </a:r>
+          </a:p>
+          <a:p>
+            <a:pPr lvl="1">
+              <a:buFont typeface="Courier New" panose="02070309020205020404" pitchFamily="49" charset="0"/>
+              <a:buChar char="o"/>
+            </a:pPr>
+            <a:r>
+              <a:rPr lang="en-US" sz="2000" b="0" i="0" u="none" strike="noStrike" baseline="0" dirty="0">
+                <a:latin typeface="+mj-lt"/>
+              </a:rPr>
+              <a:t>On the overall level the image tends toward the form of a square where optimum angular legibility is provided by the diagonal.</a:t>
+            </a:r>
+          </a:p>
+          <a:p>
+            <a:pPr lvl="1">
+              <a:buFont typeface="Courier New" panose="02070309020205020404" pitchFamily="49" charset="0"/>
+              <a:buChar char="o"/>
+            </a:pPr>
+            <a:r>
+              <a:rPr lang="en-US" sz="2000" b="0" i="0" u="none" strike="noStrike" baseline="0" dirty="0">
+                <a:latin typeface="+mj-lt"/>
+              </a:rPr>
+              <a:t>Since these two conditions can be contradictory, angular legibility results from a compromise between the conditions of legibility for the two extreme levels of reading.</a:t>
+            </a:r>
+            <a:endParaRPr lang="en-US" sz="2000" dirty="0">
+              <a:latin typeface="+mj-lt"/>
+            </a:endParaRPr>
+          </a:p>
+          <a:p>
+            <a:pPr marL="457200" indent="-457200">
+              <a:buAutoNum type="arabicParenR" startAt="2"/>
+            </a:pPr>
+            <a:r>
+              <a:rPr lang="en-US" sz="2400" dirty="0"/>
+              <a:t>Shapes</a:t>
+            </a:r>
+          </a:p>
+          <a:p>
+            <a:pPr marL="457200" lvl="1" indent="0">
+              <a:lnSpc>
+                <a:spcPct val="100000"/>
+              </a:lnSpc>
+              <a:spcBef>
+                <a:spcPts val="0"/>
+              </a:spcBef>
+              <a:buFont typeface="Courier New" panose="02070309020205020404" pitchFamily="49" charset="0"/>
+              <a:buChar char="o"/>
+            </a:pPr>
+            <a:r>
+              <a:rPr lang="en-US" sz="2000" dirty="0">
+                <a:latin typeface="+mj-lt"/>
+              </a:rPr>
+              <a:t>   On the elementary level of reading a meaningful shape must have a minimal size of about </a:t>
+            </a:r>
+            <a:r>
+              <a:rPr lang="en-US" sz="2000" b="1" dirty="0">
+                <a:latin typeface="+mj-lt"/>
+              </a:rPr>
+              <a:t>2 mm</a:t>
+            </a:r>
+            <a:r>
+              <a:rPr lang="en-US" sz="2000" dirty="0">
+                <a:latin typeface="+mj-lt"/>
+              </a:rPr>
+              <a:t> in order to be legible as such.</a:t>
+            </a:r>
+          </a:p>
+          <a:p>
+            <a:pPr marL="457200" lvl="1" indent="0">
+              <a:lnSpc>
+                <a:spcPct val="100000"/>
+              </a:lnSpc>
+              <a:spcBef>
+                <a:spcPts val="0"/>
+              </a:spcBef>
+              <a:buFont typeface="Courier New" panose="02070309020205020404" pitchFamily="49" charset="0"/>
+              <a:buChar char="o"/>
+            </a:pPr>
+            <a:r>
+              <a:rPr lang="en-US" sz="2000" dirty="0">
+                <a:latin typeface="+mj-lt"/>
+              </a:rPr>
+              <a:t>   With smaller sizes there are only three distinct shapes: </a:t>
+            </a:r>
+            <a:r>
+              <a:rPr lang="en-US" sz="2000" b="1" dirty="0">
+                <a:latin typeface="+mj-lt"/>
+              </a:rPr>
+              <a:t>(a) the point (b) the dash (c) the intersection of two dashes</a:t>
+            </a:r>
+            <a:r>
+              <a:rPr lang="en-US" sz="2000" dirty="0">
+                <a:latin typeface="+mj-lt"/>
+              </a:rPr>
+              <a:t>(i.e., the cross).</a:t>
+            </a:r>
+          </a:p>
+          <a:p>
+            <a:pPr marL="457200" lvl="1" indent="0">
+              <a:lnSpc>
+                <a:spcPct val="100000"/>
+              </a:lnSpc>
+              <a:spcBef>
+                <a:spcPts val="0"/>
+              </a:spcBef>
+              <a:buFont typeface="Courier New" panose="02070309020205020404" pitchFamily="49" charset="0"/>
+              <a:buChar char="o"/>
+            </a:pPr>
+            <a:r>
+              <a:rPr lang="en-US" sz="2000" dirty="0">
+                <a:latin typeface="+mj-lt"/>
+              </a:rPr>
+              <a:t>   On the overall level of reading, provided they are of sufficient size, the dash, the point, and the cross produce three steps which permit visual selection. Any other shape, being only intermediate, will diminish perceptible differentiation and eliminate selectivity.</a:t>
+            </a:r>
           </a:p>
         </p:txBody>
       </p:sp>
@@ -9523,6 +10043,14 @@
 <file path=ppt/slides/slide28.xml><?xml version="1.0" encoding="utf-8"?>
 <p:sld xmlns:a="http://schemas.openxmlformats.org/drawingml/2006/main" xmlns:r="http://schemas.openxmlformats.org/officeDocument/2006/relationships" xmlns:p="http://schemas.openxmlformats.org/presentationml/2006/main">
   <p:cSld>
+    <p:bg>
+      <p:bgPr>
+        <a:solidFill>
+          <a:schemeClr val="bg1"/>
+        </a:solidFill>
+        <a:effectLst/>
+      </p:bgPr>
+    </p:bg>
     <p:spTree>
       <p:nvGrpSpPr>
         <p:cNvPr id="1" name=""/>
@@ -9537,12 +10065,72 @@
           <a:chExt cx="0" cy="0"/>
         </a:xfrm>
       </p:grpSpPr>
+      <p:sp useBgFill="1">
+        <p:nvSpPr>
+          <p:cNvPr id="14" name="Rectangle 13">
+            <a:extLst>
+              <a:ext uri="{FF2B5EF4-FFF2-40B4-BE49-F238E27FC236}">
+                <a16:creationId xmlns:a16="http://schemas.microsoft.com/office/drawing/2014/main" id="{AD96FDFD-4E42-4A06-B8B5-768A1DB9C2A9}"/>
+              </a:ext>
+              <a:ext uri="{C183D7F6-B498-43B3-948B-1728B52AA6E4}">
+                <adec:decorative xmlns:adec="http://schemas.microsoft.com/office/drawing/2017/decorative" val="1"/>
+              </a:ext>
+            </a:extLst>
+          </p:cNvPr>
+          <p:cNvSpPr>
+            <a:spLocks noGrp="1" noRot="1" noChangeAspect="1" noMove="1" noResize="1" noEditPoints="1" noAdjustHandles="1" noChangeArrowheads="1" noChangeShapeType="1" noTextEdit="1"/>
+          </p:cNvSpPr>
+          <p:nvPr>
+            <p:extLst>
+              <p:ext uri="{386F3935-93C4-4BCD-93E2-E3B085C9AB24}">
+                <p16:designElem xmlns:p16="http://schemas.microsoft.com/office/powerpoint/2015/main" val="1"/>
+              </p:ext>
+            </p:extLst>
+          </p:nvPr>
+        </p:nvSpPr>
+        <p:spPr>
+          <a:xfrm>
+            <a:off x="0" y="0"/>
+            <a:ext cx="12188952" cy="6858000"/>
+          </a:xfrm>
+          <a:prstGeom prst="rect">
+            <a:avLst/>
+          </a:prstGeom>
+          <a:ln>
+            <a:noFill/>
+          </a:ln>
+        </p:spPr>
+        <p:style>
+          <a:lnRef idx="2">
+            <a:schemeClr val="accent1">
+              <a:shade val="50000"/>
+            </a:schemeClr>
+          </a:lnRef>
+          <a:fillRef idx="1">
+            <a:schemeClr val="accent1"/>
+          </a:fillRef>
+          <a:effectRef idx="0">
+            <a:schemeClr val="accent1"/>
+          </a:effectRef>
+          <a:fontRef idx="minor">
+            <a:schemeClr val="lt1"/>
+          </a:fontRef>
+        </p:style>
+        <p:txBody>
+          <a:bodyPr rtlCol="0" anchor="ctr"/>
+          <a:lstStyle/>
+          <a:p>
+            <a:pPr algn="ctr"/>
+            <a:endParaRPr lang="en-US"/>
+          </a:p>
+        </p:txBody>
+      </p:sp>
       <p:sp>
         <p:nvSpPr>
           <p:cNvPr id="2" name="Title 1">
             <a:extLst>
               <a:ext uri="{FF2B5EF4-FFF2-40B4-BE49-F238E27FC236}">
-                <a16:creationId xmlns:a16="http://schemas.microsoft.com/office/drawing/2014/main" id="{7F700AF5-ADEC-6882-5240-5A510976DA72}"/>
+                <a16:creationId xmlns:a16="http://schemas.microsoft.com/office/drawing/2014/main" id="{7DBF3DBB-C8D9-A144-861E-F32E86B9931A}"/>
               </a:ext>
             </a:extLst>
           </p:cNvPr>
@@ -9553,12 +10141,25 @@
             <p:ph type="title"/>
           </p:nvPr>
         </p:nvSpPr>
-        <p:spPr/>
-        <p:txBody>
-          <a:bodyPr/>
+        <p:spPr>
+          <a:xfrm>
+            <a:off x="971368" y="371719"/>
+            <a:ext cx="6125964" cy="1906863"/>
+          </a:xfrm>
+        </p:spPr>
+        <p:txBody>
+          <a:bodyPr anchor="b">
+            <a:normAutofit/>
+          </a:bodyPr>
           <a:lstStyle/>
           <a:p>
-            <a:endParaRPr lang="en-US"/>
+            <a:r>
+              <a:rPr lang="en-US" sz="4000" b="1" i="0" u="none" strike="noStrike" baseline="0" dirty="0">
+                <a:latin typeface="+mj-lt"/>
+              </a:rPr>
+              <a:t>3. Retinal legibility</a:t>
+            </a:r>
+            <a:endParaRPr lang="en-US" sz="4000" dirty="0"/>
           </a:p>
         </p:txBody>
       </p:sp>
@@ -9567,7 +10168,7 @@
           <p:cNvPr id="3" name="Content Placeholder 2">
             <a:extLst>
               <a:ext uri="{FF2B5EF4-FFF2-40B4-BE49-F238E27FC236}">
-                <a16:creationId xmlns:a16="http://schemas.microsoft.com/office/drawing/2014/main" id="{EC69B813-AE70-381C-5D97-6E3C0414615C}"/>
+                <a16:creationId xmlns:a16="http://schemas.microsoft.com/office/drawing/2014/main" id="{865B8CB8-73B6-6D87-BFF0-7EEF18FDC59D}"/>
               </a:ext>
             </a:extLst>
           </p:cNvPr>
@@ -9578,19 +10179,1251 @@
             <p:ph idx="1"/>
           </p:nvPr>
         </p:nvSpPr>
-        <p:spPr/>
-        <p:txBody>
-          <a:bodyPr/>
+        <p:spPr>
+          <a:xfrm>
+            <a:off x="971368" y="2711395"/>
+            <a:ext cx="3989515" cy="1534784"/>
+          </a:xfrm>
+        </p:spPr>
+        <p:txBody>
+          <a:bodyPr>
+            <a:normAutofit/>
+          </a:bodyPr>
           <a:lstStyle/>
           <a:p>
-            <a:endParaRPr lang="en-US"/>
+            <a:pPr marL="342900" indent="-342900">
+              <a:buAutoNum type="arabicParenR"/>
+            </a:pPr>
+            <a:r>
+              <a:rPr lang="en-US" sz="2000" b="0" i="0" u="none" strike="noStrike" baseline="0" dirty="0">
+                <a:latin typeface="+mj-lt"/>
+              </a:rPr>
+              <a:t>to have a total amount of “black”</a:t>
+            </a:r>
+          </a:p>
+          <a:p>
+            <a:pPr marL="0" indent="0">
+              <a:buNone/>
+            </a:pPr>
+            <a:r>
+              <a:rPr lang="en-US" sz="2000" b="0" i="0" u="none" strike="noStrike" baseline="0" dirty="0">
+                <a:latin typeface="+mj-lt"/>
+              </a:rPr>
+              <a:t>2)  to obtain the greatest amount of differentiation</a:t>
+            </a:r>
+            <a:endParaRPr lang="en-US" sz="2000" dirty="0">
+              <a:latin typeface="+mj-lt"/>
+            </a:endParaRPr>
+          </a:p>
+        </p:txBody>
+      </p:sp>
+      <p:pic>
+        <p:nvPicPr>
+          <p:cNvPr id="7" name="Picture 6">
+            <a:extLst>
+              <a:ext uri="{FF2B5EF4-FFF2-40B4-BE49-F238E27FC236}">
+                <a16:creationId xmlns:a16="http://schemas.microsoft.com/office/drawing/2014/main" id="{154B911B-F0E3-506C-F74B-4E0137279E6E}"/>
+              </a:ext>
+            </a:extLst>
+          </p:cNvPr>
+          <p:cNvPicPr>
+            <a:picLocks noChangeAspect="1"/>
+          </p:cNvPicPr>
+          <p:nvPr/>
+        </p:nvPicPr>
+        <p:blipFill rotWithShape="1">
+          <a:blip r:embed="rId3"/>
+          <a:srcRect l="6090" r="6602" b="4"/>
+          <a:stretch/>
+        </p:blipFill>
+        <p:spPr>
+          <a:xfrm>
+            <a:off x="7932706" y="3502789"/>
+            <a:ext cx="3747932" cy="3176541"/>
+          </a:xfrm>
+          <a:custGeom>
+            <a:avLst/>
+            <a:gdLst/>
+            <a:ahLst/>
+            <a:cxnLst/>
+            <a:rect l="l" t="t" r="r" b="b"/>
+            <a:pathLst>
+              <a:path w="3747932" h="3176541">
+                <a:moveTo>
+                  <a:pt x="3239865" y="21"/>
+                </a:moveTo>
+                <a:cubicBezTo>
+                  <a:pt x="3261821" y="112"/>
+                  <a:pt x="3278837" y="498"/>
+                  <a:pt x="3290337" y="938"/>
+                </a:cubicBezTo>
+                <a:cubicBezTo>
+                  <a:pt x="3401766" y="5376"/>
+                  <a:pt x="3510165" y="23128"/>
+                  <a:pt x="3616543" y="49449"/>
+                </a:cubicBezTo>
+                <a:lnTo>
+                  <a:pt x="3747932" y="87091"/>
+                </a:lnTo>
+                <a:lnTo>
+                  <a:pt x="3747932" y="3176541"/>
+                </a:lnTo>
+                <a:lnTo>
+                  <a:pt x="401358" y="3176541"/>
+                </a:lnTo>
+                <a:lnTo>
+                  <a:pt x="398780" y="3136258"/>
+                </a:lnTo>
+                <a:cubicBezTo>
+                  <a:pt x="400956" y="3079023"/>
+                  <a:pt x="437945" y="3052703"/>
+                  <a:pt x="483325" y="3030665"/>
+                </a:cubicBezTo>
+                <a:cubicBezTo>
+                  <a:pt x="498866" y="3023015"/>
+                  <a:pt x="520932" y="3023320"/>
+                  <a:pt x="526840" y="2999447"/>
+                </a:cubicBezTo>
+                <a:cubicBezTo>
+                  <a:pt x="501352" y="2976798"/>
+                  <a:pt x="470270" y="2995161"/>
+                  <a:pt x="442916" y="2988735"/>
+                </a:cubicBezTo>
+                <a:cubicBezTo>
+                  <a:pt x="420228" y="2983533"/>
+                  <a:pt x="382618" y="2986286"/>
+                  <a:pt x="413701" y="2944662"/>
+                </a:cubicBezTo>
+                <a:cubicBezTo>
+                  <a:pt x="422716" y="2932726"/>
+                  <a:pt x="412147" y="2923542"/>
+                  <a:pt x="400645" y="2922625"/>
+                </a:cubicBezTo>
+                <a:cubicBezTo>
+                  <a:pt x="308644" y="2913137"/>
+                  <a:pt x="350915" y="2828968"/>
+                  <a:pt x="321386" y="2784590"/>
+                </a:cubicBezTo>
+                <a:cubicBezTo>
+                  <a:pt x="313307" y="2772348"/>
+                  <a:pt x="322010" y="2751230"/>
+                  <a:pt x="334753" y="2746027"/>
+                </a:cubicBezTo>
+                <a:cubicBezTo>
+                  <a:pt x="416187" y="2711746"/>
+                  <a:pt x="427377" y="2630027"/>
+                  <a:pt x="466852" y="2559632"/>
+                </a:cubicBezTo>
+                <a:cubicBezTo>
+                  <a:pt x="423957" y="2531782"/>
+                  <a:pt x="372673" y="2525661"/>
+                  <a:pt x="326361" y="2507602"/>
+                </a:cubicBezTo>
+                <a:cubicBezTo>
+                  <a:pt x="278183" y="2488626"/>
+                  <a:pt x="278183" y="2474547"/>
+                  <a:pt x="317968" y="2419457"/>
+                </a:cubicBezTo>
+                <a:cubicBezTo>
+                  <a:pt x="214465" y="2407519"/>
+                  <a:pt x="214465" y="2407519"/>
+                  <a:pt x="246479" y="2320903"/>
+                </a:cubicBezTo>
+                <a:cubicBezTo>
+                  <a:pt x="159758" y="2312945"/>
+                  <a:pt x="102570" y="2271933"/>
+                  <a:pt x="89205" y="2182255"/>
+                </a:cubicBezTo>
+                <a:cubicBezTo>
+                  <a:pt x="82677" y="2138795"/>
+                  <a:pt x="43514" y="2118290"/>
+                  <a:pt x="0" y="2089213"/>
+                </a:cubicBezTo>
+                <a:cubicBezTo>
+                  <a:pt x="54081" y="2061053"/>
+                  <a:pt x="90759" y="2002290"/>
+                  <a:pt x="153855" y="2064423"/>
+                </a:cubicBezTo>
+                <a:cubicBezTo>
+                  <a:pt x="176855" y="2087070"/>
+                  <a:pt x="174683" y="2058300"/>
+                  <a:pt x="177788" y="2050037"/>
+                </a:cubicBezTo>
+                <a:cubicBezTo>
+                  <a:pt x="185247" y="2029838"/>
+                  <a:pt x="169707" y="2016369"/>
+                  <a:pt x="159450" y="2001067"/>
+                </a:cubicBezTo>
+                <a:cubicBezTo>
+                  <a:pt x="149504" y="1985763"/>
+                  <a:pt x="137691" y="1969543"/>
+                  <a:pt x="134895" y="1952400"/>
+                </a:cubicBezTo>
+                <a:cubicBezTo>
+                  <a:pt x="133031" y="1940465"/>
+                  <a:pt x="142044" y="1923021"/>
+                  <a:pt x="151990" y="1914144"/>
+                </a:cubicBezTo>
+                <a:cubicBezTo>
+                  <a:pt x="204209" y="1867316"/>
+                  <a:pt x="173127" y="1762030"/>
+                  <a:pt x="271969" y="1748562"/>
+                </a:cubicBezTo>
+                <a:cubicBezTo>
+                  <a:pt x="316415" y="1742443"/>
+                  <a:pt x="337860" y="1703878"/>
+                  <a:pt x="370497" y="1682760"/>
+                </a:cubicBezTo>
+                <a:cubicBezTo>
+                  <a:pt x="483946" y="1608999"/>
+                  <a:pt x="559787" y="1514119"/>
+                  <a:pt x="594908" y="1383735"/>
+                </a:cubicBezTo>
+                <a:cubicBezTo>
+                  <a:pt x="604543" y="1347620"/>
+                  <a:pt x="641532" y="1318542"/>
+                  <a:pt x="665465" y="1286713"/>
+                </a:cubicBezTo>
+                <a:cubicBezTo>
+                  <a:pt x="653963" y="1263452"/>
+                  <a:pt x="591178" y="1313647"/>
+                  <a:pt x="613246" y="1252435"/>
+                </a:cubicBezTo>
+                <a:cubicBezTo>
+                  <a:pt x="630030" y="1206524"/>
+                  <a:pt x="672925" y="1178060"/>
+                  <a:pt x="713332" y="1150820"/>
+                </a:cubicBezTo>
+                <a:cubicBezTo>
+                  <a:pt x="759333" y="1119908"/>
+                  <a:pt x="810307" y="1095117"/>
+                  <a:pt x="831133" y="1037883"/>
+                </a:cubicBezTo>
+                <a:cubicBezTo>
+                  <a:pt x="835485" y="1025640"/>
+                  <a:pt x="849470" y="1012785"/>
+                  <a:pt x="861903" y="1007887"/>
+                </a:cubicBezTo>
+                <a:cubicBezTo>
+                  <a:pt x="1469751" y="63584"/>
+                  <a:pt x="2910527" y="-1353"/>
+                  <a:pt x="3239865" y="21"/>
+                </a:cubicBezTo>
+                <a:close/>
+              </a:path>
+            </a:pathLst>
+          </a:custGeom>
+        </p:spPr>
+      </p:pic>
+      <p:pic>
+        <p:nvPicPr>
+          <p:cNvPr id="5" name="Picture 4">
+            <a:extLst>
+              <a:ext uri="{FF2B5EF4-FFF2-40B4-BE49-F238E27FC236}">
+                <a16:creationId xmlns:a16="http://schemas.microsoft.com/office/drawing/2014/main" id="{9E726B8C-425A-5E27-5686-4E0E983017D5}"/>
+              </a:ext>
+            </a:extLst>
+          </p:cNvPr>
+          <p:cNvPicPr>
+            <a:picLocks noChangeAspect="1"/>
+          </p:cNvPicPr>
+          <p:nvPr/>
+        </p:nvPicPr>
+        <p:blipFill rotWithShape="1">
+          <a:blip r:embed="rId4"/>
+          <a:srcRect l="2983" r="13947"/>
+          <a:stretch/>
+        </p:blipFill>
+        <p:spPr>
+          <a:xfrm>
+            <a:off x="5329959" y="2505266"/>
+            <a:ext cx="3458367" cy="3476265"/>
+          </a:xfrm>
+          <a:custGeom>
+            <a:avLst/>
+            <a:gdLst/>
+            <a:ahLst/>
+            <a:cxnLst/>
+            <a:rect l="l" t="t" r="r" b="b"/>
+            <a:pathLst>
+              <a:path w="3458367" h="3476265">
+                <a:moveTo>
+                  <a:pt x="549716" y="15"/>
+                </a:moveTo>
+                <a:cubicBezTo>
+                  <a:pt x="557611" y="271"/>
+                  <a:pt x="565778" y="3856"/>
+                  <a:pt x="573176" y="4995"/>
+                </a:cubicBezTo>
+                <a:cubicBezTo>
+                  <a:pt x="736504" y="30493"/>
+                  <a:pt x="899830" y="58040"/>
+                  <a:pt x="1063336" y="82398"/>
+                </a:cubicBezTo>
+                <a:cubicBezTo>
+                  <a:pt x="1216195" y="105163"/>
+                  <a:pt x="1370136" y="110398"/>
+                  <a:pt x="1523717" y="122237"/>
+                </a:cubicBezTo>
+                <a:cubicBezTo>
+                  <a:pt x="1709602" y="136580"/>
+                  <a:pt x="1895127" y="156841"/>
+                  <a:pt x="2079929" y="188711"/>
+                </a:cubicBezTo>
+                <a:cubicBezTo>
+                  <a:pt x="2208244" y="211023"/>
+                  <a:pt x="2337823" y="226502"/>
+                  <a:pt x="2467943" y="208745"/>
+                </a:cubicBezTo>
+                <a:cubicBezTo>
+                  <a:pt x="2474439" y="207834"/>
+                  <a:pt x="2481839" y="204876"/>
+                  <a:pt x="2487253" y="207834"/>
+                </a:cubicBezTo>
+                <a:cubicBezTo>
+                  <a:pt x="2550419" y="241073"/>
+                  <a:pt x="2619357" y="217168"/>
+                  <a:pt x="2684869" y="238113"/>
+                </a:cubicBezTo>
+                <a:cubicBezTo>
+                  <a:pt x="2668085" y="318930"/>
+                  <a:pt x="2596077" y="312327"/>
+                  <a:pt x="2555471" y="368331"/>
+                </a:cubicBezTo>
+                <a:cubicBezTo>
+                  <a:pt x="2621704" y="390639"/>
+                  <a:pt x="2681259" y="413178"/>
+                  <a:pt x="2741717" y="430023"/>
+                </a:cubicBezTo>
+                <a:cubicBezTo>
+                  <a:pt x="2805785" y="447780"/>
+                  <a:pt x="2860106" y="495816"/>
+                  <a:pt x="2922728" y="517216"/>
+                </a:cubicBezTo>
+                <a:cubicBezTo>
+                  <a:pt x="2936085" y="521769"/>
+                  <a:pt x="2952146" y="537704"/>
+                  <a:pt x="2956838" y="553184"/>
+                </a:cubicBezTo>
+                <a:cubicBezTo>
+                  <a:pt x="2971997" y="603269"/>
+                  <a:pt x="3274647" y="743732"/>
+                  <a:pt x="3238914" y="788350"/>
+                </a:cubicBezTo>
+                <a:cubicBezTo>
+                  <a:pt x="3224116" y="806791"/>
+                  <a:pt x="3204986" y="819994"/>
+                  <a:pt x="3184953" y="838207"/>
+                </a:cubicBezTo>
+                <a:cubicBezTo>
+                  <a:pt x="3215093" y="872582"/>
+                  <a:pt x="3249020" y="887608"/>
+                  <a:pt x="3285115" y="897852"/>
+                </a:cubicBezTo>
+                <a:cubicBezTo>
+                  <a:pt x="3295944" y="901039"/>
+                  <a:pt x="3306591" y="907413"/>
+                  <a:pt x="3307674" y="922894"/>
+                </a:cubicBezTo>
+                <a:cubicBezTo>
+                  <a:pt x="3308757" y="939056"/>
+                  <a:pt x="3297748" y="945429"/>
+                  <a:pt x="3288544" y="952944"/>
+                </a:cubicBezTo>
+                <a:cubicBezTo>
+                  <a:pt x="3275731" y="963415"/>
+                  <a:pt x="3263278" y="972523"/>
+                  <a:pt x="3247036" y="973888"/>
+                </a:cubicBezTo>
+                <a:cubicBezTo>
+                  <a:pt x="3220325" y="975937"/>
+                  <a:pt x="3207513" y="1005076"/>
+                  <a:pt x="3191993" y="1026930"/>
+                </a:cubicBezTo>
+                <a:cubicBezTo>
+                  <a:pt x="3183330" y="1039224"/>
+                  <a:pt x="3178998" y="1064037"/>
+                  <a:pt x="3194157" y="1068363"/>
+                </a:cubicBezTo>
+                <a:cubicBezTo>
+                  <a:pt x="3230613" y="1078837"/>
+                  <a:pt x="3227725" y="1109114"/>
+                  <a:pt x="3226824" y="1143489"/>
+                </a:cubicBezTo>
+                <a:cubicBezTo>
+                  <a:pt x="3225560" y="1186061"/>
+                  <a:pt x="3204083" y="1205638"/>
+                  <a:pt x="3177734" y="1222030"/>
+                </a:cubicBezTo>
+                <a:cubicBezTo>
+                  <a:pt x="3168711" y="1227720"/>
+                  <a:pt x="3155898" y="1227493"/>
+                  <a:pt x="3152469" y="1245250"/>
+                </a:cubicBezTo>
+                <a:cubicBezTo>
+                  <a:pt x="3167267" y="1262097"/>
+                  <a:pt x="3185314" y="1248439"/>
+                  <a:pt x="3201197" y="1253218"/>
+                </a:cubicBezTo>
+                <a:cubicBezTo>
+                  <a:pt x="3214370" y="1257088"/>
+                  <a:pt x="3236208" y="1255040"/>
+                  <a:pt x="3218160" y="1286000"/>
+                </a:cubicBezTo>
+                <a:cubicBezTo>
+                  <a:pt x="3212926" y="1294878"/>
+                  <a:pt x="3219062" y="1301709"/>
+                  <a:pt x="3225741" y="1302392"/>
+                </a:cubicBezTo>
+                <a:cubicBezTo>
+                  <a:pt x="3279159" y="1309449"/>
+                  <a:pt x="3254615" y="1372054"/>
+                  <a:pt x="3271761" y="1405063"/>
+                </a:cubicBezTo>
+                <a:cubicBezTo>
+                  <a:pt x="3276452" y="1414169"/>
+                  <a:pt x="3271399" y="1429877"/>
+                  <a:pt x="3263999" y="1433747"/>
+                </a:cubicBezTo>
+                <a:cubicBezTo>
+                  <a:pt x="3216716" y="1459245"/>
+                  <a:pt x="3210220" y="1520028"/>
+                  <a:pt x="3187299" y="1572389"/>
+                </a:cubicBezTo>
+                <a:cubicBezTo>
+                  <a:pt x="3212205" y="1593104"/>
+                  <a:pt x="3241982" y="1597657"/>
+                  <a:pt x="3268872" y="1611089"/>
+                </a:cubicBezTo>
+                <a:cubicBezTo>
+                  <a:pt x="3296846" y="1625204"/>
+                  <a:pt x="3296846" y="1635676"/>
+                  <a:pt x="3273746" y="1676653"/>
+                </a:cubicBezTo>
+                <a:cubicBezTo>
+                  <a:pt x="3333842" y="1685532"/>
+                  <a:pt x="3333842" y="1685532"/>
+                  <a:pt x="3315254" y="1749957"/>
+                </a:cubicBezTo>
+                <a:cubicBezTo>
+                  <a:pt x="3365607" y="1755877"/>
+                  <a:pt x="3398812" y="1786382"/>
+                  <a:pt x="3406572" y="1853085"/>
+                </a:cubicBezTo>
+                <a:cubicBezTo>
+                  <a:pt x="3410362" y="1885411"/>
+                  <a:pt x="3433101" y="1900663"/>
+                  <a:pt x="3458367" y="1922291"/>
+                </a:cubicBezTo>
+                <a:cubicBezTo>
+                  <a:pt x="3426966" y="1943236"/>
+                  <a:pt x="3405669" y="1986945"/>
+                  <a:pt x="3369034" y="1940730"/>
+                </a:cubicBezTo>
+                <a:cubicBezTo>
+                  <a:pt x="3355680" y="1923885"/>
+                  <a:pt x="3356941" y="1945284"/>
+                  <a:pt x="3355138" y="1951430"/>
+                </a:cubicBezTo>
+                <a:cubicBezTo>
+                  <a:pt x="3350807" y="1966455"/>
+                  <a:pt x="3359830" y="1976472"/>
+                  <a:pt x="3365786" y="1987854"/>
+                </a:cubicBezTo>
+                <a:cubicBezTo>
+                  <a:pt x="3371561" y="1999237"/>
+                  <a:pt x="3378420" y="2011302"/>
+                  <a:pt x="3380043" y="2024054"/>
+                </a:cubicBezTo>
+                <a:cubicBezTo>
+                  <a:pt x="3381125" y="2032931"/>
+                  <a:pt x="3375892" y="2045905"/>
+                  <a:pt x="3370117" y="2052509"/>
+                </a:cubicBezTo>
+                <a:cubicBezTo>
+                  <a:pt x="3339797" y="2087340"/>
+                  <a:pt x="3357844" y="2165652"/>
+                  <a:pt x="3300454" y="2175670"/>
+                </a:cubicBezTo>
+                <a:cubicBezTo>
+                  <a:pt x="3274647" y="2180221"/>
+                  <a:pt x="3262195" y="2208906"/>
+                  <a:pt x="3243246" y="2224614"/>
+                </a:cubicBezTo>
+                <a:cubicBezTo>
+                  <a:pt x="3177374" y="2279478"/>
+                  <a:pt x="3133338" y="2350051"/>
+                  <a:pt x="3112946" y="2447031"/>
+                </a:cubicBezTo>
+                <a:cubicBezTo>
+                  <a:pt x="3107352" y="2473894"/>
+                  <a:pt x="3085875" y="2495522"/>
+                  <a:pt x="3071979" y="2519197"/>
+                </a:cubicBezTo>
+                <a:cubicBezTo>
+                  <a:pt x="3078657" y="2536499"/>
+                  <a:pt x="3115112" y="2499164"/>
+                  <a:pt x="3102298" y="2544694"/>
+                </a:cubicBezTo>
+                <a:cubicBezTo>
+                  <a:pt x="3092553" y="2578843"/>
+                  <a:pt x="3067647" y="2600014"/>
+                  <a:pt x="3044185" y="2620276"/>
+                </a:cubicBezTo>
+                <a:cubicBezTo>
+                  <a:pt x="3017476" y="2643268"/>
+                  <a:pt x="2987879" y="2661708"/>
+                  <a:pt x="2975787" y="2704279"/>
+                </a:cubicBezTo>
+                <a:cubicBezTo>
+                  <a:pt x="2973260" y="2713386"/>
+                  <a:pt x="2965140" y="2722947"/>
+                  <a:pt x="2957921" y="2726591"/>
+                </a:cubicBezTo>
+                <a:cubicBezTo>
+                  <a:pt x="2581458" y="3475797"/>
+                  <a:pt x="1654740" y="3480805"/>
+                  <a:pt x="1547901" y="3475568"/>
+                </a:cubicBezTo>
+                <a:cubicBezTo>
+                  <a:pt x="1418503" y="3468966"/>
+                  <a:pt x="1296143" y="3422753"/>
+                  <a:pt x="1176132" y="3365156"/>
+                </a:cubicBezTo>
+                <a:cubicBezTo>
+                  <a:pt x="1125418" y="3340797"/>
+                  <a:pt x="1078316" y="3306195"/>
+                  <a:pt x="1029045" y="3279332"/>
+                </a:cubicBezTo>
+                <a:cubicBezTo>
+                  <a:pt x="961009" y="3242223"/>
+                  <a:pt x="908492" y="3171424"/>
+                  <a:pt x="840634" y="3141601"/>
+                </a:cubicBezTo>
+                <a:cubicBezTo>
+                  <a:pt x="770793" y="3110867"/>
+                  <a:pt x="711057" y="3054638"/>
+                  <a:pt x="639229" y="3030734"/>
+                </a:cubicBezTo>
+                <a:cubicBezTo>
+                  <a:pt x="601330" y="3017985"/>
+                  <a:pt x="564695" y="2994993"/>
+                  <a:pt x="570649" y="2929200"/>
+                </a:cubicBezTo>
+                <a:cubicBezTo>
+                  <a:pt x="572274" y="2910532"/>
+                  <a:pt x="562349" y="2895282"/>
+                  <a:pt x="546647" y="2900745"/>
+                </a:cubicBezTo>
+                <a:cubicBezTo>
+                  <a:pt x="516690" y="2910989"/>
+                  <a:pt x="503154" y="2883898"/>
+                  <a:pt x="486550" y="2863636"/>
+                </a:cubicBezTo>
+                <a:cubicBezTo>
+                  <a:pt x="456953" y="2827667"/>
+                  <a:pt x="428801" y="2789422"/>
+                  <a:pt x="381697" y="2783503"/>
+                </a:cubicBezTo>
+                <a:cubicBezTo>
+                  <a:pt x="390720" y="2755272"/>
+                  <a:pt x="406060" y="2759371"/>
+                  <a:pt x="420137" y="2765290"/>
+                </a:cubicBezTo>
+                <a:cubicBezTo>
+                  <a:pt x="457133" y="2780772"/>
+                  <a:pt x="493769" y="2798300"/>
+                  <a:pt x="530765" y="2813781"/>
+                </a:cubicBezTo>
+                <a:cubicBezTo>
+                  <a:pt x="554948" y="2823799"/>
+                  <a:pt x="578952" y="2837912"/>
+                  <a:pt x="611257" y="2826755"/>
+                </a:cubicBezTo>
+                <a:cubicBezTo>
+                  <a:pt x="583463" y="2769843"/>
+                  <a:pt x="536180" y="2759598"/>
+                  <a:pt x="497920" y="2742071"/>
+                </a:cubicBezTo>
+                <a:cubicBezTo>
+                  <a:pt x="450096" y="2719988"/>
+                  <a:pt x="421942" y="2678326"/>
+                  <a:pt x="388193" y="2631885"/>
+                </a:cubicBezTo>
+                <a:cubicBezTo>
+                  <a:pt x="423386" y="2620730"/>
+                  <a:pt x="445223" y="2654879"/>
+                  <a:pt x="472834" y="2653056"/>
+                </a:cubicBezTo>
+                <a:cubicBezTo>
+                  <a:pt x="474279" y="2647140"/>
+                  <a:pt x="476804" y="2638488"/>
+                  <a:pt x="476444" y="2638259"/>
+                </a:cubicBezTo>
+                <a:cubicBezTo>
+                  <a:pt x="431326" y="2612763"/>
+                  <a:pt x="410211" y="2564956"/>
+                  <a:pt x="403173" y="2507131"/>
+                </a:cubicBezTo>
+                <a:cubicBezTo>
+                  <a:pt x="399563" y="2477310"/>
+                  <a:pt x="383140" y="2467976"/>
+                  <a:pt x="366897" y="2454316"/>
+                </a:cubicBezTo>
+                <a:cubicBezTo>
+                  <a:pt x="310230" y="2405826"/>
+                  <a:pt x="250314" y="2361890"/>
+                  <a:pt x="203752" y="2295188"/>
+                </a:cubicBezTo>
+                <a:cubicBezTo>
+                  <a:pt x="257532" y="2304066"/>
+                  <a:pt x="300665" y="2347547"/>
+                  <a:pt x="358597" y="2366215"/>
+                </a:cubicBezTo>
+                <a:cubicBezTo>
+                  <a:pt x="312577" y="2292910"/>
+                  <a:pt x="253020" y="2255803"/>
+                  <a:pt x="198698" y="2211409"/>
+                </a:cubicBezTo>
+                <a:cubicBezTo>
+                  <a:pt x="173974" y="2191149"/>
+                  <a:pt x="151055" y="2165197"/>
+                  <a:pt x="121097" y="2154269"/>
+                </a:cubicBezTo>
+                <a:cubicBezTo>
+                  <a:pt x="110448" y="2150400"/>
+                  <a:pt x="92943" y="2142204"/>
+                  <a:pt x="101425" y="2120577"/>
+                </a:cubicBezTo>
+                <a:cubicBezTo>
+                  <a:pt x="108643" y="2102593"/>
+                  <a:pt x="122900" y="2108055"/>
+                  <a:pt x="135895" y="2113292"/>
+                </a:cubicBezTo>
+                <a:cubicBezTo>
+                  <a:pt x="167116" y="2126269"/>
+                  <a:pt x="199421" y="2126495"/>
+                  <a:pt x="241652" y="2126269"/>
+                </a:cubicBezTo>
+                <a:cubicBezTo>
+                  <a:pt x="206279" y="2066851"/>
+                  <a:pt x="141489" y="2084608"/>
+                  <a:pt x="111170" y="2022231"/>
+                </a:cubicBezTo>
+                <a:cubicBezTo>
+                  <a:pt x="149069" y="2011302"/>
+                  <a:pt x="178305" y="2033841"/>
+                  <a:pt x="208987" y="2038166"/>
+                </a:cubicBezTo>
+                <a:cubicBezTo>
+                  <a:pt x="236777" y="2042036"/>
+                  <a:pt x="243636" y="2031565"/>
+                  <a:pt x="237139" y="1997188"/>
+                </a:cubicBezTo>
+                <a:cubicBezTo>
+                  <a:pt x="227034" y="1943690"/>
+                  <a:pt x="242193" y="1916371"/>
+                  <a:pt x="282618" y="1930941"/>
+                </a:cubicBezTo>
+                <a:cubicBezTo>
+                  <a:pt x="320155" y="1944601"/>
+                  <a:pt x="324125" y="1924568"/>
+                  <a:pt x="314019" y="1894062"/>
+                </a:cubicBezTo>
+                <a:cubicBezTo>
+                  <a:pt x="299582" y="1849671"/>
+                  <a:pt x="316004" y="1815295"/>
+                  <a:pt x="327194" y="1777960"/>
+                </a:cubicBezTo>
+                <a:cubicBezTo>
+                  <a:pt x="344339" y="1721045"/>
+                  <a:pt x="337121" y="1693272"/>
+                  <a:pt x="300123" y="1650929"/>
+                </a:cubicBezTo>
+                <a:cubicBezTo>
+                  <a:pt x="279370" y="1627251"/>
+                  <a:pt x="256992" y="1607219"/>
+                  <a:pt x="226852" y="1586731"/>
+                </a:cubicBezTo>
+                <a:cubicBezTo>
+                  <a:pt x="296334" y="1575576"/>
+                  <a:pt x="223423" y="1538013"/>
+                  <a:pt x="247968" y="1514564"/>
+                </a:cubicBezTo>
+                <a:cubicBezTo>
+                  <a:pt x="297056" y="1505003"/>
+                  <a:pt x="337121" y="1579673"/>
+                  <a:pt x="403895" y="1558274"/>
+                </a:cubicBezTo>
+                <a:cubicBezTo>
+                  <a:pt x="321420" y="1493619"/>
+                  <a:pt x="230281" y="1472448"/>
+                  <a:pt x="170546" y="1386396"/>
+                </a:cubicBezTo>
+                <a:cubicBezTo>
+                  <a:pt x="184261" y="1366817"/>
+                  <a:pt x="197977" y="1385030"/>
+                  <a:pt x="209707" y="1377746"/>
+                </a:cubicBezTo>
+                <a:cubicBezTo>
+                  <a:pt x="209346" y="1373192"/>
+                  <a:pt x="210250" y="1366362"/>
+                  <a:pt x="208083" y="1364314"/>
+                </a:cubicBezTo>
+                <a:cubicBezTo>
+                  <a:pt x="163508" y="1317416"/>
+                  <a:pt x="162784" y="1316279"/>
+                  <a:pt x="210610" y="1281675"/>
+                </a:cubicBezTo>
+                <a:cubicBezTo>
+                  <a:pt x="227394" y="1269609"/>
+                  <a:pt x="225950" y="1258909"/>
+                  <a:pt x="217108" y="1243657"/>
+                </a:cubicBezTo>
+                <a:cubicBezTo>
+                  <a:pt x="210790" y="1232957"/>
+                  <a:pt x="203211" y="1223395"/>
+                  <a:pt x="206820" y="1199947"/>
+                </a:cubicBezTo>
+                <a:cubicBezTo>
+                  <a:pt x="232988" y="1229998"/>
+                  <a:pt x="359499" y="1220208"/>
+                  <a:pt x="381877" y="1217021"/>
+                </a:cubicBezTo>
+                <a:cubicBezTo>
+                  <a:pt x="406963" y="1213607"/>
+                  <a:pt x="431688" y="1199037"/>
+                  <a:pt x="458035" y="1207003"/>
+                </a:cubicBezTo>
+                <a:cubicBezTo>
+                  <a:pt x="479150" y="1213381"/>
+                  <a:pt x="576966" y="1275073"/>
+                  <a:pt x="590863" y="1204273"/>
+                </a:cubicBezTo>
+                <a:cubicBezTo>
+                  <a:pt x="591585" y="1200858"/>
+                  <a:pt x="631107" y="1208826"/>
+                  <a:pt x="652403" y="1212696"/>
+                </a:cubicBezTo>
+                <a:cubicBezTo>
+                  <a:pt x="671172" y="1215883"/>
+                  <a:pt x="692288" y="1229998"/>
+                  <a:pt x="704920" y="1201769"/>
+                </a:cubicBezTo>
+                <a:cubicBezTo>
+                  <a:pt x="712320" y="1185150"/>
+                  <a:pt x="681820" y="1153051"/>
+                  <a:pt x="654569" y="1150320"/>
+                </a:cubicBezTo>
+                <a:cubicBezTo>
+                  <a:pt x="630926" y="1147814"/>
+                  <a:pt x="606202" y="1144172"/>
+                  <a:pt x="583643" y="1151001"/>
+                </a:cubicBezTo>
+                <a:cubicBezTo>
+                  <a:pt x="555852" y="1159198"/>
+                  <a:pt x="540873" y="1145995"/>
+                  <a:pt x="533111" y="1117538"/>
+                </a:cubicBezTo>
+                <a:cubicBezTo>
+                  <a:pt x="524450" y="1086122"/>
+                  <a:pt x="507845" y="1071550"/>
+                  <a:pt x="484926" y="1056980"/>
+                </a:cubicBezTo>
+                <a:cubicBezTo>
+                  <a:pt x="429340" y="1021696"/>
+                  <a:pt x="375921" y="980946"/>
+                  <a:pt x="314922" y="960456"/>
+                </a:cubicBezTo>
+                <a:cubicBezTo>
+                  <a:pt x="302830" y="956358"/>
+                  <a:pt x="289476" y="950894"/>
+                  <a:pt x="283881" y="923805"/>
+                </a:cubicBezTo>
+                <a:cubicBezTo>
+                  <a:pt x="449013" y="964326"/>
+                  <a:pt x="599526" y="1069958"/>
+                  <a:pt x="769890" y="1063811"/>
+                </a:cubicBezTo>
+                <a:cubicBezTo>
+                  <a:pt x="723329" y="1030346"/>
+                  <a:pt x="669369" y="1028524"/>
+                  <a:pt x="619738" y="1005076"/>
+                </a:cubicBezTo>
+                <a:cubicBezTo>
+                  <a:pt x="654930" y="987546"/>
+                  <a:pt x="687956" y="1005759"/>
+                  <a:pt x="721344" y="1015777"/>
+                </a:cubicBezTo>
+                <a:cubicBezTo>
+                  <a:pt x="749317" y="1023970"/>
+                  <a:pt x="774583" y="1025337"/>
+                  <a:pt x="777650" y="976393"/>
+                </a:cubicBezTo>
+                <a:cubicBezTo>
+                  <a:pt x="776566" y="973205"/>
+                  <a:pt x="776747" y="969107"/>
+                  <a:pt x="776929" y="965238"/>
+                </a:cubicBezTo>
+                <a:cubicBezTo>
+                  <a:pt x="767542" y="944976"/>
+                  <a:pt x="752926" y="934504"/>
+                  <a:pt x="735601" y="928584"/>
+                </a:cubicBezTo>
+                <a:cubicBezTo>
+                  <a:pt x="725133" y="924942"/>
+                  <a:pt x="711237" y="919478"/>
+                  <a:pt x="711416" y="904909"/>
+                </a:cubicBezTo>
+                <a:cubicBezTo>
+                  <a:pt x="711958" y="850955"/>
+                  <a:pt x="678571" y="835246"/>
+                  <a:pt x="645185" y="819539"/>
+                </a:cubicBezTo>
+                <a:cubicBezTo>
+                  <a:pt x="663773" y="792676"/>
+                  <a:pt x="678391" y="812481"/>
+                  <a:pt x="692468" y="810433"/>
+                </a:cubicBezTo>
+                <a:cubicBezTo>
+                  <a:pt x="701672" y="809067"/>
+                  <a:pt x="709973" y="806563"/>
+                  <a:pt x="709973" y="792676"/>
+                </a:cubicBezTo>
+                <a:cubicBezTo>
+                  <a:pt x="710154" y="781065"/>
+                  <a:pt x="705822" y="767861"/>
+                  <a:pt x="696799" y="767635"/>
+                </a:cubicBezTo>
+                <a:cubicBezTo>
+                  <a:pt x="640312" y="765585"/>
+                  <a:pt x="609090" y="690914"/>
+                  <a:pt x="550437" y="690687"/>
+                </a:cubicBezTo>
+                <a:cubicBezTo>
+                  <a:pt x="515425" y="690687"/>
+                  <a:pt x="568666" y="648572"/>
+                  <a:pt x="539068" y="631042"/>
+                </a:cubicBezTo>
+                <a:cubicBezTo>
+                  <a:pt x="532570" y="627171"/>
+                  <a:pt x="556032" y="621254"/>
+                  <a:pt x="566500" y="622164"/>
+                </a:cubicBezTo>
+                <a:cubicBezTo>
+                  <a:pt x="576786" y="623074"/>
+                  <a:pt x="585990" y="634229"/>
+                  <a:pt x="598443" y="626261"/>
+                </a:cubicBezTo>
+                <a:cubicBezTo>
+                  <a:pt x="605300" y="597806"/>
+                  <a:pt x="587615" y="587332"/>
+                  <a:pt x="572996" y="579365"/>
+                </a:cubicBezTo>
+                <a:cubicBezTo>
+                  <a:pt x="539247" y="560925"/>
+                  <a:pt x="506402" y="538615"/>
+                  <a:pt x="469405" y="532013"/>
+                </a:cubicBezTo>
+                <a:cubicBezTo>
+                  <a:pt x="456232" y="529737"/>
+                  <a:pt x="488355" y="499231"/>
+                  <a:pt x="494671" y="488532"/>
+                </a:cubicBezTo>
+                <a:cubicBezTo>
+                  <a:pt x="345782" y="376071"/>
+                  <a:pt x="166756" y="381762"/>
+                  <a:pt x="0" y="290928"/>
+                </a:cubicBezTo>
+                <a:cubicBezTo>
+                  <a:pt x="36817" y="273173"/>
+                  <a:pt x="63887" y="286148"/>
+                  <a:pt x="88973" y="288880"/>
+                </a:cubicBezTo>
+                <a:cubicBezTo>
+                  <a:pt x="151595" y="295708"/>
+                  <a:pt x="213498" y="309822"/>
+                  <a:pt x="275940" y="318246"/>
+                </a:cubicBezTo>
+                <a:cubicBezTo>
+                  <a:pt x="306620" y="322344"/>
+                  <a:pt x="335134" y="337824"/>
+                  <a:pt x="369424" y="313239"/>
+                </a:cubicBezTo>
+                <a:cubicBezTo>
+                  <a:pt x="392343" y="296847"/>
+                  <a:pt x="428980" y="314604"/>
+                  <a:pt x="457133" y="329174"/>
+                </a:cubicBezTo>
+                <a:cubicBezTo>
+                  <a:pt x="480414" y="341238"/>
+                  <a:pt x="502612" y="344425"/>
+                  <a:pt x="533474" y="329174"/>
+                </a:cubicBezTo>
+                <a:cubicBezTo>
+                  <a:pt x="505501" y="319841"/>
+                  <a:pt x="484023" y="311645"/>
+                  <a:pt x="462006" y="305953"/>
+                </a:cubicBezTo>
+                <a:cubicBezTo>
+                  <a:pt x="444501" y="301400"/>
+                  <a:pt x="486189" y="282960"/>
+                  <a:pt x="507484" y="285237"/>
+                </a:cubicBezTo>
+                <a:cubicBezTo>
+                  <a:pt x="537263" y="288423"/>
+                  <a:pt x="520479" y="276586"/>
+                  <a:pt x="515425" y="260195"/>
+                </a:cubicBezTo>
+                <a:cubicBezTo>
+                  <a:pt x="510012" y="242665"/>
+                  <a:pt x="526074" y="237203"/>
+                  <a:pt x="536180" y="240844"/>
+                </a:cubicBezTo>
+                <a:cubicBezTo>
+                  <a:pt x="574980" y="255187"/>
+                  <a:pt x="613602" y="229917"/>
+                  <a:pt x="653668" y="250407"/>
+                </a:cubicBezTo>
+                <a:cubicBezTo>
+                  <a:pt x="643561" y="199867"/>
+                  <a:pt x="621723" y="177784"/>
+                  <a:pt x="576064" y="170726"/>
+                </a:cubicBezTo>
+                <a:cubicBezTo>
+                  <a:pt x="558919" y="167996"/>
+                  <a:pt x="541053" y="172093"/>
+                  <a:pt x="526254" y="157522"/>
+                </a:cubicBezTo>
+                <a:cubicBezTo>
+                  <a:pt x="517771" y="149101"/>
+                  <a:pt x="508207" y="139084"/>
+                  <a:pt x="514884" y="123603"/>
+                </a:cubicBezTo>
+                <a:cubicBezTo>
+                  <a:pt x="519577" y="112674"/>
+                  <a:pt x="529684" y="112674"/>
+                  <a:pt x="537985" y="116318"/>
+                </a:cubicBezTo>
+                <a:cubicBezTo>
+                  <a:pt x="575162" y="132483"/>
+                  <a:pt x="613963" y="138400"/>
+                  <a:pt x="652764" y="144320"/>
+                </a:cubicBezTo>
+                <a:cubicBezTo>
+                  <a:pt x="658720" y="145230"/>
+                  <a:pt x="665397" y="148191"/>
+                  <a:pt x="672075" y="133164"/>
+                </a:cubicBezTo>
+                <a:cubicBezTo>
+                  <a:pt x="599526" y="108805"/>
+                  <a:pt x="530585" y="74202"/>
+                  <a:pt x="456051" y="60770"/>
+                </a:cubicBezTo>
+                <a:cubicBezTo>
+                  <a:pt x="457133" y="54397"/>
+                  <a:pt x="458215" y="48022"/>
+                  <a:pt x="459299" y="41649"/>
+                </a:cubicBezTo>
+                <a:cubicBezTo>
+                  <a:pt x="517591" y="50753"/>
+                  <a:pt x="575884" y="59859"/>
+                  <a:pt x="649515" y="71243"/>
+                </a:cubicBezTo>
+                <a:cubicBezTo>
+                  <a:pt x="604218" y="35045"/>
+                  <a:pt x="561446" y="47111"/>
+                  <a:pt x="527879" y="15013"/>
+                </a:cubicBezTo>
+                <a:cubicBezTo>
+                  <a:pt x="534195" y="2833"/>
+                  <a:pt x="541820" y="-241"/>
+                  <a:pt x="549716" y="15"/>
+                </a:cubicBezTo>
+                <a:close/>
+              </a:path>
+            </a:pathLst>
+          </a:custGeom>
+        </p:spPr>
+      </p:pic>
+      <p:pic>
+        <p:nvPicPr>
+          <p:cNvPr id="9" name="Picture 8">
+            <a:extLst>
+              <a:ext uri="{FF2B5EF4-FFF2-40B4-BE49-F238E27FC236}">
+                <a16:creationId xmlns:a16="http://schemas.microsoft.com/office/drawing/2014/main" id="{957D9796-49AC-75D8-BBCA-4A3B47552D6F}"/>
+              </a:ext>
+            </a:extLst>
+          </p:cNvPr>
+          <p:cNvPicPr>
+            <a:picLocks noChangeAspect="1"/>
+          </p:cNvPicPr>
+          <p:nvPr/>
+        </p:nvPicPr>
+        <p:blipFill rotWithShape="1">
+          <a:blip r:embed="rId5"/>
+          <a:srcRect t="300" r="3" b="4371"/>
+          <a:stretch/>
+        </p:blipFill>
+        <p:spPr>
+          <a:xfrm>
+            <a:off x="7621024" y="-5"/>
+            <a:ext cx="4579876" cy="3536502"/>
+          </a:xfrm>
+          <a:custGeom>
+            <a:avLst/>
+            <a:gdLst/>
+            <a:ahLst/>
+            <a:cxnLst/>
+            <a:rect l="l" t="t" r="r" b="b"/>
+            <a:pathLst>
+              <a:path w="4579876" h="3536502">
+                <a:moveTo>
+                  <a:pt x="457312" y="0"/>
+                </a:moveTo>
+                <a:lnTo>
+                  <a:pt x="4579876" y="0"/>
+                </a:lnTo>
+                <a:lnTo>
+                  <a:pt x="4579876" y="3057029"/>
+                </a:lnTo>
+                <a:lnTo>
+                  <a:pt x="4508441" y="3086568"/>
+                </a:lnTo>
+                <a:cubicBezTo>
+                  <a:pt x="4391572" y="3126663"/>
+                  <a:pt x="4301124" y="3221848"/>
+                  <a:pt x="4183947" y="3271738"/>
+                </a:cubicBezTo>
+                <a:cubicBezTo>
+                  <a:pt x="4099090" y="3307854"/>
+                  <a:pt x="4017967" y="3354374"/>
+                  <a:pt x="3930625" y="3387123"/>
+                </a:cubicBezTo>
+                <a:cubicBezTo>
+                  <a:pt x="3723932" y="3464557"/>
+                  <a:pt x="3513195" y="3526689"/>
+                  <a:pt x="3290337" y="3535564"/>
+                </a:cubicBezTo>
+                <a:cubicBezTo>
+                  <a:pt x="3106332" y="3542605"/>
+                  <a:pt x="1510274" y="3535872"/>
+                  <a:pt x="861903" y="2528615"/>
+                </a:cubicBezTo>
+                <a:cubicBezTo>
+                  <a:pt x="849470" y="2523717"/>
+                  <a:pt x="835485" y="2510862"/>
+                  <a:pt x="831133" y="2498619"/>
+                </a:cubicBezTo>
+                <a:cubicBezTo>
+                  <a:pt x="810307" y="2441385"/>
+                  <a:pt x="759333" y="2416594"/>
+                  <a:pt x="713333" y="2385682"/>
+                </a:cubicBezTo>
+                <a:cubicBezTo>
+                  <a:pt x="672925" y="2358442"/>
+                  <a:pt x="630030" y="2329978"/>
+                  <a:pt x="613246" y="2284067"/>
+                </a:cubicBezTo>
+                <a:cubicBezTo>
+                  <a:pt x="591179" y="2222855"/>
+                  <a:pt x="653963" y="2273050"/>
+                  <a:pt x="665465" y="2249789"/>
+                </a:cubicBezTo>
+                <a:cubicBezTo>
+                  <a:pt x="641532" y="2217960"/>
+                  <a:pt x="604543" y="2188882"/>
+                  <a:pt x="594908" y="2152767"/>
+                </a:cubicBezTo>
+                <a:cubicBezTo>
+                  <a:pt x="559787" y="2022383"/>
+                  <a:pt x="483946" y="1927503"/>
+                  <a:pt x="370497" y="1853742"/>
+                </a:cubicBezTo>
+                <a:cubicBezTo>
+                  <a:pt x="337861" y="1832624"/>
+                  <a:pt x="316415" y="1794059"/>
+                  <a:pt x="271969" y="1787940"/>
+                </a:cubicBezTo>
+                <a:cubicBezTo>
+                  <a:pt x="173127" y="1774472"/>
+                  <a:pt x="204209" y="1669186"/>
+                  <a:pt x="151990" y="1622358"/>
+                </a:cubicBezTo>
+                <a:cubicBezTo>
+                  <a:pt x="142044" y="1613481"/>
+                  <a:pt x="133031" y="1596037"/>
+                  <a:pt x="134895" y="1584102"/>
+                </a:cubicBezTo>
+                <a:cubicBezTo>
+                  <a:pt x="137691" y="1566959"/>
+                  <a:pt x="149504" y="1550739"/>
+                  <a:pt x="159450" y="1535435"/>
+                </a:cubicBezTo>
+                <a:cubicBezTo>
+                  <a:pt x="169708" y="1520133"/>
+                  <a:pt x="185247" y="1506664"/>
+                  <a:pt x="177788" y="1486465"/>
+                </a:cubicBezTo>
+                <a:cubicBezTo>
+                  <a:pt x="174683" y="1478202"/>
+                  <a:pt x="176855" y="1449432"/>
+                  <a:pt x="153856" y="1472079"/>
+                </a:cubicBezTo>
+                <a:cubicBezTo>
+                  <a:pt x="90760" y="1534212"/>
+                  <a:pt x="54082" y="1475449"/>
+                  <a:pt x="0" y="1447289"/>
+                </a:cubicBezTo>
+                <a:cubicBezTo>
+                  <a:pt x="43515" y="1418212"/>
+                  <a:pt x="82677" y="1397707"/>
+                  <a:pt x="89205" y="1354247"/>
+                </a:cubicBezTo>
+                <a:cubicBezTo>
+                  <a:pt x="102570" y="1264569"/>
+                  <a:pt x="159758" y="1223557"/>
+                  <a:pt x="246479" y="1215599"/>
+                </a:cubicBezTo>
+                <a:cubicBezTo>
+                  <a:pt x="214465" y="1128983"/>
+                  <a:pt x="214465" y="1128983"/>
+                  <a:pt x="317968" y="1117045"/>
+                </a:cubicBezTo>
+                <a:cubicBezTo>
+                  <a:pt x="278183" y="1061955"/>
+                  <a:pt x="278183" y="1047876"/>
+                  <a:pt x="326362" y="1028900"/>
+                </a:cubicBezTo>
+                <a:cubicBezTo>
+                  <a:pt x="372673" y="1010841"/>
+                  <a:pt x="423957" y="1004720"/>
+                  <a:pt x="466852" y="976870"/>
+                </a:cubicBezTo>
+                <a:cubicBezTo>
+                  <a:pt x="427377" y="906475"/>
+                  <a:pt x="416188" y="824756"/>
+                  <a:pt x="334754" y="790475"/>
+                </a:cubicBezTo>
+                <a:cubicBezTo>
+                  <a:pt x="322010" y="785272"/>
+                  <a:pt x="313307" y="764154"/>
+                  <a:pt x="321386" y="751912"/>
+                </a:cubicBezTo>
+                <a:cubicBezTo>
+                  <a:pt x="350915" y="707534"/>
+                  <a:pt x="308644" y="623365"/>
+                  <a:pt x="400645" y="613877"/>
+                </a:cubicBezTo>
+                <a:cubicBezTo>
+                  <a:pt x="412147" y="612959"/>
+                  <a:pt x="422716" y="603776"/>
+                  <a:pt x="413701" y="591839"/>
+                </a:cubicBezTo>
+                <a:cubicBezTo>
+                  <a:pt x="382618" y="550216"/>
+                  <a:pt x="420228" y="552969"/>
+                  <a:pt x="442917" y="547767"/>
+                </a:cubicBezTo>
+                <a:cubicBezTo>
+                  <a:pt x="470271" y="541341"/>
+                  <a:pt x="501353" y="559703"/>
+                  <a:pt x="526840" y="537055"/>
+                </a:cubicBezTo>
+                <a:cubicBezTo>
+                  <a:pt x="520932" y="513181"/>
+                  <a:pt x="498866" y="513487"/>
+                  <a:pt x="483325" y="505836"/>
+                </a:cubicBezTo>
+                <a:cubicBezTo>
+                  <a:pt x="437946" y="483799"/>
+                  <a:pt x="400956" y="457479"/>
+                  <a:pt x="398780" y="400243"/>
+                </a:cubicBezTo>
+                <a:cubicBezTo>
+                  <a:pt x="397229" y="354028"/>
+                  <a:pt x="392255" y="313323"/>
+                  <a:pt x="455041" y="299242"/>
+                </a:cubicBezTo>
+                <a:cubicBezTo>
+                  <a:pt x="481149" y="293426"/>
+                  <a:pt x="473687" y="260067"/>
+                  <a:pt x="458769" y="243538"/>
+                </a:cubicBezTo>
+                <a:cubicBezTo>
+                  <a:pt x="432038" y="214157"/>
+                  <a:pt x="409972" y="174981"/>
+                  <a:pt x="363969" y="172227"/>
+                </a:cubicBezTo>
+                <a:cubicBezTo>
+                  <a:pt x="335995" y="170391"/>
+                  <a:pt x="314549" y="158146"/>
+                  <a:pt x="292481" y="144069"/>
+                </a:cubicBezTo>
+                <a:cubicBezTo>
+                  <a:pt x="276630" y="133966"/>
+                  <a:pt x="257670" y="125398"/>
+                  <a:pt x="259534" y="103668"/>
+                </a:cubicBezTo>
+                <a:cubicBezTo>
+                  <a:pt x="261399" y="82855"/>
+                  <a:pt x="279736" y="74286"/>
+                  <a:pt x="298387" y="70001"/>
+                </a:cubicBezTo>
+                <a:cubicBezTo>
+                  <a:pt x="345011" y="59672"/>
+                  <a:pt x="389535" y="45726"/>
+                  <a:pt x="430782" y="19902"/>
+                </a:cubicBezTo>
+                <a:close/>
+              </a:path>
+            </a:pathLst>
+          </a:custGeom>
+        </p:spPr>
+      </p:pic>
+      <p:sp>
+        <p:nvSpPr>
+          <p:cNvPr id="11" name="TextBox 10">
+            <a:extLst>
+              <a:ext uri="{FF2B5EF4-FFF2-40B4-BE49-F238E27FC236}">
+                <a16:creationId xmlns:a16="http://schemas.microsoft.com/office/drawing/2014/main" id="{9F118B58-CFB8-3559-C8FB-4F0A4B73D6EC}"/>
+              </a:ext>
+            </a:extLst>
+          </p:cNvPr>
+          <p:cNvSpPr txBox="1"/>
+          <p:nvPr/>
+        </p:nvSpPr>
+        <p:spPr>
+          <a:xfrm>
+            <a:off x="1258614" y="5042751"/>
+            <a:ext cx="4537841" cy="830997"/>
+          </a:xfrm>
+          <a:prstGeom prst="rect">
+            <a:avLst/>
+          </a:prstGeom>
+          <a:noFill/>
+        </p:spPr>
+        <p:txBody>
+          <a:bodyPr wrap="square">
+            <a:spAutoFit/>
+          </a:bodyPr>
+          <a:lstStyle/>
+          <a:p>
+            <a:pPr algn="l"/>
+            <a:r>
+              <a:rPr lang="en-US" sz="1600" b="0" i="0" u="none" strike="noStrike" baseline="0" dirty="0">
+                <a:latin typeface="GlyphLessFont"/>
+              </a:rPr>
+              <a:t>Experience shows that when the total amount of black varies between 5% and 10% of the meaningful area of the plane, legibility is optimum.</a:t>
+            </a:r>
+            <a:endParaRPr lang="en-US" sz="1600" dirty="0"/>
           </a:p>
         </p:txBody>
       </p:sp>
     </p:spTree>
     <p:extLst>
       <p:ext uri="{BB962C8B-B14F-4D97-AF65-F5344CB8AC3E}">
-        <p14:creationId xmlns:p14="http://schemas.microsoft.com/office/powerpoint/2010/main" val="1789011840"/>
+        <p14:creationId xmlns:p14="http://schemas.microsoft.com/office/powerpoint/2010/main" val="801938495"/>
       </p:ext>
     </p:extLst>
   </p:cSld>
@@ -9622,7 +11455,7 @@
           <p:cNvPr id="2" name="Title 1">
             <a:extLst>
               <a:ext uri="{FF2B5EF4-FFF2-40B4-BE49-F238E27FC236}">
-                <a16:creationId xmlns:a16="http://schemas.microsoft.com/office/drawing/2014/main" id="{DDC09566-5B61-5143-A290-F89B8C40BB18}"/>
+                <a16:creationId xmlns:a16="http://schemas.microsoft.com/office/drawing/2014/main" id="{D28D18A4-2697-148F-B487-9A8CEA7514D2}"/>
               </a:ext>
             </a:extLst>
           </p:cNvPr>
@@ -9638,7 +11471,10 @@
           <a:bodyPr/>
           <a:lstStyle/>
           <a:p>
-            <a:endParaRPr lang="en-US"/>
+            <a:r>
+              <a:rPr lang="en-US" dirty="0"/>
+              <a:t>Reference</a:t>
+            </a:r>
           </a:p>
         </p:txBody>
       </p:sp>
@@ -9647,7 +11483,7 @@
           <p:cNvPr id="3" name="Content Placeholder 2">
             <a:extLst>
               <a:ext uri="{FF2B5EF4-FFF2-40B4-BE49-F238E27FC236}">
-                <a16:creationId xmlns:a16="http://schemas.microsoft.com/office/drawing/2014/main" id="{D8D173BE-8922-ACA9-3396-3525B726106E}"/>
+                <a16:creationId xmlns:a16="http://schemas.microsoft.com/office/drawing/2014/main" id="{0A6F2862-7F48-2E5C-5CBE-D5E0D28910AA}"/>
               </a:ext>
             </a:extLst>
           </p:cNvPr>
@@ -9663,14 +11499,40 @@
           <a:bodyPr/>
           <a:lstStyle/>
           <a:p>
-            <a:endParaRPr lang="en-US"/>
+            <a:pPr marL="0" indent="0">
+              <a:buNone/>
+            </a:pPr>
+            <a:r>
+              <a:rPr lang="en-US" dirty="0" err="1">
+                <a:effectLst/>
+              </a:rPr>
+              <a:t>Bertin</a:t>
+            </a:r>
+            <a:r>
+              <a:rPr lang="en-US" dirty="0">
+                <a:effectLst/>
+              </a:rPr>
+              <a:t>, J., &amp; Berg, W. J. (2011). </a:t>
+            </a:r>
+            <a:r>
+              <a:rPr lang="en-US" i="1" dirty="0">
+                <a:effectLst/>
+              </a:rPr>
+              <a:t>Semiology of graphics: Diagrams, 	networks, maps</a:t>
+            </a:r>
+            <a:r>
+              <a:rPr lang="en-US" dirty="0">
+                <a:effectLst/>
+              </a:rPr>
+              <a:t>. ESRI Press. </a:t>
+            </a:r>
           </a:p>
         </p:txBody>
       </p:sp>
     </p:spTree>
     <p:extLst>
       <p:ext uri="{BB962C8B-B14F-4D97-AF65-F5344CB8AC3E}">
-        <p14:creationId xmlns:p14="http://schemas.microsoft.com/office/powerpoint/2010/main" val="386721389"/>
+        <p14:creationId xmlns:p14="http://schemas.microsoft.com/office/powerpoint/2010/main" val="2296456164"/>
       </p:ext>
     </p:extLst>
   </p:cSld>
@@ -9931,275 +11793,6 @@
 </p:sld>
 </file>
 
-<file path=ppt/slides/slide30.xml><?xml version="1.0" encoding="utf-8"?>
-<p:sld xmlns:a="http://schemas.openxmlformats.org/drawingml/2006/main" xmlns:r="http://schemas.openxmlformats.org/officeDocument/2006/relationships" xmlns:p="http://schemas.openxmlformats.org/presentationml/2006/main">
-  <p:cSld>
-    <p:spTree>
-      <p:nvGrpSpPr>
-        <p:cNvPr id="1" name=""/>
-        <p:cNvGrpSpPr/>
-        <p:nvPr/>
-      </p:nvGrpSpPr>
-      <p:grpSpPr>
-        <a:xfrm>
-          <a:off x="0" y="0"/>
-          <a:ext cx="0" cy="0"/>
-          <a:chOff x="0" y="0"/>
-          <a:chExt cx="0" cy="0"/>
-        </a:xfrm>
-      </p:grpSpPr>
-      <p:sp>
-        <p:nvSpPr>
-          <p:cNvPr id="2" name="Title 1">
-            <a:extLst>
-              <a:ext uri="{FF2B5EF4-FFF2-40B4-BE49-F238E27FC236}">
-                <a16:creationId xmlns:a16="http://schemas.microsoft.com/office/drawing/2014/main" id="{7DBF3DBB-C8D9-A144-861E-F32E86B9931A}"/>
-              </a:ext>
-            </a:extLst>
-          </p:cNvPr>
-          <p:cNvSpPr>
-            <a:spLocks noGrp="1"/>
-          </p:cNvSpPr>
-          <p:nvPr>
-            <p:ph type="title"/>
-          </p:nvPr>
-        </p:nvSpPr>
-        <p:spPr/>
-        <p:txBody>
-          <a:bodyPr/>
-          <a:lstStyle/>
-          <a:p>
-            <a:endParaRPr lang="en-US"/>
-          </a:p>
-        </p:txBody>
-      </p:sp>
-      <p:sp>
-        <p:nvSpPr>
-          <p:cNvPr id="3" name="Content Placeholder 2">
-            <a:extLst>
-              <a:ext uri="{FF2B5EF4-FFF2-40B4-BE49-F238E27FC236}">
-                <a16:creationId xmlns:a16="http://schemas.microsoft.com/office/drawing/2014/main" id="{865B8CB8-73B6-6D87-BFF0-7EEF18FDC59D}"/>
-              </a:ext>
-            </a:extLst>
-          </p:cNvPr>
-          <p:cNvSpPr>
-            <a:spLocks noGrp="1"/>
-          </p:cNvSpPr>
-          <p:nvPr>
-            <p:ph idx="1"/>
-          </p:nvPr>
-        </p:nvSpPr>
-        <p:spPr/>
-        <p:txBody>
-          <a:bodyPr/>
-          <a:lstStyle/>
-          <a:p>
-            <a:endParaRPr lang="en-US"/>
-          </a:p>
-        </p:txBody>
-      </p:sp>
-    </p:spTree>
-    <p:extLst>
-      <p:ext uri="{BB962C8B-B14F-4D97-AF65-F5344CB8AC3E}">
-        <p14:creationId xmlns:p14="http://schemas.microsoft.com/office/powerpoint/2010/main" val="801938495"/>
-      </p:ext>
-    </p:extLst>
-  </p:cSld>
-  <p:clrMapOvr>
-    <a:masterClrMapping/>
-  </p:clrMapOvr>
-</p:sld>
-</file>
-
-<file path=ppt/slides/slide31.xml><?xml version="1.0" encoding="utf-8"?>
-<p:sld xmlns:a="http://schemas.openxmlformats.org/drawingml/2006/main" xmlns:r="http://schemas.openxmlformats.org/officeDocument/2006/relationships" xmlns:p="http://schemas.openxmlformats.org/presentationml/2006/main">
-  <p:cSld>
-    <p:spTree>
-      <p:nvGrpSpPr>
-        <p:cNvPr id="1" name=""/>
-        <p:cNvGrpSpPr/>
-        <p:nvPr/>
-      </p:nvGrpSpPr>
-      <p:grpSpPr>
-        <a:xfrm>
-          <a:off x="0" y="0"/>
-          <a:ext cx="0" cy="0"/>
-          <a:chOff x="0" y="0"/>
-          <a:chExt cx="0" cy="0"/>
-        </a:xfrm>
-      </p:grpSpPr>
-      <p:sp>
-        <p:nvSpPr>
-          <p:cNvPr id="2" name="Title 1">
-            <a:extLst>
-              <a:ext uri="{FF2B5EF4-FFF2-40B4-BE49-F238E27FC236}">
-                <a16:creationId xmlns:a16="http://schemas.microsoft.com/office/drawing/2014/main" id="{3BB6724D-0D01-F500-FBD2-810849BD4F63}"/>
-              </a:ext>
-            </a:extLst>
-          </p:cNvPr>
-          <p:cNvSpPr>
-            <a:spLocks noGrp="1"/>
-          </p:cNvSpPr>
-          <p:nvPr>
-            <p:ph type="title"/>
-          </p:nvPr>
-        </p:nvSpPr>
-        <p:spPr/>
-        <p:txBody>
-          <a:bodyPr/>
-          <a:lstStyle/>
-          <a:p>
-            <a:endParaRPr lang="en-US"/>
-          </a:p>
-        </p:txBody>
-      </p:sp>
-      <p:sp>
-        <p:nvSpPr>
-          <p:cNvPr id="3" name="Content Placeholder 2">
-            <a:extLst>
-              <a:ext uri="{FF2B5EF4-FFF2-40B4-BE49-F238E27FC236}">
-                <a16:creationId xmlns:a16="http://schemas.microsoft.com/office/drawing/2014/main" id="{CC2BC713-92EE-9766-EE6C-BE7E82ED7F51}"/>
-              </a:ext>
-            </a:extLst>
-          </p:cNvPr>
-          <p:cNvSpPr>
-            <a:spLocks noGrp="1"/>
-          </p:cNvSpPr>
-          <p:nvPr>
-            <p:ph idx="1"/>
-          </p:nvPr>
-        </p:nvSpPr>
-        <p:spPr/>
-        <p:txBody>
-          <a:bodyPr/>
-          <a:lstStyle/>
-          <a:p>
-            <a:endParaRPr lang="en-US"/>
-          </a:p>
-        </p:txBody>
-      </p:sp>
-    </p:spTree>
-    <p:extLst>
-      <p:ext uri="{BB962C8B-B14F-4D97-AF65-F5344CB8AC3E}">
-        <p14:creationId xmlns:p14="http://schemas.microsoft.com/office/powerpoint/2010/main" val="4075321616"/>
-      </p:ext>
-    </p:extLst>
-  </p:cSld>
-  <p:clrMapOvr>
-    <a:masterClrMapping/>
-  </p:clrMapOvr>
-</p:sld>
-</file>
-
-<file path=ppt/slides/slide32.xml><?xml version="1.0" encoding="utf-8"?>
-<p:sld xmlns:a="http://schemas.openxmlformats.org/drawingml/2006/main" xmlns:r="http://schemas.openxmlformats.org/officeDocument/2006/relationships" xmlns:p="http://schemas.openxmlformats.org/presentationml/2006/main">
-  <p:cSld>
-    <p:spTree>
-      <p:nvGrpSpPr>
-        <p:cNvPr id="1" name=""/>
-        <p:cNvGrpSpPr/>
-        <p:nvPr/>
-      </p:nvGrpSpPr>
-      <p:grpSpPr>
-        <a:xfrm>
-          <a:off x="0" y="0"/>
-          <a:ext cx="0" cy="0"/>
-          <a:chOff x="0" y="0"/>
-          <a:chExt cx="0" cy="0"/>
-        </a:xfrm>
-      </p:grpSpPr>
-      <p:sp>
-        <p:nvSpPr>
-          <p:cNvPr id="2" name="Title 1">
-            <a:extLst>
-              <a:ext uri="{FF2B5EF4-FFF2-40B4-BE49-F238E27FC236}">
-                <a16:creationId xmlns:a16="http://schemas.microsoft.com/office/drawing/2014/main" id="{D28D18A4-2697-148F-B487-9A8CEA7514D2}"/>
-              </a:ext>
-            </a:extLst>
-          </p:cNvPr>
-          <p:cNvSpPr>
-            <a:spLocks noGrp="1"/>
-          </p:cNvSpPr>
-          <p:nvPr>
-            <p:ph type="title"/>
-          </p:nvPr>
-        </p:nvSpPr>
-        <p:spPr/>
-        <p:txBody>
-          <a:bodyPr/>
-          <a:lstStyle/>
-          <a:p>
-            <a:r>
-              <a:rPr lang="en-US" dirty="0"/>
-              <a:t>Reference</a:t>
-            </a:r>
-          </a:p>
-        </p:txBody>
-      </p:sp>
-      <p:sp>
-        <p:nvSpPr>
-          <p:cNvPr id="3" name="Content Placeholder 2">
-            <a:extLst>
-              <a:ext uri="{FF2B5EF4-FFF2-40B4-BE49-F238E27FC236}">
-                <a16:creationId xmlns:a16="http://schemas.microsoft.com/office/drawing/2014/main" id="{0A6F2862-7F48-2E5C-5CBE-D5E0D28910AA}"/>
-              </a:ext>
-            </a:extLst>
-          </p:cNvPr>
-          <p:cNvSpPr>
-            <a:spLocks noGrp="1"/>
-          </p:cNvSpPr>
-          <p:nvPr>
-            <p:ph idx="1"/>
-          </p:nvPr>
-        </p:nvSpPr>
-        <p:spPr/>
-        <p:txBody>
-          <a:bodyPr/>
-          <a:lstStyle/>
-          <a:p>
-            <a:pPr marL="0" indent="0">
-              <a:buNone/>
-            </a:pPr>
-            <a:r>
-              <a:rPr lang="en-US" dirty="0" err="1">
-                <a:effectLst/>
-              </a:rPr>
-              <a:t>Bertin</a:t>
-            </a:r>
-            <a:r>
-              <a:rPr lang="en-US" dirty="0">
-                <a:effectLst/>
-              </a:rPr>
-              <a:t>, J., &amp; Berg, W. J. (2011). </a:t>
-            </a:r>
-            <a:r>
-              <a:rPr lang="en-US" i="1" dirty="0">
-                <a:effectLst/>
-              </a:rPr>
-              <a:t>Semiology of graphics: Diagrams, 	networks, maps</a:t>
-            </a:r>
-            <a:r>
-              <a:rPr lang="en-US" dirty="0">
-                <a:effectLst/>
-              </a:rPr>
-              <a:t>. ESRI Press. </a:t>
-            </a:r>
-          </a:p>
-        </p:txBody>
-      </p:sp>
-    </p:spTree>
-    <p:extLst>
-      <p:ext uri="{BB962C8B-B14F-4D97-AF65-F5344CB8AC3E}">
-        <p14:creationId xmlns:p14="http://schemas.microsoft.com/office/powerpoint/2010/main" val="2296456164"/>
-      </p:ext>
-    </p:extLst>
-  </p:cSld>
-  <p:clrMapOvr>
-    <a:masterClrMapping/>
-  </p:clrMapOvr>
-</p:sld>
-</file>
-
 <file path=ppt/slides/slide4.xml><?xml version="1.0" encoding="utf-8"?>
 <p:sld xmlns:a="http://schemas.openxmlformats.org/drawingml/2006/main" xmlns:r="http://schemas.openxmlformats.org/officeDocument/2006/relationships" xmlns:p="http://schemas.openxmlformats.org/presentationml/2006/main">
   <p:cSld>
@@ -10688,6 +12281,14 @@
 <file path=ppt/slides/slide5.xml><?xml version="1.0" encoding="utf-8"?>
 <p:sld xmlns:a="http://schemas.openxmlformats.org/drawingml/2006/main" xmlns:r="http://schemas.openxmlformats.org/officeDocument/2006/relationships" xmlns:p="http://schemas.openxmlformats.org/presentationml/2006/main">
   <p:cSld>
+    <p:bg>
+      <p:bgPr>
+        <a:solidFill>
+          <a:schemeClr val="bg1"/>
+        </a:solidFill>
+        <a:effectLst/>
+      </p:bgPr>
+    </p:bg>
     <p:spTree>
       <p:nvGrpSpPr>
         <p:cNvPr id="1" name=""/>
@@ -10704,6 +12305,69 @@
       </p:grpSpPr>
       <p:sp>
         <p:nvSpPr>
+          <p:cNvPr id="16" name="Rectangle 15">
+            <a:extLst>
+              <a:ext uri="{FF2B5EF4-FFF2-40B4-BE49-F238E27FC236}">
+                <a16:creationId xmlns:a16="http://schemas.microsoft.com/office/drawing/2014/main" id="{2B566528-1B12-4246-9431-5C2D7D081168}"/>
+              </a:ext>
+              <a:ext uri="{C183D7F6-B498-43B3-948B-1728B52AA6E4}">
+                <adec:decorative xmlns:adec="http://schemas.microsoft.com/office/drawing/2017/decorative" val="1"/>
+              </a:ext>
+            </a:extLst>
+          </p:cNvPr>
+          <p:cNvSpPr>
+            <a:spLocks noGrp="1" noRot="1" noChangeAspect="1" noMove="1" noResize="1" noEditPoints="1" noAdjustHandles="1" noChangeArrowheads="1" noChangeShapeType="1" noTextEdit="1"/>
+          </p:cNvSpPr>
+          <p:nvPr>
+            <p:extLst>
+              <p:ext uri="{386F3935-93C4-4BCD-93E2-E3B085C9AB24}">
+                <p16:designElem xmlns:p16="http://schemas.microsoft.com/office/powerpoint/2015/main" val="1"/>
+              </p:ext>
+            </p:extLst>
+          </p:nvPr>
+        </p:nvSpPr>
+        <p:spPr>
+          <a:xfrm>
+            <a:off x="0" y="0"/>
+            <a:ext cx="12192000" cy="6858000"/>
+          </a:xfrm>
+          <a:prstGeom prst="rect">
+            <a:avLst/>
+          </a:prstGeom>
+          <a:solidFill>
+            <a:schemeClr val="bg1"/>
+          </a:solidFill>
+          <a:ln>
+            <a:noFill/>
+          </a:ln>
+        </p:spPr>
+        <p:style>
+          <a:lnRef idx="2">
+            <a:schemeClr val="accent1">
+              <a:shade val="50000"/>
+            </a:schemeClr>
+          </a:lnRef>
+          <a:fillRef idx="1">
+            <a:schemeClr val="accent1"/>
+          </a:fillRef>
+          <a:effectRef idx="0">
+            <a:schemeClr val="accent1"/>
+          </a:effectRef>
+          <a:fontRef idx="minor">
+            <a:schemeClr val="lt1"/>
+          </a:fontRef>
+        </p:style>
+        <p:txBody>
+          <a:bodyPr rtlCol="0" anchor="ctr"/>
+          <a:lstStyle/>
+          <a:p>
+            <a:pPr algn="ctr"/>
+            <a:endParaRPr lang="en-US" dirty="0"/>
+          </a:p>
+        </p:txBody>
+      </p:sp>
+      <p:sp>
+        <p:nvSpPr>
           <p:cNvPr id="2" name="Title 1">
             <a:extLst>
               <a:ext uri="{FF2B5EF4-FFF2-40B4-BE49-F238E27FC236}">
@@ -10720,8 +12384,8 @@
         </p:nvSpPr>
         <p:spPr>
           <a:xfrm>
-            <a:off x="737755" y="333952"/>
-            <a:ext cx="10616045" cy="1048039"/>
+            <a:off x="643467" y="321734"/>
+            <a:ext cx="4970877" cy="1135737"/>
           </a:xfrm>
         </p:spPr>
         <p:txBody>
@@ -10731,18 +12395,18 @@
           <a:lstStyle/>
           <a:p>
             <a:r>
-              <a:rPr lang="en-US" sz="4000" b="1" dirty="0"/>
+              <a:rPr lang="en-US" sz="3600" b="1"/>
               <a:t>3. Definition</a:t>
             </a:r>
             <a:r>
-              <a:rPr lang="zh-CN" altLang="en-US" sz="4000" b="1" dirty="0"/>
+              <a:rPr lang="zh-CN" altLang="en-US" sz="3600" b="1"/>
               <a:t> </a:t>
             </a:r>
             <a:r>
-              <a:rPr lang="en-US" altLang="zh-CN" sz="4000" b="1" dirty="0"/>
+              <a:rPr lang="en-US" altLang="zh-CN" sz="3600" b="1"/>
               <a:t>of an image</a:t>
             </a:r>
-            <a:endParaRPr lang="en-US" sz="4000" dirty="0"/>
+            <a:endParaRPr lang="en-US" sz="3600"/>
           </a:p>
         </p:txBody>
       </p:sp>
@@ -10764,19 +12428,27 @@
         </p:nvSpPr>
         <p:spPr>
           <a:xfrm>
-            <a:off x="847288" y="1348924"/>
-            <a:ext cx="10681225" cy="4662878"/>
+            <a:off x="927247" y="1387367"/>
+            <a:ext cx="5384215" cy="4519448"/>
           </a:xfrm>
         </p:spPr>
         <p:txBody>
-          <a:bodyPr/>
+          <a:bodyPr>
+            <a:noAutofit/>
+          </a:bodyPr>
           <a:lstStyle/>
           <a:p>
             <a:pPr marL="0" indent="0">
-              <a:buNone/>
-            </a:pPr>
-            <a:r>
-              <a:rPr lang="en-US" sz="2400" b="1" i="0" u="none" strike="noStrike" baseline="0" dirty="0">
+              <a:lnSpc>
+                <a:spcPct val="100000"/>
+              </a:lnSpc>
+              <a:spcBef>
+                <a:spcPts val="0"/>
+              </a:spcBef>
+              <a:buNone/>
+            </a:pPr>
+            <a:r>
+              <a:rPr lang="en-US" sz="2000" b="1" i="0" u="none" strike="noStrike" baseline="0" dirty="0">
                 <a:latin typeface="+mj-lt"/>
               </a:rPr>
               <a:t>Example process:</a:t>
@@ -10784,44 +12456,62 @@
           </a:p>
           <a:p>
             <a:pPr marL="0" indent="0">
-              <a:buNone/>
-            </a:pPr>
-            <a:r>
-              <a:rPr lang="en-US" sz="2400" b="0" i="0" u="none" strike="noStrike" baseline="0" dirty="0">
+              <a:lnSpc>
+                <a:spcPct val="100000"/>
+              </a:lnSpc>
+              <a:spcBef>
+                <a:spcPts val="0"/>
+              </a:spcBef>
+              <a:buNone/>
+            </a:pPr>
+            <a:r>
+              <a:rPr lang="en-US" sz="2000" b="0" i="0" u="none" strike="noStrike" baseline="0" dirty="0">
                 <a:latin typeface="+mj-lt"/>
               </a:rPr>
               <a:t>an input identification (a given date)</a:t>
             </a:r>
             <a:r>
-              <a:rPr lang="en-US" sz="2400" dirty="0">
+              <a:rPr lang="en-US" sz="2000" dirty="0">
                 <a:latin typeface="+mj-lt"/>
               </a:rPr>
               <a:t>.</a:t>
             </a:r>
-            <a:endParaRPr lang="en-US" sz="2400" b="0" i="0" u="none" strike="noStrike" baseline="0" dirty="0">
+            <a:endParaRPr lang="en-US" sz="2000" b="0" i="0" u="none" strike="noStrike" baseline="0" dirty="0">
               <a:latin typeface="+mj-lt"/>
             </a:endParaRPr>
           </a:p>
           <a:p>
             <a:pPr marL="0" indent="0">
-              <a:buNone/>
-            </a:pPr>
-            <a:r>
-              <a:rPr lang="en-US" sz="2400" b="0" i="0" u="none" strike="noStrike" baseline="0" dirty="0">
+              <a:lnSpc>
+                <a:spcPct val="100000"/>
+              </a:lnSpc>
+              <a:spcBef>
+                <a:spcPts val="0"/>
+              </a:spcBef>
+              <a:buNone/>
+            </a:pPr>
+            <a:r>
+              <a:rPr lang="en-US" sz="2000" b="0" i="0" u="none" strike="noStrike" baseline="0" dirty="0">
                 <a:latin typeface="+mj-lt"/>
               </a:rPr>
               <a:t>perception of a correspondence between the components (a point).</a:t>
             </a:r>
-            <a:endParaRPr lang="en-US" sz="2400" dirty="0">
+            <a:endParaRPr lang="en-US" sz="2000" dirty="0">
               <a:latin typeface="+mj-lt"/>
             </a:endParaRPr>
           </a:p>
           <a:p>
             <a:pPr marL="0" indent="0">
-              <a:buNone/>
-            </a:pPr>
-            <a:r>
-              <a:rPr lang="en-US" sz="2400" b="0" i="0" u="none" strike="noStrike" baseline="0" dirty="0">
+              <a:lnSpc>
+                <a:spcPct val="100000"/>
+              </a:lnSpc>
+              <a:spcBef>
+                <a:spcPts val="0"/>
+              </a:spcBef>
+              <a:buNone/>
+            </a:pPr>
+            <a:r>
+              <a:rPr lang="en-US" sz="2000" b="0" i="0" u="none" strike="noStrike" baseline="0" dirty="0">
                 <a:latin typeface="+mj-lt"/>
               </a:rPr>
               <a:t>an output identification (the answer: “so many francs”).</a:t>
@@ -10829,30 +12519,470 @@
           </a:p>
           <a:p>
             <a:pPr marL="0" indent="0">
-              <a:buNone/>
-            </a:pPr>
-            <a:endParaRPr lang="en-US" sz="1800" dirty="0">
+              <a:lnSpc>
+                <a:spcPct val="100000"/>
+              </a:lnSpc>
+              <a:spcBef>
+                <a:spcPts val="0"/>
+              </a:spcBef>
+              <a:buNone/>
+            </a:pPr>
+            <a:r>
+              <a:rPr lang="en-US" sz="2000" b="0" i="0" u="none" strike="noStrike" baseline="0" dirty="0"/>
+              <a:t>This process implies that the eye can isolate the input date from all the other dates and DURING AN INSTANT OF PERCEPTION can see only those correspondences that are determined by this input identification, but can SEE ALL OF THESE.</a:t>
+            </a:r>
+          </a:p>
+          <a:p>
+            <a:pPr marL="0" indent="0">
+              <a:lnSpc>
+                <a:spcPct val="100000"/>
+              </a:lnSpc>
+              <a:spcBef>
+                <a:spcPts val="0"/>
+              </a:spcBef>
+              <a:buNone/>
+            </a:pPr>
+            <a:endParaRPr lang="en-US" sz="2000" dirty="0">
               <a:latin typeface="GlyphLessFont"/>
             </a:endParaRPr>
           </a:p>
           <a:p>
-            <a:pPr algn="l"/>
-            <a:r>
-              <a:rPr lang="en-US" sz="2400" u="sng" dirty="0"/>
+            <a:pPr>
+              <a:lnSpc>
+                <a:spcPct val="100000"/>
+              </a:lnSpc>
+              <a:spcBef>
+                <a:spcPts val="0"/>
+              </a:spcBef>
+            </a:pPr>
+            <a:r>
+              <a:rPr lang="en-US" sz="2000" b="1" u="sng" dirty="0"/>
               <a:t>Image</a:t>
             </a:r>
             <a:r>
-              <a:rPr lang="en-US" sz="2400" dirty="0"/>
+              <a:rPr lang="en-US" sz="2000" dirty="0"/>
               <a:t> is t</a:t>
             </a:r>
             <a:r>
-              <a:rPr lang="en-US" sz="2400" b="0" i="0" u="none" strike="noStrike" baseline="0" dirty="0"/>
+              <a:rPr lang="en-US" sz="2000" b="0" i="0" u="none" strike="noStrike" baseline="0" dirty="0"/>
               <a:t>he meaningful visual form, perceptible in the minimum instant of vision.</a:t>
             </a:r>
-            <a:endParaRPr lang="en-US" sz="2400" dirty="0"/>
-          </a:p>
-        </p:txBody>
-      </p:sp>
+            <a:endParaRPr lang="en-US" sz="2000" dirty="0"/>
+          </a:p>
+        </p:txBody>
+      </p:sp>
+      <p:pic>
+        <p:nvPicPr>
+          <p:cNvPr id="9" name="Picture 8" descr="Shape, arrow&#10;&#10;Description automatically generated">
+            <a:extLst>
+              <a:ext uri="{FF2B5EF4-FFF2-40B4-BE49-F238E27FC236}">
+                <a16:creationId xmlns:a16="http://schemas.microsoft.com/office/drawing/2014/main" id="{01EDA121-A9EA-09E7-418E-13BEA2ECDC6C}"/>
+              </a:ext>
+            </a:extLst>
+          </p:cNvPr>
+          <p:cNvPicPr>
+            <a:picLocks noChangeAspect="1"/>
+          </p:cNvPicPr>
+          <p:nvPr/>
+        </p:nvPicPr>
+        <p:blipFill>
+          <a:blip r:embed="rId3"/>
+          <a:stretch>
+            <a:fillRect/>
+          </a:stretch>
+        </p:blipFill>
+        <p:spPr>
+          <a:xfrm>
+            <a:off x="6252197" y="759416"/>
+            <a:ext cx="2617070" cy="2525472"/>
+          </a:xfrm>
+          <a:prstGeom prst="rect">
+            <a:avLst/>
+          </a:prstGeom>
+        </p:spPr>
+      </p:pic>
+      <p:pic>
+        <p:nvPicPr>
+          <p:cNvPr id="7" name="Picture 6" descr="Shape&#10;&#10;Description automatically generated">
+            <a:extLst>
+              <a:ext uri="{FF2B5EF4-FFF2-40B4-BE49-F238E27FC236}">
+                <a16:creationId xmlns:a16="http://schemas.microsoft.com/office/drawing/2014/main" id="{FFEAE90C-784B-F027-4A45-110AEF0AAA29}"/>
+              </a:ext>
+            </a:extLst>
+          </p:cNvPr>
+          <p:cNvPicPr>
+            <a:picLocks noChangeAspect="1"/>
+          </p:cNvPicPr>
+          <p:nvPr/>
+        </p:nvPicPr>
+        <p:blipFill>
+          <a:blip r:embed="rId4"/>
+          <a:stretch>
+            <a:fillRect/>
+          </a:stretch>
+        </p:blipFill>
+        <p:spPr>
+          <a:xfrm>
+            <a:off x="8931462" y="798672"/>
+            <a:ext cx="2617070" cy="2446960"/>
+          </a:xfrm>
+          <a:prstGeom prst="rect">
+            <a:avLst/>
+          </a:prstGeom>
+        </p:spPr>
+      </p:pic>
+      <p:grpSp>
+        <p:nvGrpSpPr>
+          <p:cNvPr id="18" name="Group 17">
+            <a:extLst>
+              <a:ext uri="{FF2B5EF4-FFF2-40B4-BE49-F238E27FC236}">
+                <a16:creationId xmlns:a16="http://schemas.microsoft.com/office/drawing/2014/main" id="{F0C759C5-888E-44FA-9101-1ED00E9671DE}"/>
+              </a:ext>
+              <a:ext uri="{C183D7F6-B498-43B3-948B-1728B52AA6E4}">
+                <adec:decorative xmlns:adec="http://schemas.microsoft.com/office/drawing/2017/decorative" val="1"/>
+              </a:ext>
+            </a:extLst>
+          </p:cNvPr>
+          <p:cNvGrpSpPr>
+            <a:grpSpLocks noGrp="1" noUngrp="1" noRot="1" noChangeAspect="1" noMove="1" noResize="1"/>
+          </p:cNvGrpSpPr>
+          <p:nvPr>
+            <p:extLst>
+              <p:ext uri="{386F3935-93C4-4BCD-93E2-E3B085C9AB24}">
+                <p16:designElem xmlns:p16="http://schemas.microsoft.com/office/powerpoint/2015/main" val="1"/>
+              </p:ext>
+            </p:extLst>
+          </p:nvPr>
+        </p:nvGrpSpPr>
+        <p:grpSpPr>
+          <a:xfrm>
+            <a:off x="11094720" y="0"/>
+            <a:ext cx="1097280" cy="1097280"/>
+            <a:chOff x="11094720" y="0"/>
+            <a:chExt cx="1097280" cy="1097280"/>
+          </a:xfrm>
+        </p:grpSpPr>
+        <p:sp>
+          <p:nvSpPr>
+            <p:cNvPr id="19" name="Isosceles Triangle 18">
+              <a:extLst>
+                <a:ext uri="{FF2B5EF4-FFF2-40B4-BE49-F238E27FC236}">
+                  <a16:creationId xmlns:a16="http://schemas.microsoft.com/office/drawing/2014/main" id="{3C51EF81-4916-42EE-B4B6-F0E4EF81EF0C}"/>
+                </a:ext>
+                <a:ext uri="{C183D7F6-B498-43B3-948B-1728B52AA6E4}">
+                  <adec:decorative xmlns:adec="http://schemas.microsoft.com/office/drawing/2017/decorative" val="1"/>
+                </a:ext>
+              </a:extLst>
+            </p:cNvPr>
+            <p:cNvSpPr/>
+            <p:nvPr>
+              <p:extLst>
+                <p:ext uri="{386F3935-93C4-4BCD-93E2-E3B085C9AB24}">
+                  <p16:designElem xmlns:p16="http://schemas.microsoft.com/office/powerpoint/2015/main" val="1"/>
+                </p:ext>
+              </p:extLst>
+            </p:nvPr>
+          </p:nvSpPr>
+          <p:spPr>
+            <a:xfrm rot="16200000">
+              <a:off x="11094720" y="0"/>
+              <a:ext cx="1097280" cy="1097280"/>
+            </a:xfrm>
+            <a:prstGeom prst="triangle">
+              <a:avLst>
+                <a:gd name="adj" fmla="val 100000"/>
+              </a:avLst>
+            </a:prstGeom>
+            <a:solidFill>
+              <a:schemeClr val="accent4">
+                <a:alpha val="30000"/>
+              </a:schemeClr>
+            </a:solidFill>
+            <a:ln>
+              <a:noFill/>
+            </a:ln>
+          </p:spPr>
+          <p:style>
+            <a:lnRef idx="2">
+              <a:schemeClr val="accent1">
+                <a:shade val="50000"/>
+              </a:schemeClr>
+            </a:lnRef>
+            <a:fillRef idx="1">
+              <a:schemeClr val="accent1"/>
+            </a:fillRef>
+            <a:effectRef idx="0">
+              <a:schemeClr val="accent1"/>
+            </a:effectRef>
+            <a:fontRef idx="minor">
+              <a:schemeClr val="lt1"/>
+            </a:fontRef>
+          </p:style>
+          <p:txBody>
+            <a:bodyPr rtlCol="0" anchor="ctr"/>
+            <a:lstStyle/>
+            <a:p>
+              <a:pPr algn="ctr"/>
+              <a:endParaRPr lang="en-US" dirty="0"/>
+            </a:p>
+          </p:txBody>
+        </p:sp>
+        <p:sp>
+          <p:nvSpPr>
+            <p:cNvPr id="20" name="Rectangle 19">
+              <a:extLst>
+                <a:ext uri="{FF2B5EF4-FFF2-40B4-BE49-F238E27FC236}">
+                  <a16:creationId xmlns:a16="http://schemas.microsoft.com/office/drawing/2014/main" id="{3361798A-E4B3-4C93-90E4-02D60CEB54C1}"/>
+                </a:ext>
+                <a:ext uri="{C183D7F6-B498-43B3-948B-1728B52AA6E4}">
+                  <adec:decorative xmlns:adec="http://schemas.microsoft.com/office/drawing/2017/decorative" val="1"/>
+                </a:ext>
+              </a:extLst>
+            </p:cNvPr>
+            <p:cNvSpPr/>
+            <p:nvPr>
+              <p:extLst>
+                <p:ext uri="{386F3935-93C4-4BCD-93E2-E3B085C9AB24}">
+                  <p16:designElem xmlns:p16="http://schemas.microsoft.com/office/powerpoint/2015/main" val="1"/>
+                </p:ext>
+              </p:extLst>
+            </p:nvPr>
+          </p:nvSpPr>
+          <p:spPr>
+            <a:xfrm rot="2700000">
+              <a:off x="11189552" y="127618"/>
+              <a:ext cx="457894" cy="457894"/>
+            </a:xfrm>
+            <a:prstGeom prst="rect">
+              <a:avLst/>
+            </a:prstGeom>
+            <a:solidFill>
+              <a:schemeClr val="accent4">
+                <a:alpha val="30000"/>
+              </a:schemeClr>
+            </a:solidFill>
+            <a:ln>
+              <a:noFill/>
+            </a:ln>
+          </p:spPr>
+          <p:style>
+            <a:lnRef idx="2">
+              <a:schemeClr val="accent1">
+                <a:shade val="50000"/>
+              </a:schemeClr>
+            </a:lnRef>
+            <a:fillRef idx="1">
+              <a:schemeClr val="accent1"/>
+            </a:fillRef>
+            <a:effectRef idx="0">
+              <a:schemeClr val="accent1"/>
+            </a:effectRef>
+            <a:fontRef idx="minor">
+              <a:schemeClr val="lt1"/>
+            </a:fontRef>
+          </p:style>
+          <p:txBody>
+            <a:bodyPr rtlCol="0" anchor="ctr"/>
+            <a:lstStyle/>
+            <a:p>
+              <a:pPr algn="ctr"/>
+              <a:endParaRPr lang="en-US"/>
+            </a:p>
+          </p:txBody>
+        </p:sp>
+      </p:grpSp>
+      <p:sp>
+        <p:nvSpPr>
+          <p:cNvPr id="22" name="Isosceles Triangle 21">
+            <a:extLst>
+              <a:ext uri="{FF2B5EF4-FFF2-40B4-BE49-F238E27FC236}">
+                <a16:creationId xmlns:a16="http://schemas.microsoft.com/office/drawing/2014/main" id="{D3F51FEB-38FB-4F6C-9F7B-2F2AFAB65463}"/>
+              </a:ext>
+              <a:ext uri="{C183D7F6-B498-43B3-948B-1728B52AA6E4}">
+                <adec:decorative xmlns:adec="http://schemas.microsoft.com/office/drawing/2017/decorative" val="1"/>
+              </a:ext>
+            </a:extLst>
+          </p:cNvPr>
+          <p:cNvSpPr>
+            <a:spLocks noGrp="1" noRot="1" noChangeAspect="1" noMove="1" noResize="1" noEditPoints="1" noAdjustHandles="1" noChangeArrowheads="1" noChangeShapeType="1" noTextEdit="1"/>
+          </p:cNvSpPr>
+          <p:nvPr>
+            <p:extLst>
+              <p:ext uri="{386F3935-93C4-4BCD-93E2-E3B085C9AB24}">
+                <p16:designElem xmlns:p16="http://schemas.microsoft.com/office/powerpoint/2015/main" val="1"/>
+              </p:ext>
+            </p:extLst>
+          </p:nvPr>
+        </p:nvSpPr>
+        <p:spPr>
+          <a:xfrm rot="5400000">
+            <a:off x="-501760" y="5103257"/>
+            <a:ext cx="2017580" cy="1014060"/>
+          </a:xfrm>
+          <a:prstGeom prst="triangle">
+            <a:avLst>
+              <a:gd name="adj" fmla="val 50000"/>
+            </a:avLst>
+          </a:prstGeom>
+          <a:solidFill>
+            <a:schemeClr val="accent1">
+              <a:alpha val="30000"/>
+            </a:schemeClr>
+          </a:solidFill>
+          <a:ln>
+            <a:noFill/>
+          </a:ln>
+        </p:spPr>
+        <p:style>
+          <a:lnRef idx="2">
+            <a:schemeClr val="accent1">
+              <a:shade val="50000"/>
+            </a:schemeClr>
+          </a:lnRef>
+          <a:fillRef idx="1">
+            <a:schemeClr val="accent1"/>
+          </a:fillRef>
+          <a:effectRef idx="0">
+            <a:schemeClr val="accent1"/>
+          </a:effectRef>
+          <a:fontRef idx="minor">
+            <a:schemeClr val="lt1"/>
+          </a:fontRef>
+        </p:style>
+        <p:txBody>
+          <a:bodyPr rtlCol="0" anchor="ctr"/>
+          <a:lstStyle/>
+          <a:p>
+            <a:pPr algn="ctr"/>
+            <a:endParaRPr lang="en-US"/>
+          </a:p>
+        </p:txBody>
+      </p:sp>
+      <p:sp>
+        <p:nvSpPr>
+          <p:cNvPr id="24" name="Rectangle 23">
+            <a:extLst>
+              <a:ext uri="{FF2B5EF4-FFF2-40B4-BE49-F238E27FC236}">
+                <a16:creationId xmlns:a16="http://schemas.microsoft.com/office/drawing/2014/main" id="{1E547BA6-BAE0-43BB-A7CA-60F69CE252F0}"/>
+              </a:ext>
+              <a:ext uri="{C183D7F6-B498-43B3-948B-1728B52AA6E4}">
+                <adec:decorative xmlns:adec="http://schemas.microsoft.com/office/drawing/2017/decorative" val="1"/>
+              </a:ext>
+            </a:extLst>
+          </p:cNvPr>
+          <p:cNvSpPr>
+            <a:spLocks noGrp="1" noRot="1" noChangeAspect="1" noMove="1" noResize="1" noEditPoints="1" noAdjustHandles="1" noChangeArrowheads="1" noChangeShapeType="1" noTextEdit="1"/>
+          </p:cNvSpPr>
+          <p:nvPr>
+            <p:extLst>
+              <p:ext uri="{386F3935-93C4-4BCD-93E2-E3B085C9AB24}">
+                <p16:designElem xmlns:p16="http://schemas.microsoft.com/office/powerpoint/2015/main" val="1"/>
+              </p:ext>
+            </p:extLst>
+          </p:nvPr>
+        </p:nvSpPr>
+        <p:spPr>
+          <a:xfrm rot="2700000">
+            <a:off x="427916" y="5728708"/>
+            <a:ext cx="485578" cy="485578"/>
+          </a:xfrm>
+          <a:prstGeom prst="rect">
+            <a:avLst/>
+          </a:prstGeom>
+          <a:solidFill>
+            <a:schemeClr val="accent1">
+              <a:alpha val="30000"/>
+            </a:schemeClr>
+          </a:solidFill>
+          <a:ln>
+            <a:noFill/>
+          </a:ln>
+        </p:spPr>
+        <p:style>
+          <a:lnRef idx="2">
+            <a:schemeClr val="accent1">
+              <a:shade val="50000"/>
+            </a:schemeClr>
+          </a:lnRef>
+          <a:fillRef idx="1">
+            <a:schemeClr val="accent1"/>
+          </a:fillRef>
+          <a:effectRef idx="0">
+            <a:schemeClr val="accent1"/>
+          </a:effectRef>
+          <a:fontRef idx="minor">
+            <a:schemeClr val="lt1"/>
+          </a:fontRef>
+        </p:style>
+        <p:txBody>
+          <a:bodyPr rtlCol="0" anchor="ctr"/>
+          <a:lstStyle/>
+          <a:p>
+            <a:pPr algn="ctr"/>
+            <a:endParaRPr lang="en-US"/>
+          </a:p>
+        </p:txBody>
+      </p:sp>
+      <p:pic>
+        <p:nvPicPr>
+          <p:cNvPr id="11" name="Picture 10" descr="Diagram, schematic&#10;&#10;Description automatically generated">
+            <a:extLst>
+              <a:ext uri="{FF2B5EF4-FFF2-40B4-BE49-F238E27FC236}">
+                <a16:creationId xmlns:a16="http://schemas.microsoft.com/office/drawing/2014/main" id="{274D55E3-AE01-614D-D1B7-26018E604BC6}"/>
+              </a:ext>
+            </a:extLst>
+          </p:cNvPr>
+          <p:cNvPicPr>
+            <a:picLocks noChangeAspect="1"/>
+          </p:cNvPicPr>
+          <p:nvPr/>
+        </p:nvPicPr>
+        <p:blipFill>
+          <a:blip r:embed="rId5"/>
+          <a:stretch>
+            <a:fillRect/>
+          </a:stretch>
+        </p:blipFill>
+        <p:spPr>
+          <a:xfrm>
+            <a:off x="6252197" y="3641809"/>
+            <a:ext cx="2617070" cy="2388076"/>
+          </a:xfrm>
+          <a:prstGeom prst="rect">
+            <a:avLst/>
+          </a:prstGeom>
+        </p:spPr>
+      </p:pic>
+      <p:pic>
+        <p:nvPicPr>
+          <p:cNvPr id="5" name="Picture 4">
+            <a:extLst>
+              <a:ext uri="{FF2B5EF4-FFF2-40B4-BE49-F238E27FC236}">
+                <a16:creationId xmlns:a16="http://schemas.microsoft.com/office/drawing/2014/main" id="{96FF0D54-BAFF-4914-32C0-546E4871710E}"/>
+              </a:ext>
+            </a:extLst>
+          </p:cNvPr>
+          <p:cNvPicPr>
+            <a:picLocks noChangeAspect="1"/>
+          </p:cNvPicPr>
+          <p:nvPr/>
+        </p:nvPicPr>
+        <p:blipFill>
+          <a:blip r:embed="rId6"/>
+          <a:stretch>
+            <a:fillRect/>
+          </a:stretch>
+        </p:blipFill>
+        <p:spPr>
+          <a:xfrm>
+            <a:off x="8931458" y="3934720"/>
+            <a:ext cx="2617070" cy="1802256"/>
+          </a:xfrm>
+          <a:prstGeom prst="rect">
+            <a:avLst/>
+          </a:prstGeom>
+        </p:spPr>
+      </p:pic>
     </p:spTree>
     <p:extLst>
       <p:ext uri="{BB962C8B-B14F-4D97-AF65-F5344CB8AC3E}">
@@ -10869,6 +12999,14 @@
 <file path=ppt/slides/slide6.xml><?xml version="1.0" encoding="utf-8"?>
 <p:sld xmlns:a="http://schemas.openxmlformats.org/drawingml/2006/main" xmlns:r="http://schemas.openxmlformats.org/officeDocument/2006/relationships" xmlns:p="http://schemas.openxmlformats.org/presentationml/2006/main">
   <p:cSld>
+    <p:bg>
+      <p:bgPr>
+        <a:solidFill>
+          <a:schemeClr val="bg1"/>
+        </a:solidFill>
+        <a:effectLst/>
+      </p:bgPr>
+    </p:bg>
     <p:spTree>
       <p:nvGrpSpPr>
         <p:cNvPr id="1" name=""/>
@@ -10885,10 +13023,10 @@
       </p:grpSpPr>
       <p:sp>
         <p:nvSpPr>
-          <p:cNvPr id="2" name="Title 1">
+          <p:cNvPr id="3" name="Content Placeholder 2">
             <a:extLst>
               <a:ext uri="{FF2B5EF4-FFF2-40B4-BE49-F238E27FC236}">
-                <a16:creationId xmlns:a16="http://schemas.microsoft.com/office/drawing/2014/main" id="{43A243A8-7DB9-97A7-724F-2EF60B7E0647}"/>
+                <a16:creationId xmlns:a16="http://schemas.microsoft.com/office/drawing/2014/main" id="{379B61CD-503D-A5C7-3B1E-678D79BEF354}"/>
               </a:ext>
             </a:extLst>
           </p:cNvPr>
@@ -10896,13 +13034,13 @@
             <a:spLocks noGrp="1"/>
           </p:cNvSpPr>
           <p:nvPr>
-            <p:ph type="title"/>
+            <p:ph idx="4294967295"/>
           </p:nvPr>
         </p:nvSpPr>
         <p:spPr>
           <a:xfrm>
-            <a:off x="737755" y="333952"/>
-            <a:ext cx="10616045" cy="1048039"/>
+            <a:off x="898636" y="694943"/>
+            <a:ext cx="10047890" cy="5474630"/>
           </a:xfrm>
         </p:spPr>
         <p:txBody>
@@ -10912,51 +13050,95 @@
           <a:lstStyle/>
           <a:p>
             <a:r>
-              <a:rPr lang="en-US" altLang="zh-CN" sz="4000" b="1" dirty="0"/>
-              <a:t>4</a:t>
-            </a:r>
-            <a:r>
-              <a:rPr lang="en-US" sz="4000" b="1" dirty="0"/>
-              <a:t>. Construction of an image</a:t>
-            </a:r>
-            <a:endParaRPr lang="en-US" sz="4000" dirty="0"/>
-          </a:p>
-        </p:txBody>
-      </p:sp>
-      <p:sp>
-        <p:nvSpPr>
-          <p:cNvPr id="3" name="Content Placeholder 2">
-            <a:extLst>
-              <a:ext uri="{FF2B5EF4-FFF2-40B4-BE49-F238E27FC236}">
-                <a16:creationId xmlns:a16="http://schemas.microsoft.com/office/drawing/2014/main" id="{DABD7E46-AE49-F6CB-391F-C67015B1BE9F}"/>
-              </a:ext>
-            </a:extLst>
-          </p:cNvPr>
-          <p:cNvSpPr>
-            <a:spLocks noGrp="1"/>
-          </p:cNvSpPr>
-          <p:nvPr>
-            <p:ph idx="1"/>
-          </p:nvPr>
-        </p:nvSpPr>
-        <p:spPr>
-          <a:xfrm>
-            <a:off x="862444" y="1465118"/>
-            <a:ext cx="10491355" cy="4711845"/>
-          </a:xfrm>
-        </p:spPr>
-        <p:txBody>
-          <a:bodyPr/>
-          <a:lstStyle/>
-          <a:p>
-            <a:endParaRPr lang="en-US" dirty="0"/>
+              <a:rPr lang="en-US" b="0" i="0" u="none" strike="noStrike" baseline="0" dirty="0"/>
+              <a:t>The inefficiency of figurations</a:t>
+            </a:r>
+            <a:r>
+              <a:rPr lang="en-US" dirty="0"/>
+              <a:t>:</a:t>
+            </a:r>
+            <a:r>
+              <a:rPr lang="zh-CN" altLang="en-US" dirty="0"/>
+              <a:t> </a:t>
+            </a:r>
+            <a:endParaRPr lang="en-US" altLang="zh-CN" dirty="0"/>
+          </a:p>
+          <a:p>
+            <a:pPr marL="0" indent="0">
+              <a:buNone/>
+            </a:pPr>
+            <a:r>
+              <a:rPr lang="en-US" sz="2400" b="0" i="0" u="none" strike="noStrike" baseline="0" dirty="0">
+                <a:latin typeface="+mj-lt"/>
+              </a:rPr>
+              <a:t>is due to the large number of images which the viewer would </a:t>
+            </a:r>
+            <a:r>
+              <a:rPr lang="en-US" sz="2400" b="0" i="0" u="none" strike="noStrike" baseline="0" dirty="0" err="1">
+                <a:latin typeface="+mj-lt"/>
+              </a:rPr>
+              <a:t>haveto</a:t>
+            </a:r>
+            <a:r>
+              <a:rPr lang="en-US" sz="2400" b="0" i="0" u="none" strike="noStrike" baseline="0" dirty="0">
+                <a:latin typeface="+mj-lt"/>
+              </a:rPr>
+              <a:t> select and retain in order to obtain a correct answer.</a:t>
+            </a:r>
+          </a:p>
+          <a:p>
+            <a:endParaRPr lang="en-US" sz="2000" dirty="0">
+              <a:latin typeface="GlyphLessFont"/>
+            </a:endParaRPr>
+          </a:p>
+          <a:p>
+            <a:r>
+              <a:rPr lang="en-US" dirty="0"/>
+              <a:t>Efficiency of the image: </a:t>
+            </a:r>
+          </a:p>
+          <a:p>
+            <a:pPr marL="0" indent="0">
+              <a:buNone/>
+            </a:pPr>
+            <a:r>
+              <a:rPr lang="en-US" sz="2400" dirty="0">
+                <a:latin typeface="+mj-lt"/>
+              </a:rPr>
+              <a:t>the most efficient constructions are those in which any question, whatever its type and level, can be answered in a single instant of perception, that is, IN A SINGLE IMAGE.</a:t>
+            </a:r>
+          </a:p>
+          <a:p>
+            <a:pPr marL="0" indent="0">
+              <a:buNone/>
+            </a:pPr>
+            <a:endParaRPr lang="en-US" sz="2000" dirty="0">
+              <a:latin typeface="GlyphLessFont"/>
+            </a:endParaRPr>
+          </a:p>
+          <a:p>
+            <a:r>
+              <a:rPr lang="en-US" dirty="0"/>
+              <a:t>Efficiency of graphics:</a:t>
+            </a:r>
+          </a:p>
+          <a:p>
+            <a:pPr marL="0" indent="0">
+              <a:buNone/>
+            </a:pPr>
+            <a:r>
+              <a:rPr lang="en-US" sz="2400" dirty="0">
+                <a:latin typeface="+mj-lt"/>
+              </a:rPr>
+              <a:t>Only the graphic sign-system, provided it utilizes the minimum number of images, enables us to rapidly assimilate the complex relationships among four components.</a:t>
+            </a:r>
           </a:p>
         </p:txBody>
       </p:sp>
     </p:spTree>
     <p:extLst>
       <p:ext uri="{BB962C8B-B14F-4D97-AF65-F5344CB8AC3E}">
-        <p14:creationId xmlns:p14="http://schemas.microsoft.com/office/powerpoint/2010/main" val="4132108175"/>
+        <p14:creationId xmlns:p14="http://schemas.microsoft.com/office/powerpoint/2010/main" val="2307513629"/>
       </p:ext>
     </p:extLst>
   </p:cSld>
@@ -10988,7 +13170,7 @@
           <p:cNvPr id="2" name="Title 1">
             <a:extLst>
               <a:ext uri="{FF2B5EF4-FFF2-40B4-BE49-F238E27FC236}">
-                <a16:creationId xmlns:a16="http://schemas.microsoft.com/office/drawing/2014/main" id="{0C749088-EEAC-6753-4659-9043B3357D92}"/>
+                <a16:creationId xmlns:a16="http://schemas.microsoft.com/office/drawing/2014/main" id="{43A243A8-7DB9-97A7-724F-2EF60B7E0647}"/>
               </a:ext>
             </a:extLst>
           </p:cNvPr>
@@ -10999,12 +13181,27 @@
             <p:ph type="title"/>
           </p:nvPr>
         </p:nvSpPr>
-        <p:spPr/>
-        <p:txBody>
-          <a:bodyPr/>
+        <p:spPr>
+          <a:xfrm>
+            <a:off x="737755" y="333952"/>
+            <a:ext cx="10616045" cy="1048039"/>
+          </a:xfrm>
+        </p:spPr>
+        <p:txBody>
+          <a:bodyPr>
+            <a:normAutofit/>
+          </a:bodyPr>
           <a:lstStyle/>
           <a:p>
-            <a:endParaRPr lang="en-US"/>
+            <a:r>
+              <a:rPr lang="en-US" altLang="zh-CN" sz="4000" b="1" dirty="0"/>
+              <a:t>4</a:t>
+            </a:r>
+            <a:r>
+              <a:rPr lang="en-US" sz="4000" b="1" dirty="0"/>
+              <a:t>. Construction of an image</a:t>
+            </a:r>
+            <a:endParaRPr lang="en-US" sz="4000" dirty="0"/>
           </a:p>
         </p:txBody>
       </p:sp>
@@ -11013,7 +13210,7 @@
           <p:cNvPr id="3" name="Content Placeholder 2">
             <a:extLst>
               <a:ext uri="{FF2B5EF4-FFF2-40B4-BE49-F238E27FC236}">
-                <a16:creationId xmlns:a16="http://schemas.microsoft.com/office/drawing/2014/main" id="{379B61CD-503D-A5C7-3B1E-678D79BEF354}"/>
+                <a16:creationId xmlns:a16="http://schemas.microsoft.com/office/drawing/2014/main" id="{DABD7E46-AE49-F6CB-391F-C67015B1BE9F}"/>
               </a:ext>
             </a:extLst>
           </p:cNvPr>
@@ -11024,19 +13221,198 @@
             <p:ph idx="1"/>
           </p:nvPr>
         </p:nvSpPr>
-        <p:spPr/>
-        <p:txBody>
-          <a:bodyPr/>
+        <p:spPr>
+          <a:xfrm>
+            <a:off x="920251" y="1365270"/>
+            <a:ext cx="10491355" cy="4711845"/>
+          </a:xfrm>
+        </p:spPr>
+        <p:txBody>
+          <a:bodyPr>
+            <a:normAutofit/>
+          </a:bodyPr>
           <a:lstStyle/>
           <a:p>
-            <a:endParaRPr lang="en-US"/>
-          </a:p>
-        </p:txBody>
-      </p:sp>
+            <a:pPr algn="l"/>
+            <a:r>
+              <a:rPr lang="en-US" sz="2400" b="0" i="0" u="none" strike="noStrike" baseline="0" dirty="0">
+                <a:latin typeface="+mj-lt"/>
+              </a:rPr>
+              <a:t>The </a:t>
+            </a:r>
+            <a:r>
+              <a:rPr lang="en-US" sz="2400" b="1" i="0" u="none" strike="noStrike" baseline="0" dirty="0">
+                <a:latin typeface="+mj-lt"/>
+              </a:rPr>
+              <a:t>IMAGE</a:t>
+            </a:r>
+            <a:r>
+              <a:rPr lang="en-US" sz="2400" b="0" i="0" u="none" strike="noStrike" baseline="0" dirty="0">
+                <a:latin typeface="+mj-lt"/>
+              </a:rPr>
+              <a:t> is formed within a </a:t>
+            </a:r>
+            <a:r>
+              <a:rPr lang="en-US" sz="2400" b="1" i="0" u="none" strike="noStrike" baseline="0" dirty="0">
+                <a:latin typeface="+mj-lt"/>
+              </a:rPr>
+              <a:t>HOMOGENEOUS FIELD</a:t>
+            </a:r>
+            <a:r>
+              <a:rPr lang="en-US" sz="2400" b="0" i="0" u="none" strike="noStrike" baseline="0" dirty="0">
+                <a:latin typeface="+mj-lt"/>
+              </a:rPr>
+              <a:t>, in which any </a:t>
+            </a:r>
+            <a:r>
+              <a:rPr lang="en-US" sz="2400" b="1" i="0" u="none" strike="noStrike" baseline="0" dirty="0">
+                <a:latin typeface="+mj-lt"/>
+              </a:rPr>
+              <a:t>RECTILINEAR SCANNING</a:t>
+            </a:r>
+            <a:r>
+              <a:rPr lang="en-US" sz="2400" b="0" i="0" u="none" strike="noStrike" baseline="0" dirty="0">
+                <a:latin typeface="+mj-lt"/>
+              </a:rPr>
+              <a:t>, suggested</a:t>
+            </a:r>
+            <a:r>
+              <a:rPr lang="en-US" sz="2400" dirty="0">
+                <a:latin typeface="+mj-lt"/>
+              </a:rPr>
+              <a:t> </a:t>
+            </a:r>
+            <a:r>
+              <a:rPr lang="en-US" sz="2400" b="0" i="0" u="none" strike="noStrike" baseline="0" dirty="0">
+                <a:latin typeface="+mj-lt"/>
+              </a:rPr>
+              <a:t>by the construction, groups identical elements. The standard differentiation between two planar systems of identification is </a:t>
+            </a:r>
+            <a:r>
+              <a:rPr lang="en-US" sz="2400" b="1" i="0" u="none" strike="noStrike" baseline="0" dirty="0">
+                <a:latin typeface="+mj-lt"/>
+              </a:rPr>
+              <a:t>ORTHOGONAL DIFFERENTIATION</a:t>
+            </a:r>
+            <a:r>
+              <a:rPr lang="en-US" sz="2400" b="0" i="0" u="none" strike="noStrike" baseline="0" dirty="0">
+                <a:latin typeface="+mj-lt"/>
+              </a:rPr>
+              <a:t>.</a:t>
+            </a:r>
+          </a:p>
+          <a:p>
+            <a:pPr marL="0" indent="0" algn="l">
+              <a:buNone/>
+            </a:pPr>
+            <a:endParaRPr lang="en-US" sz="200" b="0" i="0" u="none" strike="noStrike" baseline="0" dirty="0">
+              <a:latin typeface="+mj-lt"/>
+            </a:endParaRPr>
+          </a:p>
+          <a:p>
+            <a:pPr algn="l"/>
+            <a:r>
+              <a:rPr lang="en-US" b="0" i="0" u="none" strike="noStrike" baseline="0" dirty="0"/>
+              <a:t>a schema and a rule:</a:t>
+            </a:r>
+          </a:p>
+          <a:p>
+            <a:pPr marL="0" indent="0" algn="l">
+              <a:buNone/>
+            </a:pPr>
+            <a:r>
+              <a:rPr lang="en-US" sz="2400" b="0" i="0" u="none" strike="noStrike" baseline="0" dirty="0">
+                <a:latin typeface="+mj-lt"/>
+              </a:rPr>
+              <a:t>Any graphic problem necessitating two visual variables bases its standard construction on the following schema:</a:t>
+            </a:r>
+          </a:p>
+          <a:p>
+            <a:pPr marL="0" indent="0" algn="l">
+              <a:buNone/>
+            </a:pPr>
+            <a:endParaRPr lang="en-US" sz="1800" b="0" i="0" u="none" strike="noStrike" baseline="0" dirty="0">
+              <a:latin typeface="GlyphLessFont"/>
+            </a:endParaRPr>
+          </a:p>
+          <a:p>
+            <a:pPr marL="0" indent="0" algn="l">
+              <a:buNone/>
+            </a:pPr>
+            <a:endParaRPr lang="en-US" sz="1800" dirty="0">
+              <a:latin typeface="GlyphLessFont"/>
+            </a:endParaRPr>
+          </a:p>
+          <a:p>
+            <a:pPr algn="l"/>
+            <a:endParaRPr lang="en-US" dirty="0"/>
+          </a:p>
+        </p:txBody>
+      </p:sp>
+      <p:pic>
+        <p:nvPicPr>
+          <p:cNvPr id="5" name="Picture 4">
+            <a:extLst>
+              <a:ext uri="{FF2B5EF4-FFF2-40B4-BE49-F238E27FC236}">
+                <a16:creationId xmlns:a16="http://schemas.microsoft.com/office/drawing/2014/main" id="{74F02D58-D0F6-6BB4-3459-0A180BCCA167}"/>
+              </a:ext>
+            </a:extLst>
+          </p:cNvPr>
+          <p:cNvPicPr>
+            <a:picLocks noChangeAspect="1"/>
+          </p:cNvPicPr>
+          <p:nvPr/>
+        </p:nvPicPr>
+        <p:blipFill>
+          <a:blip r:embed="rId2"/>
+          <a:stretch>
+            <a:fillRect/>
+          </a:stretch>
+        </p:blipFill>
+        <p:spPr>
+          <a:xfrm>
+            <a:off x="6799175" y="3919100"/>
+            <a:ext cx="1955670" cy="1073314"/>
+          </a:xfrm>
+          <a:prstGeom prst="rect">
+            <a:avLst/>
+          </a:prstGeom>
+        </p:spPr>
+      </p:pic>
+      <p:pic>
+        <p:nvPicPr>
+          <p:cNvPr id="7" name="Picture 6">
+            <a:extLst>
+              <a:ext uri="{FF2B5EF4-FFF2-40B4-BE49-F238E27FC236}">
+                <a16:creationId xmlns:a16="http://schemas.microsoft.com/office/drawing/2014/main" id="{1516B40E-8E72-778B-7FB0-05B8B4647329}"/>
+              </a:ext>
+            </a:extLst>
+          </p:cNvPr>
+          <p:cNvPicPr>
+            <a:picLocks noChangeAspect="1"/>
+          </p:cNvPicPr>
+          <p:nvPr/>
+        </p:nvPicPr>
+        <p:blipFill>
+          <a:blip r:embed="rId3"/>
+          <a:stretch>
+            <a:fillRect/>
+          </a:stretch>
+        </p:blipFill>
+        <p:spPr>
+          <a:xfrm>
+            <a:off x="796957" y="4785429"/>
+            <a:ext cx="5325318" cy="1509755"/>
+          </a:xfrm>
+          <a:prstGeom prst="rect">
+            <a:avLst/>
+          </a:prstGeom>
+        </p:spPr>
+      </p:pic>
     </p:spTree>
     <p:extLst>
       <p:ext uri="{BB962C8B-B14F-4D97-AF65-F5344CB8AC3E}">
-        <p14:creationId xmlns:p14="http://schemas.microsoft.com/office/powerpoint/2010/main" val="2307513629"/>
+        <p14:creationId xmlns:p14="http://schemas.microsoft.com/office/powerpoint/2010/main" val="4132108175"/>
       </p:ext>
     </p:extLst>
   </p:cSld>
@@ -11068,7 +13444,7 @@
           <p:cNvPr id="2" name="Title 1">
             <a:extLst>
               <a:ext uri="{FF2B5EF4-FFF2-40B4-BE49-F238E27FC236}">
-                <a16:creationId xmlns:a16="http://schemas.microsoft.com/office/drawing/2014/main" id="{43A243A8-7DB9-97A7-724F-2EF60B7E0647}"/>
+                <a16:creationId xmlns:a16="http://schemas.microsoft.com/office/drawing/2014/main" id="{04B8B0C6-CE07-9272-3A4B-8DC476643B70}"/>
               </a:ext>
             </a:extLst>
           </p:cNvPr>
@@ -11081,25 +13457,23 @@
         </p:nvSpPr>
         <p:spPr>
           <a:xfrm>
-            <a:off x="737755" y="333952"/>
-            <a:ext cx="10616045" cy="1048039"/>
+            <a:off x="709448" y="365125"/>
+            <a:ext cx="10644352" cy="880351"/>
           </a:xfrm>
         </p:spPr>
         <p:txBody>
-          <a:bodyPr>
-            <a:normAutofit/>
-          </a:bodyPr>
+          <a:bodyPr/>
           <a:lstStyle/>
           <a:p>
             <a:r>
-              <a:rPr lang="en-US" altLang="zh-CN" sz="4000" b="1" dirty="0"/>
-              <a:t>5</a:t>
-            </a:r>
-            <a:r>
-              <a:rPr lang="en-US" sz="4000" b="1" dirty="0"/>
-              <a:t>. Limits of an image</a:t>
-            </a:r>
-            <a:endParaRPr lang="en-US" sz="4000" dirty="0"/>
+              <a:rPr lang="en-US" altLang="zh-CN" sz="4400" b="1" dirty="0"/>
+              <a:t>4</a:t>
+            </a:r>
+            <a:r>
+              <a:rPr lang="en-US" sz="4400" b="1" dirty="0"/>
+              <a:t>. Construction of an image</a:t>
+            </a:r>
+            <a:endParaRPr lang="en-US" dirty="0"/>
           </a:p>
         </p:txBody>
       </p:sp>
@@ -11108,7 +13482,7 @@
           <p:cNvPr id="3" name="Content Placeholder 2">
             <a:extLst>
               <a:ext uri="{FF2B5EF4-FFF2-40B4-BE49-F238E27FC236}">
-                <a16:creationId xmlns:a16="http://schemas.microsoft.com/office/drawing/2014/main" id="{DABD7E46-AE49-F6CB-391F-C67015B1BE9F}"/>
+                <a16:creationId xmlns:a16="http://schemas.microsoft.com/office/drawing/2014/main" id="{903B7158-E0BB-5178-D0E3-3E0A068FAF43}"/>
               </a:ext>
             </a:extLst>
           </p:cNvPr>
@@ -11121,22 +13495,175 @@
         </p:nvSpPr>
         <p:spPr>
           <a:xfrm>
-            <a:off x="862444" y="1465118"/>
-            <a:ext cx="10491355" cy="4711845"/>
+            <a:off x="909144" y="1355832"/>
+            <a:ext cx="10447284" cy="4761187"/>
           </a:xfrm>
         </p:spPr>
         <p:txBody>
-          <a:bodyPr/>
+          <a:bodyPr>
+            <a:normAutofit lnSpcReduction="10000"/>
+          </a:bodyPr>
           <a:lstStyle/>
           <a:p>
-            <a:endParaRPr lang="en-US" dirty="0"/>
+            <a:pPr>
+              <a:lnSpc>
+                <a:spcPct val="100000"/>
+              </a:lnSpc>
+              <a:spcBef>
+                <a:spcPts val="0"/>
+              </a:spcBef>
+            </a:pPr>
+            <a:r>
+              <a:rPr lang="en-US" sz="2400" b="0" i="0" u="none" strike="noStrike" baseline="0" dirty="0"/>
+              <a:t>The use of retinal variables in forming an </a:t>
+            </a:r>
+            <a:r>
+              <a:rPr lang="en-US" sz="2400" dirty="0"/>
+              <a:t>image:</a:t>
+            </a:r>
+          </a:p>
+          <a:p>
+            <a:pPr marL="0" indent="0" algn="l">
+              <a:buNone/>
+            </a:pPr>
+            <a:r>
+              <a:rPr lang="en-US" sz="2000" b="0" i="0" u="none" strike="noStrike" baseline="0" dirty="0">
+                <a:latin typeface="+mj-lt"/>
+              </a:rPr>
+              <a:t>1) THE IMAGE is formed by three HOMOGENEOUS and</a:t>
+            </a:r>
+            <a:r>
+              <a:rPr lang="en-US" sz="2000" dirty="0">
+                <a:latin typeface="+mj-lt"/>
+              </a:rPr>
+              <a:t> </a:t>
+            </a:r>
+            <a:r>
+              <a:rPr lang="en-US" sz="2000" b="0" i="0" u="none" strike="noStrike" baseline="0" dirty="0">
+                <a:latin typeface="+mj-lt"/>
+              </a:rPr>
+              <a:t>ORDERED variables, the two planar dimensions and an ordered retinal variable.</a:t>
+            </a:r>
+            <a:r>
+              <a:rPr lang="en-US" sz="2000" dirty="0">
+                <a:latin typeface="+mj-lt"/>
+              </a:rPr>
+              <a:t>    </a:t>
+            </a:r>
+          </a:p>
+          <a:p>
+            <a:pPr marL="0" indent="0" algn="l">
+              <a:buNone/>
+            </a:pPr>
+            <a:r>
+              <a:rPr lang="en-US" sz="2000" dirty="0">
+                <a:latin typeface="+mj-lt"/>
+              </a:rPr>
+              <a:t>2) </a:t>
+            </a:r>
+            <a:r>
+              <a:rPr lang="en-US" sz="2000" b="0" i="0" u="none" strike="noStrike" baseline="0" dirty="0">
+                <a:latin typeface="+mj-lt"/>
+              </a:rPr>
+              <a:t>For information to be represented as a single image, each of its components must be homogeneous and must correspond to an ordered concept.</a:t>
+            </a:r>
+            <a:endParaRPr lang="en-US" sz="2000" dirty="0">
+              <a:latin typeface="+mj-lt"/>
+            </a:endParaRPr>
+          </a:p>
+          <a:p>
+            <a:pPr>
+              <a:lnSpc>
+                <a:spcPct val="100000"/>
+              </a:lnSpc>
+              <a:spcBef>
+                <a:spcPts val="0"/>
+              </a:spcBef>
+            </a:pPr>
+            <a:r>
+              <a:rPr lang="en-US" sz="2400" dirty="0"/>
+              <a:t>IMAGE AND FIGURATION</a:t>
+            </a:r>
+          </a:p>
+          <a:p>
+            <a:pPr marL="0" indent="0" algn="l">
+              <a:buNone/>
+            </a:pPr>
+            <a:r>
+              <a:rPr lang="en-US" sz="2000" b="0" i="0" u="none" strike="noStrike" baseline="0" dirty="0">
+                <a:latin typeface="+mj-lt"/>
+              </a:rPr>
+              <a:t>1) IMAGE: describe the meaningful form immediately perceptible in the</a:t>
+            </a:r>
+            <a:r>
+              <a:rPr lang="en-US" sz="2000" b="1" i="0" u="none" strike="noStrike" baseline="0" dirty="0">
+                <a:latin typeface="+mj-lt"/>
+              </a:rPr>
+              <a:t> minimum instant of vision</a:t>
+            </a:r>
+            <a:r>
+              <a:rPr lang="en-US" sz="2000" b="0" i="0" u="none" strike="noStrike" baseline="0" dirty="0">
+                <a:latin typeface="+mj-lt"/>
+              </a:rPr>
+              <a:t>.</a:t>
+            </a:r>
+          </a:p>
+          <a:p>
+            <a:pPr marL="0" indent="0" algn="l">
+              <a:buNone/>
+            </a:pPr>
+            <a:r>
+              <a:rPr lang="en-US" sz="2000" dirty="0">
+                <a:latin typeface="+mj-lt"/>
+              </a:rPr>
+              <a:t>2) FIGURATION: the apparent and illusory unit defined by the sheet of paper, by a linear frame, or by a geographic boundary.</a:t>
+            </a:r>
+          </a:p>
+          <a:p>
+            <a:r>
+              <a:rPr lang="en-US" sz="2400" dirty="0"/>
+              <a:t>LEVELS OF READING IN AN IMAGE</a:t>
+            </a:r>
+          </a:p>
+          <a:p>
+            <a:pPr marL="0" indent="0">
+              <a:buNone/>
+            </a:pPr>
+            <a:r>
+              <a:rPr lang="en-US" sz="2000" dirty="0">
+                <a:latin typeface="+mj-lt"/>
+              </a:rPr>
+              <a:t>1)  the overall level: see the image as a whole, and compare it to another.</a:t>
+            </a:r>
+          </a:p>
+          <a:p>
+            <a:pPr marL="0" indent="0" algn="l">
+              <a:buNone/>
+            </a:pPr>
+            <a:r>
+              <a:rPr lang="en-US" sz="2000" dirty="0">
+                <a:latin typeface="+mj-lt"/>
+              </a:rPr>
+              <a:t>2)  the intermediate level: isolate partial images, and compare them with each other.</a:t>
+            </a:r>
+          </a:p>
+          <a:p>
+            <a:pPr marL="0" indent="0" algn="l">
+              <a:buNone/>
+            </a:pPr>
+            <a:r>
+              <a:rPr lang="en-US" sz="2000" dirty="0">
+                <a:latin typeface="+mj-lt"/>
+              </a:rPr>
+              <a:t>3) isolate only a single element and create an image for the smallest meaningful form.</a:t>
+            </a:r>
           </a:p>
         </p:txBody>
       </p:sp>
     </p:spTree>
     <p:extLst>
       <p:ext uri="{BB962C8B-B14F-4D97-AF65-F5344CB8AC3E}">
-        <p14:creationId xmlns:p14="http://schemas.microsoft.com/office/powerpoint/2010/main" val="4126077691"/>
+        <p14:creationId xmlns:p14="http://schemas.microsoft.com/office/powerpoint/2010/main" val="1504666272"/>
       </p:ext>
     </p:extLst>
   </p:cSld>
@@ -11168,7 +13695,7 @@
           <p:cNvPr id="2" name="Title 1">
             <a:extLst>
               <a:ext uri="{FF2B5EF4-FFF2-40B4-BE49-F238E27FC236}">
-                <a16:creationId xmlns:a16="http://schemas.microsoft.com/office/drawing/2014/main" id="{04B8B0C6-CE07-9272-3A4B-8DC476643B70}"/>
+                <a16:creationId xmlns:a16="http://schemas.microsoft.com/office/drawing/2014/main" id="{43A243A8-7DB9-97A7-724F-2EF60B7E0647}"/>
               </a:ext>
             </a:extLst>
           </p:cNvPr>
@@ -11179,12 +13706,27 @@
             <p:ph type="title"/>
           </p:nvPr>
         </p:nvSpPr>
-        <p:spPr/>
-        <p:txBody>
-          <a:bodyPr/>
+        <p:spPr>
+          <a:xfrm>
+            <a:off x="737755" y="333952"/>
+            <a:ext cx="10616045" cy="1048039"/>
+          </a:xfrm>
+        </p:spPr>
+        <p:txBody>
+          <a:bodyPr>
+            <a:normAutofit/>
+          </a:bodyPr>
           <a:lstStyle/>
           <a:p>
-            <a:endParaRPr lang="en-US"/>
+            <a:r>
+              <a:rPr lang="en-US" altLang="zh-CN" sz="4000" b="1" dirty="0"/>
+              <a:t>5</a:t>
+            </a:r>
+            <a:r>
+              <a:rPr lang="en-US" sz="4000" b="1" dirty="0"/>
+              <a:t>. Limits of an image</a:t>
+            </a:r>
+            <a:endParaRPr lang="en-US" sz="4000" dirty="0"/>
           </a:p>
         </p:txBody>
       </p:sp>
@@ -11193,7 +13735,7 @@
           <p:cNvPr id="3" name="Content Placeholder 2">
             <a:extLst>
               <a:ext uri="{FF2B5EF4-FFF2-40B4-BE49-F238E27FC236}">
-                <a16:creationId xmlns:a16="http://schemas.microsoft.com/office/drawing/2014/main" id="{903B7158-E0BB-5178-D0E3-3E0A068FAF43}"/>
+                <a16:creationId xmlns:a16="http://schemas.microsoft.com/office/drawing/2014/main" id="{DABD7E46-AE49-F6CB-391F-C67015B1BE9F}"/>
               </a:ext>
             </a:extLst>
           </p:cNvPr>
@@ -11204,19 +13746,129 @@
             <p:ph idx="1"/>
           </p:nvPr>
         </p:nvSpPr>
-        <p:spPr/>
+        <p:spPr>
+          <a:xfrm>
+            <a:off x="862444" y="1465118"/>
+            <a:ext cx="10491355" cy="4711845"/>
+          </a:xfrm>
+        </p:spPr>
         <p:txBody>
           <a:bodyPr/>
           <a:lstStyle/>
           <a:p>
-            <a:endParaRPr lang="en-US"/>
-          </a:p>
-        </p:txBody>
-      </p:sp>
+            <a:pPr marL="0" indent="0">
+              <a:buNone/>
+            </a:pPr>
+            <a:r>
+              <a:rPr lang="en-US" altLang="zh-CN" sz="2400" dirty="0" err="1"/>
+              <a:t>i</a:t>
+            </a:r>
+            <a:r>
+              <a:rPr lang="en-US" altLang="zh-CN" sz="2400" dirty="0"/>
+              <a:t>.    An image will not accommodate more than three variables</a:t>
+            </a:r>
+          </a:p>
+          <a:p>
+            <a:pPr marL="0" indent="0" algn="l">
+              <a:buNone/>
+            </a:pPr>
+            <a:r>
+              <a:rPr lang="en-US" sz="2000" dirty="0">
+                <a:latin typeface="+mj-lt"/>
+              </a:rPr>
+              <a:t>     </a:t>
+            </a:r>
+            <a:r>
+              <a:rPr lang="en-US" sz="2000" b="0" i="0" u="none" strike="noStrike" baseline="0" dirty="0">
+                <a:latin typeface="+mj-lt"/>
+              </a:rPr>
+              <a:t>in order to respond efficiently to all the types of question which can be generated by information:</a:t>
+            </a:r>
+          </a:p>
+          <a:p>
+            <a:pPr marL="0" indent="0" algn="l">
+              <a:buNone/>
+            </a:pPr>
+            <a:r>
+              <a:rPr lang="en-US" sz="2000" b="0" i="0" u="none" strike="noStrike" baseline="0" dirty="0">
+                <a:latin typeface="+mj-lt"/>
+              </a:rPr>
+              <a:t>     — having more than three components(in diagrams), or</a:t>
+            </a:r>
+          </a:p>
+          <a:p>
+            <a:pPr marL="0" indent="0" algn="l">
+              <a:buNone/>
+            </a:pPr>
+            <a:r>
+              <a:rPr lang="en-US" sz="2000" b="0" i="0" u="none" strike="noStrike" baseline="0" dirty="0">
+                <a:latin typeface="+mj-lt"/>
+              </a:rPr>
+              <a:t>     — having more than two components (in networks and maps)</a:t>
+            </a:r>
+            <a:endParaRPr lang="en-US" altLang="zh-CN" sz="2000" dirty="0">
+              <a:latin typeface="+mj-lt"/>
+            </a:endParaRPr>
+          </a:p>
+          <a:p>
+            <a:pPr marL="0" indent="0">
+              <a:buNone/>
+            </a:pPr>
+            <a:r>
+              <a:rPr lang="en-US" sz="2400" dirty="0"/>
+              <a:t>ii.    An image will only accommodate a reorderable component</a:t>
+            </a:r>
+          </a:p>
+          <a:p>
+            <a:pPr marL="0" indent="0" algn="l">
+              <a:buNone/>
+            </a:pPr>
+            <a:r>
+              <a:rPr lang="en-US" sz="2000" b="0" i="0" u="none" strike="noStrike" baseline="0" dirty="0">
+                <a:latin typeface="+mj-lt"/>
+              </a:rPr>
+              <a:t>     We could thus superimpose several images in a figuration, and it would still remain efficient, provided that the images were not very numerous, that they were very simple, and were differentiated in the most efficient graphic manner.</a:t>
+            </a:r>
+            <a:endParaRPr lang="en-US" sz="2000" dirty="0">
+              <a:latin typeface="+mj-lt"/>
+            </a:endParaRPr>
+          </a:p>
+        </p:txBody>
+      </p:sp>
+      <p:pic>
+        <p:nvPicPr>
+          <p:cNvPr id="7" name="Picture 6">
+            <a:extLst>
+              <a:ext uri="{FF2B5EF4-FFF2-40B4-BE49-F238E27FC236}">
+                <a16:creationId xmlns:a16="http://schemas.microsoft.com/office/drawing/2014/main" id="{347D0561-46F1-E4E4-4AB2-D321EB196CAF}"/>
+              </a:ext>
+            </a:extLst>
+          </p:cNvPr>
+          <p:cNvPicPr>
+            <a:picLocks noChangeAspect="1"/>
+          </p:cNvPicPr>
+          <p:nvPr/>
+        </p:nvPicPr>
+        <p:blipFill>
+          <a:blip r:embed="rId2"/>
+          <a:stretch>
+            <a:fillRect/>
+          </a:stretch>
+        </p:blipFill>
+        <p:spPr>
+          <a:xfrm>
+            <a:off x="6622004" y="4479030"/>
+            <a:ext cx="2826796" cy="1247612"/>
+          </a:xfrm>
+          <a:prstGeom prst="rect">
+            <a:avLst/>
+          </a:prstGeom>
+        </p:spPr>
+      </p:pic>
     </p:spTree>
     <p:extLst>
       <p:ext uri="{BB962C8B-B14F-4D97-AF65-F5344CB8AC3E}">
-        <p14:creationId xmlns:p14="http://schemas.microsoft.com/office/powerpoint/2010/main" val="1504666272"/>
+        <p14:creationId xmlns:p14="http://schemas.microsoft.com/office/powerpoint/2010/main" val="4126077691"/>
       </p:ext>
     </p:extLst>
   </p:cSld>
